--- a/lectures/lecture-15/Lecture 15 - Lecture.pptx
+++ b/lectures/lecture-15/Lecture 15 - Lecture.pptx
@@ -843,7 +843,7 @@
           <a:p>
             <a:fld id="{3A2BF66F-FEB0-48C1-A8B9-A73F54BB1A08}" type="datetimeFigureOut">
               <a:rPr lang="en-US" smtClean="0"/>
-              <a:t>7/20/2021</a:t>
+              <a:t>7/21/2021</a:t>
             </a:fld>
             <a:endParaRPr lang="en-US" dirty="0"/>
           </a:p>
@@ -1051,7 +1051,7 @@
           <a:p>
             <a:fld id="{3A2BF66F-FEB0-48C1-A8B9-A73F54BB1A08}" type="datetimeFigureOut">
               <a:rPr lang="en-US" smtClean="0"/>
-              <a:t>7/20/2021</a:t>
+              <a:t>7/21/2021</a:t>
             </a:fld>
             <a:endParaRPr lang="en-US" dirty="0"/>
           </a:p>
@@ -1269,7 +1269,7 @@
           <a:p>
             <a:fld id="{3A2BF66F-FEB0-48C1-A8B9-A73F54BB1A08}" type="datetimeFigureOut">
               <a:rPr lang="en-US" smtClean="0"/>
-              <a:t>7/20/2021</a:t>
+              <a:t>7/21/2021</a:t>
             </a:fld>
             <a:endParaRPr lang="en-US" dirty="0"/>
           </a:p>
@@ -1477,7 +1477,7 @@
           <a:p>
             <a:fld id="{3A2BF66F-FEB0-48C1-A8B9-A73F54BB1A08}" type="datetimeFigureOut">
               <a:rPr lang="en-US" smtClean="0"/>
-              <a:t>7/20/2021</a:t>
+              <a:t>7/21/2021</a:t>
             </a:fld>
             <a:endParaRPr lang="en-US" dirty="0"/>
           </a:p>
@@ -1762,7 +1762,7 @@
           <a:p>
             <a:fld id="{3A2BF66F-FEB0-48C1-A8B9-A73F54BB1A08}" type="datetimeFigureOut">
               <a:rPr lang="en-US" smtClean="0"/>
-              <a:t>7/20/2021</a:t>
+              <a:t>7/21/2021</a:t>
             </a:fld>
             <a:endParaRPr lang="en-US" dirty="0"/>
           </a:p>
@@ -2037,7 +2037,7 @@
           <a:p>
             <a:fld id="{3A2BF66F-FEB0-48C1-A8B9-A73F54BB1A08}" type="datetimeFigureOut">
               <a:rPr lang="en-US" smtClean="0"/>
-              <a:t>7/20/2021</a:t>
+              <a:t>7/21/2021</a:t>
             </a:fld>
             <a:endParaRPr lang="en-US" dirty="0"/>
           </a:p>
@@ -2459,7 +2459,7 @@
           <a:p>
             <a:fld id="{3A2BF66F-FEB0-48C1-A8B9-A73F54BB1A08}" type="datetimeFigureOut">
               <a:rPr lang="en-US" smtClean="0"/>
-              <a:t>7/20/2021</a:t>
+              <a:t>7/21/2021</a:t>
             </a:fld>
             <a:endParaRPr lang="en-US" dirty="0"/>
           </a:p>
@@ -2610,7 +2610,7 @@
           <a:p>
             <a:fld id="{3A2BF66F-FEB0-48C1-A8B9-A73F54BB1A08}" type="datetimeFigureOut">
               <a:rPr lang="en-US" smtClean="0"/>
-              <a:t>7/20/2021</a:t>
+              <a:t>7/21/2021</a:t>
             </a:fld>
             <a:endParaRPr lang="en-US" dirty="0"/>
           </a:p>
@@ -2733,7 +2733,7 @@
           <a:p>
             <a:fld id="{3A2BF66F-FEB0-48C1-A8B9-A73F54BB1A08}" type="datetimeFigureOut">
               <a:rPr lang="en-US" smtClean="0"/>
-              <a:t>7/20/2021</a:t>
+              <a:t>7/21/2021</a:t>
             </a:fld>
             <a:endParaRPr lang="en-US" dirty="0"/>
           </a:p>
@@ -3053,7 +3053,7 @@
           <a:p>
             <a:fld id="{3A2BF66F-FEB0-48C1-A8B9-A73F54BB1A08}" type="datetimeFigureOut">
               <a:rPr lang="en-US" smtClean="0"/>
-              <a:t>7/20/2021</a:t>
+              <a:t>7/21/2021</a:t>
             </a:fld>
             <a:endParaRPr lang="en-US" dirty="0"/>
           </a:p>
@@ -3351,7 +3351,7 @@
           <a:p>
             <a:fld id="{3A2BF66F-FEB0-48C1-A8B9-A73F54BB1A08}" type="datetimeFigureOut">
               <a:rPr lang="en-US" smtClean="0"/>
-              <a:t>7/20/2021</a:t>
+              <a:t>7/21/2021</a:t>
             </a:fld>
             <a:endParaRPr lang="en-US" dirty="0"/>
           </a:p>
@@ -3602,7 +3602,7 @@
           <a:p>
             <a:fld id="{3A2BF66F-FEB0-48C1-A8B9-A73F54BB1A08}" type="datetimeFigureOut">
               <a:rPr lang="en-US" smtClean="0"/>
-              <a:t>7/20/2021</a:t>
+              <a:t>7/21/2021</a:t>
             </a:fld>
             <a:endParaRPr lang="en-US" dirty="0"/>
           </a:p>
@@ -4565,7 +4565,7 @@
         </p:spPr>
         <p:txBody>
           <a:bodyPr>
-            <a:normAutofit/>
+            <a:normAutofit lnSpcReduction="10000"/>
           </a:bodyPr>
           <a:lstStyle/>
           <a:p>
@@ -4580,6 +4580,25 @@
             <a:r>
               <a:rPr lang="en-US" dirty="0" err="1"/>
               <a:t>11:59pm</a:t>
+            </a:r>
+            <a:endParaRPr lang="en-US" dirty="0"/>
+          </a:p>
+          <a:p>
+            <a:pPr lvl="1"/>
+            <a:r>
+              <a:rPr lang="en-US" dirty="0"/>
+              <a:t>90% resubmission – due Friday of Week 10</a:t>
+            </a:r>
+          </a:p>
+          <a:p>
+            <a:pPr lvl="1"/>
+            <a:r>
+              <a:rPr lang="en-US" dirty="0"/>
+              <a:t>Required for full points on </a:t>
+            </a:r>
+            <a:r>
+              <a:rPr lang="en-US" dirty="0" err="1"/>
+              <a:t>PA9</a:t>
             </a:r>
             <a:endParaRPr lang="en-US" dirty="0"/>
           </a:p>

--- a/lectures/lecture-15/Lecture 15 - Lecture.pptx
+++ b/lectures/lecture-15/Lecture 15 - Lecture.pptx
@@ -149,6 +149,1939 @@
     </p:ext>
   </p:extLst>
 </p:presentation>
+</file>
+
+<file path=ppt/ink/ink1.xml><?xml version="1.0" encoding="utf-8"?>
+<inkml:ink xmlns:inkml="http://www.w3.org/2003/InkML">
+  <inkml:definitions>
+    <inkml:context xml:id="ctx0">
+      <inkml:inkSource xml:id="inkSrc0">
+        <inkml:traceFormat>
+          <inkml:channel name="X" type="integer" min="-2.14748E9" max="2.14748E9" units="cm"/>
+          <inkml:channel name="Y" type="integer" min="-2.14748E9" max="2.14748E9" units="cm"/>
+          <inkml:channel name="F" type="integer" max="32767" units="dev"/>
+          <inkml:channel name="OA" type="integer" max="360" units="deg"/>
+          <inkml:channel name="OE" type="integer" max="90" units="deg"/>
+        </inkml:traceFormat>
+        <inkml:channelProperties>
+          <inkml:channelProperty channel="X" name="resolution" value="1000" units="1/cm"/>
+          <inkml:channelProperty channel="Y" name="resolution" value="1000" units="1/cm"/>
+          <inkml:channelProperty channel="F" name="resolution" value="0" units="1/dev"/>
+          <inkml:channelProperty channel="OA" name="resolution" value="1000" units="1/deg"/>
+          <inkml:channelProperty channel="OE" name="resolution" value="1000" units="1/deg"/>
+        </inkml:channelProperties>
+      </inkml:inkSource>
+      <inkml:timestamp xml:id="ts0" timeString="2021-07-21T16:30:57.571"/>
+    </inkml:context>
+    <inkml:brush xml:id="br0">
+      <inkml:brushProperty name="width" value="0.05" units="cm"/>
+      <inkml:brushProperty name="height" value="0.05" units="cm"/>
+      <inkml:brushProperty name="color" value="#FF0066"/>
+    </inkml:brush>
+  </inkml:definitions>
+  <inkml:trace contextRef="#ctx0" brushRef="#br0">110 43 1840 0 0,'-10'0'235'0'0,"-21"-2"539"0"0,11-6 5818 0 0,17 6-6152 0 0,1 0 1 0 0,-1 0-1 0 0,1 0 0 0 0,0-1 0 0 0,0 1 1 0 0,0 0-1 0 0,-3-5 0 0 0,0 0 2421 0 0,5 6-2692 0 0,-1 1 0 0 0,1-1 1 0 0,-1 1-1 0 0,1 0 1 0 0,-1 0-1 0 0,1-1 1 0 0,-1 1-1 0 0,0 0 1 0 0,1 0-1 0 0,-1 0 1 0 0,1-1-1 0 0,-1 1 1 0 0,0 0-1 0 0,1 0 1 0 0,-1 0-1 0 0,1 0 1 0 0,-1 0-1 0 0,0 0 1 0 0,1 0-1 0 0,-1 0 1 0 0,1 1-1 0 0,-1-1 1 0 0,0 0-1 0 0,1 0 1 0 0,-1 0-1 0 0,1 1 0 0 0,-1-1 1 0 0,1 0-1 0 0,-1 0 1 0 0,1 1-1 0 0,-1-1 1 0 0,1 1-1 0 0,-1-1 1 0 0,1 0-1 0 0,0 1 1 0 0,-1-1-1 0 0,1 1 1 0 0,-1-1-1 0 0,1 1 1 0 0,0-1-1 0 0,0 1 1 0 0,-1-1-1 0 0,1 2 1 0 0,13 15 1967 0 0,-13-16-2111 0 0,1-1 0 0 0,-1 1 0 0 0,1-1 0 0 0,0 0 0 0 0,-1 1 0 0 0,1-1 0 0 0,-1 1 0 0 0,1-1 0 0 0,0 0 1 0 0,-1 0-1 0 0,1 1 0 0 0,0-1 0 0 0,-1 0 0 0 0,1 0 0 0 0,0 0 0 0 0,1 0 0 0 0,1 1 39 0 0,20 7 296 0 0,0-2 1 0 0,0-1-1 0 0,25 3 1 0 0,71 2 592 0 0,9-11-327 0 0,11 0-213 0 0,6 9 3 0 0,58 5-69 0 0,-96 4-163 0 0,0 0 113 0 0,-86-15-260 0 0,20 2 221 0 0,0-1-1 0 0,0-3 1 0 0,43-4-1 0 0,59-8-3 0 0,-78 5 23 0 0,-54 6-236 0 0,-7 0-19 0 0,1 1 0 0 0,-1-1 0 0 0,0 0 0 0 0,0 0 0 0 0,0 0 0 0 0,7-4 0 0 0,-10 5-20 0 0,4-6-37 0 0,-5 5-115 0 0</inkml:trace>
+</inkml:ink>
+</file>
+
+<file path=ppt/ink/ink10.xml><?xml version="1.0" encoding="utf-8"?>
+<inkml:ink xmlns:inkml="http://www.w3.org/2003/InkML">
+  <inkml:definitions>
+    <inkml:context xml:id="ctx0">
+      <inkml:inkSource xml:id="inkSrc0">
+        <inkml:traceFormat>
+          <inkml:channel name="X" type="integer" min="-2.14748E9" max="2.14748E9" units="cm"/>
+          <inkml:channel name="Y" type="integer" min="-2.14748E9" max="2.14748E9" units="cm"/>
+          <inkml:channel name="F" type="integer" max="32767" units="dev"/>
+          <inkml:channel name="OA" type="integer" max="360" units="deg"/>
+          <inkml:channel name="OE" type="integer" max="90" units="deg"/>
+        </inkml:traceFormat>
+        <inkml:channelProperties>
+          <inkml:channelProperty channel="X" name="resolution" value="1000" units="1/cm"/>
+          <inkml:channelProperty channel="Y" name="resolution" value="1000" units="1/cm"/>
+          <inkml:channelProperty channel="F" name="resolution" value="0" units="1/dev"/>
+          <inkml:channelProperty channel="OA" name="resolution" value="1000" units="1/deg"/>
+          <inkml:channelProperty channel="OE" name="resolution" value="1000" units="1/deg"/>
+        </inkml:channelProperties>
+      </inkml:inkSource>
+      <inkml:timestamp xml:id="ts0" timeString="2021-07-21T16:31:52.385"/>
+    </inkml:context>
+    <inkml:brush xml:id="br0">
+      <inkml:brushProperty name="width" value="0.05" units="cm"/>
+      <inkml:brushProperty name="height" value="0.05" units="cm"/>
+      <inkml:brushProperty name="color" value="#FF0066"/>
+    </inkml:brush>
+  </inkml:definitions>
+  <inkml:trace contextRef="#ctx0" brushRef="#br0">104 0 19695 0 0,'-3'8'1787'0'0,"0"-2"-1595"0"0,0 1 0 0 0,0-1 0 0 0,1 1-1 0 0,0 0 1 0 0,0 0 0 0 0,1 0 0 0 0,-1 10 0 0 0,0 52 2947 0 0,2-50-2717 0 0,26 409 2623 0 0,-25-416-3091 0 0,0 5-508 0 0,1 0 0 0 0,0 0-1 0 0,2 0 1 0 0,9 31 0 0 0,-9-42-1029 0 0</inkml:trace>
+  <inkml:trace contextRef="#ctx0" brushRef="#br0" timeOffset="1">0 368 23039 0 0,'0'0'2960'0'0,"15"3"-896"0"0,4-5-1725 0 0,1-1 0 0 0,-1 0-1 0 0,1-1 1 0 0,31-12 0 0 0,-11 3-818 0 0,-39 13 457 0 0,45-14-1651 0 0,-15 3-5475 0 0,-6 2-1639 0 0</inkml:trace>
+</inkml:ink>
+</file>
+
+<file path=ppt/ink/ink11.xml><?xml version="1.0" encoding="utf-8"?>
+<inkml:ink xmlns:inkml="http://www.w3.org/2003/InkML">
+  <inkml:definitions>
+    <inkml:context xml:id="ctx0">
+      <inkml:inkSource xml:id="inkSrc0">
+        <inkml:traceFormat>
+          <inkml:channel name="X" type="integer" min="-2.14748E9" max="2.14748E9" units="cm"/>
+          <inkml:channel name="Y" type="integer" min="-2.14748E9" max="2.14748E9" units="cm"/>
+          <inkml:channel name="F" type="integer" max="32767" units="dev"/>
+          <inkml:channel name="OA" type="integer" max="360" units="deg"/>
+          <inkml:channel name="OE" type="integer" max="90" units="deg"/>
+        </inkml:traceFormat>
+        <inkml:channelProperties>
+          <inkml:channelProperty channel="X" name="resolution" value="1000" units="1/cm"/>
+          <inkml:channelProperty channel="Y" name="resolution" value="1000" units="1/cm"/>
+          <inkml:channelProperty channel="F" name="resolution" value="0" units="1/dev"/>
+          <inkml:channelProperty channel="OA" name="resolution" value="1000" units="1/deg"/>
+          <inkml:channelProperty channel="OE" name="resolution" value="1000" units="1/deg"/>
+        </inkml:channelProperties>
+      </inkml:inkSource>
+      <inkml:timestamp xml:id="ts0" timeString="2021-07-21T16:31:52.868"/>
+    </inkml:context>
+    <inkml:brush xml:id="br0">
+      <inkml:brushProperty name="width" value="0.05" units="cm"/>
+      <inkml:brushProperty name="height" value="0.05" units="cm"/>
+      <inkml:brushProperty name="color" value="#FF0066"/>
+    </inkml:brush>
+  </inkml:definitions>
+  <inkml:trace contextRef="#ctx0" brushRef="#br0">160 33 4144 0 0,'6'-7'428'0'0,"11"-18"15349"0"0,-21 41-12703 0 0,-17 38-1589 0 0,-11 29-820 0 0,0 18-163 0 0,-22 76 787 0 0,40-122-869 0 0,-9 71 0 0 0,21-112-343 0 0,1 1 0 0 0,1 24 0 0 0,1-34-96 0 0,-1-1-1 0 0,1 0 1 0 0,-1 0-1 0 0,1 0 1 0 0,1 0-1 0 0,-1 0 0 0 0,0 0 1 0 0,1 0-1 0 0,0 0 1 0 0,0 0-1 0 0,0-1 1 0 0,0 1-1 0 0,1-1 0 0 0,2 4 1 0 0,-4-6-23 0 0,1 0-1 0 0,-1 0 1 0 0,0 0 0 0 0,1 0-1 0 0,-1-1 1 0 0,1 1 0 0 0,-1 0 0 0 0,0-1-1 0 0,1 1 1 0 0,0-1 0 0 0,-1 0-1 0 0,1 1 1 0 0,-1-1 0 0 0,1 0 0 0 0,-1 0-1 0 0,1 0 1 0 0,0 0 0 0 0,-1 0-1 0 0,1 0 1 0 0,-1-1 0 0 0,1 1 0 0 0,-1 0-1 0 0,1-1 1 0 0,-1 1 0 0 0,2-2-1 0 0,2 0-446 0 0,0 0-1 0 0,0 0 1 0 0,-1-1-1 0 0,1 0 0 0 0,-1 0 1 0 0,5-5-1 0 0,13-11-8125 0 0</inkml:trace>
+</inkml:ink>
+</file>
+
+<file path=ppt/ink/ink12.xml><?xml version="1.0" encoding="utf-8"?>
+<inkml:ink xmlns:inkml="http://www.w3.org/2003/InkML">
+  <inkml:definitions>
+    <inkml:context xml:id="ctx0">
+      <inkml:inkSource xml:id="inkSrc0">
+        <inkml:traceFormat>
+          <inkml:channel name="X" type="integer" min="-2.14748E9" max="2.14748E9" units="cm"/>
+          <inkml:channel name="Y" type="integer" min="-2.14748E9" max="2.14748E9" units="cm"/>
+          <inkml:channel name="F" type="integer" max="32767" units="dev"/>
+          <inkml:channel name="OA" type="integer" max="360" units="deg"/>
+          <inkml:channel name="OE" type="integer" max="90" units="deg"/>
+        </inkml:traceFormat>
+        <inkml:channelProperties>
+          <inkml:channelProperty channel="X" name="resolution" value="1000" units="1/cm"/>
+          <inkml:channelProperty channel="Y" name="resolution" value="1000" units="1/cm"/>
+          <inkml:channelProperty channel="F" name="resolution" value="0" units="1/dev"/>
+          <inkml:channelProperty channel="OA" name="resolution" value="1000" units="1/deg"/>
+          <inkml:channelProperty channel="OE" name="resolution" value="1000" units="1/deg"/>
+        </inkml:channelProperties>
+      </inkml:inkSource>
+      <inkml:timestamp xml:id="ts0" timeString="2021-07-21T16:31:53.229"/>
+    </inkml:context>
+    <inkml:brush xml:id="br0">
+      <inkml:brushProperty name="width" value="0.05" units="cm"/>
+      <inkml:brushProperty name="height" value="0.05" units="cm"/>
+      <inkml:brushProperty name="color" value="#FF0066"/>
+    </inkml:brush>
+  </inkml:definitions>
+  <inkml:trace contextRef="#ctx0" brushRef="#br0">43 1 8288 0 0,'0'0'8362'0'0,"-3"5"-5935"0"0,-3 3-540 0 0,1 0-1 0 0,-7 15 1 0 0,9-17-2172 0 0,0 1-1 0 0,1 0 1 0 0,0 0 0 0 0,0 0-1 0 0,1 0 1 0 0,-1 0-1 0 0,1 11 1 0 0,17-14-3398 0 0,-7-7 1226 0 0,2-3-3673 0 0</inkml:trace>
+  <inkml:trace contextRef="#ctx0" brushRef="#br0" timeOffset="1">172 1 15664 0 0,'0'0'1695'0'0,"0"10"-1695"0"0,-3-3 0 0 0,1 6 0 0 0,-1-1 1120 0 0,-3 3 184 0 0,4 0 40 0 0,-4 5 0 0 0,-3 3-808 0 0,1-1-168 0 0,3 1-32 0 0,-2-3-8 0 0,-1 3-328 0 0,5-4-160 0 0,1-4 8 0 0,-1 1-9351 0 0</inkml:trace>
+</inkml:ink>
+</file>
+
+<file path=ppt/ink/ink13.xml><?xml version="1.0" encoding="utf-8"?>
+<inkml:ink xmlns:inkml="http://www.w3.org/2003/InkML">
+  <inkml:definitions>
+    <inkml:context xml:id="ctx0">
+      <inkml:inkSource xml:id="inkSrc0">
+        <inkml:traceFormat>
+          <inkml:channel name="X" type="integer" min="-2.14748E9" max="2.14748E9" units="cm"/>
+          <inkml:channel name="Y" type="integer" min="-2.14748E9" max="2.14748E9" units="cm"/>
+          <inkml:channel name="F" type="integer" max="32767" units="dev"/>
+          <inkml:channel name="OA" type="integer" max="360" units="deg"/>
+          <inkml:channel name="OE" type="integer" max="90" units="deg"/>
+        </inkml:traceFormat>
+        <inkml:channelProperties>
+          <inkml:channelProperty channel="X" name="resolution" value="1000" units="1/cm"/>
+          <inkml:channelProperty channel="Y" name="resolution" value="1000" units="1/cm"/>
+          <inkml:channelProperty channel="F" name="resolution" value="0" units="1/dev"/>
+          <inkml:channelProperty channel="OA" name="resolution" value="1000" units="1/deg"/>
+          <inkml:channelProperty channel="OE" name="resolution" value="1000" units="1/deg"/>
+        </inkml:channelProperties>
+      </inkml:inkSource>
+      <inkml:timestamp xml:id="ts0" timeString="2021-07-21T16:31:55.286"/>
+    </inkml:context>
+    <inkml:brush xml:id="br0">
+      <inkml:brushProperty name="width" value="0.05" units="cm"/>
+      <inkml:brushProperty name="height" value="0.05" units="cm"/>
+      <inkml:brushProperty name="color" value="#FF0066"/>
+    </inkml:brush>
+  </inkml:definitions>
+  <inkml:trace contextRef="#ctx0" brushRef="#br0">213 578 5472 0 0,'0'0'8128'0'0,"14"4"-2401"0"0,-14-22-4191 0 0,-1 1 0 0 0,-4-25 0 0 0,-23-146 96 0 0,-13 28-1310 0 0,33 129-37 0 0,5 21-196 0 0,0 0-1 0 0,1 0 0 0 0,0 0 1 0 0,1 0-1 0 0,0 0 0 0 0,1-14 1 0 0,0 22-72 0 0,0 0 1 0 0,0 0 0 0 0,1 0-1 0 0,-1 0 1 0 0,1 0 0 0 0,-1 0-1 0 0,1 1 1 0 0,0-1 0 0 0,0 0 0 0 0,-1 0-1 0 0,1 1 1 0 0,1-1 0 0 0,-1 0-1 0 0,0 1 1 0 0,0-1 0 0 0,0 1-1 0 0,1-1 1 0 0,1 0 0 0 0,-1 0 0 0 0,1 1 0 0 0,-1 0 0 0 0,0 1 0 0 0,0-1 0 0 0,1 0 0 0 0,-1 1 0 0 0,0-1 0 0 0,1 1 0 0 0,-1 0 0 0 0,1-1 0 0 0,-1 1 0 0 0,0 0 0 0 0,1 1 0 0 0,3-1 0 0 0,7 3-18 0 0,1 0 0 0 0,-1 0 0 0 0,0 2 0 0 0,1-1 0 0 0,-2 2 0 0 0,1-1 0 0 0,-1 2 0 0 0,0 0 0 0 0,0 0 0 0 0,-1 1 0 0 0,0 0 0 0 0,17 18 0 0 0,-23-22 4 0 0,-1 1 1 0 0,0 1-1 0 0,0-1 0 0 0,-1 0 1 0 0,0 1-1 0 0,0 0 0 0 0,0-1 0 0 0,-1 1 1 0 0,1 0-1 0 0,-1 1 0 0 0,-1-1 1 0 0,1 0-1 0 0,0 10 0 0 0,-2-8 9 0 0,0 0 1 0 0,0-1-1 0 0,-1 1 0 0 0,0 0 0 0 0,0 0 0 0 0,-1 0 1 0 0,0-1-1 0 0,0 1 0 0 0,-7 14 0 0 0,3-11 1 0 0,0 0 0 0 0,-1 0-1 0 0,0-1 1 0 0,-1 0 0 0 0,0 0-1 0 0,-1 0 1 0 0,0-1 0 0 0,0-1 0 0 0,-1 0-1 0 0,0 0 1 0 0,0 0 0 0 0,-1-2-1 0 0,-16 9 1 0 0,12-8-90 0 0,-1-1 0 0 0,0 0 0 0 0,-1-1 0 0 0,-27 4 0 0 0,33-7 34 0 0,0-2 0 0 0,0 1 0 0 0,0-1-1 0 0,0-1 1 0 0,1 0 0 0 0,-1 0 0 0 0,0-1-1 0 0,-13-5 1 0 0,5-3 88 0 0,7 3 42 0 0,12 6-70 0 0,0 1 1 0 0,0 0-1 0 0,0 0 1 0 0,0 0-1 0 0,0 0 1 0 0,-1-1-1 0 0,1 1 1 0 0,0 0 0 0 0,0 0-1 0 0,0 0 1 0 0,0-1-1 0 0,0 1 1 0 0,0 0-1 0 0,0 0 1 0 0,0 0-1 0 0,0-1 1 0 0,0 1 0 0 0,0 0-1 0 0,0 0 1 0 0,0 0-1 0 0,0-1 1 0 0,0 1-1 0 0,0 0 1 0 0,0 0-1 0 0,0-1 1 0 0,0 1 0 0 0,0 0-1 0 0,0 0 1 0 0,0 0-1 0 0,0-1 1 0 0,0 1-1 0 0,0 0 1 0 0,0 0-1 0 0,1 0 1 0 0,-1 0 0 0 0,0-1-1 0 0,0 1 1 0 0,0 0-1 0 0,0 0 1 0 0,1 0-1 0 0,-1 0 1 0 0,0 0 0 0 0,0-1-1 0 0,0 1 1 0 0,0 0-1 0 0,1 0 1 0 0,-1 0-1 0 0,0 0 1 0 0,9-6 418 0 0,-4 4-329 0 0,0 1-1 0 0,0-1 0 0 0,0 1 1 0 0,0 1-1 0 0,0-1 1 0 0,0 1-1 0 0,9 0 1 0 0,38 6 307 0 0,-30-3-315 0 0,13 3-133 0 0,-1 1 0 0 0,45 17 0 0 0,-66-21-158 0 0,-7 0-70 0 0,1-2 0 0 0,-1 1-1 0 0,1-1 1 0 0,0 0-1 0 0,13 0 1 0 0,-17-1-209 0 0,0 0 0 0 0,1-1 0 0 0,-1 1 0 0 0,0-1 0 0 0,0 0 0 0 0,0 0 0 0 0,0 0 0 0 0,6-3 0 0 0,6-6-8280 0 0</inkml:trace>
+</inkml:ink>
+</file>
+
+<file path=ppt/ink/ink14.xml><?xml version="1.0" encoding="utf-8"?>
+<inkml:ink xmlns:inkml="http://www.w3.org/2003/InkML">
+  <inkml:definitions>
+    <inkml:context xml:id="ctx0">
+      <inkml:inkSource xml:id="inkSrc0">
+        <inkml:traceFormat>
+          <inkml:channel name="X" type="integer" min="-2.14748E9" max="2.14748E9" units="cm"/>
+          <inkml:channel name="Y" type="integer" min="-2.14748E9" max="2.14748E9" units="cm"/>
+          <inkml:channel name="F" type="integer" max="32767" units="dev"/>
+          <inkml:channel name="OA" type="integer" max="360" units="deg"/>
+          <inkml:channel name="OE" type="integer" max="90" units="deg"/>
+        </inkml:traceFormat>
+        <inkml:channelProperties>
+          <inkml:channelProperty channel="X" name="resolution" value="1000" units="1/cm"/>
+          <inkml:channelProperty channel="Y" name="resolution" value="1000" units="1/cm"/>
+          <inkml:channelProperty channel="F" name="resolution" value="0" units="1/dev"/>
+          <inkml:channelProperty channel="OA" name="resolution" value="1000" units="1/deg"/>
+          <inkml:channelProperty channel="OE" name="resolution" value="1000" units="1/deg"/>
+        </inkml:channelProperties>
+      </inkml:inkSource>
+      <inkml:timestamp xml:id="ts0" timeString="2021-07-21T16:31:55.645"/>
+    </inkml:context>
+    <inkml:brush xml:id="br0">
+      <inkml:brushProperty name="width" value="0.05" units="cm"/>
+      <inkml:brushProperty name="height" value="0.05" units="cm"/>
+      <inkml:brushProperty name="color" value="#FF0066"/>
+    </inkml:brush>
+  </inkml:definitions>
+  <inkml:trace contextRef="#ctx0" brushRef="#br0">23 23 8288 0 0,'3'-23'14054'0'0,"-14"43"-13047"0"0,9-14-997 0 0,-1 0 0 0 0,1 0 1 0 0,0 1-1 0 0,-3 11 0 0 0,5-17-112 0 0,0 0 0 0 0,0 0 0 0 0,-1 1-1 0 0,1-1 1 0 0,0 0 0 0 0,0 0 0 0 0,0 1-1 0 0,1-1 1 0 0,-1 0 0 0 0,0 0 0 0 0,0 1-1 0 0,1-1 1 0 0,-1 0 0 0 0,0 0 0 0 0,1 0-1 0 0,0 0 1 0 0,-1 1 0 0 0,1-1 0 0 0,-1 0 0 0 0,1 0-1 0 0,0 0 1 0 0,0 0 0 0 0,0 0 0 0 0,0-1-1 0 0,0 1 1 0 0,0 0 0 0 0,0 0 0 0 0,0 0-1 0 0,0-1 1 0 0,0 1 0 0 0,1 0 0 0 0,0-1-169 0 0,-1 0 0 0 0,1 0 0 0 0,-1 0 0 0 0,0 0 0 0 0,1 0 0 0 0,-1 0 0 0 0,0 0 0 0 0,1-1 0 0 0,-1 1 1 0 0,1 0-1 0 0,-1-1 0 0 0,0 1 0 0 0,0-1 0 0 0,1 0 0 0 0,1-1 0 0 0,-2 2-29 0 0,8-6-1698 0 0</inkml:trace>
+  <inkml:trace contextRef="#ctx0" brushRef="#br0" timeOffset="1">137 13 5064 0 0,'1'1'10640'0'0,"6"10"-8807"0"0,-5-6-1312 0 0,0 0 0 0 0,-1 0 0 0 0,0 0 0 0 0,0 1 0 0 0,0-1 0 0 0,0 0 0 0 0,-1 10 0 0 0,1-7-1059 0 0,-1-1-1 0 0,4 15 1 0 0,-2-12-6656 0 0</inkml:trace>
+</inkml:ink>
+</file>
+
+<file path=ppt/ink/ink15.xml><?xml version="1.0" encoding="utf-8"?>
+<inkml:ink xmlns:inkml="http://www.w3.org/2003/InkML">
+  <inkml:definitions>
+    <inkml:context xml:id="ctx0">
+      <inkml:inkSource xml:id="inkSrc0">
+        <inkml:traceFormat>
+          <inkml:channel name="X" type="integer" min="-2.14748E9" max="2.14748E9" units="cm"/>
+          <inkml:channel name="Y" type="integer" min="-2.14748E9" max="2.14748E9" units="cm"/>
+          <inkml:channel name="F" type="integer" max="32767" units="dev"/>
+          <inkml:channel name="OA" type="integer" max="360" units="deg"/>
+          <inkml:channel name="OE" type="integer" max="90" units="deg"/>
+        </inkml:traceFormat>
+        <inkml:channelProperties>
+          <inkml:channelProperty channel="X" name="resolution" value="1000" units="1/cm"/>
+          <inkml:channelProperty channel="Y" name="resolution" value="1000" units="1/cm"/>
+          <inkml:channelProperty channel="F" name="resolution" value="0" units="1/dev"/>
+          <inkml:channelProperty channel="OA" name="resolution" value="1000" units="1/deg"/>
+          <inkml:channelProperty channel="OE" name="resolution" value="1000" units="1/deg"/>
+        </inkml:channelProperties>
+      </inkml:inkSource>
+      <inkml:timestamp xml:id="ts0" timeString="2021-07-21T16:31:56.070"/>
+    </inkml:context>
+    <inkml:brush xml:id="br0">
+      <inkml:brushProperty name="width" value="0.05" units="cm"/>
+      <inkml:brushProperty name="height" value="0.05" units="cm"/>
+      <inkml:brushProperty name="color" value="#FF0066"/>
+    </inkml:brush>
+  </inkml:definitions>
+  <inkml:trace contextRef="#ctx0" brushRef="#br0">116 1 19583 0 0,'0'0'1772'0'0,"1"17"-1305"0"0,10 24 2787 0 0,-1-10-2339 0 0,1 18-152 0 0,-3 0-1 0 0,4 97 1 0 0,-13-69-500 0 0,-12 92 1 0 0,9-136-175 0 0,-12 42 1 0 0,11-59-26 0 0,0 1 1 0 0,-1-2-1 0 0,0 1 1 0 0,-14 21-1 0 0,18-32 23 0 0,-1-1 0 0 0,-1 0 0 0 0,1 0 0 0 0,0 0 0 0 0,-1 0 0 0 0,0-1 0 0 0,-6 5 0 0 0,8-6-358 0 0,-1 0 0 0 0,0-1 0 0 0,0 1 0 0 0,0-1 0 0 0,-5 2 0 0 0,6-3-748 0 0,-1 1 1 0 0,1-1 0 0 0,-1 1 0 0 0,0-1 0 0 0,1 0 0 0 0,-1 0 0 0 0,-4-1-1 0 0,-5-1-7692 0 0</inkml:trace>
+</inkml:ink>
+</file>
+
+<file path=ppt/ink/ink16.xml><?xml version="1.0" encoding="utf-8"?>
+<inkml:ink xmlns:inkml="http://www.w3.org/2003/InkML">
+  <inkml:definitions>
+    <inkml:context xml:id="ctx0">
+      <inkml:inkSource xml:id="inkSrc0">
+        <inkml:traceFormat>
+          <inkml:channel name="X" type="integer" min="-2.14748E9" max="2.14748E9" units="cm"/>
+          <inkml:channel name="Y" type="integer" min="-2.14748E9" max="2.14748E9" units="cm"/>
+          <inkml:channel name="F" type="integer" max="32767" units="dev"/>
+          <inkml:channel name="OA" type="integer" max="360" units="deg"/>
+          <inkml:channel name="OE" type="integer" max="90" units="deg"/>
+        </inkml:traceFormat>
+        <inkml:channelProperties>
+          <inkml:channelProperty channel="X" name="resolution" value="1000" units="1/cm"/>
+          <inkml:channelProperty channel="Y" name="resolution" value="1000" units="1/cm"/>
+          <inkml:channelProperty channel="F" name="resolution" value="0" units="1/dev"/>
+          <inkml:channelProperty channel="OA" name="resolution" value="1000" units="1/deg"/>
+          <inkml:channelProperty channel="OE" name="resolution" value="1000" units="1/deg"/>
+        </inkml:channelProperties>
+      </inkml:inkSource>
+      <inkml:timestamp xml:id="ts0" timeString="2021-07-21T16:31:58.444"/>
+    </inkml:context>
+    <inkml:brush xml:id="br0">
+      <inkml:brushProperty name="width" value="0.05" units="cm"/>
+      <inkml:brushProperty name="height" value="0.05" units="cm"/>
+      <inkml:brushProperty name="color" value="#FF0066"/>
+    </inkml:brush>
+  </inkml:definitions>
+  <inkml:trace contextRef="#ctx0" brushRef="#br0">224 7 11288 0 0,'0'0'514'0'0,"-9"-6"196"0"0,5 5-561 0 0,-3 1 307 0 0,0 1 0 0 0,1 0 0 0 0,-1 0 0 0 0,0 1 0 0 0,1-1 0 0 0,-1 1 0 0 0,1 1 0 0 0,0-1 0 0 0,0 1 0 0 0,0 0 0 0 0,0 1 0 0 0,0 0 1 0 0,1-1-1 0 0,0 2 0 0 0,-1-1 0 0 0,-7 9 0 0 0,0 2 27 0 0,0 1 1 0 0,1 0-1 0 0,1 1 1 0 0,-12 25-1 0 0,18-34-256 0 0,2 0 1 0 0,-1 0-1 0 0,1 1 0 0 0,0-1 0 0 0,1 1 0 0 0,-3 14 0 0 0,5-20-169 0 0,-1 0 0 0 0,1 0 0 0 0,0-1 1 0 0,0 1-1 0 0,0 0 0 0 0,0 0 0 0 0,1 0 0 0 0,-1-1 0 0 0,1 1 0 0 0,0 0 0 0 0,0 0 0 0 0,0-1 1 0 0,0 1-1 0 0,0-1 0 0 0,0 1 0 0 0,1-1 0 0 0,-1 1 0 0 0,1-1 0 0 0,-1 0 0 0 0,1 0 0 0 0,0 0 1 0 0,0 0-1 0 0,0 0 0 0 0,5 3 0 0 0,-1-1 0 0 0,0-1 0 0 0,1 0 0 0 0,0 0 0 0 0,0 0 0 0 0,0-1 0 0 0,0 0 0 0 0,11 1 0 0 0,3 0 184 0 0,26-1 0 0 0,-34-3-113 0 0,-1 2 1 0 0,1-1-1 0 0,0 2 0 0 0,-1 0 1 0 0,1 0-1 0 0,20 7 0 0 0,-32-8-115 0 0,1 0-1 0 0,0-1 1 0 0,-1 1-1 0 0,1 0 1 0 0,-1 0 0 0 0,1 0-1 0 0,-1 0 1 0 0,1 0-1 0 0,-1 1 1 0 0,1-1 0 0 0,-1 0-1 0 0,0 1 1 0 0,0-1-1 0 0,0 1 1 0 0,0-1-1 0 0,0 1 1 0 0,0-1 0 0 0,0 1-1 0 0,-1 0 1 0 0,1-1-1 0 0,0 1 1 0 0,-1 0-1 0 0,1 0 1 0 0,-1 0 0 0 0,0-1-1 0 0,0 1 1 0 0,0 0-1 0 0,0 0 1 0 0,0 0 0 0 0,0 0-1 0 0,0-1 1 0 0,0 1-1 0 0,-1 2 1 0 0,-2 6 26 0 0,0-1 0 0 0,-1 1 1 0 0,0-1-1 0 0,-10 18 0 0 0,8-16 9 0 0,-3 4-21 0 0,0 0 0 0 0,-2-1-1 0 0,-21 25 1 0 0,-43 33-359 0 0,67-65 34 0 0,-33 27-15 0 0,38-32-58 0 0,0 0 0 0 0,-1 0 0 0 0,1 0 0 0 0,0 0 0 0 0,-1 0 1 0 0,1-1-1 0 0,-1 0 0 0 0,0 0 0 0 0,1 0 0 0 0,-1 0 0 0 0,-5 0 0 0 0</inkml:trace>
+</inkml:ink>
+</file>
+
+<file path=ppt/ink/ink17.xml><?xml version="1.0" encoding="utf-8"?>
+<inkml:ink xmlns:inkml="http://www.w3.org/2003/InkML">
+  <inkml:definitions>
+    <inkml:context xml:id="ctx0">
+      <inkml:inkSource xml:id="inkSrc0">
+        <inkml:traceFormat>
+          <inkml:channel name="X" type="integer" min="-2.14748E9" max="2.14748E9" units="cm"/>
+          <inkml:channel name="Y" type="integer" min="-2.14748E9" max="2.14748E9" units="cm"/>
+          <inkml:channel name="F" type="integer" max="32767" units="dev"/>
+          <inkml:channel name="OA" type="integer" max="360" units="deg"/>
+          <inkml:channel name="OE" type="integer" max="90" units="deg"/>
+        </inkml:traceFormat>
+        <inkml:channelProperties>
+          <inkml:channelProperty channel="X" name="resolution" value="1000" units="1/cm"/>
+          <inkml:channelProperty channel="Y" name="resolution" value="1000" units="1/cm"/>
+          <inkml:channelProperty channel="F" name="resolution" value="0" units="1/dev"/>
+          <inkml:channelProperty channel="OA" name="resolution" value="1000" units="1/deg"/>
+          <inkml:channelProperty channel="OE" name="resolution" value="1000" units="1/deg"/>
+        </inkml:channelProperties>
+      </inkml:inkSource>
+      <inkml:timestamp xml:id="ts0" timeString="2021-07-21T16:31:58.833"/>
+    </inkml:context>
+    <inkml:brush xml:id="br0">
+      <inkml:brushProperty name="width" value="0.05" units="cm"/>
+      <inkml:brushProperty name="height" value="0.05" units="cm"/>
+      <inkml:brushProperty name="color" value="#FF0066"/>
+    </inkml:brush>
+  </inkml:definitions>
+  <inkml:trace contextRef="#ctx0" brushRef="#br0">0 0 11056 0 0,'3'19'6847'0'0,"2"10"-4610"0"0,7 37-1443 0 0,7 131 1313 0 0,-11-98-1873 0 0,0 21-85 0 0,6 46-1851 0 0,-10-149-487 0 0,-1-3-4976 0 0</inkml:trace>
+</inkml:ink>
+</file>
+
+<file path=ppt/ink/ink18.xml><?xml version="1.0" encoding="utf-8"?>
+<inkml:ink xmlns:inkml="http://www.w3.org/2003/InkML">
+  <inkml:definitions>
+    <inkml:context xml:id="ctx0">
+      <inkml:inkSource xml:id="inkSrc0">
+        <inkml:traceFormat>
+          <inkml:channel name="X" type="integer" min="-2.14748E9" max="2.14748E9" units="cm"/>
+          <inkml:channel name="Y" type="integer" min="-2.14748E9" max="2.14748E9" units="cm"/>
+          <inkml:channel name="F" type="integer" max="32767" units="dev"/>
+          <inkml:channel name="OA" type="integer" max="360" units="deg"/>
+          <inkml:channel name="OE" type="integer" max="90" units="deg"/>
+        </inkml:traceFormat>
+        <inkml:channelProperties>
+          <inkml:channelProperty channel="X" name="resolution" value="1000" units="1/cm"/>
+          <inkml:channelProperty channel="Y" name="resolution" value="1000" units="1/cm"/>
+          <inkml:channelProperty channel="F" name="resolution" value="0" units="1/dev"/>
+          <inkml:channelProperty channel="OA" name="resolution" value="1000" units="1/deg"/>
+          <inkml:channelProperty channel="OE" name="resolution" value="1000" units="1/deg"/>
+        </inkml:channelProperties>
+      </inkml:inkSource>
+      <inkml:timestamp xml:id="ts0" timeString="2021-07-21T16:31:59.217"/>
+    </inkml:context>
+    <inkml:brush xml:id="br0">
+      <inkml:brushProperty name="width" value="0.05" units="cm"/>
+      <inkml:brushProperty name="height" value="0.05" units="cm"/>
+      <inkml:brushProperty name="color" value="#FF0066"/>
+    </inkml:brush>
+  </inkml:definitions>
+  <inkml:trace contextRef="#ctx0" brushRef="#br0">9 136 9672 0 0,'-8'-7'13122'0'0,"19"6"-12850"0"0,0-1-1 0 0,0 0 1 0 0,0-1 0 0 0,19-6-1 0 0,19-5-32 0 0,31-4-154 0 0,-39 7-540 0 0,0 3-1 0 0,45-4 1 0 0,-83 12 276 0 0,0-1 0 0 0,0 1 0 0 0,0 0 0 0 0,0 1 0 0 0,0-1 0 0 0,0 1 0 0 0,0-1 0 0 0,-1 1 0 0 0,1 0 0 0 0,0 0 0 0 0,0 0 0 0 0,0 0 0 0 0,-1 1 0 0 0,1-1 0 0 0,0 1 0 0 0,-1-1 0 0 0,0 1 0 0 0,1 0 0 0 0,-1 0 0 0 0,0 0 0 0 0,0 0 0 0 0,0 1 0 0 0,0-1 0 0 0,0 0 0 0 0,-1 1 0 0 0,1-1 0 0 0,-1 1 0 0 0,1 0 0 0 0,-1 0 0 0 0,0-1 0 0 0,0 1 0 0 0,-1 0-1 0 0,2 3 1 0 0,0 5 18 0 0,-1 1 0 0 0,0-1-1 0 0,-1 0 1 0 0,0 0 0 0 0,0 1 0 0 0,-1-1-1 0 0,-1 0 1 0 0,0 0 0 0 0,0 0-1 0 0,-1 0 1 0 0,-8 18 0 0 0,3-12 357 0 0,6-12 105 0 0,0 0-1 0 0,0-1 1 0 0,-1 1-1 0 0,0-1 0 0 0,0 1 1 0 0,0-1-1 0 0,-8 8 0 0 0,11-12-250 0 0,0 0-1 0 0,0 1 0 0 0,-1-1 0 0 0,1 0 0 0 0,0 0 0 0 0,-1 1 0 0 0,1-1 0 0 0,0 0 0 0 0,-1 0 0 0 0,1 1 0 0 0,0-1 0 0 0,-1 0 0 0 0,1 0 0 0 0,-1 0 0 0 0,1 0 0 0 0,0 0 0 0 0,-1 1 0 0 0,1-1 0 0 0,-1 0 0 0 0,1 0 1 0 0,0 0-1 0 0,-1 0 0 0 0,1 0 0 0 0,-1 0 0 0 0,1 0 0 0 0,0-1 0 0 0,-1 1 0 0 0,1 0 0 0 0,-1 0 0 0 0,0-1 45 0 0,1 1 1 0 0,-1-1-1 0 0,1 1 0 0 0,-1-1 0 0 0,1 0 1 0 0,-1 1-1 0 0,1-1 0 0 0,0 0 0 0 0,-1 1 1 0 0,1-1-1 0 0,0 0 0 0 0,0 0 0 0 0,0 1 1 0 0,-1-2-1 0 0,1-2 295 0 0,-1 0 0 0 0,1-1 1 0 0,0 1-1 0 0,1-7 0 0 0,4-9-190 0 0,1 1-1 0 0,0 1 1 0 0,2-1 0 0 0,0 1-1 0 0,14-23 1 0 0,-2 9-2156 0 0,44-54 0 0 0,-36 57 503 0 0</inkml:trace>
+  <inkml:trace contextRef="#ctx0" brushRef="#br0" timeOffset="1">813 93 9672 0 0,'-5'13'864'0'0,"-3"1"-696"0"0,-4-3-168 0 0,7 4 0 0 0,-3 0 2088 0 0,-2-1 384 0 0,2-1 79 0 0,3-3 9 0 0,2-2-1888 0 0,-3-3-376 0 0,-2-3 128 0 0,10-9-512 0 0,-2-6 8 0 0,6-1-5687 0 0,0-11-1145 0 0</inkml:trace>
+</inkml:ink>
+</file>
+
+<file path=ppt/ink/ink19.xml><?xml version="1.0" encoding="utf-8"?>
+<inkml:ink xmlns:inkml="http://www.w3.org/2003/InkML">
+  <inkml:definitions>
+    <inkml:context xml:id="ctx0">
+      <inkml:inkSource xml:id="inkSrc0">
+        <inkml:traceFormat>
+          <inkml:channel name="X" type="integer" min="-2.14748E9" max="2.14748E9" units="cm"/>
+          <inkml:channel name="Y" type="integer" min="-2.14748E9" max="2.14748E9" units="cm"/>
+          <inkml:channel name="F" type="integer" max="32767" units="dev"/>
+          <inkml:channel name="OA" type="integer" max="360" units="deg"/>
+          <inkml:channel name="OE" type="integer" max="90" units="deg"/>
+        </inkml:traceFormat>
+        <inkml:channelProperties>
+          <inkml:channelProperty channel="X" name="resolution" value="1000" units="1/cm"/>
+          <inkml:channelProperty channel="Y" name="resolution" value="1000" units="1/cm"/>
+          <inkml:channelProperty channel="F" name="resolution" value="0" units="1/dev"/>
+          <inkml:channelProperty channel="OA" name="resolution" value="1000" units="1/deg"/>
+          <inkml:channelProperty channel="OE" name="resolution" value="1000" units="1/deg"/>
+        </inkml:channelProperties>
+      </inkml:inkSource>
+      <inkml:timestamp xml:id="ts0" timeString="2021-07-21T16:31:59.579"/>
+    </inkml:context>
+    <inkml:brush xml:id="br0">
+      <inkml:brushProperty name="width" value="0.05" units="cm"/>
+      <inkml:brushProperty name="height" value="0.05" units="cm"/>
+      <inkml:brushProperty name="color" value="#FF0066"/>
+    </inkml:brush>
+  </inkml:definitions>
+  <inkml:trace contextRef="#ctx0" brushRef="#br0">0 180 4608 0 0,'0'0'847'0'0,"9"-16"12108"0"0,-2-1-10733 0 0,-6 15-2052 0 0,0-1 1 0 0,0 0-1 0 0,0 0 0 0 0,0 1 0 0 0,0-1 0 0 0,1 1 0 0 0,3-5 0 0 0,59-70 1692 0 0,-53 60-1568 0 0,-10 14-250 0 0,0 1 1 0 0,0 0-1 0 0,1 0 1 0 0,-1 0-1 0 0,1 0 1 0 0,-1 0-1 0 0,1 0 1 0 0,0 0-1 0 0,-1 0 1 0 0,1 0-1 0 0,0 1 1 0 0,3-2-1 0 0,-5 2 388 0 0,1 3-377 0 0,0 0-1 0 0,0-1 1 0 0,-1 1-1 0 0,1 0 1 0 0,0-1-1 0 0,-1 1 1 0 0,0 0-1 0 0,1 0 1 0 0,-1-1-1 0 0,0 5 1 0 0,0-4 25 0 0,1 24 294 0 0,-1-21-311 0 0,0 0 1 0 0,0 0-1 0 0,1 0 0 0 0,1 8 1 0 0,-2-13-64 0 0,1 5 12 0 0,0-1 1 0 0,0 0-1 0 0,1 1 0 0 0,-1-1 1 0 0,1 0-1 0 0,0 0 0 0 0,5 7 1 0 0,-6-10-11 0 0,0 0 0 0 0,0 0 0 0 0,0 0 1 0 0,1-1-1 0 0,-1 1 0 0 0,0 0 1 0 0,0 0-1 0 0,1-1 0 0 0,-1 1 1 0 0,1-1-1 0 0,-1 1 0 0 0,1-1 0 0 0,-1 0 1 0 0,1 0-1 0 0,-1 1 0 0 0,1-1 1 0 0,-1 0-1 0 0,1 0 0 0 0,-1 0 0 0 0,1-1 1 0 0,-1 1-1 0 0,1 0 0 0 0,-1-1 1 0 0,1 1-1 0 0,-1 0 0 0 0,0-1 1 0 0,1 0-1 0 0,1 0 0 0 0,3-2-514 0 0,0-1 0 0 0,0 0 0 0 0,0 0 1 0 0,0 0-1 0 0,-1 0 0 0 0,9-10 0 0 0,6-4-1347 0 0,-6 6-291 0 0</inkml:trace>
+</inkml:ink>
+</file>
+
+<file path=ppt/ink/ink2.xml><?xml version="1.0" encoding="utf-8"?>
+<inkml:ink xmlns:inkml="http://www.w3.org/2003/InkML">
+  <inkml:definitions>
+    <inkml:context xml:id="ctx0">
+      <inkml:inkSource xml:id="inkSrc0">
+        <inkml:traceFormat>
+          <inkml:channel name="X" type="integer" min="-2.14748E9" max="2.14748E9" units="cm"/>
+          <inkml:channel name="Y" type="integer" min="-2.14748E9" max="2.14748E9" units="cm"/>
+          <inkml:channel name="F" type="integer" max="32767" units="dev"/>
+          <inkml:channel name="OA" type="integer" max="360" units="deg"/>
+          <inkml:channel name="OE" type="integer" max="90" units="deg"/>
+        </inkml:traceFormat>
+        <inkml:channelProperties>
+          <inkml:channelProperty channel="X" name="resolution" value="1000" units="1/cm"/>
+          <inkml:channelProperty channel="Y" name="resolution" value="1000" units="1/cm"/>
+          <inkml:channelProperty channel="F" name="resolution" value="0" units="1/dev"/>
+          <inkml:channelProperty channel="OA" name="resolution" value="1000" units="1/deg"/>
+          <inkml:channelProperty channel="OE" name="resolution" value="1000" units="1/deg"/>
+        </inkml:channelProperties>
+      </inkml:inkSource>
+      <inkml:timestamp xml:id="ts0" timeString="2021-07-21T16:31:11.198"/>
+    </inkml:context>
+    <inkml:brush xml:id="br0">
+      <inkml:brushProperty name="width" value="0.05" units="cm"/>
+      <inkml:brushProperty name="height" value="0.05" units="cm"/>
+      <inkml:brushProperty name="color" value="#FF0066"/>
+    </inkml:brush>
+  </inkml:definitions>
+  <inkml:trace contextRef="#ctx0" brushRef="#br0">1 2 8088 0 0,'6'-2'5439'0'0,"11"6"-1862"0"0,2-1-667 0 0,-19-3-2792 0 0,1 1 1 0 0,0-1-1 0 0,0 0 1 0 0,-1 0-1 0 0,1 1 1 0 0,0-1-1 0 0,0 0 1 0 0,-1 1-1 0 0,1-1 0 0 0,-1 1 1 0 0,1-1-1 0 0,0 1 1 0 0,-1-1-1 0 0,1 1 1 0 0,-1 0-1 0 0,1-1 1 0 0,-1 1-1 0 0,1 1 0 0 0,0-1 53 0 0,0 0-1 0 0,0 0 0 0 0,-1 0 0 0 0,1 0 0 0 0,0 0 1 0 0,0 0-1 0 0,0-1 0 0 0,0 1 0 0 0,0 0 0 0 0,1 0 1 0 0,0 0-79 0 0,0-1-1 0 0,-1 0 1 0 0,1 1 0 0 0,-1-1 0 0 0,1 0 0 0 0,0 0 0 0 0,-1 0 0 0 0,1 0 0 0 0,0 0 0 0 0,-1-1 0 0 0,1 1 0 0 0,-1 0 0 0 0,1-1 0 0 0,0 1 0 0 0,-1-1 0 0 0,1 0-1 0 0,-1 1 1 0 0,0-1 0 0 0,2-1 0 0 0,20-6 788 0 0,4 2 807 0 0,-26 5-1350 0 0,8 4-117 0 0,-7-3-203 0 0,-1 1 0 0 0,1-1 1 0 0,0 1-1 0 0,-1-1 0 0 0,1 1 0 0 0,0-1 0 0 0,0 0 0 0 0,-1 0 0 0 0,1 0 1 0 0,0 0-1 0 0,-1 0 0 0 0,1 0 0 0 0,2-1 0 0 0,27-2 286 0 0,-23 3-238 0 0,-4 0-20 0 0,1 0 0 0 0,0 0 0 0 0,0 0 0 0 0,0 1 0 0 0,-1-1 0 0 0,1 1 0 0 0,5 2 0 0 0,-8-2-26 0 0,0-1 0 0 0,0 1 0 0 0,0-1-1 0 0,0 0 1 0 0,0 1 0 0 0,0-1 0 0 0,1 0 0 0 0,-1 0 0 0 0,3-1-1 0 0,14 2 113 0 0,11 3 65 0 0,-25-4-150 0 0,1 1 0 0 0,-1-1 0 0 0,1 1-1 0 0,7 2 1 0 0,13 0 230 0 0,-21-2-229 0 0,0 1 0 0 0,0-2 1 0 0,0 1-1 0 0,1-1 0 0 0,-1 0 0 0 0,0 0 0 0 0,0 0 0 0 0,0 0 0 0 0,0-1 1 0 0,6-1-1 0 0,-9 1-46 0 0,1 0 0 0 0,-1 1 0 0 0,1-1 0 0 0,-1 1 1 0 0,1 0-1 0 0,-1 0 0 0 0,1 0 0 0 0,3 0 0 0 0,21 2 129 0 0,-21-1-88 0 0,6 1-38 0 0,-1 1-1 0 0,1 1 0 0 0,13 5 0 0 0,0 2 59 0 0,-17-9-51 0 0,-3-3 44 0 0,5-4-45 0 0,-5 4 6 0 0,0 0 1 0 0,0 0-1 0 0,0 1 1 0 0,0 0-1 0 0,0 0 1 0 0,0 0-1 0 0,8 2 1 0 0,-11-1-17 0 0,39 4 252 0 0,49-1 0 0 0,-63-7-209 0 0,-14 1-38 0 0,12 3-111 0 0,30 6 0 0 0,4-1-210 0 0,-55-6 327 0 0,0 0-1 0 0,0 0 1 0 0,0-1 0 0 0,0 0-1 0 0,0 0 1 0 0,0 0 0 0 0,0 0-1 0 0,-1-1 1 0 0,6-2 0 0 0,-4 1 24 0 0,1 1 0 0 0,-1 0 0 0 0,1 0 0 0 0,9-2 1 0 0,2 2-2 0 0,0 1 0 0 0,0 1 0 0 0,1 0 0 0 0,31 6 0 0 0,-29-3 66 0 0,-13-3-73 0 0,35 9 65 0 0,-30-6-112 0 0,1-1 1 0 0,20 0-1 0 0,-2 0-1 0 0,-28-1 21 0 0,14-2 0 0 0,-4 0 7 0 0,8-1 29 0 0,29 2 1 0 0,18 6-37 0 0,-59-5 0 0 0,50-1 0 0 0,-25-3 0 0 0,-23 1 0 0 0,0 1 0 0 0,0 1 0 0 0,1-1 0 0 0,-1 2 0 0 0,14 1 0 0 0,52 2 0 0 0,-11-2 0 0 0,47-1 0 0 0,-59-2 0 0 0,-28-1 0 0 0,-18 1 0 0 0,0 1 0 0 0,0 0 0 0 0,10 1 0 0 0,2 0 0 0 0,-1-1 0 0 0,34-3 0 0 0,6 0 0 0 0,85-4 0 0 0,-129 7 0 0 0,-13 0 0 0 0,-1 0 0 0 0,1 1 0 0 0,-1-1 0 0 0,1 0 0 0 0,0 0 0 0 0,-1-1 0 0 0,1 1 0 0 0,0 0 0 0 0,-1 0 0 0 0,1-1 0 0 0,-1 1 0 0 0,1-1 0 0 0,-1 0 0 0 0,1 1 0 0 0,-1-1 0 0 0,2-1 0 0 0,2 0 0 0 0,1-1 0 0 0,0 1 0 0 0,0 0 0 0 0,-1 0 0 0 0,1 1 0 0 0,0-1 0 0 0,0 1 0 0 0,0 1 0 0 0,0-1 0 0 0,13 2 0 0 0,13-3 0 0 0,-10 1 0 0 0,0 0 0 0 0,32 4 0 0 0,-31-1 0 0 0,0-1 0 0 0,27-3 0 0 0,102-9 0 0 0,-56 7 0 0 0,-57 4 0 0 0,0 1 0 0 0,58 11 0 0 0,-67-7 0 0 0,2-1 0 0 0,44-1 0 0 0,-54-2 0 0 0,24 4 0 0 0,-24-2 0 0 0,26 1 0 0 0,43 3 0 0 0,-24-2 0 0 0,-50-2 0 0 0,1-1 0 0 0,0-1 0 0 0,21-2 0 0 0,-3-3 0 0 0,-1-2 0 0 0,47-14 0 0 0,-71 17 0 0 0,1 1 0 0 0,-1 0 0 0 0,14 0 0 0 0,19-4 0 0 0,-24 3 0 0 0,0 1 0 0 0,0 1 0 0 0,1 1 0 0 0,19 2 0 0 0,-17 0 0 0 0,-1-1 0 0 0,38-5 0 0 0,43-6 0 0 0,-43 5 0 0 0,-24 0 0 0 0,-25 2 0 0 0,1 1 0 0 0,17 0 0 0 0,125 2 0 0 0,-119 3 0 0 0,-22-1 0 0 0,23 0 0 0 0,-32-1 0 0 0,1 0-13 0 0,8 1-441 0 0,-6-2-2682 0 0</inkml:trace>
+</inkml:ink>
+</file>
+
+<file path=ppt/ink/ink20.xml><?xml version="1.0" encoding="utf-8"?>
+<inkml:ink xmlns:inkml="http://www.w3.org/2003/InkML">
+  <inkml:definitions>
+    <inkml:context xml:id="ctx0">
+      <inkml:inkSource xml:id="inkSrc0">
+        <inkml:traceFormat>
+          <inkml:channel name="X" type="integer" min="-2.14748E9" max="2.14748E9" units="cm"/>
+          <inkml:channel name="Y" type="integer" min="-2.14748E9" max="2.14748E9" units="cm"/>
+          <inkml:channel name="F" type="integer" max="32767" units="dev"/>
+          <inkml:channel name="OA" type="integer" max="360" units="deg"/>
+          <inkml:channel name="OE" type="integer" max="90" units="deg"/>
+        </inkml:traceFormat>
+        <inkml:channelProperties>
+          <inkml:channelProperty channel="X" name="resolution" value="1000" units="1/cm"/>
+          <inkml:channelProperty channel="Y" name="resolution" value="1000" units="1/cm"/>
+          <inkml:channelProperty channel="F" name="resolution" value="0" units="1/dev"/>
+          <inkml:channelProperty channel="OA" name="resolution" value="1000" units="1/deg"/>
+          <inkml:channelProperty channel="OE" name="resolution" value="1000" units="1/deg"/>
+        </inkml:channelProperties>
+      </inkml:inkSource>
+      <inkml:timestamp xml:id="ts0" timeString="2021-07-21T16:31:59.950"/>
+    </inkml:context>
+    <inkml:brush xml:id="br0">
+      <inkml:brushProperty name="width" value="0.05" units="cm"/>
+      <inkml:brushProperty name="height" value="0.05" units="cm"/>
+      <inkml:brushProperty name="color" value="#FF0066"/>
+    </inkml:brush>
+  </inkml:definitions>
+  <inkml:trace contextRef="#ctx0" brushRef="#br0">96 0 4608 0 0,'0'0'353'0'0,"-8"3"2334"0"0,-12 12 5477 0 0,3 6-4053 0 0,15-17-3853 0 0,-1 0 0 0 0,1 0-1 0 0,0 0 1 0 0,0 0 0 0 0,1 1-1 0 0,-1-1 1 0 0,1 0 0 0 0,0 1-1 0 0,0-1 1 0 0,1 1 0 0 0,-1-1-1 0 0,1 1 1 0 0,0-1 0 0 0,0 1-1 0 0,2 6 1 0 0,2 3 1 0 0,0-1-1 0 0,1 0 1 0 0,0 0 0 0 0,1 0-1 0 0,1-1 1 0 0,9 13 0 0 0,-11-17-190 0 0,-1-1 0 0 0,1 1 1 0 0,-2 0-1 0 0,1 1 1 0 0,-1-1-1 0 0,0 1 1 0 0,-1-1-1 0 0,0 1 1 0 0,0 0-1 0 0,-1 0 1 0 0,0 10-1 0 0,-1-13-36 0 0,0-1 1 0 0,0 1-1 0 0,-1 0 0 0 0,0 0 0 0 0,0 0 0 0 0,0-1 0 0 0,-1 1 1 0 0,0 0-1 0 0,0-1 0 0 0,0 0 0 0 0,-1 1 0 0 0,0-1 0 0 0,0 0 1 0 0,0 0-1 0 0,0-1 0 0 0,-1 1 0 0 0,-7 7 0 0 0,9-11-46 0 0,1 0 0 0 0,-1 1 0 0 0,1-1 0 0 0,-1 0 0 0 0,0 0 0 0 0,1-1 0 0 0,-1 1 0 0 0,0 0 0 0 0,0 0 0 0 0,1-1 0 0 0,-1 1 0 0 0,0-1 0 0 0,0 0 0 0 0,0 1 0 0 0,0-1 0 0 0,0 0 0 0 0,0 0 0 0 0,0 0 0 0 0,0-1 0 0 0,1 1 0 0 0,-1 0 0 0 0,-3-1 0 0 0,3 0-233 0 0,0 0 0 0 0,1 0-1 0 0,-1 0 1 0 0,0 0 0 0 0,1 0 0 0 0,-1 0 0 0 0,1 0 0 0 0,-1 0-1 0 0,1-1 1 0 0,-1 1 0 0 0,1-1 0 0 0,0 1 0 0 0,0-1-1 0 0,-2-2 1 0 0,-4-10-1650 0 0</inkml:trace>
+</inkml:ink>
+</file>
+
+<file path=ppt/ink/ink21.xml><?xml version="1.0" encoding="utf-8"?>
+<inkml:ink xmlns:inkml="http://www.w3.org/2003/InkML">
+  <inkml:definitions>
+    <inkml:context xml:id="ctx0">
+      <inkml:inkSource xml:id="inkSrc0">
+        <inkml:traceFormat>
+          <inkml:channel name="X" type="integer" min="-2.14748E9" max="2.14748E9" units="cm"/>
+          <inkml:channel name="Y" type="integer" min="-2.14748E9" max="2.14748E9" units="cm"/>
+          <inkml:channel name="F" type="integer" max="32767" units="dev"/>
+          <inkml:channel name="OA" type="integer" max="360" units="deg"/>
+          <inkml:channel name="OE" type="integer" max="90" units="deg"/>
+        </inkml:traceFormat>
+        <inkml:channelProperties>
+          <inkml:channelProperty channel="X" name="resolution" value="1000" units="1/cm"/>
+          <inkml:channelProperty channel="Y" name="resolution" value="1000" units="1/cm"/>
+          <inkml:channelProperty channel="F" name="resolution" value="0" units="1/dev"/>
+          <inkml:channelProperty channel="OA" name="resolution" value="1000" units="1/deg"/>
+          <inkml:channelProperty channel="OE" name="resolution" value="1000" units="1/deg"/>
+        </inkml:channelProperties>
+      </inkml:inkSource>
+      <inkml:timestamp xml:id="ts0" timeString="2021-07-21T16:32:00.400"/>
+    </inkml:context>
+    <inkml:brush xml:id="br0">
+      <inkml:brushProperty name="width" value="0.05" units="cm"/>
+      <inkml:brushProperty name="height" value="0.05" units="cm"/>
+      <inkml:brushProperty name="color" value="#FF0066"/>
+    </inkml:brush>
+  </inkml:definitions>
+  <inkml:trace contextRef="#ctx0" brushRef="#br0">8 31 21887 0 0,'0'0'75'0'0,"0"0"0"0"0,0 1 0 0 0,-1-1-1 0 0,1 0 1 0 0,0 0 0 0 0,-1 1-1 0 0,1-1 1 0 0,0 0 0 0 0,-1 0 0 0 0,1 0-1 0 0,0 0 1 0 0,-1 1 0 0 0,1-1 0 0 0,0 0-1 0 0,-1 0 1 0 0,1 0 0 0 0,-1 0-1 0 0,1 0 1 0 0,0 0 0 0 0,-1 0 0 0 0,0 0-1 0 0,1 0-48 0 0,1 0 0 0 0,-1-1-1 0 0,0 1 1 0 0,0 0-1 0 0,0 0 1 0 0,0-1 0 0 0,0 1-1 0 0,1 0 1 0 0,-1 0-1 0 0,0-1 1 0 0,0 1 0 0 0,0 0-1 0 0,1 0 1 0 0,-1 0-1 0 0,0 0 1 0 0,0-1 0 0 0,1 1-1 0 0,-1 0 1 0 0,0 0-1 0 0,0 0 1 0 0,1 0 0 0 0,-1 0-1 0 0,0 0 1 0 0,1 0-1 0 0,-1 0 1 0 0,0 0 0 0 0,0 0-1 0 0,1 0 1 0 0,-1 0 0 0 0,0 0-1 0 0,1 0 1 0 0,-1 0-1 0 0,0 0 1 0 0,85-22 3374 0 0,-72 20-3298 0 0,0 1 0 0 0,20-1 0 0 0,6 0-1060 0 0,-20 3-2707 0 0</inkml:trace>
+</inkml:ink>
+</file>
+
+<file path=ppt/ink/ink22.xml><?xml version="1.0" encoding="utf-8"?>
+<inkml:ink xmlns:inkml="http://www.w3.org/2003/InkML">
+  <inkml:definitions>
+    <inkml:context xml:id="ctx0">
+      <inkml:inkSource xml:id="inkSrc0">
+        <inkml:traceFormat>
+          <inkml:channel name="X" type="integer" min="-2.14748E9" max="2.14748E9" units="cm"/>
+          <inkml:channel name="Y" type="integer" min="-2.14748E9" max="2.14748E9" units="cm"/>
+          <inkml:channel name="F" type="integer" max="32767" units="dev"/>
+          <inkml:channel name="OA" type="integer" max="360" units="deg"/>
+          <inkml:channel name="OE" type="integer" max="90" units="deg"/>
+        </inkml:traceFormat>
+        <inkml:channelProperties>
+          <inkml:channelProperty channel="X" name="resolution" value="1000" units="1/cm"/>
+          <inkml:channelProperty channel="Y" name="resolution" value="1000" units="1/cm"/>
+          <inkml:channelProperty channel="F" name="resolution" value="0" units="1/dev"/>
+          <inkml:channelProperty channel="OA" name="resolution" value="1000" units="1/deg"/>
+          <inkml:channelProperty channel="OE" name="resolution" value="1000" units="1/deg"/>
+        </inkml:channelProperties>
+      </inkml:inkSource>
+      <inkml:timestamp xml:id="ts0" timeString="2021-07-21T16:32:00.760"/>
+    </inkml:context>
+    <inkml:brush xml:id="br0">
+      <inkml:brushProperty name="width" value="0.05" units="cm"/>
+      <inkml:brushProperty name="height" value="0.05" units="cm"/>
+      <inkml:brushProperty name="color" value="#FF0066"/>
+    </inkml:brush>
+  </inkml:definitions>
+  <inkml:trace contextRef="#ctx0" brushRef="#br0">131 0 19231 0 0,'-4'4'209'0'0,"0"-1"-1"0"0,0 0 0 0 0,0 1 0 0 0,1 0 0 0 0,0 0 0 0 0,0 0 0 0 0,0 0 1 0 0,0 1-1 0 0,1-1 0 0 0,-5 10 0 0 0,1 4 143 0 0,-8 31 0 0 0,2-8 836 0 0,4-16-586 0 0,-6 14-83 0 0,2 0 1 0 0,-10 65 0 0 0,19-59-519 0 0,3-41 0 0 0,0-1 0 0 0,1 1 0 0 0,-1-1 0 0 0,1 1 0 0 0,0-1 0 0 0,0 0 0 0 0,0 1 0 0 0,0-1 0 0 0,0 0 0 0 0,4 6 0 0 0,-4-8 0 0 0,0 0 0 0 0,0 0 0 0 0,0-1 0 0 0,0 1 0 0 0,0 0 0 0 0,0-1 0 0 0,1 1 0 0 0,-1-1 0 0 0,0 1 0 0 0,0-1 0 0 0,0 0 0 0 0,1 1 0 0 0,-1-1 0 0 0,0 0 0 0 0,0 0 0 0 0,0 0 0 0 0,1 0 0 0 0,-1 0 0 0 0,0 0 0 0 0,0 0 0 0 0,1 0 0 0 0,-1-1 0 0 0,0 1 0 0 0,0 0 0 0 0,1-1 0 0 0,-1 1 0 0 0,0-1 0 0 0,2 0 0 0 0,2-2 0 0 0,0 1 0 0 0,0-1 0 0 0,0 0 0 0 0,-1 0 0 0 0,7-5 0 0 0,83-89-911 0 0,-70 71-552 0 0,-2 2 125 0 0</inkml:trace>
+</inkml:ink>
+</file>
+
+<file path=ppt/ink/ink23.xml><?xml version="1.0" encoding="utf-8"?>
+<inkml:ink xmlns:inkml="http://www.w3.org/2003/InkML">
+  <inkml:definitions>
+    <inkml:context xml:id="ctx0">
+      <inkml:inkSource xml:id="inkSrc0">
+        <inkml:traceFormat>
+          <inkml:channel name="X" type="integer" min="-2.14748E9" max="2.14748E9" units="cm"/>
+          <inkml:channel name="Y" type="integer" min="-2.14748E9" max="2.14748E9" units="cm"/>
+          <inkml:channel name="F" type="integer" max="32767" units="dev"/>
+          <inkml:channel name="OA" type="integer" max="360" units="deg"/>
+          <inkml:channel name="OE" type="integer" max="90" units="deg"/>
+        </inkml:traceFormat>
+        <inkml:channelProperties>
+          <inkml:channelProperty channel="X" name="resolution" value="1000" units="1/cm"/>
+          <inkml:channelProperty channel="Y" name="resolution" value="1000" units="1/cm"/>
+          <inkml:channelProperty channel="F" name="resolution" value="0" units="1/dev"/>
+          <inkml:channelProperty channel="OA" name="resolution" value="1000" units="1/deg"/>
+          <inkml:channelProperty channel="OE" name="resolution" value="1000" units="1/deg"/>
+        </inkml:channelProperties>
+      </inkml:inkSource>
+      <inkml:timestamp xml:id="ts0" timeString="2021-07-21T16:32:01.138"/>
+    </inkml:context>
+    <inkml:brush xml:id="br0">
+      <inkml:brushProperty name="width" value="0.05" units="cm"/>
+      <inkml:brushProperty name="height" value="0.05" units="cm"/>
+      <inkml:brushProperty name="color" value="#FF0066"/>
+    </inkml:brush>
+  </inkml:definitions>
+  <inkml:trace contextRef="#ctx0" brushRef="#br0">1 50 19351 0 0,'0'0'1943'0'0,"13"-3"-1766"0"0,3 0 813 0 0,0 0 0 0 0,27-11 0 0 0,-28 9-715 0 0,0 0 1 0 0,0 1 0 0 0,17-2-1 0 0,-7 3-255 0 0,-17 1 166 0 0,0 1 1 0 0,1 1 0 0 0,-1-1 0 0 0,13 2 0 0 0,-19-1-167 0 0,0 1 0 0 0,-1-1 1 0 0,1 0-1 0 0,-1 1 1 0 0,1 0-1 0 0,0-1 1 0 0,-1 1-1 0 0,0 0 0 0 0,1 0 1 0 0,-1 0-1 0 0,1 0 1 0 0,-1 0-1 0 0,0 0 1 0 0,0 0-1 0 0,1 1 0 0 0,-1-1 1 0 0,0 0-1 0 0,0 1 1 0 0,0-1-1 0 0,-1 1 1 0 0,1-1-1 0 0,0 1 0 0 0,0-1 1 0 0,-1 1-1 0 0,1 0 1 0 0,-1-1-1 0 0,0 1 1 0 0,1 0-1 0 0,-1-1 1 0 0,0 1-1 0 0,0 0 0 0 0,0 2 1 0 0,0 6 63 0 0,0-1 0 0 0,-1 1 0 0 0,0 0 0 0 0,-4 14 0 0 0,0-4-18 0 0,-18 69 1272 0 0,17-73-1059 0 0,1-2 0 0 0,-2 1 0 0 0,-14 25 0 0 0,16-34-202 0 0,0 0 0 0 0,0 0 0 0 0,-1 0 1 0 0,1-1-1 0 0,-1 1 0 0 0,0-2 0 0 0,-1 1 0 0 0,-11 6 0 0 0,-20 16-3896 0 0,20-14 2295 0 0,-2-5-11 0 0</inkml:trace>
+</inkml:ink>
+</file>
+
+<file path=ppt/ink/ink24.xml><?xml version="1.0" encoding="utf-8"?>
+<inkml:ink xmlns:inkml="http://www.w3.org/2003/InkML">
+  <inkml:definitions>
+    <inkml:context xml:id="ctx0">
+      <inkml:inkSource xml:id="inkSrc0">
+        <inkml:traceFormat>
+          <inkml:channel name="X" type="integer" min="-2.14748E9" max="2.14748E9" units="cm"/>
+          <inkml:channel name="Y" type="integer" min="-2.14748E9" max="2.14748E9" units="cm"/>
+          <inkml:channel name="F" type="integer" max="32767" units="dev"/>
+          <inkml:channel name="OA" type="integer" max="360" units="deg"/>
+          <inkml:channel name="OE" type="integer" max="90" units="deg"/>
+        </inkml:traceFormat>
+        <inkml:channelProperties>
+          <inkml:channelProperty channel="X" name="resolution" value="1000" units="1/cm"/>
+          <inkml:channelProperty channel="Y" name="resolution" value="1000" units="1/cm"/>
+          <inkml:channelProperty channel="F" name="resolution" value="0" units="1/dev"/>
+          <inkml:channelProperty channel="OA" name="resolution" value="1000" units="1/deg"/>
+          <inkml:channelProperty channel="OE" name="resolution" value="1000" units="1/deg"/>
+        </inkml:channelProperties>
+      </inkml:inkSource>
+      <inkml:timestamp xml:id="ts0" timeString="2021-07-21T16:32:01.678"/>
+    </inkml:context>
+    <inkml:brush xml:id="br0">
+      <inkml:brushProperty name="width" value="0.05" units="cm"/>
+      <inkml:brushProperty name="height" value="0.05" units="cm"/>
+      <inkml:brushProperty name="color" value="#FF0066"/>
+    </inkml:brush>
+  </inkml:definitions>
+  <inkml:trace contextRef="#ctx0" brushRef="#br0">127 107 7600 0 0,'0'0'348'0'0,"0"-14"128"0"0,-2 7-53 0 0,1 1 0 0 0,1-1 0 0 0,-1 0 0 0 0,1 1 1 0 0,1-1-1 0 0,-1 1 0 0 0,1-1 0 0 0,0 1 0 0 0,3-9 1 0 0,-4 15-315 0 0,0-1 1 0 0,0 1 0 0 0,0-1 0 0 0,1 1 0 0 0,-1-1 0 0 0,0 0-1 0 0,0 1 1 0 0,0-1 0 0 0,0 1 0 0 0,0-1 0 0 0,0 1-1 0 0,0-1 1 0 0,0 0 0 0 0,0 1 0 0 0,0-1 0 0 0,-1 1 0 0 0,1-1-1 0 0,0 1 1 0 0,0-1 0 0 0,0 1 0 0 0,-1-1 0 0 0,1 1-1 0 0,0-1 1 0 0,-1 1 0 0 0,1-1 0 0 0,0 1 0 0 0,-1-1 0 0 0,1 1-1 0 0,-1-1 1 0 0,1 1 0 0 0,-1 0 0 0 0,1-1 0 0 0,-1 1-1 0 0,1 0 1 0 0,-1-1 0 0 0,1 1 0 0 0,-1 0 0 0 0,1 0 0 0 0,-1 0-1 0 0,1-1 1 0 0,-1 1 0 0 0,1 0 0 0 0,-1 0 0 0 0,0 0 0 0 0,1 0-1 0 0,-1 0 1 0 0,-1 0 0 0 0,0 0 187 0 0,-1 0 0 0 0,1 0 0 0 0,0 1 0 0 0,-1-1 0 0 0,1 1 0 0 0,-1-1 0 0 0,1 1 0 0 0,-1 0 0 0 0,1 0 0 0 0,-3 1 0 0 0,-2 4-59 0 0,-1 0-1 0 0,1 0 1 0 0,0 1 0 0 0,1 0-1 0 0,0 0 1 0 0,0 0 0 0 0,0 1-1 0 0,1 0 1 0 0,0 0 0 0 0,0 1 0 0 0,1-1-1 0 0,0 1 1 0 0,1 0 0 0 0,-3 10-1 0 0,6-16-186 0 0,-1-1 0 0 0,1 1-1 0 0,0 0 1 0 0,0-1 0 0 0,0 1-1 0 0,1-1 1 0 0,-1 1 0 0 0,1-1-1 0 0,-1 1 1 0 0,1-1 0 0 0,0 1-1 0 0,0-1 1 0 0,0 0 0 0 0,0 1-1 0 0,0-1 1 0 0,0 0 0 0 0,1 0-1 0 0,-1 0 1 0 0,1 0 0 0 0,0 0-1 0 0,-1 0 1 0 0,3 1 0 0 0,4 4 24 0 0,0-1 1 0 0,0 1 0 0 0,0-2-1 0 0,10 6 1 0 0,17 5 114 0 0,-24-11-118 0 0,0-1 0 0 0,0 2 0 0 0,15 10 0 0 0,-23-14-57 0 0,-1-1 0 0 0,0 1 0 0 0,0 0 0 0 0,0 0 0 0 0,0 0 0 0 0,0 0 0 0 0,-1 1 0 0 0,1-1-1 0 0,0 0 1 0 0,-1 1 0 0 0,0-1 0 0 0,0 1 0 0 0,0 0 0 0 0,0-1 0 0 0,0 1 0 0 0,0 0 0 0 0,-1-1 0 0 0,1 1 0 0 0,-1 0 0 0 0,1 3 0 0 0,-2-2 7 0 0,0 1 0 0 0,-1-1-1 0 0,1 1 1 0 0,-1-1 0 0 0,0 1 0 0 0,0-1-1 0 0,0 0 1 0 0,0 0 0 0 0,-1 0 0 0 0,-3 4-1 0 0,-1 2-20 0 0,2-3-207 0 0,-1 0 1 0 0,0 0-1 0 0,0-1 0 0 0,-1 1 0 0 0,0-2 0 0 0,0 1 1 0 0,0-1-1 0 0,-1 0 0 0 0,1 0 0 0 0,-1-1 0 0 0,-1 0 1 0 0,1 0-1 0 0,-13 3 0 0 0,21-7 119 0 0,0 0-1 0 0,0 0 1 0 0,0 1-1 0 0,0-1 1 0 0,0 0 0 0 0,-1 0-1 0 0,1 0 1 0 0,0 0-1 0 0,0 0 1 0 0,0 0 0 0 0,0 0-1 0 0,0 0 1 0 0,-1 0 0 0 0,1 0-1 0 0,0 0 1 0 0,0 0-1 0 0,0 0 1 0 0,0 0 0 0 0,0 0-1 0 0,-1 0 1 0 0,1 0-1 0 0,0 0 1 0 0,0 0 0 0 0,0 0-1 0 0,0 0 1 0 0,0 0 0 0 0,-1 0-1 0 0,1-1 1 0 0,0 1-1 0 0,0 0 1 0 0,0 0 0 0 0,0 0-1 0 0,0 0 1 0 0,0 0-1 0 0,0 0 1 0 0,-1 0 0 0 0,1 0-1 0 0,0-1 1 0 0,0 1 0 0 0,0 0-1 0 0,0 0 1 0 0,2-7-5144 0 0,4-2-1498 0 0</inkml:trace>
+</inkml:ink>
+</file>
+
+<file path=ppt/ink/ink25.xml><?xml version="1.0" encoding="utf-8"?>
+<inkml:ink xmlns:inkml="http://www.w3.org/2003/InkML">
+  <inkml:definitions>
+    <inkml:context xml:id="ctx0">
+      <inkml:inkSource xml:id="inkSrc0">
+        <inkml:traceFormat>
+          <inkml:channel name="X" type="integer" min="-2.14748E9" max="2.14748E9" units="cm"/>
+          <inkml:channel name="Y" type="integer" min="-2.14748E9" max="2.14748E9" units="cm"/>
+          <inkml:channel name="F" type="integer" max="32767" units="dev"/>
+          <inkml:channel name="OA" type="integer" max="360" units="deg"/>
+          <inkml:channel name="OE" type="integer" max="90" units="deg"/>
+        </inkml:traceFormat>
+        <inkml:channelProperties>
+          <inkml:channelProperty channel="X" name="resolution" value="1000" units="1/cm"/>
+          <inkml:channelProperty channel="Y" name="resolution" value="1000" units="1/cm"/>
+          <inkml:channelProperty channel="F" name="resolution" value="0" units="1/dev"/>
+          <inkml:channelProperty channel="OA" name="resolution" value="1000" units="1/deg"/>
+          <inkml:channelProperty channel="OE" name="resolution" value="1000" units="1/deg"/>
+        </inkml:channelProperties>
+      </inkml:inkSource>
+      <inkml:timestamp xml:id="ts0" timeString="2021-07-21T16:32:02.071"/>
+    </inkml:context>
+    <inkml:brush xml:id="br0">
+      <inkml:brushProperty name="width" value="0.05" units="cm"/>
+      <inkml:brushProperty name="height" value="0.05" units="cm"/>
+      <inkml:brushProperty name="color" value="#FF0066"/>
+    </inkml:brush>
+  </inkml:definitions>
+  <inkml:trace contextRef="#ctx0" brushRef="#br0">74 51 4144 0 0,'8'-7'179'0'0,"-1"0"-1"0"0,0-1 1 0 0,0 0 0 0 0,7-12 11803 0 0,-23 26-10327 0 0,6-4-976 0 0,-6 6-356 0 0,0 0-1 0 0,0 0 1 0 0,1 1-1 0 0,0 0 1 0 0,0 1-1 0 0,1 0 1 0 0,1 0-1 0 0,-1 0 1 0 0,2 1-1 0 0,-1 0 1 0 0,2 0-1 0 0,-1 1 1 0 0,1-1-1 0 0,1 1 1 0 0,-2 15-1 0 0,4-26-298 0 0,1-1-1 0 0,0 1 0 0 0,0 0 1 0 0,0-1-1 0 0,0 1 0 0 0,-1 0 1 0 0,1 0-1 0 0,0-1 0 0 0,0 1 1 0 0,0 0-1 0 0,1 0 0 0 0,-1-1 1 0 0,0 1-1 0 0,0 0 0 0 0,0 0 1 0 0,1-1-1 0 0,-1 1 0 0 0,0 0 1 0 0,0-1-1 0 0,1 1 0 0 0,-1 0 1 0 0,1-1-1 0 0,-1 1 0 0 0,2 1 1 0 0,-2-2-4 0 0,1 0 0 0 0,0 0 1 0 0,0 0-1 0 0,0 1 1 0 0,-1-1-1 0 0,1 0 0 0 0,0 0 1 0 0,0 0-1 0 0,0 0 1 0 0,0 0-1 0 0,-1 0 0 0 0,1-1 1 0 0,0 1-1 0 0,0 0 1 0 0,0 0-1 0 0,-1-1 0 0 0,1 1 1 0 0,1-1-1 0 0,4-2 55 0 0,-1 0-1 0 0,1 0 1 0 0,-1-1 0 0 0,7-5-1 0 0,-2-1 54 0 0,-1-1 0 0 0,14-18 0 0 0,-16 20 79 0 0,-1 1 1 0 0,1-1-1 0 0,1 1 0 0 0,0 0 0 0 0,0 1 1 0 0,11-9-1 0 0,-18 15-204 0 0,0 1 0 0 0,0-1 0 0 0,0 1-1 0 0,0-1 1 0 0,0 1 0 0 0,0-1 0 0 0,0 1 0 0 0,0 0 0 0 0,0-1 0 0 0,0 1 0 0 0,0 0 0 0 0,0 0 0 0 0,0 0-1 0 0,0 0 1 0 0,0 0 0 0 0,0 0 0 0 0,0 0 0 0 0,0 0 0 0 0,0 0 0 0 0,0 1 0 0 0,0-1 0 0 0,0 0-1 0 0,0 1 1 0 0,0-1 0 0 0,0 1 0 0 0,0-1 0 0 0,0 1 0 0 0,0-1 0 0 0,0 1 0 0 0,0-1 0 0 0,0 1 0 0 0,-1 0-1 0 0,1 0 1 0 0,0-1 0 0 0,0 1 0 0 0,-1 0 0 0 0,1 0 0 0 0,-1 0 0 0 0,1 0 0 0 0,-1 0 0 0 0,1 0 0 0 0,0 1-1 0 0,1 4-13 0 0,0-1-1 0 0,0 1 1 0 0,0 0-1 0 0,-1 0 1 0 0,0-1-1 0 0,1 10 1 0 0,-1 31-858 0 0,-1-30 602 0 0,1 1 1 0 0,0 0 0 0 0,5 22-1 0 0,-6-37 246 0 0,1 0 0 0 0,-1-1 0 0 0,1 1 0 0 0,0 0 0 0 0,0 0 0 0 0,0 0 0 0 0,0-1 0 0 0,2 4 0 0 0,-3-5-82 0 0,1 1 0 0 0,-1 0 0 0 0,1-1-1 0 0,0 1 1 0 0,-1-1 0 0 0,1 0 0 0 0,0 1-1 0 0,-1-1 1 0 0,1 1 0 0 0,0-1 0 0 0,-1 0 0 0 0,1 0-1 0 0,0 1 1 0 0,0-1 0 0 0,-1 0 0 0 0,1 0-1 0 0,0 0 1 0 0,0 0 0 0 0,-1 0 0 0 0,1 0 0 0 0,0 0-1 0 0,0 0 1 0 0,0 0 0 0 0,-1 0 0 0 0,1 0 0 0 0,1-1-1 0 0,11-4-8087 0 0</inkml:trace>
+</inkml:ink>
+</file>
+
+<file path=ppt/ink/ink26.xml><?xml version="1.0" encoding="utf-8"?>
+<inkml:ink xmlns:inkml="http://www.w3.org/2003/InkML">
+  <inkml:definitions>
+    <inkml:context xml:id="ctx0">
+      <inkml:inkSource xml:id="inkSrc0">
+        <inkml:traceFormat>
+          <inkml:channel name="X" type="integer" min="-2.14748E9" max="2.14748E9" units="cm"/>
+          <inkml:channel name="Y" type="integer" min="-2.14748E9" max="2.14748E9" units="cm"/>
+          <inkml:channel name="F" type="integer" max="32767" units="dev"/>
+          <inkml:channel name="OA" type="integer" max="360" units="deg"/>
+          <inkml:channel name="OE" type="integer" max="90" units="deg"/>
+        </inkml:traceFormat>
+        <inkml:channelProperties>
+          <inkml:channelProperty channel="X" name="resolution" value="1000" units="1/cm"/>
+          <inkml:channelProperty channel="Y" name="resolution" value="1000" units="1/cm"/>
+          <inkml:channelProperty channel="F" name="resolution" value="0" units="1/dev"/>
+          <inkml:channelProperty channel="OA" name="resolution" value="1000" units="1/deg"/>
+          <inkml:channelProperty channel="OE" name="resolution" value="1000" units="1/deg"/>
+        </inkml:channelProperties>
+      </inkml:inkSource>
+      <inkml:timestamp xml:id="ts0" timeString="2021-07-21T16:32:02.443"/>
+    </inkml:context>
+    <inkml:brush xml:id="br0">
+      <inkml:brushProperty name="width" value="0.05" units="cm"/>
+      <inkml:brushProperty name="height" value="0.05" units="cm"/>
+      <inkml:brushProperty name="color" value="#FF0066"/>
+    </inkml:brush>
+  </inkml:definitions>
+  <inkml:trace contextRef="#ctx0" brushRef="#br0">0 13 5528 0 0,'0'0'600'0'0,"9"0"-600"0"0,-1-3 0 0 0,0 0 3360 0 0,1 1 656 0 0,-3 2 135 0 0,2-3 25 0 0,0 1-3168 0 0,1 2-632 0 0,-3 2-128 0 0,-1 1-24 0 0,4-3-752 0 0,-3 2-144 0 0,-4 4-32 0 0</inkml:trace>
+  <inkml:trace contextRef="#ctx0" brushRef="#br0" timeOffset="1">73 118 10592 0 0,'0'0'944'0'0,"3"5"-752"0"0,6-3-192 0 0,2 3 2208 0 0,4-3 415 0 0,-2-2 73 0 0,7 0 24 0 0,-3-4-1912 0 0,2 1-376 0 0,-2 1-80 0 0,6 2-8 0 0,0-5-1000 0 0,-1 3-200 0 0,17-9-40 0 0,-16 1-7799 0 0</inkml:trace>
+</inkml:ink>
+</file>
+
+<file path=ppt/ink/ink27.xml><?xml version="1.0" encoding="utf-8"?>
+<inkml:ink xmlns:inkml="http://www.w3.org/2003/InkML">
+  <inkml:definitions>
+    <inkml:context xml:id="ctx0">
+      <inkml:inkSource xml:id="inkSrc0">
+        <inkml:traceFormat>
+          <inkml:channel name="X" type="integer" min="-2.14748E9" max="2.14748E9" units="cm"/>
+          <inkml:channel name="Y" type="integer" min="-2.14748E9" max="2.14748E9" units="cm"/>
+          <inkml:channel name="F" type="integer" max="32767" units="dev"/>
+          <inkml:channel name="OA" type="integer" max="360" units="deg"/>
+          <inkml:channel name="OE" type="integer" max="90" units="deg"/>
+        </inkml:traceFormat>
+        <inkml:channelProperties>
+          <inkml:channelProperty channel="X" name="resolution" value="1000" units="1/cm"/>
+          <inkml:channelProperty channel="Y" name="resolution" value="1000" units="1/cm"/>
+          <inkml:channelProperty channel="F" name="resolution" value="0" units="1/dev"/>
+          <inkml:channelProperty channel="OA" name="resolution" value="1000" units="1/deg"/>
+          <inkml:channelProperty channel="OE" name="resolution" value="1000" units="1/deg"/>
+        </inkml:channelProperties>
+      </inkml:inkSource>
+      <inkml:timestamp xml:id="ts0" timeString="2021-07-21T16:32:06.466"/>
+    </inkml:context>
+    <inkml:brush xml:id="br0">
+      <inkml:brushProperty name="width" value="0.05" units="cm"/>
+      <inkml:brushProperty name="height" value="0.05" units="cm"/>
+      <inkml:brushProperty name="color" value="#FF0066"/>
+    </inkml:brush>
+  </inkml:definitions>
+  <inkml:trace contextRef="#ctx0" brushRef="#br0">43 10 5528 0 0,'-12'-2'584'0'0,"11"3"90"0"0,0-1 0 0 0,-1 0 1 0 0,1 1-1 0 0,0-1 0 0 0,0 1 0 0 0,0-1 1 0 0,0 1-1 0 0,0 0 0 0 0,0-1 0 0 0,-2 3 1 0 0,2-3 5 0 0,0 1-1 0 0,0 0 1 0 0,0 0 0 0 0,-1-1 0 0 0,1 1 0 0 0,0 0 0 0 0,0-1 0 0 0,0 1 0 0 0,-1-1 0 0 0,1 0-1 0 0,-3 1 1768 0 0,4-2-2403 0 0,0 0 0 0 0,0 1 0 0 0,0-1 0 0 0,0 0 0 0 0,0 0 0 0 0,1 0 1 0 0,-1 1-1 0 0,0-1 0 0 0,0 0 0 0 0,1 0 0 0 0,-1 1 0 0 0,0-1 0 0 0,1 0 0 0 0,-1 1 0 0 0,0-1 0 0 0,1 0 0 0 0,-1 1 0 0 0,1-1 0 0 0,0 0 1 0 0,4-6-1363 0 0</inkml:trace>
+</inkml:ink>
+</file>
+
+<file path=ppt/ink/ink28.xml><?xml version="1.0" encoding="utf-8"?>
+<inkml:ink xmlns:inkml="http://www.w3.org/2003/InkML">
+  <inkml:definitions>
+    <inkml:context xml:id="ctx0">
+      <inkml:inkSource xml:id="inkSrc0">
+        <inkml:traceFormat>
+          <inkml:channel name="X" type="integer" min="-2.14748E9" max="2.14748E9" units="cm"/>
+          <inkml:channel name="Y" type="integer" min="-2.14748E9" max="2.14748E9" units="cm"/>
+          <inkml:channel name="F" type="integer" max="32767" units="dev"/>
+          <inkml:channel name="OA" type="integer" max="360" units="deg"/>
+          <inkml:channel name="OE" type="integer" max="90" units="deg"/>
+        </inkml:traceFormat>
+        <inkml:channelProperties>
+          <inkml:channelProperty channel="X" name="resolution" value="1000" units="1/cm"/>
+          <inkml:channelProperty channel="Y" name="resolution" value="1000" units="1/cm"/>
+          <inkml:channelProperty channel="F" name="resolution" value="0" units="1/dev"/>
+          <inkml:channelProperty channel="OA" name="resolution" value="1000" units="1/deg"/>
+          <inkml:channelProperty channel="OE" name="resolution" value="1000" units="1/deg"/>
+        </inkml:channelProperties>
+      </inkml:inkSource>
+      <inkml:timestamp xml:id="ts0" timeString="2021-07-21T16:32:06.804"/>
+    </inkml:context>
+    <inkml:brush xml:id="br0">
+      <inkml:brushProperty name="width" value="0.05" units="cm"/>
+      <inkml:brushProperty name="height" value="0.05" units="cm"/>
+      <inkml:brushProperty name="color" value="#FF0066"/>
+    </inkml:brush>
+  </inkml:definitions>
+  <inkml:trace contextRef="#ctx0" brushRef="#br0">124 1 12896 0 0,'0'0'1152'0'0,"-8"7"-928"0"0,2 3-224 0 0,0 0 0 0 0,1 0 1456 0 0,-1 1 239 0 0,0 3 57 0 0,-2 4 8 0 0,0 0-1240 0 0,2-1-240 0 0,-6 3-56 0 0,-1 0 0 0 0,1 3-1016 0 0,-4-3-200 0 0,4-1-32 0 0</inkml:trace>
+</inkml:ink>
+</file>
+
+<file path=ppt/ink/ink29.xml><?xml version="1.0" encoding="utf-8"?>
+<inkml:ink xmlns:inkml="http://www.w3.org/2003/InkML">
+  <inkml:definitions>
+    <inkml:context xml:id="ctx0">
+      <inkml:inkSource xml:id="inkSrc0">
+        <inkml:traceFormat>
+          <inkml:channel name="X" type="integer" min="-2.14748E9" max="2.14748E9" units="cm"/>
+          <inkml:channel name="Y" type="integer" min="-2.14748E9" max="2.14748E9" units="cm"/>
+          <inkml:channel name="F" type="integer" max="32767" units="dev"/>
+          <inkml:channel name="OA" type="integer" max="360" units="deg"/>
+          <inkml:channel name="OE" type="integer" max="90" units="deg"/>
+        </inkml:traceFormat>
+        <inkml:channelProperties>
+          <inkml:channelProperty channel="X" name="resolution" value="1000" units="1/cm"/>
+          <inkml:channelProperty channel="Y" name="resolution" value="1000" units="1/cm"/>
+          <inkml:channelProperty channel="F" name="resolution" value="0" units="1/dev"/>
+          <inkml:channelProperty channel="OA" name="resolution" value="1000" units="1/deg"/>
+          <inkml:channelProperty channel="OE" name="resolution" value="1000" units="1/deg"/>
+        </inkml:channelProperties>
+      </inkml:inkSource>
+      <inkml:timestamp xml:id="ts0" timeString="2021-07-21T16:32:07.814"/>
+    </inkml:context>
+    <inkml:brush xml:id="br0">
+      <inkml:brushProperty name="width" value="0.05" units="cm"/>
+      <inkml:brushProperty name="height" value="0.05" units="cm"/>
+      <inkml:brushProperty name="color" value="#FF0066"/>
+    </inkml:brush>
+  </inkml:definitions>
+  <inkml:trace contextRef="#ctx0" brushRef="#br0">3 79 17047 0 0,'-1'-13'711'0'0,"1"12"-617"0"0,0-1 0 0 0,-1 1 1 0 0,1-1-1 0 0,0 1 0 0 0,0 0 0 0 0,0-1 1 0 0,0 1-1 0 0,0-1 0 0 0,0 1 0 0 0,0 0 1 0 0,0-1-1 0 0,0 1 0 0 0,1-1 1 0 0,-1 1-1 0 0,1 0 0 0 0,-1-1 0 0 0,1 1 1 0 0,-1 0-1 0 0,1 0 0 0 0,0-1 0 0 0,0 1 1 0 0,-1 0-1 0 0,1 0 0 0 0,0 0 0 0 0,1-1 1 0 0,7-4 1083 0 0,-8 5-1039 0 0,1 0 1 0 0,-1 0 0 0 0,1 0-1 0 0,0 0 1 0 0,-1 0 0 0 0,1 0-1 0 0,0 0 1 0 0,0 1 0 0 0,3-1-1 0 0,21-6 142 0 0,-21 5-241 0 0,0 0 0 0 0,1 1 0 0 0,-1 0 0 0 0,1 0-1 0 0,6-1 1 0 0,9 2-1897 0 0,38 5 0 0 0,-59-5 1707 0 0,1 0 1 0 0,-1 1 0 0 0,1-1-1 0 0,-1 0 1 0 0,1 0 0 0 0,-1 0-1 0 0,1 1 1 0 0,-1-1 0 0 0,1 0-1 0 0,-1 0 1 0 0,1 1 0 0 0,-1-1-1 0 0,0 0 1 0 0,1 1 0 0 0,-1-1-1 0 0,1 0 1 0 0,-1 1 0 0 0,0-1-1 0 0,1 1 1 0 0,-1 0-1 0 0,2 1-1518 0 0,3 5-28 0 0</inkml:trace>
+</inkml:ink>
+</file>
+
+<file path=ppt/ink/ink3.xml><?xml version="1.0" encoding="utf-8"?>
+<inkml:ink xmlns:inkml="http://www.w3.org/2003/InkML">
+  <inkml:definitions>
+    <inkml:context xml:id="ctx0">
+      <inkml:inkSource xml:id="inkSrc0">
+        <inkml:traceFormat>
+          <inkml:channel name="X" type="integer" min="-2.14748E9" max="2.14748E9" units="cm"/>
+          <inkml:channel name="Y" type="integer" min="-2.14748E9" max="2.14748E9" units="cm"/>
+          <inkml:channel name="F" type="integer" max="32767" units="dev"/>
+          <inkml:channel name="OA" type="integer" max="360" units="deg"/>
+          <inkml:channel name="OE" type="integer" max="90" units="deg"/>
+        </inkml:traceFormat>
+        <inkml:channelProperties>
+          <inkml:channelProperty channel="X" name="resolution" value="1000" units="1/cm"/>
+          <inkml:channelProperty channel="Y" name="resolution" value="1000" units="1/cm"/>
+          <inkml:channelProperty channel="F" name="resolution" value="0" units="1/dev"/>
+          <inkml:channelProperty channel="OA" name="resolution" value="1000" units="1/deg"/>
+          <inkml:channelProperty channel="OE" name="resolution" value="1000" units="1/deg"/>
+        </inkml:channelProperties>
+      </inkml:inkSource>
+      <inkml:timestamp xml:id="ts0" timeString="2021-07-21T16:31:30.994"/>
+    </inkml:context>
+    <inkml:brush xml:id="br0">
+      <inkml:brushProperty name="width" value="0.05" units="cm"/>
+      <inkml:brushProperty name="height" value="0.05" units="cm"/>
+      <inkml:brushProperty name="color" value="#FF0066"/>
+    </inkml:brush>
+  </inkml:definitions>
+  <inkml:trace contextRef="#ctx0" brushRef="#br0">222 33 1840 0 0,'-5'1'614'0'0,"-8"0"1485"0"0,-4-2 956 0 0,1 0 1 0 0,-30-8-1 0 0,30 5-794 0 0,-1 1 0 0 0,-30-1 0 0 0,27 8 2259 0 0,28-1-3879 0 0,21 1-323 0 0,0-2 0 0 0,0-1 0 0 0,35-3 0 0 0,-43 2-147 0 0,207-15 1162 0 0,-11 10-837 0 0,-183 3-473 0 0,-14 0 31 0 0,26 1 0 0 0,-41 2-46 0 0,1-1 1 0 0,-1 1 0 0 0,1 0-1 0 0,-1 0 1 0 0,1 1 0 0 0,-1-1-1 0 0,0 1 1 0 0,0 1 0 0 0,7 3-1 0 0,-11-6-3 0 0,-1 0-1 0 0,1 0 1 0 0,-1 1-1 0 0,1-1 0 0 0,-1 0 1 0 0,1 1-1 0 0,-1-1 0 0 0,0 0 1 0 0,1 1-1 0 0,-1-1 0 0 0,1 0 1 0 0,-1 1-1 0 0,0-1 1 0 0,1 1-1 0 0,-1-1 0 0 0,0 1 1 0 0,0-1-1 0 0,0 1 0 0 0,1-1 1 0 0,-1 1-1 0 0,0-1 0 0 0,0 1 1 0 0,0-1-1 0 0,0 1 1 0 0,0-1-1 0 0,0 1 0 0 0,0-1 1 0 0,0 1-1 0 0,0-1 0 0 0,0 1 1 0 0,0-1-1 0 0,0 2 0 0 0,-1-1 11 0 0,0 1-1 0 0,0-1 0 0 0,0 0 0 0 0,0 0 0 0 0,0 1 0 0 0,0-1 0 0 0,0 0 0 0 0,0 0 0 0 0,0 0 0 0 0,-1 0 0 0 0,-1 1 0 0 0,-5 3 51 0 0,0-1 0 0 0,-17 6 0 0 0,9-4-40 0 0,0-2-1 0 0,-1 0 1 0 0,0-1-1 0 0,0 0 1 0 0,-28-1-1 0 0,-88-7 168 0 0,84 1-168 0 0,-273-38-123 0 0,225 30 35 0 0,66 9-1 0 0,31 3 64 0 0,1 0 0 0 0,-1 0 0 0 0,0 0-1 0 0,0 0 1 0 0,0-1 0 0 0,0 1 0 0 0,0 0 0 0 0,0 0 0 0 0,0 0 0 0 0,0 0-1 0 0,0 0 1 0 0,0 0 0 0 0,0 0 0 0 0,0-1 0 0 0,0 1 0 0 0,0 0-1 0 0,0 0 1 0 0,0 0 0 0 0,0 0 0 0 0,0 0 0 0 0,0 0 0 0 0,0 0-1 0 0,0-1 1 0 0,0 1 0 0 0,0 0 0 0 0,0 0 0 0 0,0 0 0 0 0,0 0 0 0 0,0 0-1 0 0,0 0 1 0 0,0 0 0 0 0,0-1 0 0 0,0 1 0 0 0,0 0 0 0 0,0 0-1 0 0,0 0 1 0 0,0 0 0 0 0,-1 0 0 0 0,1 0 0 0 0,0 0 0 0 0,0 0-1 0 0,0 0 1 0 0,0 0 0 0 0,0 0 0 0 0,0-1 0 0 0,0 1 0 0 0,0 0 0 0 0,-1 0-1 0 0,1 0 1 0 0,0 0 0 0 0,0 0 0 0 0,6-1 2 0 0,0-1-1 0 0,0 1 1 0 0,1 0 0 0 0,-1 0-1 0 0,0 1 1 0 0,11 0 0 0 0,-10 1 5 0 0,98-2 241 0 0,267 7 518 0 0,-124 14 4 0 0,-65 13-590 0 0,-162-29-128 0 0,10-1 174 0 0,-31-3-218 0 0,1 0 0 0 0,-1-1 0 0 0,1 1 0 0 0,-1 0 0 0 0,1 0 0 0 0,-1-1 0 0 0,1 1 0 0 0,-1-1 0 0 0,1 1 0 0 0,-1 0 0 0 0,1-1 0 0 0,-1 1 0 0 0,1-1 0 0 0,-1 1 1 0 0,0-1-1 0 0,1 1 0 0 0,-1-1 0 0 0,0 1 0 0 0,0-1 0 0 0,1 0 0 0 0,-1 1 0 0 0,0-1 0 0 0,0 1 0 0 0,0-1 0 0 0,0 0 0 0 0,0 1 0 0 0,0-1 0 0 0,0 1 0 0 0,0-1 0 0 0,0 0 0 0 0,0 1 0 0 0,0-1 1 0 0,0 1-1 0 0,0-1 0 0 0,0 0 0 0 0,-1 1 0 0 0,1-1 0 0 0,-5-20-235 0 0,3 18-494 0 0,0 0 0 0 0,0 0 0 0 0,1 0 0 0 0,-2 1 0 0 0,1-1 0 0 0,0 0 0 0 0,-1 1 0 0 0,1-1 0 0 0,-5-2 0 0 0,2 2-1209 0 0</inkml:trace>
+</inkml:ink>
+</file>
+
+<file path=ppt/ink/ink30.xml><?xml version="1.0" encoding="utf-8"?>
+<inkml:ink xmlns:inkml="http://www.w3.org/2003/InkML">
+  <inkml:definitions>
+    <inkml:context xml:id="ctx0">
+      <inkml:inkSource xml:id="inkSrc0">
+        <inkml:traceFormat>
+          <inkml:channel name="X" type="integer" min="-2.14748E9" max="2.14748E9" units="cm"/>
+          <inkml:channel name="Y" type="integer" min="-2.14748E9" max="2.14748E9" units="cm"/>
+          <inkml:channel name="F" type="integer" max="32767" units="dev"/>
+          <inkml:channel name="OA" type="integer" max="360" units="deg"/>
+          <inkml:channel name="OE" type="integer" max="90" units="deg"/>
+        </inkml:traceFormat>
+        <inkml:channelProperties>
+          <inkml:channelProperty channel="X" name="resolution" value="1000" units="1/cm"/>
+          <inkml:channelProperty channel="Y" name="resolution" value="1000" units="1/cm"/>
+          <inkml:channelProperty channel="F" name="resolution" value="0" units="1/dev"/>
+          <inkml:channelProperty channel="OA" name="resolution" value="1000" units="1/deg"/>
+          <inkml:channelProperty channel="OE" name="resolution" value="1000" units="1/deg"/>
+        </inkml:channelProperties>
+      </inkml:inkSource>
+      <inkml:timestamp xml:id="ts0" timeString="2021-07-21T16:32:08.176"/>
+    </inkml:context>
+    <inkml:brush xml:id="br0">
+      <inkml:brushProperty name="width" value="0.05" units="cm"/>
+      <inkml:brushProperty name="height" value="0.05" units="cm"/>
+      <inkml:brushProperty name="color" value="#FF0066"/>
+    </inkml:brush>
+  </inkml:definitions>
+  <inkml:trace contextRef="#ctx0" brushRef="#br0">1 18 16815 0 0,'0'0'1522'0'0,"1"1"-1250"0"0,2 1-13 0 0,0-1 0 0 0,0 1 0 0 0,1-1 0 0 0,-1 0 0 0 0,0 0 0 0 0,1 0 0 0 0,-1 0 0 0 0,1 0 0 0 0,-1-1 0 0 0,1 0 0 0 0,-1 0 0 0 0,6 0 0 0 0,3-1 273 0 0,0-1 0 0 0,16-4 0 0 0,7-2-249 0 0,-1 1-1168 0 0,-17 1-262 0 0</inkml:trace>
+</inkml:ink>
+</file>
+
+<file path=ppt/ink/ink31.xml><?xml version="1.0" encoding="utf-8"?>
+<inkml:ink xmlns:inkml="http://www.w3.org/2003/InkML">
+  <inkml:definitions>
+    <inkml:context xml:id="ctx0">
+      <inkml:inkSource xml:id="inkSrc0">
+        <inkml:traceFormat>
+          <inkml:channel name="X" type="integer" min="-2.14748E9" max="2.14748E9" units="cm"/>
+          <inkml:channel name="Y" type="integer" min="-2.14748E9" max="2.14748E9" units="cm"/>
+          <inkml:channel name="F" type="integer" max="32767" units="dev"/>
+          <inkml:channel name="OA" type="integer" max="360" units="deg"/>
+          <inkml:channel name="OE" type="integer" max="90" units="deg"/>
+        </inkml:traceFormat>
+        <inkml:channelProperties>
+          <inkml:channelProperty channel="X" name="resolution" value="1000" units="1/cm"/>
+          <inkml:channelProperty channel="Y" name="resolution" value="1000" units="1/cm"/>
+          <inkml:channelProperty channel="F" name="resolution" value="0" units="1/dev"/>
+          <inkml:channelProperty channel="OA" name="resolution" value="1000" units="1/deg"/>
+          <inkml:channelProperty channel="OE" name="resolution" value="1000" units="1/deg"/>
+        </inkml:channelProperties>
+      </inkml:inkSource>
+      <inkml:timestamp xml:id="ts0" timeString="2021-07-21T16:32:09.237"/>
+    </inkml:context>
+    <inkml:brush xml:id="br0">
+      <inkml:brushProperty name="width" value="0.05" units="cm"/>
+      <inkml:brushProperty name="height" value="0.05" units="cm"/>
+      <inkml:brushProperty name="color" value="#FF0066"/>
+    </inkml:brush>
+  </inkml:definitions>
+  <inkml:trace contextRef="#ctx0" brushRef="#br0">134 88 3224 0 0,'0'0'143'0'0,"3"-15"26"0"0,-3 5 603 0 0,1 3 1748 0 0,-1 0-1 0 0,-1-1 0 0 0,1 1 0 0 0,-3-9 0 0 0,-5 0 371 0 0,8 15-2838 0 0,0 1 0 0 0,-1 0-1 0 0,1 0 1 0 0,0 0 0 0 0,-1 0 0 0 0,1-1 0 0 0,0 1-1 0 0,-1 0 1 0 0,1 0 0 0 0,0 0 0 0 0,-1 0 0 0 0,1 0-1 0 0,-1 0 1 0 0,1 0 0 0 0,0 0 0 0 0,-1 0-1 0 0,1 0 1 0 0,0 0 0 0 0,-1 0 0 0 0,1 0 0 0 0,0 1-1 0 0,-1-1 1 0 0,1 0 0 0 0,-1 0 0 0 0,1 0-1 0 0,0 0 1 0 0,-1 1 0 0 0,-9 5 503 0 0,10-6-467 0 0,-4 4 102 0 0,0-1 0 0 0,0 1 0 0 0,0 0-1 0 0,1 0 1 0 0,0 0 0 0 0,0 0 0 0 0,0 0-1 0 0,0 1 1 0 0,-3 8 0 0 0,-2 6 144 0 0,-6 23 0 0 0,8-22-81 0 0,-4 14 204 0 0,1-1 0 0 0,2 1 0 0 0,1 1 1 0 0,2-1-1 0 0,1 1 0 0 0,2 0 0 0 0,5 63 0 0 0,-2-81-317 0 0,1 11 220 0 0,10 46 0 0 0,-12-67-322 0 0,1 0-1 0 0,1 0 1 0 0,-1 0 0 0 0,1 0 0 0 0,1 0 0 0 0,-1 0 0 0 0,1-1 0 0 0,0 0 0 0 0,1 0 0 0 0,-1 0 0 0 0,8 7 0 0 0,-9-10-236 0 0,0-1 1 0 0,0 0-1 0 0,0 0 0 0 0,0 0 1 0 0,1 0-1 0 0,-1 0 1 0 0,0-1-1 0 0,1 0 0 0 0,-1 1 1 0 0,1-1-1 0 0,0 0 1 0 0,-1-1-1 0 0,1 1 0 0 0,4-1 1 0 0</inkml:trace>
+</inkml:ink>
+</file>
+
+<file path=ppt/ink/ink32.xml><?xml version="1.0" encoding="utf-8"?>
+<inkml:ink xmlns:inkml="http://www.w3.org/2003/InkML">
+  <inkml:definitions>
+    <inkml:context xml:id="ctx0">
+      <inkml:inkSource xml:id="inkSrc0">
+        <inkml:traceFormat>
+          <inkml:channel name="X" type="integer" min="-2.14748E9" max="2.14748E9" units="cm"/>
+          <inkml:channel name="Y" type="integer" min="-2.14748E9" max="2.14748E9" units="cm"/>
+          <inkml:channel name="F" type="integer" max="32767" units="dev"/>
+          <inkml:channel name="OA" type="integer" max="360" units="deg"/>
+          <inkml:channel name="OE" type="integer" max="90" units="deg"/>
+        </inkml:traceFormat>
+        <inkml:channelProperties>
+          <inkml:channelProperty channel="X" name="resolution" value="1000" units="1/cm"/>
+          <inkml:channelProperty channel="Y" name="resolution" value="1000" units="1/cm"/>
+          <inkml:channelProperty channel="F" name="resolution" value="0" units="1/dev"/>
+          <inkml:channelProperty channel="OA" name="resolution" value="1000" units="1/deg"/>
+          <inkml:channelProperty channel="OE" name="resolution" value="1000" units="1/deg"/>
+        </inkml:channelProperties>
+      </inkml:inkSource>
+      <inkml:timestamp xml:id="ts0" timeString="2021-07-21T16:32:10.540"/>
+    </inkml:context>
+    <inkml:brush xml:id="br0">
+      <inkml:brushProperty name="width" value="0.05" units="cm"/>
+      <inkml:brushProperty name="height" value="0.05" units="cm"/>
+      <inkml:brushProperty name="color" value="#FF0066"/>
+    </inkml:brush>
+  </inkml:definitions>
+  <inkml:trace contextRef="#ctx0" brushRef="#br0">43 0 11024 0 0,'-6'10'832'0'0,"1"-10"-448"0"0,-1 0-384 0 0,-3 0 0 0 0,4 3 0 0 0,-1-1 0 0 0,1 1 184 0 0</inkml:trace>
+</inkml:ink>
+</file>
+
+<file path=ppt/ink/ink33.xml><?xml version="1.0" encoding="utf-8"?>
+<inkml:ink xmlns:inkml="http://www.w3.org/2003/InkML">
+  <inkml:definitions>
+    <inkml:context xml:id="ctx0">
+      <inkml:inkSource xml:id="inkSrc0">
+        <inkml:traceFormat>
+          <inkml:channel name="X" type="integer" min="-2.14748E9" max="2.14748E9" units="cm"/>
+          <inkml:channel name="Y" type="integer" min="-2.14748E9" max="2.14748E9" units="cm"/>
+          <inkml:channel name="F" type="integer" max="32767" units="dev"/>
+          <inkml:channel name="OA" type="integer" max="360" units="deg"/>
+          <inkml:channel name="OE" type="integer" max="90" units="deg"/>
+        </inkml:traceFormat>
+        <inkml:channelProperties>
+          <inkml:channelProperty channel="X" name="resolution" value="1000" units="1/cm"/>
+          <inkml:channelProperty channel="Y" name="resolution" value="1000" units="1/cm"/>
+          <inkml:channelProperty channel="F" name="resolution" value="0" units="1/dev"/>
+          <inkml:channelProperty channel="OA" name="resolution" value="1000" units="1/deg"/>
+          <inkml:channelProperty channel="OE" name="resolution" value="1000" units="1/deg"/>
+        </inkml:channelProperties>
+      </inkml:inkSource>
+      <inkml:timestamp xml:id="ts0" timeString="2021-07-21T16:32:10.900"/>
+    </inkml:context>
+    <inkml:brush xml:id="br0">
+      <inkml:brushProperty name="width" value="0.05" units="cm"/>
+      <inkml:brushProperty name="height" value="0.05" units="cm"/>
+      <inkml:brushProperty name="color" value="#FF0066"/>
+    </inkml:brush>
+  </inkml:definitions>
+  <inkml:trace contextRef="#ctx0" brushRef="#br0">45 35 5064 0 0,'0'0'448'0'0,"-5"5"-352"0"0,2 2-96 0 0,-5 2 0 0 0,2 0 1136 0 0,0 1 208 0 0,1 0 48 0 0,-1-2 8 0 0,4 1-1096 0 0,-1-1-216 0 0,3 0-88 0 0,0-3 64 0 0</inkml:trace>
+  <inkml:trace contextRef="#ctx0" brushRef="#br0" timeOffset="1">691 0 5528 0 0,'-3'2'488'0'0,"-3"1"-392"0"0,0 2-96 0 0,1 0 0 0 0,-3 2 1920 0 0,-1 2 352 0 0,1-2 80 0 0,2 0 16 0 0,-3 0-1952 0 0,4-1-416 0 0,-1-1 0 0 0,6-3 16 0 0,8-2-4128 0 0,4-2-840 0 0</inkml:trace>
+</inkml:ink>
+</file>
+
+<file path=ppt/ink/ink34.xml><?xml version="1.0" encoding="utf-8"?>
+<inkml:ink xmlns:inkml="http://www.w3.org/2003/InkML">
+  <inkml:definitions>
+    <inkml:context xml:id="ctx0">
+      <inkml:inkSource xml:id="inkSrc0">
+        <inkml:traceFormat>
+          <inkml:channel name="X" type="integer" min="-2.14748E9" max="2.14748E9" units="cm"/>
+          <inkml:channel name="Y" type="integer" min="-2.14748E9" max="2.14748E9" units="cm"/>
+          <inkml:channel name="F" type="integer" max="32767" units="dev"/>
+          <inkml:channel name="OA" type="integer" max="360" units="deg"/>
+          <inkml:channel name="OE" type="integer" max="90" units="deg"/>
+        </inkml:traceFormat>
+        <inkml:channelProperties>
+          <inkml:channelProperty channel="X" name="resolution" value="1000" units="1/cm"/>
+          <inkml:channelProperty channel="Y" name="resolution" value="1000" units="1/cm"/>
+          <inkml:channelProperty channel="F" name="resolution" value="0" units="1/dev"/>
+          <inkml:channelProperty channel="OA" name="resolution" value="1000" units="1/deg"/>
+          <inkml:channelProperty channel="OE" name="resolution" value="1000" units="1/deg"/>
+        </inkml:channelProperties>
+      </inkml:inkSource>
+      <inkml:timestamp xml:id="ts0" timeString="2021-07-21T16:32:11.239"/>
+    </inkml:context>
+    <inkml:brush xml:id="br0">
+      <inkml:brushProperty name="width" value="0.05" units="cm"/>
+      <inkml:brushProperty name="height" value="0.05" units="cm"/>
+      <inkml:brushProperty name="color" value="#FF0066"/>
+    </inkml:brush>
+  </inkml:definitions>
+  <inkml:trace contextRef="#ctx0" brushRef="#br0">877 1 11544 0 0,'0'0'256'0'0,"-3"7"48"0"0,-3 4 16 0 0,0 1 0 0 0,1-1-256 0 0,-1 3-64 0 0,-2 1 0 0 0</inkml:trace>
+  <inkml:trace contextRef="#ctx0" brushRef="#br0" timeOffset="1">4 1018 5984 0 0,'0'0'7120'0'0,"0"7"-4784"0"0,-3 2-1920 0 0,3 0-416 0 0,0-2 0 0 0,0 0-4240 0 0,0 1-832 0 0</inkml:trace>
+</inkml:ink>
+</file>
+
+<file path=ppt/ink/ink35.xml><?xml version="1.0" encoding="utf-8"?>
+<inkml:ink xmlns:inkml="http://www.w3.org/2003/InkML">
+  <inkml:definitions>
+    <inkml:context xml:id="ctx0">
+      <inkml:inkSource xml:id="inkSrc0">
+        <inkml:traceFormat>
+          <inkml:channel name="X" type="integer" min="-2.14748E9" max="2.14748E9" units="cm"/>
+          <inkml:channel name="Y" type="integer" min="-2.14748E9" max="2.14748E9" units="cm"/>
+          <inkml:channel name="F" type="integer" max="32767" units="dev"/>
+          <inkml:channel name="OA" type="integer" max="360" units="deg"/>
+          <inkml:channel name="OE" type="integer" max="90" units="deg"/>
+        </inkml:traceFormat>
+        <inkml:channelProperties>
+          <inkml:channelProperty channel="X" name="resolution" value="1000" units="1/cm"/>
+          <inkml:channelProperty channel="Y" name="resolution" value="1000" units="1/cm"/>
+          <inkml:channelProperty channel="F" name="resolution" value="0" units="1/dev"/>
+          <inkml:channelProperty channel="OA" name="resolution" value="1000" units="1/deg"/>
+          <inkml:channelProperty channel="OE" name="resolution" value="1000" units="1/deg"/>
+        </inkml:channelProperties>
+      </inkml:inkSource>
+      <inkml:timestamp xml:id="ts0" timeString="2021-07-21T16:32:11.642"/>
+    </inkml:context>
+    <inkml:brush xml:id="br0">
+      <inkml:brushProperty name="width" value="0.05" units="cm"/>
+      <inkml:brushProperty name="height" value="0.05" units="cm"/>
+      <inkml:brushProperty name="color" value="#FF0066"/>
+    </inkml:brush>
+  </inkml:definitions>
+  <inkml:trace contextRef="#ctx0" brushRef="#br0">17 76 4144 0 0,'0'0'368'0'0,"-7"5"-296"0"0,5-1-72 0 0,-1 1 0 0 0,0 2 2944 0 0,1-1-1288 0 0</inkml:trace>
+  <inkml:trace contextRef="#ctx0" brushRef="#br0" timeOffset="1">583 1 5528 0 0,'-6'4'240'0'0,"0"-1"56"0"0,0 2-232 0 0,-2 0-64 0 0,-4 3 0 0 0,4-1 0 0 0,0 0 1656 0 0,-1 4 320 0 0,-2-4 64 0 0,6 0 8 0 0,-1-2-1848 0 0,0 1-368 0 0</inkml:trace>
+  <inkml:trace contextRef="#ctx0" brushRef="#br0" timeOffset="2">659 20 3968 0 0,'-8'18'176'0'0,"4"-11"40"0"0</inkml:trace>
+</inkml:ink>
+</file>
+
+<file path=ppt/ink/ink36.xml><?xml version="1.0" encoding="utf-8"?>
+<inkml:ink xmlns:inkml="http://www.w3.org/2003/InkML">
+  <inkml:definitions>
+    <inkml:context xml:id="ctx0">
+      <inkml:inkSource xml:id="inkSrc0">
+        <inkml:traceFormat>
+          <inkml:channel name="X" type="integer" min="-2.14748E9" max="2.14748E9" units="cm"/>
+          <inkml:channel name="Y" type="integer" min="-2.14748E9" max="2.14748E9" units="cm"/>
+          <inkml:channel name="F" type="integer" max="32767" units="dev"/>
+          <inkml:channel name="OA" type="integer" max="360" units="deg"/>
+          <inkml:channel name="OE" type="integer" max="90" units="deg"/>
+        </inkml:traceFormat>
+        <inkml:channelProperties>
+          <inkml:channelProperty channel="X" name="resolution" value="1000" units="1/cm"/>
+          <inkml:channelProperty channel="Y" name="resolution" value="1000" units="1/cm"/>
+          <inkml:channelProperty channel="F" name="resolution" value="0" units="1/dev"/>
+          <inkml:channelProperty channel="OA" name="resolution" value="1000" units="1/deg"/>
+          <inkml:channelProperty channel="OE" name="resolution" value="1000" units="1/deg"/>
+        </inkml:channelProperties>
+      </inkml:inkSource>
+      <inkml:timestamp xml:id="ts0" timeString="2021-07-21T16:32:12.112"/>
+    </inkml:context>
+    <inkml:brush xml:id="br0">
+      <inkml:brushProperty name="width" value="0.05" units="cm"/>
+      <inkml:brushProperty name="height" value="0.05" units="cm"/>
+      <inkml:brushProperty name="color" value="#FF0066"/>
+    </inkml:brush>
+  </inkml:definitions>
+  <inkml:trace contextRef="#ctx0" brushRef="#br0">17 1 11808 0 0,'0'0'1152'0'0,"0"8"-1024"0"0,0-1-128 0 0,0 2 0 0 0,-3 2 0 0 0,3-1 136 0 0,-3 3 8 0 0,1 1 0 0 0,2 2 0 0 0,-3-4-144 0 0,0 1-128 0 0,3-1 32 0 0,-3 1 0 0 0,3-6 96 0 0,3 4-88 0 0,0-7 88 0 0,0 1-80 0 0</inkml:trace>
+</inkml:ink>
+</file>
+
+<file path=ppt/ink/ink37.xml><?xml version="1.0" encoding="utf-8"?>
+<inkml:ink xmlns:inkml="http://www.w3.org/2003/InkML">
+  <inkml:definitions>
+    <inkml:context xml:id="ctx0">
+      <inkml:inkSource xml:id="inkSrc0">
+        <inkml:traceFormat>
+          <inkml:channel name="X" type="integer" min="-2.14748E9" max="2.14748E9" units="cm"/>
+          <inkml:channel name="Y" type="integer" min="-2.14748E9" max="2.14748E9" units="cm"/>
+          <inkml:channel name="F" type="integer" max="32767" units="dev"/>
+          <inkml:channel name="OA" type="integer" max="360" units="deg"/>
+          <inkml:channel name="OE" type="integer" max="90" units="deg"/>
+        </inkml:traceFormat>
+        <inkml:channelProperties>
+          <inkml:channelProperty channel="X" name="resolution" value="1000" units="1/cm"/>
+          <inkml:channelProperty channel="Y" name="resolution" value="1000" units="1/cm"/>
+          <inkml:channelProperty channel="F" name="resolution" value="0" units="1/dev"/>
+          <inkml:channelProperty channel="OA" name="resolution" value="1000" units="1/deg"/>
+          <inkml:channelProperty channel="OE" name="resolution" value="1000" units="1/deg"/>
+        </inkml:channelProperties>
+      </inkml:inkSource>
+      <inkml:timestamp xml:id="ts0" timeString="2021-07-21T16:32:12.470"/>
+    </inkml:context>
+    <inkml:brush xml:id="br0">
+      <inkml:brushProperty name="width" value="0.05" units="cm"/>
+      <inkml:brushProperty name="height" value="0.05" units="cm"/>
+      <inkml:brushProperty name="color" value="#FF0066"/>
+    </inkml:brush>
+  </inkml:definitions>
+  <inkml:trace contextRef="#ctx0" brushRef="#br0">54 3 9216 0 0,'0'0'976'0'0,"-2"-3"-976"0"0,-5 3 2904 0 0,2 5-1296 0 0,-1 3 16 0 0,1-3-1249 0 0,0 2-247 0 0,1 4-56 0 0,-2-1-8 0 0,1 5-64 0 0,2-3 0 0 0,1 1 0 0 0,-1 1-4487 0 0,3 2-953 0 0</inkml:trace>
+</inkml:ink>
+</file>
+
+<file path=ppt/ink/ink38.xml><?xml version="1.0" encoding="utf-8"?>
+<inkml:ink xmlns:inkml="http://www.w3.org/2003/InkML">
+  <inkml:definitions>
+    <inkml:context xml:id="ctx0">
+      <inkml:inkSource xml:id="inkSrc0">
+        <inkml:traceFormat>
+          <inkml:channel name="X" type="integer" min="-2.14748E9" max="2.14748E9" units="cm"/>
+          <inkml:channel name="Y" type="integer" min="-2.14748E9" max="2.14748E9" units="cm"/>
+          <inkml:channel name="F" type="integer" max="32767" units="dev"/>
+          <inkml:channel name="OA" type="integer" max="360" units="deg"/>
+          <inkml:channel name="OE" type="integer" max="90" units="deg"/>
+        </inkml:traceFormat>
+        <inkml:channelProperties>
+          <inkml:channelProperty channel="X" name="resolution" value="1000" units="1/cm"/>
+          <inkml:channelProperty channel="Y" name="resolution" value="1000" units="1/cm"/>
+          <inkml:channelProperty channel="F" name="resolution" value="0" units="1/dev"/>
+          <inkml:channelProperty channel="OA" name="resolution" value="1000" units="1/deg"/>
+          <inkml:channelProperty channel="OE" name="resolution" value="1000" units="1/deg"/>
+        </inkml:channelProperties>
+      </inkml:inkSource>
+      <inkml:timestamp xml:id="ts0" timeString="2021-07-21T16:32:12.843"/>
+    </inkml:context>
+    <inkml:brush xml:id="br0">
+      <inkml:brushProperty name="width" value="0.05" units="cm"/>
+      <inkml:brushProperty name="height" value="0.05" units="cm"/>
+      <inkml:brushProperty name="color" value="#FF0066"/>
+    </inkml:brush>
+  </inkml:definitions>
+  <inkml:trace contextRef="#ctx0" brushRef="#br0">0 10 3680 0 0,'9'-9'10713'0'0,"-8"9"-10633"0"0,0 1 0 0 0,0 0 0 0 0,0 0-1 0 0,0 0 1 0 0,0 0 0 0 0,0 0 0 0 0,0 0 0 0 0,-1 0 0 0 0,1 1 0 0 0,0-1 0 0 0,-1 0 0 0 0,1 0-1 0 0,-1 1 1 0 0,1-1 0 0 0,-1 0 0 0 0,0 0 0 0 0,1 1 0 0 0,-1-1 0 0 0,0 0 0 0 0,0 1 0 0 0,0-1-1 0 0,0 0 1 0 0,0 3 0 0 0,-1 4-93 0 0,0-1 1 0 0,-5 16-1 0 0,3-9 125 0 0,0 11-192 0 0,3-12 0 0 0</inkml:trace>
+</inkml:ink>
+</file>
+
+<file path=ppt/ink/ink39.xml><?xml version="1.0" encoding="utf-8"?>
+<inkml:ink xmlns:inkml="http://www.w3.org/2003/InkML">
+  <inkml:definitions>
+    <inkml:context xml:id="ctx0">
+      <inkml:inkSource xml:id="inkSrc0">
+        <inkml:traceFormat>
+          <inkml:channel name="X" type="integer" min="-2.14748E9" max="2.14748E9" units="cm"/>
+          <inkml:channel name="Y" type="integer" min="-2.14748E9" max="2.14748E9" units="cm"/>
+          <inkml:channel name="F" type="integer" max="32767" units="dev"/>
+          <inkml:channel name="OA" type="integer" max="360" units="deg"/>
+          <inkml:channel name="OE" type="integer" max="90" units="deg"/>
+        </inkml:traceFormat>
+        <inkml:channelProperties>
+          <inkml:channelProperty channel="X" name="resolution" value="1000" units="1/cm"/>
+          <inkml:channelProperty channel="Y" name="resolution" value="1000" units="1/cm"/>
+          <inkml:channelProperty channel="F" name="resolution" value="0" units="1/dev"/>
+          <inkml:channelProperty channel="OA" name="resolution" value="1000" units="1/deg"/>
+          <inkml:channelProperty channel="OE" name="resolution" value="1000" units="1/deg"/>
+        </inkml:channelProperties>
+      </inkml:inkSource>
+      <inkml:timestamp xml:id="ts0" timeString="2021-07-21T16:32:13.187"/>
+    </inkml:context>
+    <inkml:brush xml:id="br0">
+      <inkml:brushProperty name="width" value="0.05" units="cm"/>
+      <inkml:brushProperty name="height" value="0.05" units="cm"/>
+      <inkml:brushProperty name="color" value="#FF0066"/>
+    </inkml:brush>
+  </inkml:definitions>
+  <inkml:trace contextRef="#ctx0" brushRef="#br0">63 0 12896 0 0,'0'0'576'0'0,"-6"0"112"0"0,0 0-552 0 0,0 3-136 0 0,-2 5 0 0 0,3-1 0 0 0,2-2 1056 0 0,-3 3 175 0 0,0-3 41 0 0,1 2 8 0 0,2-2-1024 0 0,1-1-192 0 0,-5 5-64 0 0</inkml:trace>
+  <inkml:trace contextRef="#ctx0" brushRef="#br0" timeOffset="1">80 52 13824 0 0,'-4'11'608'0'0,"1"-4"128"0"0,1 1-584 0 0,-1 0-152 0 0,0 4 0 0 0,1 1 0 0 0,-1-4 440 0 0,-2 7 56 0 0,-2-4 15 0 0,2-1 1 0 0,2 1-416 0 0,-2-5-96 0 0,-1 3 0 0 0,2 0-4615 0 0</inkml:trace>
+</inkml:ink>
+</file>
+
+<file path=ppt/ink/ink4.xml><?xml version="1.0" encoding="utf-8"?>
+<inkml:ink xmlns:inkml="http://www.w3.org/2003/InkML">
+  <inkml:definitions>
+    <inkml:context xml:id="ctx0">
+      <inkml:inkSource xml:id="inkSrc0">
+        <inkml:traceFormat>
+          <inkml:channel name="X" type="integer" min="-2.14748E9" max="2.14748E9" units="cm"/>
+          <inkml:channel name="Y" type="integer" min="-2.14748E9" max="2.14748E9" units="cm"/>
+          <inkml:channel name="F" type="integer" max="32767" units="dev"/>
+          <inkml:channel name="OA" type="integer" max="360" units="deg"/>
+          <inkml:channel name="OE" type="integer" max="90" units="deg"/>
+        </inkml:traceFormat>
+        <inkml:channelProperties>
+          <inkml:channelProperty channel="X" name="resolution" value="1000" units="1/cm"/>
+          <inkml:channelProperty channel="Y" name="resolution" value="1000" units="1/cm"/>
+          <inkml:channelProperty channel="F" name="resolution" value="0" units="1/dev"/>
+          <inkml:channelProperty channel="OA" name="resolution" value="1000" units="1/deg"/>
+          <inkml:channelProperty channel="OE" name="resolution" value="1000" units="1/deg"/>
+        </inkml:channelProperties>
+      </inkml:inkSource>
+      <inkml:timestamp xml:id="ts0" timeString="2021-07-21T16:31:43.551"/>
+    </inkml:context>
+    <inkml:brush xml:id="br0">
+      <inkml:brushProperty name="width" value="0.05" units="cm"/>
+      <inkml:brushProperty name="height" value="0.05" units="cm"/>
+      <inkml:brushProperty name="color" value="#FF0066"/>
+    </inkml:brush>
+  </inkml:definitions>
+  <inkml:trace contextRef="#ctx0" brushRef="#br0">12 1 8720 0 0,'-12'9'13966'0'0,"17"-9"-15127"0"0,9 1 1836 0 0,13-1 76 0 0,-21-1-515 0 0,0 1-1 0 0,1-1 0 0 0,-1 1 0 0 0,0 1 1 0 0,9 0-1 0 0,13 1 192 0 0,-17 0-306 0 0,1-1-1 0 0,-1 1 1 0 0,0 1-1 0 0,0 0 1 0 0,11 4 0 0 0,6 3 83 0 0,14 2 64 0 0,-10-2-2 0 0,2-1-1 0 0,56 7 1 0 0,-40-12-14 0 0,0-2 0 0 0,0-3 0 0 0,85-11 0 0 0,-17-7 104 0 0,156-20 733 0 0,-257 39-963 0 0,27 3 1 0 0,-2-1-20 0 0,-19 1-16 0 0,-15-2-51 0 0,-14-1-97 0 0,0-1-618 0 0,0 1 0 0 0,1 0 1 0 0,-10 2-1 0 0,-10 0-3558 0 0,18-2 2574 0 0</inkml:trace>
+</inkml:ink>
+</file>
+
+<file path=ppt/ink/ink40.xml><?xml version="1.0" encoding="utf-8"?>
+<inkml:ink xmlns:inkml="http://www.w3.org/2003/InkML">
+  <inkml:definitions>
+    <inkml:context xml:id="ctx0">
+      <inkml:inkSource xml:id="inkSrc0">
+        <inkml:traceFormat>
+          <inkml:channel name="X" type="integer" min="-2.14748E9" max="2.14748E9" units="cm"/>
+          <inkml:channel name="Y" type="integer" min="-2.14748E9" max="2.14748E9" units="cm"/>
+          <inkml:channel name="F" type="integer" max="32767" units="dev"/>
+          <inkml:channel name="OA" type="integer" max="360" units="deg"/>
+          <inkml:channel name="OE" type="integer" max="90" units="deg"/>
+        </inkml:traceFormat>
+        <inkml:channelProperties>
+          <inkml:channelProperty channel="X" name="resolution" value="1000" units="1/cm"/>
+          <inkml:channelProperty channel="Y" name="resolution" value="1000" units="1/cm"/>
+          <inkml:channelProperty channel="F" name="resolution" value="0" units="1/dev"/>
+          <inkml:channelProperty channel="OA" name="resolution" value="1000" units="1/deg"/>
+          <inkml:channelProperty channel="OE" name="resolution" value="1000" units="1/deg"/>
+        </inkml:channelProperties>
+      </inkml:inkSource>
+      <inkml:timestamp xml:id="ts0" timeString="2021-07-21T16:32:32.326"/>
+    </inkml:context>
+    <inkml:brush xml:id="br0">
+      <inkml:brushProperty name="width" value="0.05" units="cm"/>
+      <inkml:brushProperty name="height" value="0.05" units="cm"/>
+      <inkml:brushProperty name="color" value="#FF0066"/>
+    </inkml:brush>
+  </inkml:definitions>
+  <inkml:trace contextRef="#ctx0" brushRef="#br0">190 105 1840 0 0,'-3'0'318'0'0,"0"0"1"0"0,0 0-1 0 0,0 0 0 0 0,0-1 0 0 0,0 1 1 0 0,-1-1-1 0 0,1 0 0 0 0,0 0 0 0 0,0 0 1 0 0,-4-2-1 0 0,5 2 98 0 0,1 0 0 0 0,-1-1 0 0 0,1 1 0 0 0,-1-1 0 0 0,1 1-1 0 0,0-1 1 0 0,-1 1 0 0 0,1-1 0 0 0,0 0 0 0 0,-1-2 0 0 0,-8-11 853 0 0,9 13-1020 0 0,0 1 0 0 0,0 0 1 0 0,0 0-1 0 0,0 0 0 0 0,0 0 0 0 0,-1 0 0 0 0,1 0 1 0 0,0 0-1 0 0,-1 1 0 0 0,1-1 0 0 0,-1 0 0 0 0,1 1 1 0 0,-1-1-1 0 0,1 1 0 0 0,-1-1 0 0 0,1 1 0 0 0,-1 0 1 0 0,1 0-1 0 0,-1 0 0 0 0,1 0 0 0 0,-1 0 0 0 0,0 0 1 0 0,-1 0-1 0 0,-4 2 448 0 0,0 0 1 0 0,0 0-1 0 0,0 0 1 0 0,-7 5-1 0 0,-16 4 1831 0 0,13-5-589 0 0,16-4-6 0 0,11-2-1235 0 0,49-7 123 0 0,-25 2-484 0 0,1 2 0 0 0,60 1 0 0 0,143 7 515 0 0,-182-6-651 0 0,92-7 319 0 0,700-52 568 0 0,-748 59-1077 0 0,241 12 392 0 0,-217 8-350 0 0,-90-18-145 0 0,2-1 227 0 0,-35 0-145 0 0</inkml:trace>
+</inkml:ink>
+</file>
+
+<file path=ppt/ink/ink41.xml><?xml version="1.0" encoding="utf-8"?>
+<inkml:ink xmlns:inkml="http://www.w3.org/2003/InkML">
+  <inkml:definitions>
+    <inkml:context xml:id="ctx0">
+      <inkml:inkSource xml:id="inkSrc0">
+        <inkml:traceFormat>
+          <inkml:channel name="X" type="integer" min="-2.14748E9" max="2.14748E9" units="cm"/>
+          <inkml:channel name="Y" type="integer" min="-2.14748E9" max="2.14748E9" units="cm"/>
+          <inkml:channel name="F" type="integer" max="32767" units="dev"/>
+          <inkml:channel name="OA" type="integer" max="360" units="deg"/>
+          <inkml:channel name="OE" type="integer" max="90" units="deg"/>
+        </inkml:traceFormat>
+        <inkml:channelProperties>
+          <inkml:channelProperty channel="X" name="resolution" value="1000" units="1/cm"/>
+          <inkml:channelProperty channel="Y" name="resolution" value="1000" units="1/cm"/>
+          <inkml:channelProperty channel="F" name="resolution" value="0" units="1/dev"/>
+          <inkml:channelProperty channel="OA" name="resolution" value="1000" units="1/deg"/>
+          <inkml:channelProperty channel="OE" name="resolution" value="1000" units="1/deg"/>
+        </inkml:channelProperties>
+      </inkml:inkSource>
+      <inkml:timestamp xml:id="ts0" timeString="2021-07-21T16:32:46.039"/>
+    </inkml:context>
+    <inkml:brush xml:id="br0">
+      <inkml:brushProperty name="width" value="0.05" units="cm"/>
+      <inkml:brushProperty name="height" value="0.05" units="cm"/>
+      <inkml:brushProperty name="color" value="#FF0066"/>
+    </inkml:brush>
+  </inkml:definitions>
+  <inkml:trace contextRef="#ctx0" brushRef="#br0">0 219 13824 0 0,'0'0'1056'0'0,"4"-14"-600"0"0,-3 10-222 0 0,1 0 1 0 0,-1 0 0 0 0,1 1 0 0 0,0-1 0 0 0,0 1 0 0 0,0-1-1 0 0,0 1 1 0 0,1 0 0 0 0,3-5 0 0 0,30-24 2674 0 0,-16 16-1995 0 0,-11 9-382 0 0,-1 0 0 0 0,1 1 0 0 0,1 1 0 0 0,-1-1-1 0 0,1 2 1 0 0,14-6 0 0 0,-22 9-59 0 0,-2 3-447 0 0,1-1-1 0 0,-1 0 1 0 0,1 1-1 0 0,-1-1 0 0 0,0 1 1 0 0,1-1-1 0 0,-1 0 1 0 0,0 1-1 0 0,0-1 1 0 0,0 3-1 0 0,0 0-9 0 0,-1 0 0 0 0,1 0 0 0 0,-1 1 0 0 0,0-1 0 0 0,0 0 0 0 0,-1 0 0 0 0,1-1 0 0 0,-1 1 0 0 0,-2 5 0 0 0,-24 32 67 0 0,13-20-34 0 0,7-8 0 0 0,-1-1-1 0 0,0 0 0 0 0,-15 15 1 0 0,91-103 1161 0 0,2-7-1038 0 0,-49 58-322 0 0,-13 16 443 0 0,-1 1 0 0 0,1 0 0 0 0,0 0 0 0 0,1 1 0 0 0,8-7 0 0 0,-15 13-417 0 0,-10 15-4 0 0,7-10 128 0 0,-3 11 0 0 0,-1-1 0 0 0,-1 0 0 0 0,-1 0 0 0 0,0-1 0 0 0,-13 17 0 0 0,-18 25 12 0 0,37-51 48 0 0,2-3 12 0 0,2-2-38 0 0,0 0 0 0 0,-1 0-1 0 0,1-1 1 0 0,0 1 0 0 0,-1-1 0 0 0,4-3-1 0 0,-1 1 7 0 0,26-23 94 0 0,41-33 107 0 0,-70 59-238 0 0,2-1 12 0 0,0 0-1 0 0,0 0 1 0 0,0 0 0 0 0,0 0 0 0 0,0 1 0 0 0,6-3-1 0 0,-9 4-13 0 0,0 0-1 0 0,1 0 0 0 0,-1 0 0 0 0,0 0 0 0 0,0-1 0 0 0,0 1 1 0 0,0 0-1 0 0,1 0 0 0 0,-1 0 0 0 0,0 0 0 0 0,0 0 0 0 0,0 0 1 0 0,1 0-1 0 0,-1 0 0 0 0,0 0 0 0 0,0 0 0 0 0,0 0 0 0 0,1 0 1 0 0,-1 0-1 0 0,0 0 0 0 0,0 0 0 0 0,0 0 0 0 0,0 0 0 0 0,1 0 1 0 0,-1 0-1 0 0,0 0 0 0 0,0 1 0 0 0,0-1 0 0 0,0 0 0 0 0,1 0 1 0 0,-1 0-1 0 0,0 0 0 0 0,0 0 0 0 0,0 0 0 0 0,0 1 0 0 0,0-1 1 0 0,1 0-1 0 0,-1 0 0 0 0,0 0 0 0 0,0 0 0 0 0,0 0 0 0 0,0 1 1 0 0,0-1-1 0 0,0 0 0 0 0,0 0 0 0 0,0 0 0 0 0,0 1 0 0 0,0-1 1 0 0,0 0-1 0 0,0 0 0 0 0,0 0 0 0 0,0 0 0 0 0,0 1 0 0 0,0-1 1 0 0,0 0-1 0 0,0 0 0 0 0,0 0 0 0 0,0 1 0 0 0,0-1 0 0 0,0 0 1 0 0,0 0-1 0 0,0 0 0 0 0,0 1 0 0 0,-2 6 5 0 0,0 1 0 0 0,0-1 0 0 0,0 1 0 0 0,-1-1 0 0 0,0 0 0 0 0,-1 0 0 0 0,1 0 0 0 0,-6 6 0 0 0,4-4 3 0 0,-76 142 67 0 0,80-148-74 0 0,-2 2 13 0 0,0 1 0 0 0,0-1 0 0 0,0 0 0 0 0,0 0 0 0 0,-6 6 0 0 0,8-11 53 0 0,3 0-53 0 0,-1-1-1 0 0,1 0 1 0 0,-1 1 0 0 0,1-1-1 0 0,-1 0 1 0 0,0 0 0 0 0,1 0-1 0 0,-1 0 1 0 0,0 0 0 0 0,0 0 0 0 0,0-1-1 0 0,0 1 1 0 0,0 0 0 0 0,1-2-1 0 0,5-5 6 0 0,52-42-19 0 0,-49 42 0 0 0,1 0 0 0 0,0 1 0 0 0,18-8 0 0 0,-29 15 0 0 0,0 0 0 0 0,1 0 0 0 0,-1 0 0 0 0,0 0 0 0 0,0 0 0 0 0,1 0 0 0 0,-1 0 0 0 0,0 0 0 0 0,0 1 0 0 0,0-1 0 0 0,1 0 0 0 0,-1 0 0 0 0,0 0 0 0 0,0 0 0 0 0,1 0 0 0 0,-1 0 0 0 0,0 0 0 0 0,0 1 0 0 0,0-1 0 0 0,0 0 0 0 0,1 0 0 0 0,-1 0 0 0 0,0 0 0 0 0,0 1 0 0 0,0-1 0 0 0,0 0 0 0 0,0 0 0 0 0,0 0 0 0 0,1 1 0 0 0,-1-1 0 0 0,0 0 0 0 0,0 0 0 0 0,0 1 0 0 0,0-1 0 0 0,0 0 0 0 0,0 0 0 0 0,0 0 0 0 0,0 1 0 0 0,0-1 0 0 0,0 0 0 0 0,0 0 0 0 0,0 1 0 0 0,0-1 0 0 0,0 0 0 0 0,0 0 0 0 0,-1 0 0 0 0,1 1 0 0 0,-1 12 0 0 0,-2-5 10 0 0,0 0 0 0 0,-1-1 0 0 0,0 1 1 0 0,0-1-1 0 0,-10 13 0 0 0,-9 13 46 0 0,21-28-58 0 0,-1 1 28 0 0,1-1 0 0 0,-1 0 0 0 0,-1 0 1 0 0,1-1-1 0 0,-7 8 0 0 0,9-11 238 0 0,10-16-77 0 0,0 0-176 0 0,2 1 1 0 0,-1 0 0 0 0,2 0 0 0 0,0 2-1 0 0,0-1 1 0 0,2 1 0 0 0,-1 1 0 0 0,1 0-1 0 0,24-13 1 0 0,-33 21 19 0 0,6-4 107 0 0,-9 7-77 0 0,-6 6-35 0 0,-87 87-227 0 0,25-28 154 0 0,61-59 47 0 0,-24 22 0 0 0,27-26 0 0 0,-1 0 0 0 0,1 0 0 0 0,-1-1 0 0 0,0 1 0 0 0,0 0 0 0 0,1-1 0 0 0,-1 0 0 0 0,0 0 0 0 0,-6 2 0 0 0,8-3 1 0 0,1 0 0 0 0,-1 0 0 0 0,0 0-1 0 0,1 0 1 0 0,-1 0 0 0 0,0-1 0 0 0,1 1 0 0 0,-1 0-1 0 0,0 0 1 0 0,0 0 0 0 0,1-1 0 0 0,-1 1 0 0 0,1 0 0 0 0,-1-1-1 0 0,0 1 1 0 0,1-1 0 0 0,-1 1 0 0 0,1-1 0 0 0,-1 1-1 0 0,1-1 1 0 0,-1 1 0 0 0,1-1 0 0 0,-1 1 0 0 0,1-1 0 0 0,0 0-1 0 0,-1 1 1 0 0,1-1 0 0 0,0 1 0 0 0,-1-1 0 0 0,1 0-1 0 0,0 0 1 0 0,0 1 0 0 0,0-1 0 0 0,0 0 0 0 0,0 1 0 0 0,0-1-1 0 0,0 0 1 0 0,0-1 0 0 0,-1-3 7 0 0,1-1 0 0 0,0 1 0 0 0,2-11 0 0 0,1-1-8 0 0,2-1 0 0 0,0 0 0 0 0,12-27 0 0 0,28-48 0 0 0,-12 34 0 0 0,21-44 0 0 0,-49 93 23 0 0,-4 8-9 0 0,0-1 1 0 0,1 1-1 0 0,-1 0 1 0 0,0-1-1 0 0,-1 1 1 0 0,1-1 0 0 0,0 0-1 0 0,-1 1 1 0 0,1-4-1 0 0,-1 5-14 0 0,0 1-1 0 0,0 0 1 0 0,0 0-1 0 0,0-1 1 0 0,0 1 0 0 0,0 0-1 0 0,-1 0 1 0 0,1-1 0 0 0,0 1-1 0 0,0 0 1 0 0,0 0-1 0 0,0-1 1 0 0,0 1 0 0 0,-1 0-1 0 0,1 0 1 0 0,0 0-1 0 0,0-1 1 0 0,0 1 0 0 0,-1 0-1 0 0,1 0 1 0 0,0 0 0 0 0,0 0-1 0 0,0 0 1 0 0,-1-1-1 0 0,1 1 1 0 0,0 0 0 0 0,0 0-1 0 0,-1 0 1 0 0,1 0-1 0 0,0 0 1 0 0,0 0 0 0 0,-1 0-1 0 0,1 0 1 0 0,0 0 0 0 0,-1 0-1 0 0,1 0 1 0 0,0 0-1 0 0,0 0 1 0 0,-1 0 0 0 0,1 0-1 0 0,0 0 1 0 0,0 0-1 0 0,-1 0 1 0 0,1 0 0 0 0,0 1-1 0 0,0-1 1 0 0,-1 0 0 0 0,1 0-1 0 0,0 0 1 0 0,0 0-1 0 0,-1 1 1 0 0,-10 5-44 0 0,-29 27 24 0 0,28-21 9 0 0,-1-1 0 0 0,-1-1 0 0 0,-15 9 0 0 0,25-17-4 0 0,3-2-57 0 0</inkml:trace>
+</inkml:ink>
+</file>
+
+<file path=ppt/ink/ink42.xml><?xml version="1.0" encoding="utf-8"?>
+<inkml:ink xmlns:inkml="http://www.w3.org/2003/InkML">
+  <inkml:definitions>
+    <inkml:context xml:id="ctx0">
+      <inkml:inkSource xml:id="inkSrc0">
+        <inkml:traceFormat>
+          <inkml:channel name="X" type="integer" min="-2.14748E9" max="2.14748E9" units="cm"/>
+          <inkml:channel name="Y" type="integer" min="-2.14748E9" max="2.14748E9" units="cm"/>
+          <inkml:channel name="F" type="integer" max="32767" units="dev"/>
+          <inkml:channel name="OA" type="integer" max="360" units="deg"/>
+          <inkml:channel name="OE" type="integer" max="90" units="deg"/>
+        </inkml:traceFormat>
+        <inkml:channelProperties>
+          <inkml:channelProperty channel="X" name="resolution" value="1000" units="1/cm"/>
+          <inkml:channelProperty channel="Y" name="resolution" value="1000" units="1/cm"/>
+          <inkml:channelProperty channel="F" name="resolution" value="0" units="1/dev"/>
+          <inkml:channelProperty channel="OA" name="resolution" value="1000" units="1/deg"/>
+          <inkml:channelProperty channel="OE" name="resolution" value="1000" units="1/deg"/>
+        </inkml:channelProperties>
+      </inkml:inkSource>
+      <inkml:timestamp xml:id="ts0" timeString="2021-07-21T16:32:46.829"/>
+    </inkml:context>
+    <inkml:brush xml:id="br0">
+      <inkml:brushProperty name="width" value="0.05" units="cm"/>
+      <inkml:brushProperty name="height" value="0.05" units="cm"/>
+      <inkml:brushProperty name="color" value="#FF0066"/>
+    </inkml:brush>
+  </inkml:definitions>
+  <inkml:trace contextRef="#ctx0" brushRef="#br0">56 35 3224 0 0,'-4'0'777'0'0,"-10"0"8585"0"0,10 0-7980 0 0,-22 0 7110 0 0,19-3-3330 0 0,8 2-5083 0 0,1 0 0 0 0,0 0 0 0 0,-1 0-1 0 0,1 0 1 0 0,-1 1 0 0 0,1-1 0 0 0,0 1 0 0 0,0-1 0 0 0,-1 1-1 0 0,1-1 1 0 0,0 1 0 0 0,0 0 0 0 0,2 0 0 0 0,31 1 423 0 0,-18-1-300 0 0,27-1 49 0 0,48-10 0 0 0,-49 5-178 0 0,51 0 0 0 0,-78 7 55 0 0,-16 0 139 0 0,0 0-118 0 0,-13 14-69 0 0,-1 0-1 0 0,0 0 1 0 0,-21 16 0 0 0,-15 14 80 0 0,16-7 39 0 0,1 0 1 0 0,-44 71-1 0 0,76-107-200 0 0,-1 1 8 0 0,0 0-1 0 0,0-1 1 0 0,0 1 0 0 0,0-1 0 0 0,0 1 0 0 0,0-1 0 0 0,-1 0 0 0 0,-4 3-1 0 0,7-4-187 0 0,6-6-1323 0 0,2 0-1252 0 0</inkml:trace>
+</inkml:ink>
+</file>
+
+<file path=ppt/ink/ink43.xml><?xml version="1.0" encoding="utf-8"?>
+<inkml:ink xmlns:inkml="http://www.w3.org/2003/InkML">
+  <inkml:definitions>
+    <inkml:context xml:id="ctx0">
+      <inkml:inkSource xml:id="inkSrc0">
+        <inkml:traceFormat>
+          <inkml:channel name="X" type="integer" min="-2.14748E9" max="2.14748E9" units="cm"/>
+          <inkml:channel name="Y" type="integer" min="-2.14748E9" max="2.14748E9" units="cm"/>
+          <inkml:channel name="F" type="integer" max="32767" units="dev"/>
+          <inkml:channel name="OA" type="integer" max="360" units="deg"/>
+          <inkml:channel name="OE" type="integer" max="90" units="deg"/>
+        </inkml:traceFormat>
+        <inkml:channelProperties>
+          <inkml:channelProperty channel="X" name="resolution" value="1000" units="1/cm"/>
+          <inkml:channelProperty channel="Y" name="resolution" value="1000" units="1/cm"/>
+          <inkml:channelProperty channel="F" name="resolution" value="0" units="1/dev"/>
+          <inkml:channelProperty channel="OA" name="resolution" value="1000" units="1/deg"/>
+          <inkml:channelProperty channel="OE" name="resolution" value="1000" units="1/deg"/>
+        </inkml:channelProperties>
+      </inkml:inkSource>
+      <inkml:timestamp xml:id="ts0" timeString="2021-07-21T16:32:59.610"/>
+    </inkml:context>
+    <inkml:brush xml:id="br0">
+      <inkml:brushProperty name="width" value="0.05" units="cm"/>
+      <inkml:brushProperty name="height" value="0.05" units="cm"/>
+      <inkml:brushProperty name="color" value="#FF0066"/>
+    </inkml:brush>
+  </inkml:definitions>
+  <inkml:trace contextRef="#ctx0" brushRef="#br0">54 15 5528 0 0,'0'0'497'0'0,"0"0"-405"0"0,-2 0-45 0 0,1 0 265 0 0,0 0 0 0 0,0 0 1 0 0,0 0-1 0 0,0-1 0 0 0,0 1 0 0 0,0 0 1 0 0,0-1-1 0 0,0 1 0 0 0,0-1 0 0 0,1 1 1 0 0,-1-1-1 0 0,0 1 0 0 0,0-1 0 0 0,-1-1 1 0 0,-9-5 2552 0 0,10 7-2793 0 0,1 0 0 0 0,-1 0 0 0 0,0 0 0 0 0,1 0 0 0 0,-1 0 0 0 0,0 0 0 0 0,1 0 0 0 0,-1 0 0 0 0,0 0 0 0 0,1 1 0 0 0,-1-1 0 0 0,0 0 0 0 0,1 0 0 0 0,-1 1 0 0 0,1-1 0 0 0,-1 0 0 0 0,0 1 0 0 0,1-1 0 0 0,-2 1 0 0 0,-10 4 8036 0 0,13-4-8061 0 0,0-1 1 0 0,0 1 0 0 0,0 0-1 0 0,-1-1 1 0 0,1 1 0 0 0,0 0-1 0 0,0-1 1 0 0,-1 1 0 0 0,1 0 0 0 0,0 0-1 0 0,-1 0 1 0 0,1 0 0 0 0,-1 0-1 0 0,1-1 1 0 0,0 3 0 0 0,4 6 207 0 0,1-4-131 0 0,0 1 0 0 0,1-2-1 0 0,-1 1 1 0 0,1-1 0 0 0,0 0-1 0 0,0-1 1 0 0,0 1 0 0 0,0-1 0 0 0,1-1-1 0 0,-1 1 1 0 0,1-1 0 0 0,0-1-1 0 0,0 1 1 0 0,10-1 0 0 0,12 0 25 0 0,0-1 1 0 0,45-6-1 0 0,-2-1 139 0 0,140-8 299 0 0,-137 8-422 0 0,261-3 388 0 0,-331 10-495 0 0,64-1 146 0 0,97 5 221 0 0,-125 2-179 0 0,-1 2 0 0 0,-1 2 0 0 0,54 20 0 0 0,-66-22-36 0 0,0-1 0 0 0,1-2 0 0 0,46 3 0 0 0,-39-7 313 0 0,55-5-1 0 0,-76 3-583 0 0,66-9 61 0 0,-76 10 0 0 0,-1 1 0 0 0,18-5 0 0 0,-16 4 0 0 0,-1 0 0 0 0,17-2-902 0 0,-20 2 210 0 0,-1 0-1 0 0,1 0 0 0 0,0 0 0 0 0,0 0 1 0 0,0 0-1 0 0,-1 0 0 0 0,1 0 0 0 0,0 0 1 0 0,2 2-1 0 0,2-2-1286 0 0,0 2-149 0 0</inkml:trace>
+</inkml:ink>
+</file>
+
+<file path=ppt/ink/ink44.xml><?xml version="1.0" encoding="utf-8"?>
+<inkml:ink xmlns:inkml="http://www.w3.org/2003/InkML">
+  <inkml:definitions>
+    <inkml:context xml:id="ctx0">
+      <inkml:inkSource xml:id="inkSrc0">
+        <inkml:traceFormat>
+          <inkml:channel name="X" type="integer" min="-2.14748E9" max="2.14748E9" units="cm"/>
+          <inkml:channel name="Y" type="integer" min="-2.14748E9" max="2.14748E9" units="cm"/>
+          <inkml:channel name="F" type="integer" max="32767" units="dev"/>
+          <inkml:channel name="OA" type="integer" max="360" units="deg"/>
+          <inkml:channel name="OE" type="integer" max="90" units="deg"/>
+        </inkml:traceFormat>
+        <inkml:channelProperties>
+          <inkml:channelProperty channel="X" name="resolution" value="1000" units="1/cm"/>
+          <inkml:channelProperty channel="Y" name="resolution" value="1000" units="1/cm"/>
+          <inkml:channelProperty channel="F" name="resolution" value="0" units="1/dev"/>
+          <inkml:channelProperty channel="OA" name="resolution" value="1000" units="1/deg"/>
+          <inkml:channelProperty channel="OE" name="resolution" value="1000" units="1/deg"/>
+        </inkml:channelProperties>
+      </inkml:inkSource>
+      <inkml:timestamp xml:id="ts0" timeString="2021-07-21T16:33:27.214"/>
+    </inkml:context>
+    <inkml:brush xml:id="br0">
+      <inkml:brushProperty name="width" value="0.05" units="cm"/>
+      <inkml:brushProperty name="height" value="0.05" units="cm"/>
+      <inkml:brushProperty name="color" value="#FF0066"/>
+    </inkml:brush>
+  </inkml:definitions>
+  <inkml:trace contextRef="#ctx0" brushRef="#br0">177 88 10136 0 0,'-22'-5'364'0'0,"-1"-1"1"0"0,2-1-1 0 0,-34-14 1 0 0,7-5 3091 0 0,48 26-3375 0 0,-1 0-1 0 0,1 0 0 0 0,-1-1 1 0 0,1 1-1 0 0,0 0 0 0 0,-1-1 1 0 0,1 1-1 0 0,-1 0 0 0 0,1-1 1 0 0,0 1-1 0 0,-1 0 0 0 0,1-1 1 0 0,0 1-1 0 0,-1-1 0 0 0,1 1 1 0 0,0-1-1 0 0,-1 1 0 0 0,1-1 1 0 0,0 1-1 0 0,0-1 0 0 0,0 0-15 0 0,0 1-1 0 0,0 0 1 0 0,0-1-1 0 0,0 1 0 0 0,1 0 1 0 0,-1-1-1 0 0,0 1 1 0 0,0 0-1 0 0,0-1 0 0 0,1 1 1 0 0,-1 0-1 0 0,0 0 0 0 0,0-1 1 0 0,1 1-1 0 0,-1 0 1 0 0,0 0-1 0 0,1 0 0 0 0,-1 0 1 0 0,0-1-1 0 0,0 1 1 0 0,1 0-1 0 0,0 0 0 0 0,25-5 1596 0 0,-23 4-1628 0 0,27-1 997 0 0,-1 2 0 0 0,54 5 0 0 0,-26 0-99 0 0,13-2-271 0 0,-21-2-485 0 0,-1 2 1 0 0,0 2 0 0 0,54 13 0 0 0,-34 3-3870 0 0</inkml:trace>
+</inkml:ink>
+</file>
+
+<file path=ppt/ink/ink45.xml><?xml version="1.0" encoding="utf-8"?>
+<inkml:ink xmlns:inkml="http://www.w3.org/2003/InkML">
+  <inkml:definitions>
+    <inkml:context xml:id="ctx0">
+      <inkml:inkSource xml:id="inkSrc0">
+        <inkml:traceFormat>
+          <inkml:channel name="X" type="integer" min="-2.14748E9" max="2.14748E9" units="cm"/>
+          <inkml:channel name="Y" type="integer" min="-2.14748E9" max="2.14748E9" units="cm"/>
+          <inkml:channel name="F" type="integer" max="32767" units="dev"/>
+          <inkml:channel name="OA" type="integer" max="360" units="deg"/>
+          <inkml:channel name="OE" type="integer" max="90" units="deg"/>
+        </inkml:traceFormat>
+        <inkml:channelProperties>
+          <inkml:channelProperty channel="X" name="resolution" value="1000" units="1/cm"/>
+          <inkml:channelProperty channel="Y" name="resolution" value="1000" units="1/cm"/>
+          <inkml:channelProperty channel="F" name="resolution" value="0" units="1/dev"/>
+          <inkml:channelProperty channel="OA" name="resolution" value="1000" units="1/deg"/>
+          <inkml:channelProperty channel="OE" name="resolution" value="1000" units="1/deg"/>
+        </inkml:channelProperties>
+      </inkml:inkSource>
+      <inkml:timestamp xml:id="ts0" timeString="2021-07-21T16:33:27.558"/>
+    </inkml:context>
+    <inkml:brush xml:id="br0">
+      <inkml:brushProperty name="width" value="0.05" units="cm"/>
+      <inkml:brushProperty name="height" value="0.05" units="cm"/>
+      <inkml:brushProperty name="color" value="#FF0066"/>
+    </inkml:brush>
+  </inkml:definitions>
+  <inkml:trace contextRef="#ctx0" brushRef="#br0">325 0 10592 0 0,'-28'17'1105'0'0,"23"-15"-709"0"0,0 1-1 0 0,1-1 0 0 0,-1 1 0 0 0,1 0 0 0 0,0 0 0 0 0,0 0 0 0 0,0 0 1 0 0,0 1-1 0 0,-5 6 0 0 0,6-4 53 0 0,-1 0 0 0 0,1 0 1 0 0,1 0-1 0 0,-1 1 0 0 0,1-1 1 0 0,1 1-1 0 0,-1-1 0 0 0,1 1 1 0 0,-1 12-1 0 0,1 8-82 0 0,3 31 0 0 0,0-22-167 0 0,3 156-15 0 0,-23 202 0 0 0,18-386-183 0 0,-68 500 26 0 0,10-258 731 0 0,-19-26 1274 0 0,74-216-1782 0 0,1 1 0 0 0,0 0 0 0 0,0 0-1 0 0,-1 12 1 0 0,3-19-220 0 0,0 0 0 0 0,0 0 0 0 0,0 0 0 0 0,0-1 0 0 0,0 1 0 0 0,0 0 0 0 0,1 0-1 0 0,-1 0 1 0 0,1 0 0 0 0,-1-1 0 0 0,1 1 0 0 0,0 0 0 0 0,-1-1 0 0 0,1 1-1 0 0,0 0 1 0 0,0-1 0 0 0,0 1 0 0 0,0-1 0 0 0,1 1 0 0 0,-1-1 0 0 0,0 0-1 0 0,1 1 1 0 0,-1-1 0 0 0,0 0 0 0 0,1 0 0 0 0,0 0 0 0 0,-1 0 0 0 0,3 1 0 0 0,12 3 23 0 0,0 0 0 0 0,1-2 0 0 0,27 4 0 0 0,53-2 46 0 0,23 3-169 0 0,15 12-4058 0 0,-98-15-4078 0 0</inkml:trace>
+</inkml:ink>
+</file>
+
+<file path=ppt/ink/ink46.xml><?xml version="1.0" encoding="utf-8"?>
+<inkml:ink xmlns:inkml="http://www.w3.org/2003/InkML">
+  <inkml:definitions>
+    <inkml:context xml:id="ctx0">
+      <inkml:inkSource xml:id="inkSrc0">
+        <inkml:traceFormat>
+          <inkml:channel name="X" type="integer" min="-2.14748E9" max="2.14748E9" units="cm"/>
+          <inkml:channel name="Y" type="integer" min="-2.14748E9" max="2.14748E9" units="cm"/>
+          <inkml:channel name="F" type="integer" max="32767" units="dev"/>
+          <inkml:channel name="OA" type="integer" max="360" units="deg"/>
+          <inkml:channel name="OE" type="integer" max="90" units="deg"/>
+        </inkml:traceFormat>
+        <inkml:channelProperties>
+          <inkml:channelProperty channel="X" name="resolution" value="1000" units="1/cm"/>
+          <inkml:channelProperty channel="Y" name="resolution" value="1000" units="1/cm"/>
+          <inkml:channelProperty channel="F" name="resolution" value="0" units="1/dev"/>
+          <inkml:channelProperty channel="OA" name="resolution" value="1000" units="1/deg"/>
+          <inkml:channelProperty channel="OE" name="resolution" value="1000" units="1/deg"/>
+        </inkml:channelProperties>
+      </inkml:inkSource>
+      <inkml:timestamp xml:id="ts0" timeString="2021-07-21T16:33:43.022"/>
+    </inkml:context>
+    <inkml:brush xml:id="br0">
+      <inkml:brushProperty name="width" value="0.05" units="cm"/>
+      <inkml:brushProperty name="height" value="0.05" units="cm"/>
+      <inkml:brushProperty name="color" value="#FF0066"/>
+    </inkml:brush>
+  </inkml:definitions>
+  <inkml:trace contextRef="#ctx0" brushRef="#br0">77 1 8752 0 0,'-2'0'398'0'0,"-22"13"27"0"0,-1-1 3410 0 0,17-7-777 0 0,8-4-2898 0 0,-1-1-1 0 0,1 1 1 0 0,-1-1-1 0 0,1 1 0 0 0,-1-1 1 0 0,0 0-1 0 0,1 1 1 0 0,-1-1-1 0 0,1 0 0 0 0,-1 0 1 0 0,0 1-1 0 0,1-1 0 0 0,-1 0 1 0 0,0 0-1 0 0,1 0 1 0 0,-1 0-1 0 0,0 0 0 0 0,0 0 1 0 0,1 0-46 0 0,0 0 0 0 0,-1 0-1 0 0,1 0 1 0 0,0 0 0 0 0,0 0 0 0 0,0 0 0 0 0,0 0 0 0 0,-1 0 0 0 0,1 0 0 0 0,-3 2 2734 0 0,3-2-2734 0 0,0 0-1 0 0,0 0 1 0 0,0 0 0 0 0,0 0 0 0 0,0 0 0 0 0,0 1 0 0 0,0-1 0 0 0,0 0 0 0 0,0 0 0 0 0,0 0 0 0 0,0 1 0 0 0,6 6 1140 0 0,14 7-1042 0 0,11 0 409 0 0,0-2 0 0 0,1-1 0 0 0,62 12 0 0 0,-58-15-340 0 0,17 5 224 0 0,0-2 0 0 0,1-3 1 0 0,59 2-1 0 0,-47-11-305 0 0,0-3 0 0 0,0-3 0 0 0,100-23 0 0 0,-81 9-47 0 0,67-13-345 0 0,-130 32 313 0 0,0 0-1 0 0,35 3 1 0 0,-19 0 148 0 0,88 1-41 0 0,-125-2-399 0 0,-3-10-627 0 0,-7-3-821 0 0</inkml:trace>
+</inkml:ink>
+</file>
+
+<file path=ppt/ink/ink47.xml><?xml version="1.0" encoding="utf-8"?>
+<inkml:ink xmlns:inkml="http://www.w3.org/2003/InkML">
+  <inkml:definitions>
+    <inkml:context xml:id="ctx0">
+      <inkml:inkSource xml:id="inkSrc0">
+        <inkml:traceFormat>
+          <inkml:channel name="X" type="integer" min="-2.14748E9" max="2.14748E9" units="cm"/>
+          <inkml:channel name="Y" type="integer" min="-2.14748E9" max="2.14748E9" units="cm"/>
+          <inkml:channel name="F" type="integer" max="32767" units="dev"/>
+          <inkml:channel name="OA" type="integer" max="360" units="deg"/>
+          <inkml:channel name="OE" type="integer" max="90" units="deg"/>
+        </inkml:traceFormat>
+        <inkml:channelProperties>
+          <inkml:channelProperty channel="X" name="resolution" value="1000" units="1/cm"/>
+          <inkml:channelProperty channel="Y" name="resolution" value="1000" units="1/cm"/>
+          <inkml:channelProperty channel="F" name="resolution" value="0" units="1/dev"/>
+          <inkml:channelProperty channel="OA" name="resolution" value="1000" units="1/deg"/>
+          <inkml:channelProperty channel="OE" name="resolution" value="1000" units="1/deg"/>
+        </inkml:channelProperties>
+      </inkml:inkSource>
+      <inkml:timestamp xml:id="ts0" timeString="2021-07-21T16:33:44.894"/>
+    </inkml:context>
+    <inkml:brush xml:id="br0">
+      <inkml:brushProperty name="width" value="0.05" units="cm"/>
+      <inkml:brushProperty name="height" value="0.05" units="cm"/>
+      <inkml:brushProperty name="color" value="#FF0066"/>
+    </inkml:brush>
+  </inkml:definitions>
+  <inkml:trace contextRef="#ctx0" brushRef="#br0">52 96 10136 0 0,'-1'0'137'0'0,"0"1"1"0"0,0-1-1 0 0,0 1 1 0 0,0-1-1 0 0,-1 0 1 0 0,1 1 0 0 0,0-1-1 0 0,0 0 1 0 0,0 0-1 0 0,0 0 1 0 0,-1 0-1 0 0,1 0 1 0 0,0 0-1 0 0,0 0 1 0 0,0 0 0 0 0,0 0-1 0 0,-1-1 1 0 0,1 1-1 0 0,0 0 1 0 0,0-1-1 0 0,0 1 1 0 0,-2-2-1 0 0,3 2 106 0 0,-4-2 1900 0 0,-4-1 618 0 0,0 4 156 0 0,8-1-2792 0 0,0 0 0 0 0,0 0 0 0 0,-1 0 0 0 0,1 0 0 0 0,0-1 0 0 0,0 1 0 0 0,0 0 0 0 0,-1 0 0 0 0,1 0 0 0 0,0 0 0 0 0,0 0 0 0 0,0 0 0 0 0,0 0 0 0 0,0-1 0 0 0,-1 1 0 0 0,1 0 0 0 0,0 0 0 0 0,0 0 1 0 0,0 0-1 0 0,0-1 0 0 0,0 1 0 0 0,0 0 0 0 0,0 0 0 0 0,0 0 0 0 0,-1-1 0 0 0,1 1 0 0 0,0 0 0 0 0,0 0 0 0 0,0 0 0 0 0,0-1 0 0 0,0 1 0 0 0,0 0 0 0 0,0 0 0 0 0,0-1 0 0 0,6-4 1595 0 0,12-2-1532 0 0,-10 6-48 0 0,-1 1 0 0 0,1-1 0 0 0,0 1 0 0 0,-1 1 0 0 0,1 0 0 0 0,-1 0 1 0 0,12 3-1 0 0,-7-2-117 0 0,-1 0 1 0 0,19 1 0 0 0,340-30 112 0 0,-250 8-112 0 0,50-4 16 0 0,67 9 224 0 0,-195 13-133 0 0,0 1 0 0 0,45 7 0 0 0,15 0 123 0 0,46-3-163 0 0,164 5 83 0 0,51 11 127 0 0,108 30 203 0 0,-409-40-427 0 0,193 21 416 0 0,-212-29-416 0 0,-23 0-17 0 0,0-1 0 0 0,0-1 1 0 0,30-4-1 0 0,-45 3-51 0 0,0 1-1 0 0,1-1 0 0 0,-1 1 0 0 0,0 0 1 0 0,0 0-1 0 0,1 0 0 0 0,-1 1 0 0 0,0-1 1 0 0,9 4-1 0 0,-10-3 19 0 0,0 0 0 0 0,0 0 0 0 0,0 0 1 0 0,1-1-1 0 0,-1 1 0 0 0,8-1 0 0 0,-11 0-44 0 0,0 0-72 0 0,0 0 1 0 0,0 1-1 0 0,0-1 0 0 0,0 1 0 0 0,0-1 0 0 0,0 1 0 0 0,0 0 0 0 0,0-1 1 0 0,-1 1-1 0 0,1 0 0 0 0,0 0 0 0 0,0-1 0 0 0,-1 1 0 0 0,1 0 0 0 0,0 0 0 0 0,-1 0 1 0 0,1 0-1 0 0,0 1 0 0 0,-1-1-288 0 0,1 0-1 0 0,-1 0 1 0 0,1 0-1 0 0,-1 0 1 0 0,1 0 0 0 0,0 0-1 0 0,-1-1 1 0 0,1 1 0 0 0,0 0-1 0 0,0-1 1 0 0,-1 1-1 0 0,1 0 1 0 0,0-1 0 0 0,0 1-1 0 0,0-1 1 0 0,0 1 0 0 0,1 0-1 0 0</inkml:trace>
+</inkml:ink>
+</file>
+
+<file path=ppt/ink/ink48.xml><?xml version="1.0" encoding="utf-8"?>
+<inkml:ink xmlns:inkml="http://www.w3.org/2003/InkML">
+  <inkml:definitions>
+    <inkml:context xml:id="ctx0">
+      <inkml:inkSource xml:id="inkSrc0">
+        <inkml:traceFormat>
+          <inkml:channel name="X" type="integer" min="-2.14748E9" max="2.14748E9" units="cm"/>
+          <inkml:channel name="Y" type="integer" min="-2.14748E9" max="2.14748E9" units="cm"/>
+          <inkml:channel name="F" type="integer" max="32767" units="dev"/>
+          <inkml:channel name="OA" type="integer" max="360" units="deg"/>
+          <inkml:channel name="OE" type="integer" max="90" units="deg"/>
+        </inkml:traceFormat>
+        <inkml:channelProperties>
+          <inkml:channelProperty channel="X" name="resolution" value="1000" units="1/cm"/>
+          <inkml:channelProperty channel="Y" name="resolution" value="1000" units="1/cm"/>
+          <inkml:channelProperty channel="F" name="resolution" value="0" units="1/dev"/>
+          <inkml:channelProperty channel="OA" name="resolution" value="1000" units="1/deg"/>
+          <inkml:channelProperty channel="OE" name="resolution" value="1000" units="1/deg"/>
+        </inkml:channelProperties>
+      </inkml:inkSource>
+      <inkml:timestamp xml:id="ts0" timeString="2021-07-21T16:33:50.380"/>
+    </inkml:context>
+    <inkml:brush xml:id="br0">
+      <inkml:brushProperty name="width" value="0.05" units="cm"/>
+      <inkml:brushProperty name="height" value="0.05" units="cm"/>
+      <inkml:brushProperty name="color" value="#FF0066"/>
+    </inkml:brush>
+  </inkml:definitions>
+  <inkml:trace contextRef="#ctx0" brushRef="#br0">17 135 4144 0 0,'0'0'319'0'0,"-2"0"-210"0"0,-9-5 8319 0 0,8-1-3758 0 0,3 5-4511 0 0,0 1-1 0 0,0-1 0 0 0,0 1 1 0 0,0-1-1 0 0,0 1 0 0 0,0-1 1 0 0,0 1-1 0 0,0-1 0 0 0,0 1 0 0 0,0-1 1 0 0,1 1-1 0 0,-1-1 0 0 0,0 1 1 0 0,0-1-1 0 0,0 1 0 0 0,1-1 1 0 0,-1 1-1 0 0,0 0 0 0 0,1-1 0 0 0,-1 1 1 0 0,0-1-1 0 0,1 1 0 0 0,-1 0 1 0 0,1-1-1 0 0,-1 1 0 0 0,0 0 1 0 0,1 0-1 0 0,-1-1 0 0 0,1 1 0 0 0,-1 0 1 0 0,1 0-1 0 0,-1 0 0 0 0,2-1 1 0 0,8 0 170 0 0,-1 1 1 0 0,1 0-1 0 0,0 1 1 0 0,-1-1 0 0 0,1 2-1 0 0,0 0 1 0 0,-1 0 0 0 0,12 4-1 0 0,16 3 187 0 0,227 23 1067 0 0,-245-32-1438 0 0,32-3-1 0 0,-30 1 8 0 0,-17 2-109 0 0,0 0 1 0 0,-1-1-1 0 0,1 1 0 0 0,0-1 0 0 0,0 0 0 0 0,0 0 1 0 0,-1 0-1 0 0,1-1 0 0 0,5-2 0 0 0,-8 3-31 0 0,-1 1 1 0 0,0-1-1 0 0,1 1 1 0 0,-1-1-1 0 0,0 1 0 0 0,0-1 1 0 0,0 1-1 0 0,1-1 0 0 0,-1 1 1 0 0,0-1-1 0 0,0 1 1 0 0,0-1-1 0 0,0 1 0 0 0,0-1 1 0 0,0 1-1 0 0,0-1 0 0 0,0 0 1 0 0,0 1-1 0 0,0-1 0 0 0,0 1 1 0 0,0-1-1 0 0,-1 1 1 0 0,1-1-1 0 0,0 1 0 0 0,0-1 1 0 0,-1 1-1 0 0,1-1 0 0 0,0 1 1 0 0,0-1-1 0 0,-1 0 1 0 0,-12-14 165 0 0,11 13-156 0 0,-9-7 24 0 0,0 0 1 0 0,-1 0-1 0 0,0 1 0 0 0,0 1 0 0 0,-17-8 0 0 0,-3 0-74 0 0,0 2 0 0 0,-44-12-1 0 0,67 22 82 0 0,9 3-52 0 0,0 0-1 0 0,0 1 0 0 0,-1-1 1 0 0,1 0-1 0 0,0 0 0 0 0,0 0 0 0 0,0 0 1 0 0,0 1-1 0 0,0-1 0 0 0,0 0 0 0 0,1 0 1 0 0,-1 0-1 0 0,0 0 0 0 0,0 1 1 0 0,0-1-1 0 0,0 0 0 0 0,0 0 0 0 0,0 0 1 0 0,0 0-1 0 0,0 0 0 0 0,0 1 0 0 0,0-1 1 0 0,0 0-1 0 0,0 0 0 0 0,1 0 1 0 0,-1 0-1 0 0,0 0 0 0 0,0 0 0 0 0,0 0 1 0 0,0 1-1 0 0,0-1 0 0 0,0 0 1 0 0,1 0-1 0 0,-1 0 0 0 0,0 0 0 0 0,0 0 1 0 0,0 0-1 0 0,0 0 0 0 0,1 0 0 0 0,-1 0 1 0 0,0 0-1 0 0,8 6-1 0 0,2 0 1 0 0,0-1 0 0 0,1-1 0 0 0,-1 1 0 0 0,19 4 0 0 0,47 6 0 0 0,-35-9 201 0 0,0-3 1 0 0,68-2-1 0 0,-55-5 783 0 0,-68 15-725 0 0,10-7-230 0 0,-10 8 43 0 0,-1 0 0 0 0,2 1-1 0 0,-19 22 1 0 0,27-27-245 0 0,0-1 0 0 0,0 0 0 0 0,0 1 0 0 0,1 0 0 0 0,0 0 0 0 0,0 1 0 0 0,1-1 0 0 0,0 1 0 0 0,-2 11 0 0 0,5-19-19 0 0,0 0 0 0 0,0 0 0 0 0,0 0-1 0 0,0 0 1 0 0,0 0 0 0 0,0 0 0 0 0,0 0-1 0 0,1 0 1 0 0,-1 0 0 0 0,0-1 0 0 0,0 1-1 0 0,1 0 1 0 0,-1 0 0 0 0,1 0 0 0 0,0 1-1 0 0</inkml:trace>
+</inkml:ink>
+</file>
+
+<file path=ppt/ink/ink49.xml><?xml version="1.0" encoding="utf-8"?>
+<inkml:ink xmlns:inkml="http://www.w3.org/2003/InkML">
+  <inkml:definitions>
+    <inkml:context xml:id="ctx0">
+      <inkml:inkSource xml:id="inkSrc0">
+        <inkml:traceFormat>
+          <inkml:channel name="X" type="integer" min="-2.14748E9" max="2.14748E9" units="cm"/>
+          <inkml:channel name="Y" type="integer" min="-2.14748E9" max="2.14748E9" units="cm"/>
+          <inkml:channel name="F" type="integer" max="32767" units="dev"/>
+          <inkml:channel name="OA" type="integer" max="360" units="deg"/>
+          <inkml:channel name="OE" type="integer" max="90" units="deg"/>
+        </inkml:traceFormat>
+        <inkml:channelProperties>
+          <inkml:channelProperty channel="X" name="resolution" value="1000" units="1/cm"/>
+          <inkml:channelProperty channel="Y" name="resolution" value="1000" units="1/cm"/>
+          <inkml:channelProperty channel="F" name="resolution" value="0" units="1/dev"/>
+          <inkml:channelProperty channel="OA" name="resolution" value="1000" units="1/deg"/>
+          <inkml:channelProperty channel="OE" name="resolution" value="1000" units="1/deg"/>
+        </inkml:channelProperties>
+      </inkml:inkSource>
+      <inkml:timestamp xml:id="ts0" timeString="2021-07-21T16:33:54.052"/>
+    </inkml:context>
+    <inkml:brush xml:id="br0">
+      <inkml:brushProperty name="width" value="0.05" units="cm"/>
+      <inkml:brushProperty name="height" value="0.05" units="cm"/>
+      <inkml:brushProperty name="color" value="#FF0066"/>
+    </inkml:brush>
+  </inkml:definitions>
+  <inkml:trace contextRef="#ctx0" brushRef="#br0">22 189 9848 0 0,'-13'8'745'0'0,"9"-2"-513"0"0,4-5-138 0 0,-1-1 0 0 0,1 0 0 0 0,0 1 1 0 0,-1-1-1 0 0,1 0 0 0 0,0 1 0 0 0,0-1 0 0 0,-1 0 0 0 0,1 1 0 0 0,0-1 1 0 0,0 1-1 0 0,-1-1 0 0 0,1 1 0 0 0,0-1 0 0 0,0 1 0 0 0,0-1 0 0 0,0 0 1 0 0,0 1-1 0 0,0-1 0 0 0,0 1 0 0 0,0-1 0 0 0,0 1 0 0 0,0-1 0 0 0,0 1 1 0 0,0-1-1 0 0,0 1 0 0 0,0-1 0 0 0,0 1 0 0 0,1-1 0 0 0,-1 1 0 0 0,0 0 0 0 0,1 0-3 0 0,0-1 0 0 0,0 1 0 0 0,0-1 0 0 0,0 1 0 0 0,0 0 0 0 0,0-1-1 0 0,0 0 1 0 0,0 1 0 0 0,0-1 0 0 0,0 0 0 0 0,0 1 0 0 0,0-1-1 0 0,2 0 1 0 0,4 1 218 0 0,0-1-1 0 0,0 0 1 0 0,8-1 0 0 0,15-2 36 0 0,13-3 334 0 0,0 2 0 0 0,1 2 0 0 0,61 5 0 0 0,89 14 323 0 0,-170-18-795 0 0,28-2 1 0 0,-14-1 89 0 0,-35 4-241 0 0,0 0-1 0 0,0-1 0 0 0,0 1 1 0 0,0-1-1 0 0,0 0 0 0 0,0 0 1 0 0,0 0-1 0 0,0 0 0 0 0,0 0 0 0 0,-1-1 1 0 0,1 1-1 0 0,-1-1 0 0 0,1 0 1 0 0,-1 0-1 0 0,1 0 0 0 0,3-4 1 0 0,-5 5-3 0 0,0-1 0 0 0,0 0 0 0 0,0 1 0 0 0,0-1 0 0 0,0 0 0 0 0,0 0 0 0 0,-1 0 0 0 0,1 0 0 0 0,0 0 0 0 0,-1 0 0 0 0,0 0 0 0 0,1 0 0 0 0,-1 0 1 0 0,0 0-1 0 0,0 0 0 0 0,0 0 0 0 0,0 0 0 0 0,-1 0 0 0 0,1 0 0 0 0,-1 0 0 0 0,1 0 0 0 0,-1 0 0 0 0,1 1 0 0 0,-1-1 0 0 0,-2-4 0 0 0,0 2 22 0 0,0 0 0 0 0,0 0 1 0 0,0 0-1 0 0,0 1 0 0 0,-1-1 0 0 0,1 1 0 0 0,-7-4 0 0 0,-31-21 228 0 0,35 24-271 0 0,-14-9 20 0 0,-2 0 0 0 0,1 2-1 0 0,-2 0 1 0 0,-42-14 0 0 0,43 20 244 0 0,21 5 143 0 0,2 1-362 0 0,3 0-66 0 0,-1 1 0 0 0,1-1-1 0 0,0 0 1 0 0,0 0 0 0 0,-1 0 0 0 0,1 0 0 0 0,0 0 0 0 0,5-1-1 0 0,37 1 88 0 0,-31-2-52 0 0,40 1 236 0 0,-14-2 61 0 0,-1 3 0 0 0,41 6 0 0 0,-80-7-326 0 0,1 0 1 0 0,-1 0-1 0 0,1 0 1 0 0,-1 0-1 0 0,1 1 0 0 0,-1-1 1 0 0,0 1-1 0 0,1-1 1 0 0,-1 1-1 0 0,0 0 0 0 0,1-1 1 0 0,-1 1-1 0 0,0 0 1 0 0,0 0-1 0 0,0 0 1 0 0,0 0-1 0 0,0 0 0 0 0,0 0 1 0 0,0 0-1 0 0,0 0 1 0 0,0 0-1 0 0,0 0 0 0 0,0 1 1 0 0,-1-1-1 0 0,2 3 1 0 0,-2-2 13 0 0,0 0 0 0 0,0 1 0 0 0,0-1 1 0 0,0 0-1 0 0,0 1 0 0 0,0-1 0 0 0,0 1 1 0 0,-1-1-1 0 0,1 0 0 0 0,-1 0 0 0 0,0 1 0 0 0,0-1 1 0 0,0 0-1 0 0,-2 4 0 0 0,-13 21 103 0 0,0-1 0 0 0,-24 27 0 0 0,-44 44 3 0 0,40-47-76 0 0,37-42-81 0 0,2-1 11 0 0,-1 0 0 0 0,0 0 0 0 0,-1-1 0 0 0,1 0 0 0 0,-1 0 0 0 0,0-1 0 0 0,-11 7 0 0 0,17-12-130 0 0</inkml:trace>
+</inkml:ink>
+</file>
+
+<file path=ppt/ink/ink5.xml><?xml version="1.0" encoding="utf-8"?>
+<inkml:ink xmlns:inkml="http://www.w3.org/2003/InkML">
+  <inkml:definitions>
+    <inkml:context xml:id="ctx0">
+      <inkml:inkSource xml:id="inkSrc0">
+        <inkml:traceFormat>
+          <inkml:channel name="X" type="integer" min="-2.14748E9" max="2.14748E9" units="cm"/>
+          <inkml:channel name="Y" type="integer" min="-2.14748E9" max="2.14748E9" units="cm"/>
+          <inkml:channel name="F" type="integer" max="32767" units="dev"/>
+          <inkml:channel name="OA" type="integer" max="360" units="deg"/>
+          <inkml:channel name="OE" type="integer" max="90" units="deg"/>
+        </inkml:traceFormat>
+        <inkml:channelProperties>
+          <inkml:channelProperty channel="X" name="resolution" value="1000" units="1/cm"/>
+          <inkml:channelProperty channel="Y" name="resolution" value="1000" units="1/cm"/>
+          <inkml:channelProperty channel="F" name="resolution" value="0" units="1/dev"/>
+          <inkml:channelProperty channel="OA" name="resolution" value="1000" units="1/deg"/>
+          <inkml:channelProperty channel="OE" name="resolution" value="1000" units="1/deg"/>
+        </inkml:channelProperties>
+      </inkml:inkSource>
+      <inkml:timestamp xml:id="ts0" timeString="2021-07-21T16:31:44.454"/>
+    </inkml:context>
+    <inkml:brush xml:id="br0">
+      <inkml:brushProperty name="width" value="0.05" units="cm"/>
+      <inkml:brushProperty name="height" value="0.05" units="cm"/>
+      <inkml:brushProperty name="color" value="#FF0066"/>
+    </inkml:brush>
+  </inkml:definitions>
+  <inkml:trace contextRef="#ctx0" brushRef="#br0">358 22 5984 0 0,'-1'-1'99'0'0,"1"0"0"0"0,-1 0 1 0 0,0 0-1 0 0,1 0 0 0 0,-1 0 1 0 0,0 1-1 0 0,0-1 0 0 0,0 0 0 0 0,0 0 1 0 0,1 0-1 0 0,-1 1 0 0 0,0-1 1 0 0,0 0-1 0 0,0 1 0 0 0,0-1 1 0 0,-1 1-1 0 0,0-1 0 0 0,-1-1 1301 0 0,0 1-1 0 0,0 0 1 0 0,0 0 0 0 0,0 0-1 0 0,-6-1 1 0 0,7 2-1169 0 0,1 0 0 0 0,-1 1 1 0 0,0-1-1 0 0,0 0 0 0 0,0 1 1 0 0,1-1-1 0 0,-1 1 0 0 0,0-1 1 0 0,1 1-1 0 0,-1 0 0 0 0,0 0 1 0 0,1 0-1 0 0,-1 0 0 0 0,1 0 1 0 0,-1 0-1 0 0,1 0 0 0 0,0 0 1 0 0,0 1-1 0 0,-1-1 0 0 0,1 1 1 0 0,0-1-1 0 0,0 1 0 0 0,0-1 0 0 0,0 1 1 0 0,1-1-1 0 0,-2 4 0 0 0,-1 4-52 0 0,0 0-1 0 0,1 0 0 0 0,0 1 0 0 0,-1 9 0 0 0,-1 4 4 0 0,-18 108 121 0 0,13-75 2 0 0,-40 194-801 0 0,17-82 1856 0 0,30-162-1205 0 0,0 1 1 0 0,-1-1-1 0 0,-6 13 0 0 0,5-12-168 0 0,4-6 13 0 0,0-1 0 0 0,0 0 0 0 0,0 1 0 0 0,0-1 0 0 0,0 0 0 0 0,-1 0-1 0 0,1 1 1 0 0,0-1 0 0 0,0 0 0 0 0,0 0 0 0 0,-1 1 0 0 0,1-1 0 0 0,0 0 0 0 0,0 0 0 0 0,-1 1 0 0 0,1-1-1 0 0,0 0 1 0 0,-1 0 0 0 0,1 0 0 0 0,0 0 0 0 0,-1 1 0 0 0,1-1 0 0 0,0 0 0 0 0,-1 0 0 0 0,1 0-1 0 0,0 0 1 0 0,-1 0 0 0 0,1 0 0 0 0,0 0 0 0 0,-1 0 0 0 0,1 0 0 0 0,0 0 0 0 0,-1 0 0 0 0,1 0 0 0 0,0 0-1 0 0,-1 0 1 0 0,1-1 0 0 0,0 1 0 0 0,-1 0 0 0 0,1 0 0 0 0,-11-9 35 0 0,10 8 6 0 0,-4-5 259 0 0,0 1-1 0 0,0-1 1 0 0,1 0-1 0 0,-1-1 1 0 0,-6-12-1 0 0,-13-39-269 0 0,17 40-45 0 0,-15-48 117 0 0,10 23 192 0 0,12 43-290 0 0,0 0 0 0 0,0 0-1 0 0,0 0 1 0 0,-1 0 0 0 0,1 0-1 0 0,0 0 1 0 0,0 0 0 0 0,0 0 0 0 0,0 0-1 0 0,0 0 1 0 0,0 0 0 0 0,0 0-1 0 0,0 0 1 0 0,0 0 0 0 0,0 0-1 0 0,0 0 1 0 0,0 0 0 0 0,0 0 0 0 0,0 0-1 0 0,0 0 1 0 0,0 0 0 0 0,0 0-1 0 0,0 0 1 0 0,0 0 0 0 0,-1 0 0 0 0,1 0-1 0 0,0 0 1 0 0,0 0 0 0 0,0 0-1 0 0,0 0 1 0 0,0 0 0 0 0,0 0 0 0 0,0 0-1 0 0,0 0 1 0 0,0 0 0 0 0,0 0-1 0 0,0 0 1 0 0,0 0 0 0 0,0 0 0 0 0,0 0-1 0 0,0 0 1 0 0,0 0 0 0 0,0 0-1 0 0,0 0 1 0 0,-1 0 0 0 0,1 0-1 0 0,0 0 1 0 0,0 0 0 0 0,0 0 0 0 0,0 0-1 0 0,0 0 1 0 0,0 0 0 0 0,0 0-1 0 0,0-1 1 0 0,-2 12 268 0 0,1 13 68 0 0,5-3-343 0 0,0 0-1 0 0,1 0 1 0 0,13 29-1 0 0,-12-33-22 0 0,-5-11-23 0 0,2-1-1 0 0,-1 1 0 0 0,1-1 1 0 0,0 1-1 0 0,0-1 1 0 0,0 0-1 0 0,1 0 1 0 0,0 0-1 0 0,0 0 1 0 0,0-1-1 0 0,1 0 0 0 0,8 7 1 0 0,-10-9 115 0 0,1 0-1 0 0,-1 0 1 0 0,1 0 0 0 0,0-1 0 0 0,0 0-1 0 0,-1 1 1 0 0,1-1 0 0 0,0-1-1 0 0,0 1 1 0 0,0 0 0 0 0,0-1 0 0 0,0 0-1 0 0,0 0 1 0 0,0 0 0 0 0,0-1 0 0 0,0 1-1 0 0,0-1 1 0 0,0 0 0 0 0,0 0-1 0 0,5-2 1 0 0,3-3-38 0 0,1 0 0 0 0,-1-1 0 0 0,-1-1 0 0 0,0 0 0 0 0,0 0 0 0 0,0-1 0 0 0,-1 0 0 0 0,0-1 0 0 0,12-16 0 0 0,-1-3-268 0 0,-2-1 0 0 0,-1-1 0 0 0,-1-1 0 0 0,15-39 0 0 0,-27 54-1126 0 0,-1 1-348 0 0</inkml:trace>
+</inkml:ink>
+</file>
+
+<file path=ppt/ink/ink50.xml><?xml version="1.0" encoding="utf-8"?>
+<inkml:ink xmlns:inkml="http://www.w3.org/2003/InkML">
+  <inkml:definitions>
+    <inkml:context xml:id="ctx0">
+      <inkml:inkSource xml:id="inkSrc0">
+        <inkml:traceFormat>
+          <inkml:channel name="X" type="integer" min="-2.14748E9" max="2.14748E9" units="cm"/>
+          <inkml:channel name="Y" type="integer" min="-2.14748E9" max="2.14748E9" units="cm"/>
+          <inkml:channel name="F" type="integer" max="32767" units="dev"/>
+          <inkml:channel name="OA" type="integer" max="360" units="deg"/>
+          <inkml:channel name="OE" type="integer" max="90" units="deg"/>
+        </inkml:traceFormat>
+        <inkml:channelProperties>
+          <inkml:channelProperty channel="X" name="resolution" value="1000" units="1/cm"/>
+          <inkml:channelProperty channel="Y" name="resolution" value="1000" units="1/cm"/>
+          <inkml:channelProperty channel="F" name="resolution" value="0" units="1/dev"/>
+          <inkml:channelProperty channel="OA" name="resolution" value="1000" units="1/deg"/>
+          <inkml:channelProperty channel="OE" name="resolution" value="1000" units="1/deg"/>
+        </inkml:channelProperties>
+      </inkml:inkSource>
+      <inkml:timestamp xml:id="ts0" timeString="2021-07-21T16:33:56.595"/>
+    </inkml:context>
+    <inkml:brush xml:id="br0">
+      <inkml:brushProperty name="width" value="0.05" units="cm"/>
+      <inkml:brushProperty name="height" value="0.05" units="cm"/>
+      <inkml:brushProperty name="color" value="#FF0066"/>
+    </inkml:brush>
+  </inkml:definitions>
+  <inkml:trace contextRef="#ctx0" brushRef="#br0">28 99 13248 0 0,'-11'-17'543'0'0,"9"14"-389"0"0,0-1 1 0 0,0 1-1 0 0,0 0 0 0 0,-1-1 1 0 0,-3-2-1 0 0,6 6-106 0 0,1 0 0 0 0,-1 0 0 0 0,0 0-1 0 0,0 0 1 0 0,0 0 0 0 0,0 0 0 0 0,0 0 0 0 0,0 0 0 0 0,0-1 239 0 0,0 1-239 0 0,0 0 0 0 0,0 0 0 0 0,1 0 0 0 0,-1 0 0 0 0,0 0 0 0 0,0 0 0 0 0,0 0 0 0 0,0 0 0 0 0,0 0-1 0 0,0 0 1 0 0,0 0 0 0 0,0-1 0 0 0,0 1 0 0 0,0 0 0 0 0,0 0 0 0 0,0 0 0 0 0,0 0 0 0 0,0 0 0 0 0,0 0 0 0 0,0 0-1 0 0,0 0 1 0 0,0 0 0 0 0,0 0 0 0 0,0 0 0 0 0,0 0 0 0 0,0-1 0 0 0,0 1 0 0 0,0 0 0 0 0,-1 0 0 0 0,1 0 239 0 0,0 0-239 0 0,7 3 1123 0 0,8 10-733 0 0,0-2 0 0 0,0 0-1 0 0,1 0 1 0 0,0-2-1 0 0,1 0 1 0 0,0-1-1 0 0,30 10 1 0 0,-15-8-244 0 0,0-1 0 0 0,0-3-1 0 0,53 6 1 0 0,-29-9-125 0 0,0-2-1 0 0,0-3 0 0 0,0-2 0 0 0,66-13 0 0 0,-54 2 50 0 0,-1-3-1 0 0,0-2 1 0 0,63-30-1 0 0,-18 2-24 0 0,-104 45-88 0 0,-1 1-1 0 0,1-1 1 0 0,0 1 0 0 0,-1 0-1 0 0,1 1 1 0 0,15-1-1 0 0,-20 2-2 0 0,0 0-1 0 0,0 0 0 0 0,-1 0 1 0 0,1 0-1 0 0,0 1 0 0 0,-1 0 1 0 0,1-1-1 0 0,-1 1 0 0 0,1 0 1 0 0,-1 0-1 0 0,1 0 0 0 0,-1 1 1 0 0,1-1-1 0 0,-1 0 0 0 0,0 1 1 0 0,0 0-1 0 0,0-1 0 0 0,0 1 1 0 0,0 0-1 0 0,0 0 0 0 0,0 0 1 0 0,-1 0-1 0 0,3 4 0 0 0,3 8-1 0 0,0 1 0 0 0,-2-1 0 0 0,1 1 0 0 0,2 16 0 0 0,11 65 0 0 0,-15-69 0 0 0,35 331 0 0 0,-26-212 0 0 0,56 503 54 0 0,-45-477-55 0 0,28 237-56 0 0,-34 2 13 0 0,-20-360 518 0 0,-3 0 0 0 0,-1 0 0 0 0,-21 81 0 0 0,22-115-135 0 0,-1 1 0 0 0,0-1 0 0 0,-1-1-1 0 0,-11 19 1 0 0,15-30-302 0 0,0 0-1 0 0,0-1 0 0 0,0 1 1 0 0,0-1-1 0 0,-1 0 0 0 0,0 0 1 0 0,0 0-1 0 0,0-1 0 0 0,0 1 0 0 0,-1-1 1 0 0,1 0-1 0 0,-1 0 0 0 0,0 0 1 0 0,0-1-1 0 0,0 0 0 0 0,0 0 1 0 0,-10 2-1 0 0,12-3 1 0 0,0-1 0 0 0,0 0 0 0 0,0 0 0 0 0,0-1 0 0 0,0 1 0 0 0,0-1 0 0 0,0 1 0 0 0,0-1 0 0 0,0 0 0 0 0,-5-3-1 0 0,-25-15-2223 0 0,19 9 788 0 0</inkml:trace>
+</inkml:ink>
+</file>
+
+<file path=ppt/ink/ink51.xml><?xml version="1.0" encoding="utf-8"?>
+<inkml:ink xmlns:inkml="http://www.w3.org/2003/InkML">
+  <inkml:definitions>
+    <inkml:context xml:id="ctx0">
+      <inkml:inkSource xml:id="inkSrc0">
+        <inkml:traceFormat>
+          <inkml:channel name="X" type="integer" min="-2.14748E9" max="2.14748E9" units="cm"/>
+          <inkml:channel name="Y" type="integer" min="-2.14748E9" max="2.14748E9" units="cm"/>
+          <inkml:channel name="F" type="integer" max="32767" units="dev"/>
+          <inkml:channel name="OA" type="integer" max="360" units="deg"/>
+          <inkml:channel name="OE" type="integer" max="90" units="deg"/>
+        </inkml:traceFormat>
+        <inkml:channelProperties>
+          <inkml:channelProperty channel="X" name="resolution" value="1000" units="1/cm"/>
+          <inkml:channelProperty channel="Y" name="resolution" value="1000" units="1/cm"/>
+          <inkml:channelProperty channel="F" name="resolution" value="0" units="1/dev"/>
+          <inkml:channelProperty channel="OA" name="resolution" value="1000" units="1/deg"/>
+          <inkml:channelProperty channel="OE" name="resolution" value="1000" units="1/deg"/>
+        </inkml:channelProperties>
+      </inkml:inkSource>
+      <inkml:timestamp xml:id="ts0" timeString="2021-07-21T16:33:57.023"/>
+    </inkml:context>
+    <inkml:brush xml:id="br0">
+      <inkml:brushProperty name="width" value="0.05" units="cm"/>
+      <inkml:brushProperty name="height" value="0.05" units="cm"/>
+      <inkml:brushProperty name="color" value="#FF0066"/>
+    </inkml:brush>
+  </inkml:definitions>
+  <inkml:trace contextRef="#ctx0" brushRef="#br0">37 156 21191 0 0,'-4'0'304'0'0,"0"0"0"0"0,0 0 0 0 0,0-1 0 0 0,0 1-1 0 0,0-1 1 0 0,-8-2 0 0 0,12 1-121 0 0,4-1-146 0 0,7-1-67 0 0,-11 3 41 0 0,47-13 1141 0 0,55-11-1 0 0,-44 12-846 0 0,174-33 314 0 0,-157 32-539 0 0,71-7 37 0 0,-139 18-64 0 0,3-1 60 0 0,-16 25 298 0 0,-31 65 615 0 0,-92 156 0 0 0,86-168-1070 0 0,-99 158 403 0 0,56-94-96 0 0,72-112-314 0 0,1 1-1 0 0,1 0 0 0 0,-12 41 0 0 0,24-67 29 0 0,0 0 1 0 0,-1 0-1 0 0,1 0 0 0 0,0 0 0 0 0,0 0 1 0 0,-1 0-1 0 0,1 0 0 0 0,0 0 0 0 0,0 0 1 0 0,0 0-1 0 0,0 0 0 0 0,0 0 0 0 0,1 0 1 0 0,-1 0-1 0 0,0 0 0 0 0,0 0 0 0 0,1 0 1 0 0,-1 0-1 0 0,0 0 0 0 0,1 0 1 0 0,0 0-1 0 0,0 0-45 0 0,-1-1 0 0 0,1 1 1 0 0,0-1-1 0 0,-1 1 0 0 0,1-1 0 0 0,0 0 1 0 0,0 1-1 0 0,0-1 0 0 0,-1 0 0 0 0,1 0 1 0 0,0 0-1 0 0,0 1 0 0 0,0-1 0 0 0,0 0 1 0 0,-1 0-1 0 0,1 0 0 0 0,0 0 0 0 0,0-1 1 0 0,1 1-1 0 0,5-2-285 0 0,-1 1 0 0 0,0-2 0 0 0,1 1 0 0 0,-1-1 0 0 0,6-3 0 0 0,52-33-2719 0 0,-27 15 1413 0 0</inkml:trace>
+</inkml:ink>
+</file>
+
+<file path=ppt/ink/ink52.xml><?xml version="1.0" encoding="utf-8"?>
+<inkml:ink xmlns:inkml="http://www.w3.org/2003/InkML">
+  <inkml:definitions>
+    <inkml:context xml:id="ctx0">
+      <inkml:inkSource xml:id="inkSrc0">
+        <inkml:traceFormat>
+          <inkml:channel name="X" type="integer" min="-2.14748E9" max="2.14748E9" units="cm"/>
+          <inkml:channel name="Y" type="integer" min="-2.14748E9" max="2.14748E9" units="cm"/>
+          <inkml:channel name="F" type="integer" max="32767" units="dev"/>
+          <inkml:channel name="OA" type="integer" max="360" units="deg"/>
+          <inkml:channel name="OE" type="integer" max="90" units="deg"/>
+        </inkml:traceFormat>
+        <inkml:channelProperties>
+          <inkml:channelProperty channel="X" name="resolution" value="1000" units="1/cm"/>
+          <inkml:channelProperty channel="Y" name="resolution" value="1000" units="1/cm"/>
+          <inkml:channelProperty channel="F" name="resolution" value="0" units="1/dev"/>
+          <inkml:channelProperty channel="OA" name="resolution" value="1000" units="1/deg"/>
+          <inkml:channelProperty channel="OE" name="resolution" value="1000" units="1/deg"/>
+        </inkml:channelProperties>
+      </inkml:inkSource>
+      <inkml:timestamp xml:id="ts0" timeString="2021-07-21T16:33:57.376"/>
+    </inkml:context>
+    <inkml:brush xml:id="br0">
+      <inkml:brushProperty name="width" value="0.05" units="cm"/>
+      <inkml:brushProperty name="height" value="0.05" units="cm"/>
+      <inkml:brushProperty name="color" value="#FF0066"/>
+    </inkml:brush>
+  </inkml:definitions>
+  <inkml:trace contextRef="#ctx0" brushRef="#br0">0 214 17159 0 0,'6'-27'1335'0'0,"-5"22"-1239"0"0,-1 1-1 0 0,1-1 1 0 0,0 0-1 0 0,1 0 0 0 0,-1 1 1 0 0,4-8-1 0 0,1 3 446 0 0,1 1 0 0 0,-1-1-1 0 0,1 1 1 0 0,1 0 0 0 0,-1 1 0 0 0,2 0 0 0 0,-1 0-1 0 0,1 1 1 0 0,-1 0 0 0 0,2 0 0 0 0,-1 1 0 0 0,1 0-1 0 0,-1 1 1 0 0,18-5 0 0 0,8-1-148 0 0,0 1 1 0 0,1 2-1 0 0,36-2 0 0 0,-20 5-467 0 0,-5 1-3092 0 0,-33 2 1382 0 0</inkml:trace>
+</inkml:ink>
+</file>
+
+<file path=ppt/ink/ink53.xml><?xml version="1.0" encoding="utf-8"?>
+<inkml:ink xmlns:inkml="http://www.w3.org/2003/InkML">
+  <inkml:definitions>
+    <inkml:context xml:id="ctx0">
+      <inkml:inkSource xml:id="inkSrc0">
+        <inkml:traceFormat>
+          <inkml:channel name="X" type="integer" min="-2.14748E9" max="2.14748E9" units="cm"/>
+          <inkml:channel name="Y" type="integer" min="-2.14748E9" max="2.14748E9" units="cm"/>
+          <inkml:channel name="F" type="integer" max="32767" units="dev"/>
+          <inkml:channel name="OA" type="integer" max="360" units="deg"/>
+          <inkml:channel name="OE" type="integer" max="90" units="deg"/>
+        </inkml:traceFormat>
+        <inkml:channelProperties>
+          <inkml:channelProperty channel="X" name="resolution" value="1000" units="1/cm"/>
+          <inkml:channelProperty channel="Y" name="resolution" value="1000" units="1/cm"/>
+          <inkml:channelProperty channel="F" name="resolution" value="0" units="1/dev"/>
+          <inkml:channelProperty channel="OA" name="resolution" value="1000" units="1/deg"/>
+          <inkml:channelProperty channel="OE" name="resolution" value="1000" units="1/deg"/>
+        </inkml:channelProperties>
+      </inkml:inkSource>
+      <inkml:timestamp xml:id="ts0" timeString="2021-07-21T16:33:57.755"/>
+    </inkml:context>
+    <inkml:brush xml:id="br0">
+      <inkml:brushProperty name="width" value="0.05" units="cm"/>
+      <inkml:brushProperty name="height" value="0.05" units="cm"/>
+      <inkml:brushProperty name="color" value="#FF0066"/>
+    </inkml:brush>
+  </inkml:definitions>
+  <inkml:trace contextRef="#ctx0" brushRef="#br0">458 1 5064 0 0,'-8'6'99'0'0,"1"1"0"0"0,-1-1 0 0 0,0 0 1 0 0,-15 8-1 0 0,-2 3-1573 0 0,18-11 3824 0 0,0-1 0 0 0,1 1 0 0 0,-10 12 0 0 0,13-14-1095 0 0,0 0 1 0 0,1 0-1 0 0,-1 0 1 0 0,1 0-1 0 0,0 0 0 0 0,0 0 1 0 0,1 0-1 0 0,-3 7 1 0 0,4-8-1066 0 0,-1 0 0 0 0,1-1 0 0 0,0 1 0 0 0,0 0 0 0 0,0-1 0 0 0,0 1 0 0 0,1 0 1 0 0,-1 0-1 0 0,1 3 0 0 0,0-5-134 0 0,0 1 0 0 0,0-1 0 0 0,-1 1 0 0 0,1-1-1 0 0,0 1 1 0 0,0-1 0 0 0,1 1 0 0 0,-1-1 0 0 0,0 0 0 0 0,0 0 0 0 0,1 0 0 0 0,-1 0 0 0 0,0 1 0 0 0,1-2 0 0 0,2 3 0 0 0,28 9 490 0 0,-22-8-370 0 0,12 4 81 0 0,-8-3-23 0 0,0 0 1 0 0,25 13-1 0 0,-36-16-214 0 0,1 1 0 0 0,0-1-1 0 0,-1 1 1 0 0,0 0 0 0 0,1 0 0 0 0,-1 0-1 0 0,0 0 1 0 0,-1 0 0 0 0,1 1-1 0 0,-1-1 1 0 0,1 1 0 0 0,-1 0 0 0 0,0 0-1 0 0,2 5 1 0 0,-3-5-6 0 0,0 0 0 0 0,0 1-1 0 0,-1-1 1 0 0,0 0 0 0 0,0 0 0 0 0,0 0-1 0 0,0 1 1 0 0,0-1 0 0 0,-1 0 0 0 0,0 0 0 0 0,-2 8-1 0 0,0-3 19 0 0,-1 0 0 0 0,0 1 0 0 0,-9 15 0 0 0,-6 5-4 0 0,-2-2 0 0 0,0 0 0 0 0,-2-1 0 0 0,-1-2 0 0 0,-35 30 0 0 0,37-37-29 0 0,0-2 1 0 0,0 0-1 0 0,-2-1 0 0 0,0-2 0 0 0,-1 0 0 0 0,0-2 1 0 0,-33 11-1 0 0,56-22-20 0 0,-46 12-575 0 0,45-11 492 0 0,-1-1-1 0 0,1 0 1 0 0,0 0 0 0 0,0 0 0 0 0,-1 0 0 0 0,1 0 0 0 0,0 0 0 0 0,-1-1 0 0 0,1 0 0 0 0,0 0-1 0 0,0 1 1 0 0,-4-3 0 0 0,6 2 41 0 0,1 1 0 0 0,-1 0 1 0 0,1 0-1 0 0,-1-1 0 0 0,1 1 0 0 0,0-1 0 0 0,-1 1 0 0 0,1 0 1 0 0,-1-1-1 0 0,1 1 0 0 0,0-1 0 0 0,-1 1 0 0 0,1-1 0 0 0,0 1 1 0 0,0-1-1 0 0,-1 1 0 0 0,1-1 0 0 0,0 0 0 0 0,0 1 0 0 0,0-1 1 0 0,0 1-1 0 0,0-1 0 0 0,0 1 0 0 0,0-1 0 0 0,0 0 1 0 0,0 1-1 0 0,0-1 0 0 0,0 1 0 0 0,0-1 0 0 0,0 1 0 0 0,0-2 1 0 0,10-18-3157 0 0,6-2-5203 0 0</inkml:trace>
+</inkml:ink>
+</file>
+
+<file path=ppt/ink/ink54.xml><?xml version="1.0" encoding="utf-8"?>
+<inkml:ink xmlns:inkml="http://www.w3.org/2003/InkML">
+  <inkml:definitions>
+    <inkml:context xml:id="ctx0">
+      <inkml:inkSource xml:id="inkSrc0">
+        <inkml:traceFormat>
+          <inkml:channel name="X" type="integer" min="-2.14748E9" max="2.14748E9" units="cm"/>
+          <inkml:channel name="Y" type="integer" min="-2.14748E9" max="2.14748E9" units="cm"/>
+          <inkml:channel name="F" type="integer" max="32767" units="dev"/>
+          <inkml:channel name="OA" type="integer" max="360" units="deg"/>
+          <inkml:channel name="OE" type="integer" max="90" units="deg"/>
+        </inkml:traceFormat>
+        <inkml:channelProperties>
+          <inkml:channelProperty channel="X" name="resolution" value="1000" units="1/cm"/>
+          <inkml:channelProperty channel="Y" name="resolution" value="1000" units="1/cm"/>
+          <inkml:channelProperty channel="F" name="resolution" value="0" units="1/dev"/>
+          <inkml:channelProperty channel="OA" name="resolution" value="1000" units="1/deg"/>
+          <inkml:channelProperty channel="OE" name="resolution" value="1000" units="1/deg"/>
+        </inkml:channelProperties>
+      </inkml:inkSource>
+      <inkml:timestamp xml:id="ts0" timeString="2021-07-21T16:33:58.132"/>
+    </inkml:context>
+    <inkml:brush xml:id="br0">
+      <inkml:brushProperty name="width" value="0.05" units="cm"/>
+      <inkml:brushProperty name="height" value="0.05" units="cm"/>
+      <inkml:brushProperty name="color" value="#FF0066"/>
+    </inkml:brush>
+  </inkml:definitions>
+  <inkml:trace contextRef="#ctx0" brushRef="#br0">462 103 13824 0 0,'3'-4'674'0'0,"3"-1"-222"0"0,-1 1-344 0 0,0 1-1 0 0,-1-1 1 0 0,0 0 0 0 0,0 0 0 0 0,0-1 0 0 0,3-4 0 0 0,9-11 987 0 0,-14 18-996 0 0,0 0 1 0 0,0 0-1 0 0,0 0 0 0 0,0-1 1 0 0,0 1-1 0 0,0-1 1 0 0,-1 1-1 0 0,1-1 0 0 0,-1 0 1 0 0,0 1-1 0 0,0-1 1 0 0,0 0-1 0 0,1-5 416 0 0,-4 9-365 0 0,0 0-1 0 0,-1 0 1 0 0,1 0-1 0 0,0 0 1 0 0,0 0-1 0 0,0 1 1 0 0,0-1-1 0 0,0 0 1 0 0,0 1-1 0 0,1 0 1 0 0,-1 0-1 0 0,1-1 1 0 0,-3 5-1 0 0,-1-2 168 0 0,-149 151 3625 0 0,131-128-2946 0 0,21-25-872 0 0,1 1 1 0 0,-1-1 0 0 0,1 0-1 0 0,0 0 1 0 0,0 1-1 0 0,0-1 1 0 0,0 1 0 0 0,0-1-1 0 0,0 1 1 0 0,1-1-1 0 0,-1 5 1 0 0,1-6-116 0 0,0-1 1 0 0,0 1-1 0 0,0-1 0 0 0,0 1 1 0 0,0 0-1 0 0,1-1 1 0 0,-1 1-1 0 0,0 0 1 0 0,0-1-1 0 0,0 1 0 0 0,1-1 1 0 0,-1 1-1 0 0,0 0 1 0 0,1-1-1 0 0,-1 1 0 0 0,1-1 1 0 0,-1 1-1 0 0,0-1 1 0 0,1 0-1 0 0,-1 1 0 0 0,1-1 1 0 0,-1 1-1 0 0,1-1 1 0 0,0 1-1 0 0,1-1-39 0 0,0 1 1 0 0,-1 0-1 0 0,1-1 0 0 0,0 1 1 0 0,0-1-1 0 0,-1 0 0 0 0,1 1 1 0 0,3-1-1 0 0,1 0-366 0 0,1-1-1 0 0,-1 0 1 0 0,12-2 0 0 0,2-2-1592 0 0,2 0-3978 0 0,0-3-1745 0 0</inkml:trace>
+  <inkml:trace contextRef="#ctx0" brushRef="#br0" timeOffset="1">667 171 5064 0 0,'-1'0'232'0'0,"-9"7"-171"0"0,0 0-1 0 0,-13 12 1 0 0,-14 22 4177 0 0,-27 50 7748 0 0,36-47-8659 0 0,-3-3-3970 0 0,-80 87 1786 0 0,-17 21-1105 0 0,-67 119 1402 0 0,193-265-1616 0 0,-3 3 345 0 0,0 1 1 0 0,-7 14-1 0 0,7-3-2436 0 0,5-17 1844 0 0,0 0 0 0 0,0 0 0 0 0,0 0 0 0 0,0-1-1 0 0,0 1 1 0 0,1 0 0 0 0,-1 0 0 0 0,0 0 0 0 0,1 0 0 0 0,-1 0 0 0 0,0 0 0 0 0,1-1 0 0 0,-1 1 0 0 0,1 0 0 0 0,-1 0 0 0 0,2 0-1 0 0</inkml:trace>
+</inkml:ink>
+</file>
+
+<file path=ppt/ink/ink55.xml><?xml version="1.0" encoding="utf-8"?>
+<inkml:ink xmlns:inkml="http://www.w3.org/2003/InkML">
+  <inkml:definitions>
+    <inkml:context xml:id="ctx0">
+      <inkml:inkSource xml:id="inkSrc0">
+        <inkml:traceFormat>
+          <inkml:channel name="X" type="integer" min="-2.14748E9" max="2.14748E9" units="cm"/>
+          <inkml:channel name="Y" type="integer" min="-2.14748E9" max="2.14748E9" units="cm"/>
+          <inkml:channel name="F" type="integer" max="32767" units="dev"/>
+          <inkml:channel name="OA" type="integer" max="360" units="deg"/>
+          <inkml:channel name="OE" type="integer" max="90" units="deg"/>
+        </inkml:traceFormat>
+        <inkml:channelProperties>
+          <inkml:channelProperty channel="X" name="resolution" value="1000" units="1/cm"/>
+          <inkml:channelProperty channel="Y" name="resolution" value="1000" units="1/cm"/>
+          <inkml:channelProperty channel="F" name="resolution" value="0" units="1/dev"/>
+          <inkml:channelProperty channel="OA" name="resolution" value="1000" units="1/deg"/>
+          <inkml:channelProperty channel="OE" name="resolution" value="1000" units="1/deg"/>
+        </inkml:channelProperties>
+      </inkml:inkSource>
+      <inkml:timestamp xml:id="ts0" timeString="2021-07-21T16:33:58.519"/>
+    </inkml:context>
+    <inkml:brush xml:id="br0">
+      <inkml:brushProperty name="width" value="0.05" units="cm"/>
+      <inkml:brushProperty name="height" value="0.05" units="cm"/>
+      <inkml:brushProperty name="color" value="#FF0066"/>
+    </inkml:brush>
+  </inkml:definitions>
+  <inkml:trace contextRef="#ctx0" brushRef="#br0">147 61 21191 0 0,'-7'2'233'0'0,"0"1"0"0"0,0 0 0 0 0,1 0 0 0 0,-1 1-1 0 0,1 0 1 0 0,0 0 0 0 0,0 0 0 0 0,0 1-1 0 0,-6 6 1 0 0,0 2 116 0 0,1 0-1 0 0,-17 29 1 0 0,24-36-55 0 0,1 0 1 0 0,0 0-1 0 0,0 1 1 0 0,0 0-1 0 0,1-1 1 0 0,0 1-1 0 0,0 0 1 0 0,1 0-1 0 0,-2 12 1 0 0,3-17-238 0 0,1-1 0 0 0,-1 1 0 0 0,0 0 1 0 0,1-1-1 0 0,-1 1 0 0 0,1 0 0 0 0,-1-1 0 0 0,1 1 1 0 0,0-1-1 0 0,-1 1 0 0 0,1-1 0 0 0,0 1 0 0 0,0-1 1 0 0,0 0-1 0 0,0 0 0 0 0,1 1 0 0 0,-1-1 0 0 0,0 0 1 0 0,0 0-1 0 0,1 0 0 0 0,-1 0 0 0 0,0 0 0 0 0,1 0 1 0 0,-1-1-1 0 0,1 1 0 0 0,0 0 0 0 0,-1-1 0 0 0,1 1 1 0 0,-1-1-1 0 0,1 0 0 0 0,0 1 0 0 0,2-1 0 0 0,2 1 15 0 0,1-1 0 0 0,-1 1 0 0 0,1-1 0 0 0,-1 0 0 0 0,1-1 0 0 0,-1 0 0 0 0,7-1-1 0 0,-6-1-36 0 0,1 1-1 0 0,-1-2 0 0 0,0 1 1 0 0,0-1-1 0 0,0 0 0 0 0,0 0 0 0 0,-1-1 1 0 0,1 0-1 0 0,-1 0 0 0 0,-1 0 1 0 0,1-1-1 0 0,-1 0 0 0 0,0 0 1 0 0,0-1-1 0 0,0 1 0 0 0,-1-1 0 0 0,4-8 1 0 0,1-3-549 0 0,-2 0 1 0 0,1 0-1 0 0,-2-1 1 0 0,-1 0-1 0 0,6-36 0 0 0,-8 34-937 0 0,-3 1-55 0 0</inkml:trace>
+</inkml:ink>
+</file>
+
+<file path=ppt/ink/ink56.xml><?xml version="1.0" encoding="utf-8"?>
+<inkml:ink xmlns:inkml="http://www.w3.org/2003/InkML">
+  <inkml:definitions>
+    <inkml:context xml:id="ctx0">
+      <inkml:inkSource xml:id="inkSrc0">
+        <inkml:traceFormat>
+          <inkml:channel name="X" type="integer" min="-2.14748E9" max="2.14748E9" units="cm"/>
+          <inkml:channel name="Y" type="integer" min="-2.14748E9" max="2.14748E9" units="cm"/>
+          <inkml:channel name="F" type="integer" max="32767" units="dev"/>
+          <inkml:channel name="OA" type="integer" max="360" units="deg"/>
+          <inkml:channel name="OE" type="integer" max="90" units="deg"/>
+        </inkml:traceFormat>
+        <inkml:channelProperties>
+          <inkml:channelProperty channel="X" name="resolution" value="1000" units="1/cm"/>
+          <inkml:channelProperty channel="Y" name="resolution" value="1000" units="1/cm"/>
+          <inkml:channelProperty channel="F" name="resolution" value="0" units="1/dev"/>
+          <inkml:channelProperty channel="OA" name="resolution" value="1000" units="1/deg"/>
+          <inkml:channelProperty channel="OE" name="resolution" value="1000" units="1/deg"/>
+        </inkml:channelProperties>
+      </inkml:inkSource>
+      <inkml:timestamp xml:id="ts0" timeString="2021-07-21T16:33:58.861"/>
+    </inkml:context>
+    <inkml:brush xml:id="br0">
+      <inkml:brushProperty name="width" value="0.05" units="cm"/>
+      <inkml:brushProperty name="height" value="0.05" units="cm"/>
+      <inkml:brushProperty name="color" value="#FF0066"/>
+    </inkml:brush>
+  </inkml:definitions>
+  <inkml:trace contextRef="#ctx0" brushRef="#br0">0 369 22663 0 0,'0'0'1716'0'0,"4"-13"-952"0"0,4-3-464 0 0,0 1 0 0 0,1 1-1 0 0,21-25 1 0 0,40-36 1622 0 0,-35 39-1474 0 0,50-49 206 0 0,-67 68-677 0 0,2 1-1 0 0,36-23 0 0 0,-56 39 24 0 0,1-1 0 0 0,-1 1 0 0 0,0 0 0 0 0,1-1 0 0 0,-1 1 0 0 0,1 0 0 0 0,-1-1 0 0 0,1 1 0 0 0,-1 0 0 0 0,1 0 0 0 0,-1 0 0 0 0,1 0-1 0 0,0-1 1 0 0,-1 1 0 0 0,1 0 0 0 0,-1 0 0 0 0,1 0 0 0 0,-1 0 0 0 0,1 0 0 0 0,-1 0 0 0 0,1 0 0 0 0,-1 1 0 0 0,1-1 0 0 0,0 0 0 0 0,-1 0 0 0 0,1 0 0 0 0,0 1 0 0 0,-1 0 1 0 0,1-1 1 0 0,-1 1-1 0 0,1 0 0 0 0,-1-1 1 0 0,0 1-1 0 0,0 0 1 0 0,1 0-1 0 0,-1-1 0 0 0,0 1 1 0 0,0 0-1 0 0,0 0 0 0 0,0-1 1 0 0,0 1-1 0 0,0 0 1 0 0,0 0-1 0 0,0 1 0 0 0,-1 3 22 0 0,0 0 0 0 0,0 0 0 0 0,0 0 0 0 0,-4 10 0 0 0,-73 154-224 0 0,78-168 201 0 0,0-1 0 0 0,1 0 0 0 0,-1 0 0 0 0,0 0 0 0 0,1 0 0 0 0,-1 0 0 0 0,0 0 0 0 0,1 0 0 0 0,-1 0 0 0 0,1 0 0 0 0,-1 0 0 0 0,0 0 0 0 0,1 0 0 0 0,-1 0 0 0 0,0 0 0 0 0,1 0 0 0 0,-1 0 0 0 0,0 0 0 0 0,1 0 0 0 0,-1-1 0 0 0,0 1 0 0 0,1 0 0 0 0,-1 0 0 0 0,0 0 0 0 0,1-1 0 0 0,-1 1 0 0 0,0 0 0 0 0,0 0 0 0 0,1-1 0 0 0,14-7 0 0 0,41-39 336 0 0,7-6 390 0 0,-55 48-665 0 0,0 0 1 0 0,0 0 0 0 0,1 1 0 0 0,-1 0 0 0 0,1 0 0 0 0,13-3 0 0 0,-20 6-54 0 0,0 0 0 0 0,1 1 0 0 0,-1 0 0 0 0,0-1 0 0 0,0 1 0 0 0,0 0 0 0 0,0 0 0 0 0,0 0 0 0 0,0 0 0 0 0,1 1 0 0 0,-1-1 0 0 0,0 1 0 0 0,0-1 0 0 0,0 1 1 0 0,0-1-1 0 0,0 1 0 0 0,0 0 0 0 0,3 2 0 0 0,-3-1-7 0 0,0 0 1 0 0,0 0-1 0 0,0 0 0 0 0,-1 0 1 0 0,1 0-1 0 0,0 0 1 0 0,-1 0-1 0 0,0 1 1 0 0,1-1-1 0 0,-1 1 0 0 0,0-1 1 0 0,1 5-1 0 0,1 7 7 0 0,0-1-1 0 0,-2 0 1 0 0,1 1-1 0 0,-2 22 1 0 0,0-31 8 0 0,0 4-225 0 0,0 1 0 0 0,1 0 0 0 0,-1 0-1 0 0,2 0 1 0 0,0 0 0 0 0,0-1 0 0 0,6 17 0 0 0,-7-25 29 0 0,0 0 1 0 0,0 0 0 0 0,-1 0-1 0 0,1 0 1 0 0,0 0-1 0 0,0 0 1 0 0,1 0 0 0 0,-1 0-1 0 0,0 0 1 0 0,0-1-1 0 0,0 1 1 0 0,0 0 0 0 0,1-1-1 0 0,-1 1 1 0 0,0-1 0 0 0,1 1-1 0 0,-1-1 1 0 0,0 0-1 0 0,3 1 1 0 0,16-1-6889 0 0,-4-5-970 0 0</inkml:trace>
+</inkml:ink>
+</file>
+
+<file path=ppt/ink/ink57.xml><?xml version="1.0" encoding="utf-8"?>
+<inkml:ink xmlns:inkml="http://www.w3.org/2003/InkML">
+  <inkml:definitions>
+    <inkml:context xml:id="ctx0">
+      <inkml:inkSource xml:id="inkSrc0">
+        <inkml:traceFormat>
+          <inkml:channel name="X" type="integer" min="-2.14748E9" max="2.14748E9" units="cm"/>
+          <inkml:channel name="Y" type="integer" min="-2.14748E9" max="2.14748E9" units="cm"/>
+          <inkml:channel name="F" type="integer" max="32767" units="dev"/>
+          <inkml:channel name="OA" type="integer" max="360" units="deg"/>
+          <inkml:channel name="OE" type="integer" max="90" units="deg"/>
+        </inkml:traceFormat>
+        <inkml:channelProperties>
+          <inkml:channelProperty channel="X" name="resolution" value="1000" units="1/cm"/>
+          <inkml:channelProperty channel="Y" name="resolution" value="1000" units="1/cm"/>
+          <inkml:channelProperty channel="F" name="resolution" value="0" units="1/dev"/>
+          <inkml:channelProperty channel="OA" name="resolution" value="1000" units="1/deg"/>
+          <inkml:channelProperty channel="OE" name="resolution" value="1000" units="1/deg"/>
+        </inkml:channelProperties>
+      </inkml:inkSource>
+      <inkml:timestamp xml:id="ts0" timeString="2021-07-21T16:33:59.237"/>
+    </inkml:context>
+    <inkml:brush xml:id="br0">
+      <inkml:brushProperty name="width" value="0.05" units="cm"/>
+      <inkml:brushProperty name="height" value="0.05" units="cm"/>
+      <inkml:brushProperty name="color" value="#FF0066"/>
+    </inkml:brush>
+  </inkml:definitions>
+  <inkml:trace contextRef="#ctx0" brushRef="#br0">175 0 4144 0 0,'-1'1'319'0'0,"-23"9"196"0"0,17-7 1459 0 0,-1 1 0 0 0,0 0-1 0 0,1 0 1 0 0,0 0 0 0 0,-8 6 0 0 0,4-1-943 0 0,-1 0-231 0 0,1 1-1 0 0,0 0 1 0 0,1 0-1 0 0,-12 16 0 0 0,19-22-672 0 0,1 0-1 0 0,0 0 0 0 0,0 0 0 0 0,0 0 1 0 0,0 0-1 0 0,0 1 0 0 0,1-1 1 0 0,0 1-1 0 0,0-1 0 0 0,0 1 0 0 0,0-1 1 0 0,1 1-1 0 0,0-1 0 0 0,0 1 1 0 0,0 0-1 0 0,1-1 0 0 0,-1 1 0 0 0,2 4 1 0 0,-1-7-100 0 0,-1-1 0 0 0,1 1 0 0 0,0-1 0 0 0,-1 1 0 0 0,1 0 0 0 0,0-1 1 0 0,0 0-1 0 0,0 1 0 0 0,0-1 0 0 0,1 0 0 0 0,-1 1 0 0 0,0-1 0 0 0,0 0 0 0 0,1 0 1 0 0,-1 0-1 0 0,1 0 0 0 0,-1 0 0 0 0,1 0 0 0 0,-1-1 0 0 0,1 1 0 0 0,0 0 0 0 0,-1-1 1 0 0,3 1-1 0 0,-1 0 27 0 0,0-1 0 0 0,0 1 0 0 0,0-1 0 0 0,0 0 1 0 0,-1 1-1 0 0,1-2 0 0 0,0 1 0 0 0,0 0 0 0 0,0 0 0 0 0,0-1 0 0 0,0 0 1 0 0,-1 1-1 0 0,5-3 0 0 0,4-3 131 0 0,0 0 1 0 0,-1-1-1 0 0,0-1 0 0 0,0 1 1 0 0,9-10-1 0 0,39-48 1415 0 0,-58 65-1579 0 0,3-4 315 0 0,0 1 0 0 0,1 0-1 0 0,-1 0 1 0 0,7-5 0 0 0,-9 8-332 0 0,-1 0 1 0 0,0 0-1 0 0,0 0 1 0 0,1 0-1 0 0,-1-1 1 0 0,0 1-1 0 0,1 0 1 0 0,-1 0 0 0 0,0 0-1 0 0,0 0 1 0 0,1 0-1 0 0,-1 0 1 0 0,0 0-1 0 0,0 0 1 0 0,1 0-1 0 0,-1 0 1 0 0,0 1-1 0 0,1-1 1 0 0,-1 0-1 0 0,0 0 1 0 0,0 0-1 0 0,1 0 1 0 0,-1 0-1 0 0,0 0 1 0 0,0 1 0 0 0,0-1-1 0 0,1 0 1 0 0,-1 0-1 0 0,0 0 1 0 0,0 0-1 0 0,0 1 1 0 0,1-1-1 0 0,-1 0 1 0 0,0 0-1 0 0,0 1 1 0 0,0-1-1 0 0,5 9 45 0 0,-5-8-48 0 0,6 17-180 0 0,-4-12-9 0 0,0 0 1 0 0,0 0-1 0 0,1 0 1 0 0,-1 0-1 0 0,5 6 0 0 0,-6-11 155 0 0,0 1-1 0 0,0-1 1 0 0,-1 0-1 0 0,1 0 0 0 0,0-1 1 0 0,0 1-1 0 0,0 0 1 0 0,0 0-1 0 0,0 0 1 0 0,1-1-1 0 0,-1 1 1 0 0,0 0-1 0 0,0-1 0 0 0,0 1 1 0 0,1-1-1 0 0,-1 0 1 0 0,0 1-1 0 0,0-1 1 0 0,1 0-1 0 0,-1 0 1 0 0,0 0-1 0 0,1 1 0 0 0,-1-2 1 0 0,0 1-1 0 0,1 0 1 0 0,-1 0-1 0 0,0 0 1 0 0,1 0-1 0 0,-1-1 1 0 0,0 1-1 0 0,2-1 0 0 0,7-4-1141 0 0,0 0 0 0 0,-1-1-1 0 0,1 0 1 0 0,-1 0 0 0 0,11-11-1 0 0,-16 14 474 0 0,13-11-6844 0 0</inkml:trace>
+</inkml:ink>
+</file>
+
+<file path=ppt/ink/ink58.xml><?xml version="1.0" encoding="utf-8"?>
+<inkml:ink xmlns:inkml="http://www.w3.org/2003/InkML">
+  <inkml:definitions>
+    <inkml:context xml:id="ctx0">
+      <inkml:inkSource xml:id="inkSrc0">
+        <inkml:traceFormat>
+          <inkml:channel name="X" type="integer" min="-2.14748E9" max="2.14748E9" units="cm"/>
+          <inkml:channel name="Y" type="integer" min="-2.14748E9" max="2.14748E9" units="cm"/>
+          <inkml:channel name="F" type="integer" max="32767" units="dev"/>
+          <inkml:channel name="OA" type="integer" max="360" units="deg"/>
+          <inkml:channel name="OE" type="integer" max="90" units="deg"/>
+        </inkml:traceFormat>
+        <inkml:channelProperties>
+          <inkml:channelProperty channel="X" name="resolution" value="1000" units="1/cm"/>
+          <inkml:channelProperty channel="Y" name="resolution" value="1000" units="1/cm"/>
+          <inkml:channelProperty channel="F" name="resolution" value="0" units="1/dev"/>
+          <inkml:channelProperty channel="OA" name="resolution" value="1000" units="1/deg"/>
+          <inkml:channelProperty channel="OE" name="resolution" value="1000" units="1/deg"/>
+        </inkml:channelProperties>
+      </inkml:inkSource>
+      <inkml:timestamp xml:id="ts0" timeString="2021-07-21T16:33:59.686"/>
+    </inkml:context>
+    <inkml:brush xml:id="br0">
+      <inkml:brushProperty name="width" value="0.05" units="cm"/>
+      <inkml:brushProperty name="height" value="0.05" units="cm"/>
+      <inkml:brushProperty name="color" value="#FF0066"/>
+    </inkml:brush>
+  </inkml:definitions>
+  <inkml:trace contextRef="#ctx0" brushRef="#br0">88 1 16559 0 0,'1'1'3067'0'0,"3"5"-2180"0"0,-1-1 0 0 0,0 1-1 0 0,0 1 1 0 0,0-1 0 0 0,-1 0 0 0 0,3 13-1 0 0,8 18 236 0 0,-4-19-1069 0 0,1 1-1 0 0,1-2 1 0 0,0 1-1 0 0,25 26 1 0 0,-34-41-211 0 0,0-2 0 0 0,0 1 0 0 0,0 0-1 0 0,1 0 1 0 0,-1-1 0 0 0,1 1 0 0 0,-1-1 0 0 0,1 0 0 0 0,-1 0 0 0 0,1 0 0 0 0,4 1 0 0 0,32 4-6534 0 0,-27-5-369 0 0</inkml:trace>
+  <inkml:trace contextRef="#ctx0" brushRef="#br0" timeOffset="1">378 51 17279 0 0,'-11'-4'1842'0'0,"9"3"-1760"0"0,0 0 0 0 0,0 0 0 0 0,0 1 0 0 0,0-1 0 0 0,0 1-1 0 0,0-1 1 0 0,-1 1 0 0 0,1 0 0 0 0,0 0 0 0 0,0 0 0 0 0,0 0 0 0 0,-1 0 0 0 0,1 1 0 0 0,0-1 0 0 0,0 1 0 0 0,0-1 0 0 0,-2 2 0 0 0,-5 1 1242 0 0,1 0 0 0 0,-15 9 1 0 0,6-2-589 0 0,0 2 1 0 0,1 0 0 0 0,-26 24 0 0 0,-38 50-403 0 0,23-24-137 0 0,46-51-545 0 0,-16 23 0 0 0,23-29-326 0 0,1 1 0 0 0,0-1 1 0 0,0 1-1 0 0,-2 6 0 0 0,4-4-621 0 0</inkml:trace>
+</inkml:ink>
+</file>
+
+<file path=ppt/ink/ink59.xml><?xml version="1.0" encoding="utf-8"?>
+<inkml:ink xmlns:inkml="http://www.w3.org/2003/InkML">
+  <inkml:definitions>
+    <inkml:context xml:id="ctx0">
+      <inkml:inkSource xml:id="inkSrc0">
+        <inkml:traceFormat>
+          <inkml:channel name="X" type="integer" min="-2.14748E9" max="2.14748E9" units="cm"/>
+          <inkml:channel name="Y" type="integer" min="-2.14748E9" max="2.14748E9" units="cm"/>
+          <inkml:channel name="F" type="integer" max="32767" units="dev"/>
+          <inkml:channel name="OA" type="integer" max="360" units="deg"/>
+          <inkml:channel name="OE" type="integer" max="90" units="deg"/>
+        </inkml:traceFormat>
+        <inkml:channelProperties>
+          <inkml:channelProperty channel="X" name="resolution" value="1000" units="1/cm"/>
+          <inkml:channelProperty channel="Y" name="resolution" value="1000" units="1/cm"/>
+          <inkml:channelProperty channel="F" name="resolution" value="0" units="1/dev"/>
+          <inkml:channelProperty channel="OA" name="resolution" value="1000" units="1/deg"/>
+          <inkml:channelProperty channel="OE" name="resolution" value="1000" units="1/deg"/>
+        </inkml:channelProperties>
+      </inkml:inkSource>
+      <inkml:timestamp xml:id="ts0" timeString="2021-07-21T16:34:26.667"/>
+    </inkml:context>
+    <inkml:brush xml:id="br0">
+      <inkml:brushProperty name="width" value="0.05" units="cm"/>
+      <inkml:brushProperty name="height" value="0.05" units="cm"/>
+      <inkml:brushProperty name="color" value="#FF0066"/>
+    </inkml:brush>
+  </inkml:definitions>
+  <inkml:trace contextRef="#ctx0" brushRef="#br0">101 37 10136 0 0,'-3'3'204'0'0,"-1"0"1"0"0,0-1 0 0 0,0 0-1 0 0,0 1 1 0 0,0-2 0 0 0,-1 1-1 0 0,1 0 1 0 0,0-1-1 0 0,-10 2 1 0 0,-23 0 5170 0 0,36-3-5246 0 0,1 0 0 0 0,-1 0 1 0 0,0 0-1 0 0,1 0 0 0 0,-1 0 0 0 0,1 0 1 0 0,-1 0-1 0 0,1 0 0 0 0,-1 0 1 0 0,1 0-1 0 0,-1-1 0 0 0,1 1 0 0 0,0 0 1 0 0,-1 0-1 0 0,1-1 0 0 0,-1 1 0 0 0,1 0 1 0 0,-1 0-1 0 0,1-1 0 0 0,0 1 1 0 0,-1 0-1 0 0,1-1 0 0 0,0 1 0 0 0,-1-1 1 0 0,1 1-1 0 0,0 0 0 0 0,-1-1 0 0 0,1 1 1 0 0,0-2-1 0 0,0 2-41 0 0,0-1 0 0 0,0 1 0 0 0,0-1 0 0 0,0 1 1 0 0,0 0-1 0 0,0-1 0 0 0,0 1 0 0 0,1-1 0 0 0,-1 1 0 0 0,0-1 0 0 0,0 1 0 0 0,0 0 1 0 0,1-1-1 0 0,-1 1 0 0 0,0 0 0 0 0,1-1 0 0 0,-1 1 0 0 0,0 0 0 0 0,1-1 0 0 0,-1 1 1 0 0,0 0-1 0 0,1 0 0 0 0,-1-1 0 0 0,0 1 0 0 0,1 0 0 0 0,-1 0 0 0 0,1 0 0 0 0,-1-1 1 0 0,1 1-1 0 0,-1 0 0 0 0,0 0 0 0 0,1 0 0 0 0,-1 0 0 0 0,2 0 0 0 0,7-1 360 0 0,1 1 0 0 0,0 0 0 0 0,0 0 0 0 0,-1 1-1 0 0,16 4 1 0 0,-5-2-79 0 0,104 5 720 0 0,-76-6-789 0 0,433-21 1963 0 0,-465 18-2139 0 0,164-19 204 0 0,-5 0-65 0 0,-144 18-138 0 0,1 2 1 0 0,-1 1-1 0 0,0 2 1 0 0,0 1-1 0 0,50 12 1 0 0,-64-12-104 0 0,-13-3-107 0 0,1 0 0 0 0,-1 0 0 0 0,1 1 0 0 0,5 2 0 0 0,-5-3 181 0 0,0-3 149 0 0,14 3-111 0 0</inkml:trace>
+</inkml:ink>
+</file>
+
+<file path=ppt/ink/ink6.xml><?xml version="1.0" encoding="utf-8"?>
+<inkml:ink xmlns:inkml="http://www.w3.org/2003/InkML">
+  <inkml:definitions>
+    <inkml:context xml:id="ctx0">
+      <inkml:inkSource xml:id="inkSrc0">
+        <inkml:traceFormat>
+          <inkml:channel name="X" type="integer" min="-2.14748E9" max="2.14748E9" units="cm"/>
+          <inkml:channel name="Y" type="integer" min="-2.14748E9" max="2.14748E9" units="cm"/>
+          <inkml:channel name="F" type="integer" max="32767" units="dev"/>
+          <inkml:channel name="OA" type="integer" max="360" units="deg"/>
+          <inkml:channel name="OE" type="integer" max="90" units="deg"/>
+        </inkml:traceFormat>
+        <inkml:channelProperties>
+          <inkml:channelProperty channel="X" name="resolution" value="1000" units="1/cm"/>
+          <inkml:channelProperty channel="Y" name="resolution" value="1000" units="1/cm"/>
+          <inkml:channelProperty channel="F" name="resolution" value="0" units="1/dev"/>
+          <inkml:channelProperty channel="OA" name="resolution" value="1000" units="1/deg"/>
+          <inkml:channelProperty channel="OE" name="resolution" value="1000" units="1/deg"/>
+        </inkml:channelProperties>
+      </inkml:inkSource>
+      <inkml:timestamp xml:id="ts0" timeString="2021-07-21T16:31:50.434"/>
+    </inkml:context>
+    <inkml:brush xml:id="br0">
+      <inkml:brushProperty name="width" value="0.05" units="cm"/>
+      <inkml:brushProperty name="height" value="0.05" units="cm"/>
+      <inkml:brushProperty name="color" value="#FF0066"/>
+    </inkml:brush>
+  </inkml:definitions>
+  <inkml:trace contextRef="#ctx0" brushRef="#br0">253 6 3680 0 0,'58'0'8456'0'0,"-57"0"-7736"0"0,10-2 6743 0 0,-16 1-7239 0 0,1 0-1 0 0,0 0 1 0 0,0 1-1 0 0,0-1 1 0 0,-1 1-1 0 0,1 0 1 0 0,0 0-1 0 0,-1 1 1 0 0,1 0-1 0 0,0-1 1 0 0,-7 3-1 0 0,-6 3 202 0 0,-25 12 1 0 0,13-6 215 0 0,24-10-557 0 0,-1 0 1 0 0,1 1 0 0 0,0-1 0 0 0,0 1 0 0 0,0 0 0 0 0,0 0 0 0 0,0 0 0 0 0,1 1 0 0 0,-1 0 0 0 0,1 0 0 0 0,0 0-1 0 0,0 0 1 0 0,0 1 0 0 0,1-1 0 0 0,0 1 0 0 0,0 0 0 0 0,0 0 0 0 0,0 0 0 0 0,1 1 0 0 0,0-1 0 0 0,-3 9 0 0 0,5-13-72 0 0,-1 1 0 0 0,0-1 0 0 0,1 1 0 0 0,0-1 0 0 0,-1 1 0 0 0,1-1 0 0 0,0 1 1 0 0,0-1-1 0 0,0 1 0 0 0,0 0 0 0 0,0-1 0 0 0,0 1 0 0 0,0-1 0 0 0,0 1 0 0 0,1-1 1 0 0,-1 1-1 0 0,1-1 0 0 0,-1 1 0 0 0,1-1 0 0 0,-1 1 0 0 0,1-1 0 0 0,0 0 1 0 0,0 1-1 0 0,0-1 0 0 0,0 0 0 0 0,0 0 0 0 0,0 0 0 0 0,0 0 0 0 0,0 1 0 0 0,0-1 1 0 0,1-1-1 0 0,0 2 0 0 0,4 2-1 0 0,0-1 0 0 0,0 0 0 0 0,1-1-1 0 0,-1 1 1 0 0,1-1 0 0 0,-1 0 0 0 0,13 1 0 0 0,2-1 102 0 0,26-1 0 0 0,-30-1 68 0 0,0 0 0 0 0,29 5 0 0 0,-44-5-113 0 0,1 1 0 0 0,-1-1 0 0 0,0 1 0 0 0,1 0 0 0 0,-1-1 0 0 0,0 1 0 0 0,0 0 0 0 0,0 0 0 0 0,0 1-1 0 0,0-1 1 0 0,0 0 0 0 0,0 1 0 0 0,0-1 0 0 0,2 3 0 0 0,-3-3-27 0 0,0 1 1 0 0,-1-1-1 0 0,1 1 1 0 0,-1-1-1 0 0,1 1 0 0 0,-1 0 1 0 0,0-1-1 0 0,1 1 0 0 0,-1-1 1 0 0,0 1-1 0 0,0 0 0 0 0,0-1 1 0 0,0 1-1 0 0,0-1 0 0 0,-1 1 1 0 0,1 0-1 0 0,0-1 0 0 0,-1 1 1 0 0,1-1-1 0 0,-1 1 0 0 0,0-1 1 0 0,-1 3-1 0 0,-4 8-36 0 0,-1 0 1 0 0,0-1-1 0 0,0 0 0 0 0,-1 0 0 0 0,-1-1 1 0 0,0 0-1 0 0,0-1 0 0 0,-1 0 0 0 0,0 0 1 0 0,-18 12-1 0 0,-11 3 0 0 0,-73 33 1 0 0,73-38-48 0 0,-5-2-1375 0 0,51-20-3675 0 0</inkml:trace>
+</inkml:ink>
+</file>
+
+<file path=ppt/ink/ink60.xml><?xml version="1.0" encoding="utf-8"?>
+<inkml:ink xmlns:inkml="http://www.w3.org/2003/InkML">
+  <inkml:definitions>
+    <inkml:context xml:id="ctx0">
+      <inkml:inkSource xml:id="inkSrc0">
+        <inkml:traceFormat>
+          <inkml:channel name="X" type="integer" min="-2.14748E9" max="2.14748E9" units="cm"/>
+          <inkml:channel name="Y" type="integer" min="-2.14748E9" max="2.14748E9" units="cm"/>
+          <inkml:channel name="F" type="integer" max="32767" units="dev"/>
+          <inkml:channel name="OA" type="integer" max="360" units="deg"/>
+          <inkml:channel name="OE" type="integer" max="90" units="deg"/>
+        </inkml:traceFormat>
+        <inkml:channelProperties>
+          <inkml:channelProperty channel="X" name="resolution" value="1000" units="1/cm"/>
+          <inkml:channelProperty channel="Y" name="resolution" value="1000" units="1/cm"/>
+          <inkml:channelProperty channel="F" name="resolution" value="0" units="1/dev"/>
+          <inkml:channelProperty channel="OA" name="resolution" value="1000" units="1/deg"/>
+          <inkml:channelProperty channel="OE" name="resolution" value="1000" units="1/deg"/>
+        </inkml:channelProperties>
+      </inkml:inkSource>
+      <inkml:timestamp xml:id="ts0" timeString="2021-07-21T16:34:28.655"/>
+    </inkml:context>
+    <inkml:brush xml:id="br0">
+      <inkml:brushProperty name="width" value="0.05" units="cm"/>
+      <inkml:brushProperty name="height" value="0.05" units="cm"/>
+      <inkml:brushProperty name="color" value="#FF0066"/>
+    </inkml:brush>
+  </inkml:definitions>
+  <inkml:trace contextRef="#ctx0" brushRef="#br0">17 130 17823 0 0,'-9'3'1904'0'0,"9"-3"-1813"0"0,0 0 0 0 0,-1 0 0 0 0,1 0 0 0 0,0-1 0 0 0,-1 1 0 0 0,1 0 0 0 0,-1 0 0 0 0,1 0 0 0 0,0-1 0 0 0,-1 1 0 0 0,1 0 0 0 0,0 0 0 0 0,-1-1 0 0 0,1 1 0 0 0,0 0 0 0 0,0-1 0 0 0,-1 1 0 0 0,1 0 0 0 0,0-1 0 0 0,0 1 0 0 0,0 0 0 0 0,-1-1 0 0 0,1 1 0 0 0,0-1 0 0 0,0 1 0 0 0,0 0 0 0 0,0-1 0 0 0,0 1 0 0 0,0-1 0 0 0,0 1 0 0 0,0 0 0 0 0,0-1 0 0 0,0 1 0 0 0,0-1 0 0 0,0 1 0 0 0,0 0 0 0 0,0-1 0 0 0,0 1 0 0 0,0-1 0 0 0,0 1 0 0 0,1 0 0 0 0,-1-1 0 0 0,0 1 0 0 0,1-1 0 0 0,-1 1-72 0 0,0-2 206 0 0,1 1 0 0 0,0-1 1 0 0,1 1-1 0 0,-1-1 0 0 0,0 1 0 0 0,0-1 1 0 0,0 1-1 0 0,1 0 0 0 0,-1 0 1 0 0,1 0-1 0 0,-1 0 0 0 0,1 0 1 0 0,0 0-1 0 0,-1 0 0 0 0,1 0 0 0 0,1 0 1 0 0,32-6 961 0 0,-29 6-1038 0 0,1 0 1 0 0,-1 0-1 0 0,11-4 0 0 0,-4 2-50 0 0,0-1-1 0 0,0 2 1 0 0,0 0 0 0 0,0 0-1 0 0,0 1 1 0 0,24 2 0 0 0,4-2 858 0 0,66 3-528 0 0,4 1-250 0 0,242-10 85 0 0,-175-6-12 0 0,-1 1-53 0 0,-70 10-75 0 0,54-6-4 0 0,-77 5-991 0 0,-58-2 871 0 0,-26 6-9 0 0,0-1 0 0 0,0-1 0 0 0,1 1 1 0 0,-1 0-1 0 0,0 0 0 0 0,0 0 0 0 0,0 0 0 0 0,0 0 0 0 0,0 0 1 0 0,1 0-1 0 0,-1 0 0 0 0,0 0 0 0 0,0 0 0 0 0,0 0 0 0 0,0 0 0 0 0,0 0 1 0 0,0 0-1 0 0,1 0 0 0 0,-1-1 0 0 0,0 1 0 0 0,0 0 0 0 0,0 0 0 0 0,0 0 1 0 0,0 0-1 0 0,0 0 0 0 0,0 0 0 0 0,0 0 0 0 0,0-1 0 0 0,0 1 1 0 0,0 0-1 0 0,0 0 0 0 0,1 0 0 0 0,-1 0 0 0 0,0 0 0 0 0,0-1 0 0 0,0 1 1 0 0,0 0-1 0 0,0 0 0 0 0,0 0 0 0 0,-5-6-821 0 0,-9-3-866 0 0,12 8 1405 0 0,-7-2-5843 0 0,3 2 4263 0 0</inkml:trace>
+</inkml:ink>
+</file>
+
+<file path=ppt/ink/ink7.xml><?xml version="1.0" encoding="utf-8"?>
+<inkml:ink xmlns:inkml="http://www.w3.org/2003/InkML">
+  <inkml:definitions>
+    <inkml:context xml:id="ctx0">
+      <inkml:inkSource xml:id="inkSrc0">
+        <inkml:traceFormat>
+          <inkml:channel name="X" type="integer" min="-2.14748E9" max="2.14748E9" units="cm"/>
+          <inkml:channel name="Y" type="integer" min="-2.14748E9" max="2.14748E9" units="cm"/>
+          <inkml:channel name="F" type="integer" max="32767" units="dev"/>
+          <inkml:channel name="OA" type="integer" max="360" units="deg"/>
+          <inkml:channel name="OE" type="integer" max="90" units="deg"/>
+        </inkml:traceFormat>
+        <inkml:channelProperties>
+          <inkml:channelProperty channel="X" name="resolution" value="1000" units="1/cm"/>
+          <inkml:channelProperty channel="Y" name="resolution" value="1000" units="1/cm"/>
+          <inkml:channelProperty channel="F" name="resolution" value="0" units="1/dev"/>
+          <inkml:channelProperty channel="OA" name="resolution" value="1000" units="1/deg"/>
+          <inkml:channelProperty channel="OE" name="resolution" value="1000" units="1/deg"/>
+        </inkml:channelProperties>
+      </inkml:inkSource>
+      <inkml:timestamp xml:id="ts0" timeString="2021-07-21T16:31:50.905"/>
+    </inkml:context>
+    <inkml:brush xml:id="br0">
+      <inkml:brushProperty name="width" value="0.05" units="cm"/>
+      <inkml:brushProperty name="height" value="0.05" units="cm"/>
+      <inkml:brushProperty name="color" value="#FF0066"/>
+    </inkml:brush>
+  </inkml:definitions>
+  <inkml:trace contextRef="#ctx0" brushRef="#br0">56 149 10592 0 0,'1'1'95'0'0,"-1"0"1"0"0,0 0 0 0 0,1 0 0 0 0,-1 0 0 0 0,0 0-1 0 0,0 0 1 0 0,0 0 0 0 0,1 0 0 0 0,-1 0 0 0 0,0 0-1 0 0,0 0 1 0 0,0 0 0 0 0,-1 0 0 0 0,1 1 0 0 0,-3 24 2726 0 0,2-17-946 0 0,-2 20 291 0 0,1-9-1837 0 0,-5 28-1 0 0,4-33-277 0 0,1 1 1 0 0,1 0 0 0 0,1 31 0 0 0,0-25 65 0 0,-2 28-1 0 0,-16 61 1202 0 0,18-110-1297 0 0,0-1 0 0 0,0 1 0 0 0,0-1 1 0 0,0 1-1 0 0,0-1 0 0 0,0 1 0 0 0,0-1 0 0 0,0 1 0 0 0,0-1 0 0 0,-1 1 0 0 0,1-1 1 0 0,0 1-1 0 0,0-1 0 0 0,-1 1 0 0 0,1-1 0 0 0,0 1 0 0 0,-1-1 0 0 0,1 1 0 0 0,0-1 1 0 0,-1 1-1 0 0,0-1 0 0 0,-3-9 1372 0 0,0-21 78 0 0,4 2-971 0 0,2-66-106 0 0,5 46-405 0 0,1-21 346 0 0,-6 46-45 0 0,2 1 0 0 0,0 0 0 0 0,1 0 0 0 0,1 0 0 0 0,15-35 0 0 0,-17 47-213 0 0,1 0-1 0 0,1 1 1 0 0,0-1-1 0 0,0 1 1 0 0,1 0-1 0 0,0 1 1 0 0,1 0-1 0 0,-1 0 1 0 0,2 0 0 0 0,-1 1-1 0 0,1 0 1 0 0,16-9-1 0 0,-20 13-47 0 0,0 1-1 0 0,0-1 1 0 0,0 1 0 0 0,0 0-1 0 0,0 0 1 0 0,1 1 0 0 0,-1-1-1 0 0,1 1 1 0 0,8 0 0 0 0,-11 1-5 0 0,0 0-1 0 0,1 0 1 0 0,-1 0 0 0 0,0 1 0 0 0,0-1 0 0 0,0 1 0 0 0,0 0 0 0 0,0 0 0 0 0,0 0 0 0 0,0 0-1 0 0,0 1 1 0 0,0-1 0 0 0,-1 1 0 0 0,1 0 0 0 0,0 0 0 0 0,-1 0 0 0 0,1 0 0 0 0,1 2-1 0 0,0 1 19 0 0,0-1 0 0 0,-1 1 0 0 0,1 0 0 0 0,-1 0 0 0 0,-1 0 0 0 0,1 0 0 0 0,-1 0 0 0 0,1 1 0 0 0,-2-1 0 0 0,1 1 0 0 0,1 8 0 0 0,-2-6 1 0 0,0 1 1 0 0,-1 0-1 0 0,0-1 1 0 0,0 1-1 0 0,-1 0 1 0 0,0-1-1 0 0,-3 9 0 0 0,-2 3 30 0 0,-1 0-1 0 0,0 0 0 0 0,-2-1 1 0 0,0 0-1 0 0,-20 28 0 0 0,23-39-70 0 0,0 0-1 0 0,-1-1 1 0 0,0 0-1 0 0,0-1 1 0 0,0 1-1 0 0,-1-1 1 0 0,0-1-1 0 0,0 1 1 0 0,-1-2-1 0 0,0 1 1 0 0,1-1-1 0 0,-1 0 1 0 0,-1-1-1 0 0,1 0 1 0 0,0 0-1 0 0,-18 1 1 0 0,21-3-93 0 0,1-1-1 0 0,-1 0 1 0 0,0 0 0 0 0,1 0 0 0 0,-1-1 0 0 0,0 0 0 0 0,1 0 0 0 0,-1-1-1 0 0,1 0 1 0 0,-1 0 0 0 0,1 0 0 0 0,-9-5 0 0 0,12 6-21 0 0,1-1 0 0 0,0 1 0 0 0,0-1 0 0 0,-1 1 1 0 0,1-1-1 0 0,0 1 0 0 0,1-1 0 0 0,-1 1 0 0 0,0-1 0 0 0,0 0 0 0 0,1 1 1 0 0,-1-1-1 0 0,1 0 0 0 0,-1 0 0 0 0,1 0 0 0 0,0 1 0 0 0,0-1 0 0 0,-1 0 1 0 0,1 0-1 0 0,1 0 0 0 0,-1 0 0 0 0,0-2 0 0 0,2-6-891 0 0,0 0-1 0 0,5-16 1 0 0,-7 24 783 0 0,9-16-1398 0 0,3 1-29 0 0</inkml:trace>
+</inkml:ink>
+</file>
+
+<file path=ppt/ink/ink8.xml><?xml version="1.0" encoding="utf-8"?>
+<inkml:ink xmlns:inkml="http://www.w3.org/2003/InkML">
+  <inkml:definitions>
+    <inkml:context xml:id="ctx0">
+      <inkml:inkSource xml:id="inkSrc0">
+        <inkml:traceFormat>
+          <inkml:channel name="X" type="integer" min="-2.14748E9" max="2.14748E9" units="cm"/>
+          <inkml:channel name="Y" type="integer" min="-2.14748E9" max="2.14748E9" units="cm"/>
+          <inkml:channel name="F" type="integer" max="32767" units="dev"/>
+          <inkml:channel name="OA" type="integer" max="360" units="deg"/>
+          <inkml:channel name="OE" type="integer" max="90" units="deg"/>
+        </inkml:traceFormat>
+        <inkml:channelProperties>
+          <inkml:channelProperty channel="X" name="resolution" value="1000" units="1/cm"/>
+          <inkml:channelProperty channel="Y" name="resolution" value="1000" units="1/cm"/>
+          <inkml:channelProperty channel="F" name="resolution" value="0" units="1/dev"/>
+          <inkml:channelProperty channel="OA" name="resolution" value="1000" units="1/deg"/>
+          <inkml:channelProperty channel="OE" name="resolution" value="1000" units="1/deg"/>
+        </inkml:channelProperties>
+      </inkml:inkSource>
+      <inkml:timestamp xml:id="ts0" timeString="2021-07-21T16:31:51.625"/>
+    </inkml:context>
+    <inkml:brush xml:id="br0">
+      <inkml:brushProperty name="width" value="0.05" units="cm"/>
+      <inkml:brushProperty name="height" value="0.05" units="cm"/>
+      <inkml:brushProperty name="color" value="#FF0066"/>
+    </inkml:brush>
+  </inkml:definitions>
+  <inkml:trace contextRef="#ctx0" brushRef="#br0">13 59 6680 0 0,'-1'-4'10867'0'0,"0"-13"-3716"0"0,2 13-7026 0 0,0 1 390 0 0,-1 1 0 0 0,1-1 1 0 0,0 0-1 0 0,0 0 0 0 0,1 0 1 0 0,2-3-1 0 0,0-1 27 0 0,-3 6-503 0 0,-1 1-1 0 0,0 0 0 0 0,0 0 0 0 0,0-1 0 0 0,0 1 1 0 0,1 0-1 0 0,-1 0 0 0 0,0 0 0 0 0,0-1 1 0 0,1 1-1 0 0,-1 0 0 0 0,0 0 0 0 0,0 0 0 0 0,1 0 1 0 0,-1 0-1 0 0,0-1 0 0 0,0 1 0 0 0,1 0 1 0 0,-1 0-1 0 0,0 0 0 0 0,0 0 0 0 0,1 0 0 0 0,-1 0 1 0 0,0 0-1 0 0,1 0 0 0 0,-1 0 0 0 0,0 0 1 0 0,0 0-1 0 0,1 0 0 0 0,-1 0 0 0 0,0 0 0 0 0,1 1 1 0 0,-1-1-1 0 0,0 0 0 0 0,0 0 0 0 0,1 0 1 0 0,-1 0-1 0 0,0 0 0 0 0,0 1 0 0 0,1-1 0 0 0,-1 0 1 0 0,0 0-1 0 0,0 0 0 0 0,0 1 0 0 0,1-1 1 0 0,-1 0-1 0 0,0 1 0 0 0,2 1-33 0 0,-1 1 0 0 0,1 0 0 0 0,-1 0 0 0 0,0-1 0 0 0,0 1 0 0 0,0 0 0 0 0,0 0 0 0 0,0 0 1 0 0,-1 0-1 0 0,1 0 0 0 0,-1 1 0 0 0,0-1 0 0 0,0 0 0 0 0,-1 4 0 0 0,1 3-1 0 0,-1 0 3 0 0,0 1-1 0 0,-1-1 1 0 0,0 1-1 0 0,-1-1 1 0 0,-4 11-1 0 0,3-7 7 0 0,-6 26-1 0 0,2 10-12 0 0,2-1 0 0 0,2 77 0 0 0,5-110 0 0 0,10 121 0 0 0,-9-125-172 0 0,0-1-1 0 0,1 1 1 0 0,7 20 0 0 0,-10-31-220 0 0,6-4-2500 0 0,1-5 39 0 0</inkml:trace>
+</inkml:ink>
+</file>
+
+<file path=ppt/ink/ink9.xml><?xml version="1.0" encoding="utf-8"?>
+<inkml:ink xmlns:inkml="http://www.w3.org/2003/InkML">
+  <inkml:definitions>
+    <inkml:context xml:id="ctx0">
+      <inkml:inkSource xml:id="inkSrc0">
+        <inkml:traceFormat>
+          <inkml:channel name="X" type="integer" min="-2.14748E9" max="2.14748E9" units="cm"/>
+          <inkml:channel name="Y" type="integer" min="-2.14748E9" max="2.14748E9" units="cm"/>
+          <inkml:channel name="F" type="integer" max="32767" units="dev"/>
+          <inkml:channel name="OA" type="integer" max="360" units="deg"/>
+          <inkml:channel name="OE" type="integer" max="90" units="deg"/>
+        </inkml:traceFormat>
+        <inkml:channelProperties>
+          <inkml:channelProperty channel="X" name="resolution" value="1000" units="1/cm"/>
+          <inkml:channelProperty channel="Y" name="resolution" value="1000" units="1/cm"/>
+          <inkml:channelProperty channel="F" name="resolution" value="0" units="1/dev"/>
+          <inkml:channelProperty channel="OA" name="resolution" value="1000" units="1/deg"/>
+          <inkml:channelProperty channel="OE" name="resolution" value="1000" units="1/deg"/>
+        </inkml:channelProperties>
+      </inkml:inkSource>
+      <inkml:timestamp xml:id="ts0" timeString="2021-07-21T16:31:51.994"/>
+    </inkml:context>
+    <inkml:brush xml:id="br0">
+      <inkml:brushProperty name="width" value="0.05" units="cm"/>
+      <inkml:brushProperty name="height" value="0.05" units="cm"/>
+      <inkml:brushProperty name="color" value="#FF0066"/>
+    </inkml:brush>
+  </inkml:definitions>
+  <inkml:trace contextRef="#ctx0" brushRef="#br0">78 216 21191 0 0,'0'0'970'0'0,"-5"15"356"0"0,-29 155 2727 0 0,29-149-3928 0 0,-7 25-31 0 0,-7 73-1 0 0,18-111-189 0 0,0-3-294 0 0,1 0 0 0 0,-1 1 0 0 0,1-1 0 0 0,0 0 0 0 0,2 10 1 0 0</inkml:trace>
+  <inkml:trace contextRef="#ctx0" brushRef="#br0" timeOffset="0.99">149 6 17503 0 0,'-3'-5'1712'0'0,"-2"5"-1520"0"0,1 2-192 0 0,1-2 0 0 0,-2 3 0 0 0,2-3 1632 0 0</inkml:trace>
+</inkml:ink>
 </file>
 
 <file path=ppt/notesMasters/notesMaster1.xml><?xml version="1.0" encoding="utf-8"?>
@@ -4685,6 +6618,3213 @@
           </a:p>
         </p:txBody>
       </p:sp>
+      <mc:AlternateContent xmlns:mc="http://schemas.openxmlformats.org/markup-compatibility/2006">
+        <mc:Choice xmlns:p14="http://schemas.microsoft.com/office/powerpoint/2010/main" Requires="p14">
+          <p:contentPart p14:bwMode="auto" r:id="rId2">
+            <p14:nvContentPartPr>
+              <p14:cNvPr id="4" name="Ink 3">
+                <a:extLst>
+                  <a:ext uri="{FF2B5EF4-FFF2-40B4-BE49-F238E27FC236}">
+                    <a16:creationId xmlns:a16="http://schemas.microsoft.com/office/drawing/2014/main" id="{C6884BCD-775D-44C7-9560-543BD0244254}"/>
+                  </a:ext>
+                </a:extLst>
+              </p14:cNvPr>
+              <p14:cNvContentPartPr/>
+              <p14:nvPr/>
+            </p14:nvContentPartPr>
+            <p14:xfrm>
+              <a:off x="1814689" y="1699819"/>
+              <a:ext cx="570240" cy="47880"/>
+            </p14:xfrm>
+          </p:contentPart>
+        </mc:Choice>
+        <mc:Fallback>
+          <p:pic>
+            <p:nvPicPr>
+              <p:cNvPr id="4" name="Ink 3">
+                <a:extLst>
+                  <a:ext uri="{FF2B5EF4-FFF2-40B4-BE49-F238E27FC236}">
+                    <a16:creationId xmlns:a16="http://schemas.microsoft.com/office/drawing/2014/main" id="{C6884BCD-775D-44C7-9560-543BD0244254}"/>
+                  </a:ext>
+                </a:extLst>
+              </p:cNvPr>
+              <p:cNvPicPr/>
+              <p:nvPr/>
+            </p:nvPicPr>
+            <p:blipFill>
+              <a:blip r:embed="rId3"/>
+              <a:stretch>
+                <a:fillRect/>
+              </a:stretch>
+            </p:blipFill>
+            <p:spPr>
+              <a:xfrm>
+                <a:off x="1806049" y="1690819"/>
+                <a:ext cx="587880" cy="65520"/>
+              </a:xfrm>
+              <a:prstGeom prst="rect">
+                <a:avLst/>
+              </a:prstGeom>
+            </p:spPr>
+          </p:pic>
+        </mc:Fallback>
+      </mc:AlternateContent>
+      <mc:AlternateContent xmlns:mc="http://schemas.openxmlformats.org/markup-compatibility/2006">
+        <mc:Choice xmlns:p14="http://schemas.microsoft.com/office/powerpoint/2010/main" Requires="p14">
+          <p:contentPart p14:bwMode="auto" r:id="rId4">
+            <p14:nvContentPartPr>
+              <p14:cNvPr id="5" name="Ink 4">
+                <a:extLst>
+                  <a:ext uri="{FF2B5EF4-FFF2-40B4-BE49-F238E27FC236}">
+                    <a16:creationId xmlns:a16="http://schemas.microsoft.com/office/drawing/2014/main" id="{CA588BCF-7E68-4EBF-B8AD-1B2DECF7C34D}"/>
+                  </a:ext>
+                </a:extLst>
+              </p14:cNvPr>
+              <p14:cNvContentPartPr/>
+              <p14:nvPr/>
+            </p14:nvContentPartPr>
+            <p14:xfrm>
+              <a:off x="1206289" y="2007619"/>
+              <a:ext cx="1681200" cy="30600"/>
+            </p14:xfrm>
+          </p:contentPart>
+        </mc:Choice>
+        <mc:Fallback>
+          <p:pic>
+            <p:nvPicPr>
+              <p:cNvPr id="5" name="Ink 4">
+                <a:extLst>
+                  <a:ext uri="{FF2B5EF4-FFF2-40B4-BE49-F238E27FC236}">
+                    <a16:creationId xmlns:a16="http://schemas.microsoft.com/office/drawing/2014/main" id="{CA588BCF-7E68-4EBF-B8AD-1B2DECF7C34D}"/>
+                  </a:ext>
+                </a:extLst>
+              </p:cNvPr>
+              <p:cNvPicPr/>
+              <p:nvPr/>
+            </p:nvPicPr>
+            <p:blipFill>
+              <a:blip r:embed="rId5"/>
+              <a:stretch>
+                <a:fillRect/>
+              </a:stretch>
+            </p:blipFill>
+            <p:spPr>
+              <a:xfrm>
+                <a:off x="1197649" y="1998619"/>
+                <a:ext cx="1698840" cy="48240"/>
+              </a:xfrm>
+              <a:prstGeom prst="rect">
+                <a:avLst/>
+              </a:prstGeom>
+            </p:spPr>
+          </p:pic>
+        </mc:Fallback>
+      </mc:AlternateContent>
+      <mc:AlternateContent xmlns:mc="http://schemas.openxmlformats.org/markup-compatibility/2006">
+        <mc:Choice xmlns:p14="http://schemas.microsoft.com/office/powerpoint/2010/main" Requires="p14">
+          <p:contentPart p14:bwMode="auto" r:id="rId6">
+            <p14:nvContentPartPr>
+              <p14:cNvPr id="6" name="Ink 5">
+                <a:extLst>
+                  <a:ext uri="{FF2B5EF4-FFF2-40B4-BE49-F238E27FC236}">
+                    <a16:creationId xmlns:a16="http://schemas.microsoft.com/office/drawing/2014/main" id="{46412C06-38F6-446C-B496-79A9874C79D4}"/>
+                  </a:ext>
+                </a:extLst>
+              </p14:cNvPr>
+              <p14:cNvContentPartPr/>
+              <p14:nvPr/>
+            </p14:nvContentPartPr>
+            <p14:xfrm>
+              <a:off x="3683809" y="2293819"/>
+              <a:ext cx="371160" cy="32400"/>
+            </p14:xfrm>
+          </p:contentPart>
+        </mc:Choice>
+        <mc:Fallback>
+          <p:pic>
+            <p:nvPicPr>
+              <p:cNvPr id="6" name="Ink 5">
+                <a:extLst>
+                  <a:ext uri="{FF2B5EF4-FFF2-40B4-BE49-F238E27FC236}">
+                    <a16:creationId xmlns:a16="http://schemas.microsoft.com/office/drawing/2014/main" id="{46412C06-38F6-446C-B496-79A9874C79D4}"/>
+                  </a:ext>
+                </a:extLst>
+              </p:cNvPr>
+              <p:cNvPicPr/>
+              <p:nvPr/>
+            </p:nvPicPr>
+            <p:blipFill>
+              <a:blip r:embed="rId7"/>
+              <a:stretch>
+                <a:fillRect/>
+              </a:stretch>
+            </p:blipFill>
+            <p:spPr>
+              <a:xfrm>
+                <a:off x="3675169" y="2284819"/>
+                <a:ext cx="388800" cy="50040"/>
+              </a:xfrm>
+              <a:prstGeom prst="rect">
+                <a:avLst/>
+              </a:prstGeom>
+            </p:spPr>
+          </p:pic>
+        </mc:Fallback>
+      </mc:AlternateContent>
+      <mc:AlternateContent xmlns:mc="http://schemas.openxmlformats.org/markup-compatibility/2006">
+        <mc:Choice xmlns:p14="http://schemas.microsoft.com/office/powerpoint/2010/main" Requires="p14">
+          <p:contentPart p14:bwMode="auto" r:id="rId8">
+            <p14:nvContentPartPr>
+              <p14:cNvPr id="7" name="Ink 6">
+                <a:extLst>
+                  <a:ext uri="{FF2B5EF4-FFF2-40B4-BE49-F238E27FC236}">
+                    <a16:creationId xmlns:a16="http://schemas.microsoft.com/office/drawing/2014/main" id="{30399658-4C5D-4362-92CD-46442EBE1977}"/>
+                  </a:ext>
+                </a:extLst>
+              </p14:cNvPr>
+              <p14:cNvContentPartPr/>
+              <p14:nvPr/>
+            </p14:nvContentPartPr>
+            <p14:xfrm>
+              <a:off x="866449" y="1723219"/>
+              <a:ext cx="444600" cy="33840"/>
+            </p14:xfrm>
+          </p:contentPart>
+        </mc:Choice>
+        <mc:Fallback>
+          <p:pic>
+            <p:nvPicPr>
+              <p:cNvPr id="7" name="Ink 6">
+                <a:extLst>
+                  <a:ext uri="{FF2B5EF4-FFF2-40B4-BE49-F238E27FC236}">
+                    <a16:creationId xmlns:a16="http://schemas.microsoft.com/office/drawing/2014/main" id="{30399658-4C5D-4362-92CD-46442EBE1977}"/>
+                  </a:ext>
+                </a:extLst>
+              </p:cNvPr>
+              <p:cNvPicPr/>
+              <p:nvPr/>
+            </p:nvPicPr>
+            <p:blipFill>
+              <a:blip r:embed="rId9"/>
+              <a:stretch>
+                <a:fillRect/>
+              </a:stretch>
+            </p:blipFill>
+            <p:spPr>
+              <a:xfrm>
+                <a:off x="857449" y="1714579"/>
+                <a:ext cx="462240" cy="51480"/>
+              </a:xfrm>
+              <a:prstGeom prst="rect">
+                <a:avLst/>
+              </a:prstGeom>
+            </p:spPr>
+          </p:pic>
+        </mc:Fallback>
+      </mc:AlternateContent>
+      <mc:AlternateContent xmlns:mc="http://schemas.openxmlformats.org/markup-compatibility/2006">
+        <mc:Choice xmlns:p14="http://schemas.microsoft.com/office/powerpoint/2010/main" Requires="p14">
+          <p:contentPart p14:bwMode="auto" r:id="rId10">
+            <p14:nvContentPartPr>
+              <p14:cNvPr id="8" name="Ink 7">
+                <a:extLst>
+                  <a:ext uri="{FF2B5EF4-FFF2-40B4-BE49-F238E27FC236}">
+                    <a16:creationId xmlns:a16="http://schemas.microsoft.com/office/drawing/2014/main" id="{770A512A-4E98-4C26-8C9D-91CE34715464}"/>
+                  </a:ext>
+                </a:extLst>
+              </p14:cNvPr>
+              <p14:cNvContentPartPr/>
+              <p14:nvPr/>
+            </p14:nvContentPartPr>
+            <p14:xfrm>
+              <a:off x="991729" y="1057579"/>
+              <a:ext cx="149400" cy="277560"/>
+            </p14:xfrm>
+          </p:contentPart>
+        </mc:Choice>
+        <mc:Fallback>
+          <p:pic>
+            <p:nvPicPr>
+              <p:cNvPr id="8" name="Ink 7">
+                <a:extLst>
+                  <a:ext uri="{FF2B5EF4-FFF2-40B4-BE49-F238E27FC236}">
+                    <a16:creationId xmlns:a16="http://schemas.microsoft.com/office/drawing/2014/main" id="{770A512A-4E98-4C26-8C9D-91CE34715464}"/>
+                  </a:ext>
+                </a:extLst>
+              </p:cNvPr>
+              <p:cNvPicPr/>
+              <p:nvPr/>
+            </p:nvPicPr>
+            <p:blipFill>
+              <a:blip r:embed="rId11"/>
+              <a:stretch>
+                <a:fillRect/>
+              </a:stretch>
+            </p:blipFill>
+            <p:spPr>
+              <a:xfrm>
+                <a:off x="982729" y="1048579"/>
+                <a:ext cx="167040" cy="295200"/>
+              </a:xfrm>
+              <a:prstGeom prst="rect">
+                <a:avLst/>
+              </a:prstGeom>
+            </p:spPr>
+          </p:pic>
+        </mc:Fallback>
+      </mc:AlternateContent>
+      <mc:AlternateContent xmlns:mc="http://schemas.openxmlformats.org/markup-compatibility/2006">
+        <mc:Choice xmlns:p14="http://schemas.microsoft.com/office/powerpoint/2010/main" Requires="p14">
+          <p:contentPart p14:bwMode="auto" r:id="rId12">
+            <p14:nvContentPartPr>
+              <p14:cNvPr id="9" name="Ink 8">
+                <a:extLst>
+                  <a:ext uri="{FF2B5EF4-FFF2-40B4-BE49-F238E27FC236}">
+                    <a16:creationId xmlns:a16="http://schemas.microsoft.com/office/drawing/2014/main" id="{D9E77DB9-44B8-4301-8881-256117DF7DDC}"/>
+                  </a:ext>
+                </a:extLst>
+              </p14:cNvPr>
+              <p14:cNvContentPartPr/>
+              <p14:nvPr/>
+            </p14:nvContentPartPr>
+            <p14:xfrm>
+              <a:off x="4118689" y="224179"/>
+              <a:ext cx="126360" cy="183600"/>
+            </p14:xfrm>
+          </p:contentPart>
+        </mc:Choice>
+        <mc:Fallback>
+          <p:pic>
+            <p:nvPicPr>
+              <p:cNvPr id="9" name="Ink 8">
+                <a:extLst>
+                  <a:ext uri="{FF2B5EF4-FFF2-40B4-BE49-F238E27FC236}">
+                    <a16:creationId xmlns:a16="http://schemas.microsoft.com/office/drawing/2014/main" id="{D9E77DB9-44B8-4301-8881-256117DF7DDC}"/>
+                  </a:ext>
+                </a:extLst>
+              </p:cNvPr>
+              <p:cNvPicPr/>
+              <p:nvPr/>
+            </p:nvPicPr>
+            <p:blipFill>
+              <a:blip r:embed="rId13"/>
+              <a:stretch>
+                <a:fillRect/>
+              </a:stretch>
+            </p:blipFill>
+            <p:spPr>
+              <a:xfrm>
+                <a:off x="4110049" y="215179"/>
+                <a:ext cx="144000" cy="201240"/>
+              </a:xfrm>
+              <a:prstGeom prst="rect">
+                <a:avLst/>
+              </a:prstGeom>
+            </p:spPr>
+          </p:pic>
+        </mc:Fallback>
+      </mc:AlternateContent>
+      <mc:AlternateContent xmlns:mc="http://schemas.openxmlformats.org/markup-compatibility/2006">
+        <mc:Choice xmlns:p14="http://schemas.microsoft.com/office/powerpoint/2010/main" Requires="p14">
+          <p:contentPart p14:bwMode="auto" r:id="rId14">
+            <p14:nvContentPartPr>
+              <p14:cNvPr id="10" name="Ink 9">
+                <a:extLst>
+                  <a:ext uri="{FF2B5EF4-FFF2-40B4-BE49-F238E27FC236}">
+                    <a16:creationId xmlns:a16="http://schemas.microsoft.com/office/drawing/2014/main" id="{06496975-5C19-44B9-A2CF-E4E14852E6A2}"/>
+                  </a:ext>
+                </a:extLst>
+              </p14:cNvPr>
+              <p14:cNvContentPartPr/>
+              <p14:nvPr/>
+            </p14:nvContentPartPr>
+            <p14:xfrm>
+              <a:off x="4294009" y="247579"/>
+              <a:ext cx="116640" cy="210960"/>
+            </p14:xfrm>
+          </p:contentPart>
+        </mc:Choice>
+        <mc:Fallback>
+          <p:pic>
+            <p:nvPicPr>
+              <p:cNvPr id="10" name="Ink 9">
+                <a:extLst>
+                  <a:ext uri="{FF2B5EF4-FFF2-40B4-BE49-F238E27FC236}">
+                    <a16:creationId xmlns:a16="http://schemas.microsoft.com/office/drawing/2014/main" id="{06496975-5C19-44B9-A2CF-E4E14852E6A2}"/>
+                  </a:ext>
+                </a:extLst>
+              </p:cNvPr>
+              <p:cNvPicPr/>
+              <p:nvPr/>
+            </p:nvPicPr>
+            <p:blipFill>
+              <a:blip r:embed="rId15"/>
+              <a:stretch>
+                <a:fillRect/>
+              </a:stretch>
+            </p:blipFill>
+            <p:spPr>
+              <a:xfrm>
+                <a:off x="4285009" y="238939"/>
+                <a:ext cx="134280" cy="228600"/>
+              </a:xfrm>
+              <a:prstGeom prst="rect">
+                <a:avLst/>
+              </a:prstGeom>
+            </p:spPr>
+          </p:pic>
+        </mc:Fallback>
+      </mc:AlternateContent>
+      <mc:AlternateContent xmlns:mc="http://schemas.openxmlformats.org/markup-compatibility/2006">
+        <mc:Choice xmlns:p14="http://schemas.microsoft.com/office/powerpoint/2010/main" Requires="p14">
+          <p:contentPart p14:bwMode="auto" r:id="rId16">
+            <p14:nvContentPartPr>
+              <p14:cNvPr id="11" name="Ink 10">
+                <a:extLst>
+                  <a:ext uri="{FF2B5EF4-FFF2-40B4-BE49-F238E27FC236}">
+                    <a16:creationId xmlns:a16="http://schemas.microsoft.com/office/drawing/2014/main" id="{18DB4638-1BA2-48DA-A9A5-9AC8E73F724E}"/>
+                  </a:ext>
+                </a:extLst>
+              </p14:cNvPr>
+              <p14:cNvContentPartPr/>
+              <p14:nvPr/>
+            </p14:nvContentPartPr>
+            <p14:xfrm>
+              <a:off x="4498129" y="124099"/>
+              <a:ext cx="18000" cy="228960"/>
+            </p14:xfrm>
+          </p:contentPart>
+        </mc:Choice>
+        <mc:Fallback>
+          <p:pic>
+            <p:nvPicPr>
+              <p:cNvPr id="11" name="Ink 10">
+                <a:extLst>
+                  <a:ext uri="{FF2B5EF4-FFF2-40B4-BE49-F238E27FC236}">
+                    <a16:creationId xmlns:a16="http://schemas.microsoft.com/office/drawing/2014/main" id="{18DB4638-1BA2-48DA-A9A5-9AC8E73F724E}"/>
+                  </a:ext>
+                </a:extLst>
+              </p:cNvPr>
+              <p:cNvPicPr/>
+              <p:nvPr/>
+            </p:nvPicPr>
+            <p:blipFill>
+              <a:blip r:embed="rId17"/>
+              <a:stretch>
+                <a:fillRect/>
+              </a:stretch>
+            </p:blipFill>
+            <p:spPr>
+              <a:xfrm>
+                <a:off x="4489489" y="115099"/>
+                <a:ext cx="35640" cy="246600"/>
+              </a:xfrm>
+              <a:prstGeom prst="rect">
+                <a:avLst/>
+              </a:prstGeom>
+            </p:spPr>
+          </p:pic>
+        </mc:Fallback>
+      </mc:AlternateContent>
+      <mc:AlternateContent xmlns:mc="http://schemas.openxmlformats.org/markup-compatibility/2006">
+        <mc:Choice xmlns:p14="http://schemas.microsoft.com/office/powerpoint/2010/main" Requires="p14">
+          <p:contentPart p14:bwMode="auto" r:id="rId18">
+            <p14:nvContentPartPr>
+              <p14:cNvPr id="12" name="Ink 11">
+                <a:extLst>
+                  <a:ext uri="{FF2B5EF4-FFF2-40B4-BE49-F238E27FC236}">
+                    <a16:creationId xmlns:a16="http://schemas.microsoft.com/office/drawing/2014/main" id="{D326AF06-3ACB-4D42-BC21-1555C656851A}"/>
+                  </a:ext>
+                </a:extLst>
+              </p14:cNvPr>
+              <p14:cNvContentPartPr/>
+              <p14:nvPr/>
+            </p14:nvContentPartPr>
+            <p14:xfrm>
+              <a:off x="4588129" y="151459"/>
+              <a:ext cx="54000" cy="228960"/>
+            </p14:xfrm>
+          </p:contentPart>
+        </mc:Choice>
+        <mc:Fallback>
+          <p:pic>
+            <p:nvPicPr>
+              <p:cNvPr id="12" name="Ink 11">
+                <a:extLst>
+                  <a:ext uri="{FF2B5EF4-FFF2-40B4-BE49-F238E27FC236}">
+                    <a16:creationId xmlns:a16="http://schemas.microsoft.com/office/drawing/2014/main" id="{D326AF06-3ACB-4D42-BC21-1555C656851A}"/>
+                  </a:ext>
+                </a:extLst>
+              </p:cNvPr>
+              <p:cNvPicPr/>
+              <p:nvPr/>
+            </p:nvPicPr>
+            <p:blipFill>
+              <a:blip r:embed="rId19"/>
+              <a:stretch>
+                <a:fillRect/>
+              </a:stretch>
+            </p:blipFill>
+            <p:spPr>
+              <a:xfrm>
+                <a:off x="4579129" y="142819"/>
+                <a:ext cx="71640" cy="246600"/>
+              </a:xfrm>
+              <a:prstGeom prst="rect">
+                <a:avLst/>
+              </a:prstGeom>
+            </p:spPr>
+          </p:pic>
+        </mc:Fallback>
+      </mc:AlternateContent>
+      <mc:AlternateContent xmlns:mc="http://schemas.openxmlformats.org/markup-compatibility/2006">
+        <mc:Choice xmlns:p14="http://schemas.microsoft.com/office/powerpoint/2010/main" Requires="p14">
+          <p:contentPart p14:bwMode="auto" r:id="rId20">
+            <p14:nvContentPartPr>
+              <p14:cNvPr id="13" name="Ink 12">
+                <a:extLst>
+                  <a:ext uri="{FF2B5EF4-FFF2-40B4-BE49-F238E27FC236}">
+                    <a16:creationId xmlns:a16="http://schemas.microsoft.com/office/drawing/2014/main" id="{CFE921E3-DE8D-4290-BA4F-5F9422D82CEF}"/>
+                  </a:ext>
+                </a:extLst>
+              </p14:cNvPr>
+              <p14:cNvContentPartPr/>
+              <p14:nvPr/>
+            </p14:nvContentPartPr>
+            <p14:xfrm>
+              <a:off x="4707649" y="118339"/>
+              <a:ext cx="103680" cy="260280"/>
+            </p14:xfrm>
+          </p:contentPart>
+        </mc:Choice>
+        <mc:Fallback>
+          <p:pic>
+            <p:nvPicPr>
+              <p:cNvPr id="13" name="Ink 12">
+                <a:extLst>
+                  <a:ext uri="{FF2B5EF4-FFF2-40B4-BE49-F238E27FC236}">
+                    <a16:creationId xmlns:a16="http://schemas.microsoft.com/office/drawing/2014/main" id="{CFE921E3-DE8D-4290-BA4F-5F9422D82CEF}"/>
+                  </a:ext>
+                </a:extLst>
+              </p:cNvPr>
+              <p:cNvPicPr/>
+              <p:nvPr/>
+            </p:nvPicPr>
+            <p:blipFill>
+              <a:blip r:embed="rId21"/>
+              <a:stretch>
+                <a:fillRect/>
+              </a:stretch>
+            </p:blipFill>
+            <p:spPr>
+              <a:xfrm>
+                <a:off x="4698649" y="109339"/>
+                <a:ext cx="121320" cy="277920"/>
+              </a:xfrm>
+              <a:prstGeom prst="rect">
+                <a:avLst/>
+              </a:prstGeom>
+            </p:spPr>
+          </p:pic>
+        </mc:Fallback>
+      </mc:AlternateContent>
+      <p:grpSp>
+        <p:nvGrpSpPr>
+          <p:cNvPr id="20" name="Group 19">
+            <a:extLst>
+              <a:ext uri="{FF2B5EF4-FFF2-40B4-BE49-F238E27FC236}">
+                <a16:creationId xmlns:a16="http://schemas.microsoft.com/office/drawing/2014/main" id="{6F2DDC50-D492-4AB4-B6BF-9A470FFA3EC1}"/>
+              </a:ext>
+            </a:extLst>
+          </p:cNvPr>
+          <p:cNvGrpSpPr/>
+          <p:nvPr/>
+        </p:nvGrpSpPr>
+        <p:grpSpPr>
+          <a:xfrm>
+            <a:off x="4962169" y="68299"/>
+            <a:ext cx="831240" cy="301680"/>
+            <a:chOff x="4962169" y="68299"/>
+            <a:chExt cx="831240" cy="301680"/>
+          </a:xfrm>
+        </p:grpSpPr>
+        <mc:AlternateContent xmlns:mc="http://schemas.openxmlformats.org/markup-compatibility/2006">
+          <mc:Choice xmlns:p14="http://schemas.microsoft.com/office/powerpoint/2010/main" Requires="p14">
+            <p:contentPart p14:bwMode="auto" r:id="rId22">
+              <p14:nvContentPartPr>
+                <p14:cNvPr id="14" name="Ink 13">
+                  <a:extLst>
+                    <a:ext uri="{FF2B5EF4-FFF2-40B4-BE49-F238E27FC236}">
+                      <a16:creationId xmlns:a16="http://schemas.microsoft.com/office/drawing/2014/main" id="{E768E35B-A46F-4E90-8F08-5E155143D008}"/>
+                    </a:ext>
+                  </a:extLst>
+                </p14:cNvPr>
+                <p14:cNvContentPartPr/>
+                <p14:nvPr/>
+              </p14:nvContentPartPr>
+              <p14:xfrm>
+                <a:off x="4962169" y="93859"/>
+                <a:ext cx="66240" cy="270720"/>
+              </p14:xfrm>
+            </p:contentPart>
+          </mc:Choice>
+          <mc:Fallback>
+            <p:pic>
+              <p:nvPicPr>
+                <p:cNvPr id="14" name="Ink 13">
+                  <a:extLst>
+                    <a:ext uri="{FF2B5EF4-FFF2-40B4-BE49-F238E27FC236}">
+                      <a16:creationId xmlns:a16="http://schemas.microsoft.com/office/drawing/2014/main" id="{E768E35B-A46F-4E90-8F08-5E155143D008}"/>
+                    </a:ext>
+                  </a:extLst>
+                </p:cNvPr>
+                <p:cNvPicPr/>
+                <p:nvPr/>
+              </p:nvPicPr>
+              <p:blipFill>
+                <a:blip r:embed="rId23"/>
+                <a:stretch>
+                  <a:fillRect/>
+                </a:stretch>
+              </p:blipFill>
+              <p:spPr>
+                <a:xfrm>
+                  <a:off x="4953169" y="85219"/>
+                  <a:ext cx="83880" cy="288360"/>
+                </a:xfrm>
+                <a:prstGeom prst="rect">
+                  <a:avLst/>
+                </a:prstGeom>
+              </p:spPr>
+            </p:pic>
+          </mc:Fallback>
+        </mc:AlternateContent>
+        <mc:AlternateContent xmlns:mc="http://schemas.openxmlformats.org/markup-compatibility/2006">
+          <mc:Choice xmlns:p14="http://schemas.microsoft.com/office/powerpoint/2010/main" Requires="p14">
+            <p:contentPart p14:bwMode="auto" r:id="rId24">
+              <p14:nvContentPartPr>
+                <p14:cNvPr id="15" name="Ink 14">
+                  <a:extLst>
+                    <a:ext uri="{FF2B5EF4-FFF2-40B4-BE49-F238E27FC236}">
+                      <a16:creationId xmlns:a16="http://schemas.microsoft.com/office/drawing/2014/main" id="{DCA367CC-4483-4848-A290-CE018CB0DF5F}"/>
+                    </a:ext>
+                  </a:extLst>
+                </p14:cNvPr>
+                <p14:cNvContentPartPr/>
+                <p14:nvPr/>
+              </p14:nvContentPartPr>
+              <p14:xfrm>
+                <a:off x="5145409" y="120859"/>
+                <a:ext cx="62280" cy="91440"/>
+              </p14:xfrm>
+            </p:contentPart>
+          </mc:Choice>
+          <mc:Fallback>
+            <p:pic>
+              <p:nvPicPr>
+                <p:cNvPr id="15" name="Ink 14">
+                  <a:extLst>
+                    <a:ext uri="{FF2B5EF4-FFF2-40B4-BE49-F238E27FC236}">
+                      <a16:creationId xmlns:a16="http://schemas.microsoft.com/office/drawing/2014/main" id="{DCA367CC-4483-4848-A290-CE018CB0DF5F}"/>
+                    </a:ext>
+                  </a:extLst>
+                </p:cNvPr>
+                <p:cNvPicPr/>
+                <p:nvPr/>
+              </p:nvPicPr>
+              <p:blipFill>
+                <a:blip r:embed="rId25"/>
+                <a:stretch>
+                  <a:fillRect/>
+                </a:stretch>
+              </p:blipFill>
+              <p:spPr>
+                <a:xfrm>
+                  <a:off x="5136769" y="112219"/>
+                  <a:ext cx="79920" cy="109080"/>
+                </a:xfrm>
+                <a:prstGeom prst="rect">
+                  <a:avLst/>
+                </a:prstGeom>
+              </p:spPr>
+            </p:pic>
+          </mc:Fallback>
+        </mc:AlternateContent>
+        <mc:AlternateContent xmlns:mc="http://schemas.openxmlformats.org/markup-compatibility/2006">
+          <mc:Choice xmlns:p14="http://schemas.microsoft.com/office/powerpoint/2010/main" Requires="p14">
+            <p:contentPart p14:bwMode="auto" r:id="rId26">
+              <p14:nvContentPartPr>
+                <p14:cNvPr id="17" name="Ink 16">
+                  <a:extLst>
+                    <a:ext uri="{FF2B5EF4-FFF2-40B4-BE49-F238E27FC236}">
+                      <a16:creationId xmlns:a16="http://schemas.microsoft.com/office/drawing/2014/main" id="{4E8636E8-86C6-4096-B275-BCFFB54D2E23}"/>
+                    </a:ext>
+                  </a:extLst>
+                </p14:cNvPr>
+                <p14:cNvContentPartPr/>
+                <p14:nvPr/>
+              </p14:nvContentPartPr>
+              <p14:xfrm>
+                <a:off x="5316409" y="159019"/>
+                <a:ext cx="146880" cy="209880"/>
+              </p14:xfrm>
+            </p:contentPart>
+          </mc:Choice>
+          <mc:Fallback>
+            <p:pic>
+              <p:nvPicPr>
+                <p:cNvPr id="17" name="Ink 16">
+                  <a:extLst>
+                    <a:ext uri="{FF2B5EF4-FFF2-40B4-BE49-F238E27FC236}">
+                      <a16:creationId xmlns:a16="http://schemas.microsoft.com/office/drawing/2014/main" id="{4E8636E8-86C6-4096-B275-BCFFB54D2E23}"/>
+                    </a:ext>
+                  </a:extLst>
+                </p:cNvPr>
+                <p:cNvPicPr/>
+                <p:nvPr/>
+              </p:nvPicPr>
+              <p:blipFill>
+                <a:blip r:embed="rId27"/>
+                <a:stretch>
+                  <a:fillRect/>
+                </a:stretch>
+              </p:blipFill>
+              <p:spPr>
+                <a:xfrm>
+                  <a:off x="5307769" y="150019"/>
+                  <a:ext cx="164520" cy="227520"/>
+                </a:xfrm>
+                <a:prstGeom prst="rect">
+                  <a:avLst/>
+                </a:prstGeom>
+              </p:spPr>
+            </p:pic>
+          </mc:Fallback>
+        </mc:AlternateContent>
+        <mc:AlternateContent xmlns:mc="http://schemas.openxmlformats.org/markup-compatibility/2006">
+          <mc:Choice xmlns:p14="http://schemas.microsoft.com/office/powerpoint/2010/main" Requires="p14">
+            <p:contentPart p14:bwMode="auto" r:id="rId28">
+              <p14:nvContentPartPr>
+                <p14:cNvPr id="18" name="Ink 17">
+                  <a:extLst>
+                    <a:ext uri="{FF2B5EF4-FFF2-40B4-BE49-F238E27FC236}">
+                      <a16:creationId xmlns:a16="http://schemas.microsoft.com/office/drawing/2014/main" id="{ACB2DB4F-2DFD-45AC-B64F-DDEDBFCEE17A}"/>
+                    </a:ext>
+                  </a:extLst>
+                </p14:cNvPr>
+                <p14:cNvContentPartPr/>
+                <p14:nvPr/>
+              </p14:nvContentPartPr>
+              <p14:xfrm>
+                <a:off x="5563009" y="125539"/>
+                <a:ext cx="58320" cy="44640"/>
+              </p14:xfrm>
+            </p:contentPart>
+          </mc:Choice>
+          <mc:Fallback>
+            <p:pic>
+              <p:nvPicPr>
+                <p:cNvPr id="18" name="Ink 17">
+                  <a:extLst>
+                    <a:ext uri="{FF2B5EF4-FFF2-40B4-BE49-F238E27FC236}">
+                      <a16:creationId xmlns:a16="http://schemas.microsoft.com/office/drawing/2014/main" id="{ACB2DB4F-2DFD-45AC-B64F-DDEDBFCEE17A}"/>
+                    </a:ext>
+                  </a:extLst>
+                </p:cNvPr>
+                <p:cNvPicPr/>
+                <p:nvPr/>
+              </p:nvPicPr>
+              <p:blipFill>
+                <a:blip r:embed="rId29"/>
+                <a:stretch>
+                  <a:fillRect/>
+                </a:stretch>
+              </p:blipFill>
+              <p:spPr>
+                <a:xfrm>
+                  <a:off x="5554009" y="116539"/>
+                  <a:ext cx="75960" cy="62280"/>
+                </a:xfrm>
+                <a:prstGeom prst="rect">
+                  <a:avLst/>
+                </a:prstGeom>
+              </p:spPr>
+            </p:pic>
+          </mc:Fallback>
+        </mc:AlternateContent>
+        <mc:AlternateContent xmlns:mc="http://schemas.openxmlformats.org/markup-compatibility/2006">
+          <mc:Choice xmlns:p14="http://schemas.microsoft.com/office/powerpoint/2010/main" Requires="p14">
+            <p:contentPart p14:bwMode="auto" r:id="rId30">
+              <p14:nvContentPartPr>
+                <p14:cNvPr id="19" name="Ink 18">
+                  <a:extLst>
+                    <a:ext uri="{FF2B5EF4-FFF2-40B4-BE49-F238E27FC236}">
+                      <a16:creationId xmlns:a16="http://schemas.microsoft.com/office/drawing/2014/main" id="{3612C65E-CDF0-43EE-96D4-7D63CA3284BD}"/>
+                    </a:ext>
+                  </a:extLst>
+                </p14:cNvPr>
+                <p14:cNvContentPartPr/>
+                <p14:nvPr/>
+              </p14:nvContentPartPr>
+              <p14:xfrm>
+                <a:off x="5732569" y="68299"/>
+                <a:ext cx="60840" cy="301680"/>
+              </p14:xfrm>
+            </p:contentPart>
+          </mc:Choice>
+          <mc:Fallback>
+            <p:pic>
+              <p:nvPicPr>
+                <p:cNvPr id="19" name="Ink 18">
+                  <a:extLst>
+                    <a:ext uri="{FF2B5EF4-FFF2-40B4-BE49-F238E27FC236}">
+                      <a16:creationId xmlns:a16="http://schemas.microsoft.com/office/drawing/2014/main" id="{3612C65E-CDF0-43EE-96D4-7D63CA3284BD}"/>
+                    </a:ext>
+                  </a:extLst>
+                </p:cNvPr>
+                <p:cNvPicPr/>
+                <p:nvPr/>
+              </p:nvPicPr>
+              <p:blipFill>
+                <a:blip r:embed="rId31"/>
+                <a:stretch>
+                  <a:fillRect/>
+                </a:stretch>
+              </p:blipFill>
+              <p:spPr>
+                <a:xfrm>
+                  <a:off x="5723929" y="59659"/>
+                  <a:ext cx="78480" cy="319320"/>
+                </a:xfrm>
+                <a:prstGeom prst="rect">
+                  <a:avLst/>
+                </a:prstGeom>
+              </p:spPr>
+            </p:pic>
+          </mc:Fallback>
+        </mc:AlternateContent>
+      </p:grpSp>
+      <p:grpSp>
+        <p:nvGrpSpPr>
+          <p:cNvPr id="32" name="Group 31">
+            <a:extLst>
+              <a:ext uri="{FF2B5EF4-FFF2-40B4-BE49-F238E27FC236}">
+                <a16:creationId xmlns:a16="http://schemas.microsoft.com/office/drawing/2014/main" id="{CE42C861-0DAB-4DA4-8736-C713EDA91AC5}"/>
+              </a:ext>
+            </a:extLst>
+          </p:cNvPr>
+          <p:cNvGrpSpPr/>
+          <p:nvPr/>
+        </p:nvGrpSpPr>
+        <p:grpSpPr>
+          <a:xfrm>
+            <a:off x="2517049" y="135259"/>
+            <a:ext cx="1539000" cy="318960"/>
+            <a:chOff x="2517049" y="135259"/>
+            <a:chExt cx="1539000" cy="318960"/>
+          </a:xfrm>
+        </p:grpSpPr>
+        <mc:AlternateContent xmlns:mc="http://schemas.openxmlformats.org/markup-compatibility/2006">
+          <mc:Choice xmlns:p14="http://schemas.microsoft.com/office/powerpoint/2010/main" Requires="p14">
+            <p:contentPart p14:bwMode="auto" r:id="rId32">
+              <p14:nvContentPartPr>
+                <p14:cNvPr id="21" name="Ink 20">
+                  <a:extLst>
+                    <a:ext uri="{FF2B5EF4-FFF2-40B4-BE49-F238E27FC236}">
+                      <a16:creationId xmlns:a16="http://schemas.microsoft.com/office/drawing/2014/main" id="{042CBD93-8365-4D35-8A45-4142F472A87C}"/>
+                    </a:ext>
+                  </a:extLst>
+                </p14:cNvPr>
+                <p14:cNvContentPartPr/>
+                <p14:nvPr/>
+              </p14:nvContentPartPr>
+              <p14:xfrm>
+                <a:off x="2517049" y="142819"/>
+                <a:ext cx="108000" cy="245880"/>
+              </p14:xfrm>
+            </p:contentPart>
+          </mc:Choice>
+          <mc:Fallback>
+            <p:pic>
+              <p:nvPicPr>
+                <p:cNvPr id="21" name="Ink 20">
+                  <a:extLst>
+                    <a:ext uri="{FF2B5EF4-FFF2-40B4-BE49-F238E27FC236}">
+                      <a16:creationId xmlns:a16="http://schemas.microsoft.com/office/drawing/2014/main" id="{042CBD93-8365-4D35-8A45-4142F472A87C}"/>
+                    </a:ext>
+                  </a:extLst>
+                </p:cNvPr>
+                <p:cNvPicPr/>
+                <p:nvPr/>
+              </p:nvPicPr>
+              <p:blipFill>
+                <a:blip r:embed="rId33"/>
+                <a:stretch>
+                  <a:fillRect/>
+                </a:stretch>
+              </p:blipFill>
+              <p:spPr>
+                <a:xfrm>
+                  <a:off x="2508409" y="133819"/>
+                  <a:ext cx="125640" cy="263520"/>
+                </a:xfrm>
+                <a:prstGeom prst="rect">
+                  <a:avLst/>
+                </a:prstGeom>
+              </p:spPr>
+            </p:pic>
+          </mc:Fallback>
+        </mc:AlternateContent>
+        <mc:AlternateContent xmlns:mc="http://schemas.openxmlformats.org/markup-compatibility/2006">
+          <mc:Choice xmlns:p14="http://schemas.microsoft.com/office/powerpoint/2010/main" Requires="p14">
+            <p:contentPart p14:bwMode="auto" r:id="rId34">
+              <p14:nvContentPartPr>
+                <p14:cNvPr id="22" name="Ink 21">
+                  <a:extLst>
+                    <a:ext uri="{FF2B5EF4-FFF2-40B4-BE49-F238E27FC236}">
+                      <a16:creationId xmlns:a16="http://schemas.microsoft.com/office/drawing/2014/main" id="{303C3B71-5046-4ACA-9934-3B1B033239F4}"/>
+                    </a:ext>
+                  </a:extLst>
+                </p14:cNvPr>
+                <p14:cNvContentPartPr/>
+                <p14:nvPr/>
+              </p14:nvContentPartPr>
+              <p14:xfrm>
+                <a:off x="2676889" y="135259"/>
+                <a:ext cx="27720" cy="261720"/>
+              </p14:xfrm>
+            </p:contentPart>
+          </mc:Choice>
+          <mc:Fallback>
+            <p:pic>
+              <p:nvPicPr>
+                <p:cNvPr id="22" name="Ink 21">
+                  <a:extLst>
+                    <a:ext uri="{FF2B5EF4-FFF2-40B4-BE49-F238E27FC236}">
+                      <a16:creationId xmlns:a16="http://schemas.microsoft.com/office/drawing/2014/main" id="{303C3B71-5046-4ACA-9934-3B1B033239F4}"/>
+                    </a:ext>
+                  </a:extLst>
+                </p:cNvPr>
+                <p:cNvPicPr/>
+                <p:nvPr/>
+              </p:nvPicPr>
+              <p:blipFill>
+                <a:blip r:embed="rId35"/>
+                <a:stretch>
+                  <a:fillRect/>
+                </a:stretch>
+              </p:blipFill>
+              <p:spPr>
+                <a:xfrm>
+                  <a:off x="2667889" y="126259"/>
+                  <a:ext cx="45360" cy="279360"/>
+                </a:xfrm>
+                <a:prstGeom prst="rect">
+                  <a:avLst/>
+                </a:prstGeom>
+              </p:spPr>
+            </p:pic>
+          </mc:Fallback>
+        </mc:AlternateContent>
+        <mc:AlternateContent xmlns:mc="http://schemas.openxmlformats.org/markup-compatibility/2006">
+          <mc:Choice xmlns:p14="http://schemas.microsoft.com/office/powerpoint/2010/main" Requires="p14">
+            <p:contentPart p14:bwMode="auto" r:id="rId36">
+              <p14:nvContentPartPr>
+                <p14:cNvPr id="23" name="Ink 22">
+                  <a:extLst>
+                    <a:ext uri="{FF2B5EF4-FFF2-40B4-BE49-F238E27FC236}">
+                      <a16:creationId xmlns:a16="http://schemas.microsoft.com/office/drawing/2014/main" id="{3CBA93B8-0384-4172-968A-46C9A209C4A5}"/>
+                    </a:ext>
+                  </a:extLst>
+                </p14:cNvPr>
+                <p14:cNvContentPartPr/>
+                <p14:nvPr/>
+              </p14:nvContentPartPr>
+              <p14:xfrm>
+                <a:off x="2670769" y="276739"/>
+                <a:ext cx="292680" cy="116280"/>
+              </p14:xfrm>
+            </p:contentPart>
+          </mc:Choice>
+          <mc:Fallback>
+            <p:pic>
+              <p:nvPicPr>
+                <p:cNvPr id="23" name="Ink 22">
+                  <a:extLst>
+                    <a:ext uri="{FF2B5EF4-FFF2-40B4-BE49-F238E27FC236}">
+                      <a16:creationId xmlns:a16="http://schemas.microsoft.com/office/drawing/2014/main" id="{3CBA93B8-0384-4172-968A-46C9A209C4A5}"/>
+                    </a:ext>
+                  </a:extLst>
+                </p:cNvPr>
+                <p:cNvPicPr/>
+                <p:nvPr/>
+              </p:nvPicPr>
+              <p:blipFill>
+                <a:blip r:embed="rId37"/>
+                <a:stretch>
+                  <a:fillRect/>
+                </a:stretch>
+              </p:blipFill>
+              <p:spPr>
+                <a:xfrm>
+                  <a:off x="2662129" y="268099"/>
+                  <a:ext cx="310320" cy="133920"/>
+                </a:xfrm>
+                <a:prstGeom prst="rect">
+                  <a:avLst/>
+                </a:prstGeom>
+              </p:spPr>
+            </p:pic>
+          </mc:Fallback>
+        </mc:AlternateContent>
+        <mc:AlternateContent xmlns:mc="http://schemas.openxmlformats.org/markup-compatibility/2006">
+          <mc:Choice xmlns:p14="http://schemas.microsoft.com/office/powerpoint/2010/main" Requires="p14">
+            <p:contentPart p14:bwMode="auto" r:id="rId38">
+              <p14:nvContentPartPr>
+                <p14:cNvPr id="24" name="Ink 23">
+                  <a:extLst>
+                    <a:ext uri="{FF2B5EF4-FFF2-40B4-BE49-F238E27FC236}">
+                      <a16:creationId xmlns:a16="http://schemas.microsoft.com/office/drawing/2014/main" id="{94FFFA7D-4EB1-4924-BEB8-CC8EE1D1ACFB}"/>
+                    </a:ext>
+                  </a:extLst>
+                </p14:cNvPr>
+                <p14:cNvContentPartPr/>
+                <p14:nvPr/>
+              </p14:nvContentPartPr>
+              <p14:xfrm>
+                <a:off x="2974609" y="329299"/>
+                <a:ext cx="100800" cy="65160"/>
+              </p14:xfrm>
+            </p:contentPart>
+          </mc:Choice>
+          <mc:Fallback>
+            <p:pic>
+              <p:nvPicPr>
+                <p:cNvPr id="24" name="Ink 23">
+                  <a:extLst>
+                    <a:ext uri="{FF2B5EF4-FFF2-40B4-BE49-F238E27FC236}">
+                      <a16:creationId xmlns:a16="http://schemas.microsoft.com/office/drawing/2014/main" id="{94FFFA7D-4EB1-4924-BEB8-CC8EE1D1ACFB}"/>
+                    </a:ext>
+                  </a:extLst>
+                </p:cNvPr>
+                <p:cNvPicPr/>
+                <p:nvPr/>
+              </p:nvPicPr>
+              <p:blipFill>
+                <a:blip r:embed="rId39"/>
+                <a:stretch>
+                  <a:fillRect/>
+                </a:stretch>
+              </p:blipFill>
+              <p:spPr>
+                <a:xfrm>
+                  <a:off x="2965609" y="320299"/>
+                  <a:ext cx="118440" cy="82800"/>
+                </a:xfrm>
+                <a:prstGeom prst="rect">
+                  <a:avLst/>
+                </a:prstGeom>
+              </p:spPr>
+            </p:pic>
+          </mc:Fallback>
+        </mc:AlternateContent>
+        <mc:AlternateContent xmlns:mc="http://schemas.openxmlformats.org/markup-compatibility/2006">
+          <mc:Choice xmlns:p14="http://schemas.microsoft.com/office/powerpoint/2010/main" Requires="p14">
+            <p:contentPart p14:bwMode="auto" r:id="rId40">
+              <p14:nvContentPartPr>
+                <p14:cNvPr id="25" name="Ink 24">
+                  <a:extLst>
+                    <a:ext uri="{FF2B5EF4-FFF2-40B4-BE49-F238E27FC236}">
+                      <a16:creationId xmlns:a16="http://schemas.microsoft.com/office/drawing/2014/main" id="{A0C4B5BC-A806-41FE-9B3A-A05734575F30}"/>
+                    </a:ext>
+                  </a:extLst>
+                </p14:cNvPr>
+                <p14:cNvContentPartPr/>
+                <p14:nvPr/>
+              </p14:nvContentPartPr>
+              <p14:xfrm>
+                <a:off x="3084049" y="294019"/>
+                <a:ext cx="42480" cy="160200"/>
+              </p14:xfrm>
+            </p:contentPart>
+          </mc:Choice>
+          <mc:Fallback>
+            <p:pic>
+              <p:nvPicPr>
+                <p:cNvPr id="25" name="Ink 24">
+                  <a:extLst>
+                    <a:ext uri="{FF2B5EF4-FFF2-40B4-BE49-F238E27FC236}">
+                      <a16:creationId xmlns:a16="http://schemas.microsoft.com/office/drawing/2014/main" id="{A0C4B5BC-A806-41FE-9B3A-A05734575F30}"/>
+                    </a:ext>
+                  </a:extLst>
+                </p:cNvPr>
+                <p:cNvPicPr/>
+                <p:nvPr/>
+              </p:nvPicPr>
+              <p:blipFill>
+                <a:blip r:embed="rId41"/>
+                <a:stretch>
+                  <a:fillRect/>
+                </a:stretch>
+              </p:blipFill>
+              <p:spPr>
+                <a:xfrm>
+                  <a:off x="3075049" y="285019"/>
+                  <a:ext cx="60120" cy="177840"/>
+                </a:xfrm>
+                <a:prstGeom prst="rect">
+                  <a:avLst/>
+                </a:prstGeom>
+              </p:spPr>
+            </p:pic>
+          </mc:Fallback>
+        </mc:AlternateContent>
+        <mc:AlternateContent xmlns:mc="http://schemas.openxmlformats.org/markup-compatibility/2006">
+          <mc:Choice xmlns:p14="http://schemas.microsoft.com/office/powerpoint/2010/main" Requires="p14">
+            <p:contentPart p14:bwMode="auto" r:id="rId42">
+              <p14:nvContentPartPr>
+                <p14:cNvPr id="26" name="Ink 25">
+                  <a:extLst>
+                    <a:ext uri="{FF2B5EF4-FFF2-40B4-BE49-F238E27FC236}">
+                      <a16:creationId xmlns:a16="http://schemas.microsoft.com/office/drawing/2014/main" id="{016CA008-BE6F-423C-AAD3-081DEC89C03E}"/>
+                    </a:ext>
+                  </a:extLst>
+                </p14:cNvPr>
+                <p14:cNvContentPartPr/>
+                <p14:nvPr/>
+              </p14:nvContentPartPr>
+              <p14:xfrm>
+                <a:off x="3237409" y="147859"/>
+                <a:ext cx="75960" cy="12240"/>
+              </p14:xfrm>
+            </p:contentPart>
+          </mc:Choice>
+          <mc:Fallback>
+            <p:pic>
+              <p:nvPicPr>
+                <p:cNvPr id="26" name="Ink 25">
+                  <a:extLst>
+                    <a:ext uri="{FF2B5EF4-FFF2-40B4-BE49-F238E27FC236}">
+                      <a16:creationId xmlns:a16="http://schemas.microsoft.com/office/drawing/2014/main" id="{016CA008-BE6F-423C-AAD3-081DEC89C03E}"/>
+                    </a:ext>
+                  </a:extLst>
+                </p:cNvPr>
+                <p:cNvPicPr/>
+                <p:nvPr/>
+              </p:nvPicPr>
+              <p:blipFill>
+                <a:blip r:embed="rId43"/>
+                <a:stretch>
+                  <a:fillRect/>
+                </a:stretch>
+              </p:blipFill>
+              <p:spPr>
+                <a:xfrm>
+                  <a:off x="3228409" y="139219"/>
+                  <a:ext cx="93600" cy="29880"/>
+                </a:xfrm>
+                <a:prstGeom prst="rect">
+                  <a:avLst/>
+                </a:prstGeom>
+              </p:spPr>
+            </p:pic>
+          </mc:Fallback>
+        </mc:AlternateContent>
+        <mc:AlternateContent xmlns:mc="http://schemas.openxmlformats.org/markup-compatibility/2006">
+          <mc:Choice xmlns:p14="http://schemas.microsoft.com/office/powerpoint/2010/main" Requires="p14">
+            <p:contentPart p14:bwMode="auto" r:id="rId44">
+              <p14:nvContentPartPr>
+                <p14:cNvPr id="27" name="Ink 26">
+                  <a:extLst>
+                    <a:ext uri="{FF2B5EF4-FFF2-40B4-BE49-F238E27FC236}">
+                      <a16:creationId xmlns:a16="http://schemas.microsoft.com/office/drawing/2014/main" id="{2F0A0C7D-B2A5-49DC-A557-EE097C0447C4}"/>
+                    </a:ext>
+                  </a:extLst>
+                </p14:cNvPr>
+                <p14:cNvContentPartPr/>
+                <p14:nvPr/>
+              </p14:nvContentPartPr>
+              <p14:xfrm>
+                <a:off x="3224809" y="183139"/>
+                <a:ext cx="80640" cy="167400"/>
+              </p14:xfrm>
+            </p:contentPart>
+          </mc:Choice>
+          <mc:Fallback>
+            <p:pic>
+              <p:nvPicPr>
+                <p:cNvPr id="27" name="Ink 26">
+                  <a:extLst>
+                    <a:ext uri="{FF2B5EF4-FFF2-40B4-BE49-F238E27FC236}">
+                      <a16:creationId xmlns:a16="http://schemas.microsoft.com/office/drawing/2014/main" id="{2F0A0C7D-B2A5-49DC-A557-EE097C0447C4}"/>
+                    </a:ext>
+                  </a:extLst>
+                </p:cNvPr>
+                <p:cNvPicPr/>
+                <p:nvPr/>
+              </p:nvPicPr>
+              <p:blipFill>
+                <a:blip r:embed="rId45"/>
+                <a:stretch>
+                  <a:fillRect/>
+                </a:stretch>
+              </p:blipFill>
+              <p:spPr>
+                <a:xfrm>
+                  <a:off x="3215809" y="174139"/>
+                  <a:ext cx="98280" cy="185040"/>
+                </a:xfrm>
+                <a:prstGeom prst="rect">
+                  <a:avLst/>
+                </a:prstGeom>
+              </p:spPr>
+            </p:pic>
+          </mc:Fallback>
+        </mc:AlternateContent>
+        <mc:AlternateContent xmlns:mc="http://schemas.openxmlformats.org/markup-compatibility/2006">
+          <mc:Choice xmlns:p14="http://schemas.microsoft.com/office/powerpoint/2010/main" Requires="p14">
+            <p:contentPart p14:bwMode="auto" r:id="rId46">
+              <p14:nvContentPartPr>
+                <p14:cNvPr id="28" name="Ink 27">
+                  <a:extLst>
+                    <a:ext uri="{FF2B5EF4-FFF2-40B4-BE49-F238E27FC236}">
+                      <a16:creationId xmlns:a16="http://schemas.microsoft.com/office/drawing/2014/main" id="{10B3B047-DF25-450F-882C-ACDEE267124B}"/>
+                    </a:ext>
+                  </a:extLst>
+                </p14:cNvPr>
+                <p14:cNvContentPartPr/>
+                <p14:nvPr/>
+              </p14:nvContentPartPr>
+              <p14:xfrm>
+                <a:off x="3361969" y="147139"/>
+                <a:ext cx="100440" cy="145440"/>
+              </p14:xfrm>
+            </p:contentPart>
+          </mc:Choice>
+          <mc:Fallback>
+            <p:pic>
+              <p:nvPicPr>
+                <p:cNvPr id="28" name="Ink 27">
+                  <a:extLst>
+                    <a:ext uri="{FF2B5EF4-FFF2-40B4-BE49-F238E27FC236}">
+                      <a16:creationId xmlns:a16="http://schemas.microsoft.com/office/drawing/2014/main" id="{10B3B047-DF25-450F-882C-ACDEE267124B}"/>
+                    </a:ext>
+                  </a:extLst>
+                </p:cNvPr>
+                <p:cNvPicPr/>
+                <p:nvPr/>
+              </p:nvPicPr>
+              <p:blipFill>
+                <a:blip r:embed="rId47"/>
+                <a:stretch>
+                  <a:fillRect/>
+                </a:stretch>
+              </p:blipFill>
+              <p:spPr>
+                <a:xfrm>
+                  <a:off x="3353329" y="138139"/>
+                  <a:ext cx="118080" cy="163080"/>
+                </a:xfrm>
+                <a:prstGeom prst="rect">
+                  <a:avLst/>
+                </a:prstGeom>
+              </p:spPr>
+            </p:pic>
+          </mc:Fallback>
+        </mc:AlternateContent>
+        <mc:AlternateContent xmlns:mc="http://schemas.openxmlformats.org/markup-compatibility/2006">
+          <mc:Choice xmlns:p14="http://schemas.microsoft.com/office/powerpoint/2010/main" Requires="p14">
+            <p:contentPart p14:bwMode="auto" r:id="rId48">
+              <p14:nvContentPartPr>
+                <p14:cNvPr id="29" name="Ink 28">
+                  <a:extLst>
+                    <a:ext uri="{FF2B5EF4-FFF2-40B4-BE49-F238E27FC236}">
+                      <a16:creationId xmlns:a16="http://schemas.microsoft.com/office/drawing/2014/main" id="{DEF60474-ED20-4A49-B6AE-3745F943E537}"/>
+                    </a:ext>
+                  </a:extLst>
+                </p14:cNvPr>
+                <p14:cNvContentPartPr/>
+                <p14:nvPr/>
+              </p14:nvContentPartPr>
+              <p14:xfrm>
+                <a:off x="3651049" y="185299"/>
+                <a:ext cx="69840" cy="167040"/>
+              </p14:xfrm>
+            </p:contentPart>
+          </mc:Choice>
+          <mc:Fallback>
+            <p:pic>
+              <p:nvPicPr>
+                <p:cNvPr id="29" name="Ink 28">
+                  <a:extLst>
+                    <a:ext uri="{FF2B5EF4-FFF2-40B4-BE49-F238E27FC236}">
+                      <a16:creationId xmlns:a16="http://schemas.microsoft.com/office/drawing/2014/main" id="{DEF60474-ED20-4A49-B6AE-3745F943E537}"/>
+                    </a:ext>
+                  </a:extLst>
+                </p:cNvPr>
+                <p:cNvPicPr/>
+                <p:nvPr/>
+              </p:nvPicPr>
+              <p:blipFill>
+                <a:blip r:embed="rId49"/>
+                <a:stretch>
+                  <a:fillRect/>
+                </a:stretch>
+              </p:blipFill>
+              <p:spPr>
+                <a:xfrm>
+                  <a:off x="3642049" y="176299"/>
+                  <a:ext cx="87480" cy="184680"/>
+                </a:xfrm>
+                <a:prstGeom prst="rect">
+                  <a:avLst/>
+                </a:prstGeom>
+              </p:spPr>
+            </p:pic>
+          </mc:Fallback>
+        </mc:AlternateContent>
+        <mc:AlternateContent xmlns:mc="http://schemas.openxmlformats.org/markup-compatibility/2006">
+          <mc:Choice xmlns:p14="http://schemas.microsoft.com/office/powerpoint/2010/main" Requires="p14">
+            <p:contentPart p14:bwMode="auto" r:id="rId50">
+              <p14:nvContentPartPr>
+                <p14:cNvPr id="30" name="Ink 29">
+                  <a:extLst>
+                    <a:ext uri="{FF2B5EF4-FFF2-40B4-BE49-F238E27FC236}">
+                      <a16:creationId xmlns:a16="http://schemas.microsoft.com/office/drawing/2014/main" id="{69C8E5CE-90F5-48B7-930C-886BC2E09986}"/>
+                    </a:ext>
+                  </a:extLst>
+                </p14:cNvPr>
+                <p14:cNvContentPartPr/>
+                <p14:nvPr/>
+              </p14:nvContentPartPr>
+              <p14:xfrm>
+                <a:off x="3761209" y="228859"/>
+                <a:ext cx="95040" cy="103680"/>
+              </p14:xfrm>
+            </p:contentPart>
+          </mc:Choice>
+          <mc:Fallback>
+            <p:pic>
+              <p:nvPicPr>
+                <p:cNvPr id="30" name="Ink 29">
+                  <a:extLst>
+                    <a:ext uri="{FF2B5EF4-FFF2-40B4-BE49-F238E27FC236}">
+                      <a16:creationId xmlns:a16="http://schemas.microsoft.com/office/drawing/2014/main" id="{69C8E5CE-90F5-48B7-930C-886BC2E09986}"/>
+                    </a:ext>
+                  </a:extLst>
+                </p:cNvPr>
+                <p:cNvPicPr/>
+                <p:nvPr/>
+              </p:nvPicPr>
+              <p:blipFill>
+                <a:blip r:embed="rId51"/>
+                <a:stretch>
+                  <a:fillRect/>
+                </a:stretch>
+              </p:blipFill>
+              <p:spPr>
+                <a:xfrm>
+                  <a:off x="3752209" y="220219"/>
+                  <a:ext cx="112680" cy="121320"/>
+                </a:xfrm>
+                <a:prstGeom prst="rect">
+                  <a:avLst/>
+                </a:prstGeom>
+              </p:spPr>
+            </p:pic>
+          </mc:Fallback>
+        </mc:AlternateContent>
+        <mc:AlternateContent xmlns:mc="http://schemas.openxmlformats.org/markup-compatibility/2006">
+          <mc:Choice xmlns:p14="http://schemas.microsoft.com/office/powerpoint/2010/main" Requires="p14">
+            <p:contentPart p14:bwMode="auto" r:id="rId52">
+              <p14:nvContentPartPr>
+                <p14:cNvPr id="31" name="Ink 30">
+                  <a:extLst>
+                    <a:ext uri="{FF2B5EF4-FFF2-40B4-BE49-F238E27FC236}">
+                      <a16:creationId xmlns:a16="http://schemas.microsoft.com/office/drawing/2014/main" id="{DCA86009-79A7-462F-9EB8-50E4BFD1F031}"/>
+                    </a:ext>
+                  </a:extLst>
+                </p14:cNvPr>
+                <p14:cNvContentPartPr/>
+                <p14:nvPr/>
+              </p14:nvContentPartPr>
+              <p14:xfrm>
+                <a:off x="3937969" y="225619"/>
+                <a:ext cx="118080" cy="47880"/>
+              </p14:xfrm>
+            </p:contentPart>
+          </mc:Choice>
+          <mc:Fallback>
+            <p:pic>
+              <p:nvPicPr>
+                <p:cNvPr id="31" name="Ink 30">
+                  <a:extLst>
+                    <a:ext uri="{FF2B5EF4-FFF2-40B4-BE49-F238E27FC236}">
+                      <a16:creationId xmlns:a16="http://schemas.microsoft.com/office/drawing/2014/main" id="{DCA86009-79A7-462F-9EB8-50E4BFD1F031}"/>
+                    </a:ext>
+                  </a:extLst>
+                </p:cNvPr>
+                <p:cNvPicPr/>
+                <p:nvPr/>
+              </p:nvPicPr>
+              <p:blipFill>
+                <a:blip r:embed="rId53"/>
+                <a:stretch>
+                  <a:fillRect/>
+                </a:stretch>
+              </p:blipFill>
+              <p:spPr>
+                <a:xfrm>
+                  <a:off x="3928969" y="216619"/>
+                  <a:ext cx="135720" cy="65520"/>
+                </a:xfrm>
+                <a:prstGeom prst="rect">
+                  <a:avLst/>
+                </a:prstGeom>
+              </p:spPr>
+            </p:pic>
+          </mc:Fallback>
+        </mc:AlternateContent>
+      </p:grpSp>
+      <mc:AlternateContent xmlns:mc="http://schemas.openxmlformats.org/markup-compatibility/2006">
+        <mc:Choice xmlns:p14="http://schemas.microsoft.com/office/powerpoint/2010/main" Requires="p14">
+          <p:contentPart p14:bwMode="auto" r:id="rId54">
+            <p14:nvContentPartPr>
+              <p14:cNvPr id="33" name="Ink 32">
+                <a:extLst>
+                  <a:ext uri="{FF2B5EF4-FFF2-40B4-BE49-F238E27FC236}">
+                    <a16:creationId xmlns:a16="http://schemas.microsoft.com/office/drawing/2014/main" id="{A235CAF3-70E8-491D-870E-F68B53AAE18A}"/>
+                  </a:ext>
+                </a:extLst>
+              </p14:cNvPr>
+              <p14:cNvContentPartPr/>
+              <p14:nvPr/>
+            </p14:nvContentPartPr>
+            <p14:xfrm>
+              <a:off x="5914009" y="143539"/>
+              <a:ext cx="15840" cy="8280"/>
+            </p14:xfrm>
+          </p:contentPart>
+        </mc:Choice>
+        <mc:Fallback>
+          <p:pic>
+            <p:nvPicPr>
+              <p:cNvPr id="33" name="Ink 32">
+                <a:extLst>
+                  <a:ext uri="{FF2B5EF4-FFF2-40B4-BE49-F238E27FC236}">
+                    <a16:creationId xmlns:a16="http://schemas.microsoft.com/office/drawing/2014/main" id="{A235CAF3-70E8-491D-870E-F68B53AAE18A}"/>
+                  </a:ext>
+                </a:extLst>
+              </p:cNvPr>
+              <p:cNvPicPr/>
+              <p:nvPr/>
+            </p:nvPicPr>
+            <p:blipFill>
+              <a:blip r:embed="rId55"/>
+              <a:stretch>
+                <a:fillRect/>
+              </a:stretch>
+            </p:blipFill>
+            <p:spPr>
+              <a:xfrm>
+                <a:off x="5905009" y="134899"/>
+                <a:ext cx="33480" cy="25920"/>
+              </a:xfrm>
+              <a:prstGeom prst="rect">
+                <a:avLst/>
+              </a:prstGeom>
+            </p:spPr>
+          </p:pic>
+        </mc:Fallback>
+      </mc:AlternateContent>
+      <mc:AlternateContent xmlns:mc="http://schemas.openxmlformats.org/markup-compatibility/2006">
+        <mc:Choice xmlns:p14="http://schemas.microsoft.com/office/powerpoint/2010/main" Requires="p14">
+          <p:contentPart p14:bwMode="auto" r:id="rId56">
+            <p14:nvContentPartPr>
+              <p14:cNvPr id="34" name="Ink 33">
+                <a:extLst>
+                  <a:ext uri="{FF2B5EF4-FFF2-40B4-BE49-F238E27FC236}">
+                    <a16:creationId xmlns:a16="http://schemas.microsoft.com/office/drawing/2014/main" id="{24DC1F53-DFE0-475E-8FCB-1B480ED7AAB3}"/>
+                  </a:ext>
+                </a:extLst>
+              </p14:cNvPr>
+              <p14:cNvContentPartPr/>
+              <p14:nvPr/>
+            </p14:nvContentPartPr>
+            <p14:xfrm>
+              <a:off x="5911129" y="287539"/>
+              <a:ext cx="45000" cy="78840"/>
+            </p14:xfrm>
+          </p:contentPart>
+        </mc:Choice>
+        <mc:Fallback>
+          <p:pic>
+            <p:nvPicPr>
+              <p:cNvPr id="34" name="Ink 33">
+                <a:extLst>
+                  <a:ext uri="{FF2B5EF4-FFF2-40B4-BE49-F238E27FC236}">
+                    <a16:creationId xmlns:a16="http://schemas.microsoft.com/office/drawing/2014/main" id="{24DC1F53-DFE0-475E-8FCB-1B480ED7AAB3}"/>
+                  </a:ext>
+                </a:extLst>
+              </p:cNvPr>
+              <p:cNvPicPr/>
+              <p:nvPr/>
+            </p:nvPicPr>
+            <p:blipFill>
+              <a:blip r:embed="rId57"/>
+              <a:stretch>
+                <a:fillRect/>
+              </a:stretch>
+            </p:blipFill>
+            <p:spPr>
+              <a:xfrm>
+                <a:off x="5902129" y="278899"/>
+                <a:ext cx="62640" cy="96480"/>
+              </a:xfrm>
+              <a:prstGeom prst="rect">
+                <a:avLst/>
+              </a:prstGeom>
+            </p:spPr>
+          </p:pic>
+        </mc:Fallback>
+      </mc:AlternateContent>
+      <p:grpSp>
+        <p:nvGrpSpPr>
+          <p:cNvPr id="48" name="Group 47">
+            <a:extLst>
+              <a:ext uri="{FF2B5EF4-FFF2-40B4-BE49-F238E27FC236}">
+                <a16:creationId xmlns:a16="http://schemas.microsoft.com/office/drawing/2014/main" id="{55C552C8-53B6-410E-A0DE-5C53239C11AB}"/>
+              </a:ext>
+            </a:extLst>
+          </p:cNvPr>
+          <p:cNvGrpSpPr/>
+          <p:nvPr/>
+        </p:nvGrpSpPr>
+        <p:grpSpPr>
+          <a:xfrm>
+            <a:off x="5162689" y="510019"/>
+            <a:ext cx="343080" cy="639360"/>
+            <a:chOff x="5162689" y="510019"/>
+            <a:chExt cx="343080" cy="639360"/>
+          </a:xfrm>
+        </p:grpSpPr>
+        <mc:AlternateContent xmlns:mc="http://schemas.openxmlformats.org/markup-compatibility/2006">
+          <mc:Choice xmlns:p14="http://schemas.microsoft.com/office/powerpoint/2010/main" Requires="p14">
+            <p:contentPart p14:bwMode="auto" r:id="rId58">
+              <p14:nvContentPartPr>
+                <p14:cNvPr id="35" name="Ink 34">
+                  <a:extLst>
+                    <a:ext uri="{FF2B5EF4-FFF2-40B4-BE49-F238E27FC236}">
+                      <a16:creationId xmlns:a16="http://schemas.microsoft.com/office/drawing/2014/main" id="{11160537-A05E-4A62-8A42-ABF8DCEF1C76}"/>
+                    </a:ext>
+                  </a:extLst>
+                </p14:cNvPr>
+                <p14:cNvContentPartPr/>
+                <p14:nvPr/>
+              </p14:nvContentPartPr>
+              <p14:xfrm>
+                <a:off x="5325769" y="606499"/>
+                <a:ext cx="72720" cy="28440"/>
+              </p14:xfrm>
+            </p:contentPart>
+          </mc:Choice>
+          <mc:Fallback>
+            <p:pic>
+              <p:nvPicPr>
+                <p:cNvPr id="35" name="Ink 34">
+                  <a:extLst>
+                    <a:ext uri="{FF2B5EF4-FFF2-40B4-BE49-F238E27FC236}">
+                      <a16:creationId xmlns:a16="http://schemas.microsoft.com/office/drawing/2014/main" id="{11160537-A05E-4A62-8A42-ABF8DCEF1C76}"/>
+                    </a:ext>
+                  </a:extLst>
+                </p:cNvPr>
+                <p:cNvPicPr/>
+                <p:nvPr/>
+              </p:nvPicPr>
+              <p:blipFill>
+                <a:blip r:embed="rId59"/>
+                <a:stretch>
+                  <a:fillRect/>
+                </a:stretch>
+              </p:blipFill>
+              <p:spPr>
+                <a:xfrm>
+                  <a:off x="5317129" y="597499"/>
+                  <a:ext cx="90360" cy="46080"/>
+                </a:xfrm>
+                <a:prstGeom prst="rect">
+                  <a:avLst/>
+                </a:prstGeom>
+              </p:spPr>
+            </p:pic>
+          </mc:Fallback>
+        </mc:AlternateContent>
+        <mc:AlternateContent xmlns:mc="http://schemas.openxmlformats.org/markup-compatibility/2006">
+          <mc:Choice xmlns:p14="http://schemas.microsoft.com/office/powerpoint/2010/main" Requires="p14">
+            <p:contentPart p14:bwMode="auto" r:id="rId60">
+              <p14:nvContentPartPr>
+                <p14:cNvPr id="36" name="Ink 35">
+                  <a:extLst>
+                    <a:ext uri="{FF2B5EF4-FFF2-40B4-BE49-F238E27FC236}">
+                      <a16:creationId xmlns:a16="http://schemas.microsoft.com/office/drawing/2014/main" id="{1D4AFECE-5832-4C7F-8DA5-E36C3EF0572F}"/>
+                    </a:ext>
+                  </a:extLst>
+                </p14:cNvPr>
+                <p14:cNvContentPartPr/>
+                <p14:nvPr/>
+              </p14:nvContentPartPr>
+              <p14:xfrm>
+                <a:off x="5336209" y="688579"/>
+                <a:ext cx="68040" cy="11160"/>
+              </p14:xfrm>
+            </p:contentPart>
+          </mc:Choice>
+          <mc:Fallback>
+            <p:pic>
+              <p:nvPicPr>
+                <p:cNvPr id="36" name="Ink 35">
+                  <a:extLst>
+                    <a:ext uri="{FF2B5EF4-FFF2-40B4-BE49-F238E27FC236}">
+                      <a16:creationId xmlns:a16="http://schemas.microsoft.com/office/drawing/2014/main" id="{1D4AFECE-5832-4C7F-8DA5-E36C3EF0572F}"/>
+                    </a:ext>
+                  </a:extLst>
+                </p:cNvPr>
+                <p:cNvPicPr/>
+                <p:nvPr/>
+              </p:nvPicPr>
+              <p:blipFill>
+                <a:blip r:embed="rId61"/>
+                <a:stretch>
+                  <a:fillRect/>
+                </a:stretch>
+              </p:blipFill>
+              <p:spPr>
+                <a:xfrm>
+                  <a:off x="5327569" y="679579"/>
+                  <a:ext cx="85680" cy="28800"/>
+                </a:xfrm>
+                <a:prstGeom prst="rect">
+                  <a:avLst/>
+                </a:prstGeom>
+              </p:spPr>
+            </p:pic>
+          </mc:Fallback>
+        </mc:AlternateContent>
+        <mc:AlternateContent xmlns:mc="http://schemas.openxmlformats.org/markup-compatibility/2006">
+          <mc:Choice xmlns:p14="http://schemas.microsoft.com/office/powerpoint/2010/main" Requires="p14">
+            <p:contentPart p14:bwMode="auto" r:id="rId62">
+              <p14:nvContentPartPr>
+                <p14:cNvPr id="38" name="Ink 37">
+                  <a:extLst>
+                    <a:ext uri="{FF2B5EF4-FFF2-40B4-BE49-F238E27FC236}">
+                      <a16:creationId xmlns:a16="http://schemas.microsoft.com/office/drawing/2014/main" id="{7F4F25A5-5BF2-4753-AD4C-D040A15D7B50}"/>
+                    </a:ext>
+                  </a:extLst>
+                </p14:cNvPr>
+                <p14:cNvContentPartPr/>
+                <p14:nvPr/>
+              </p14:nvContentPartPr>
+              <p14:xfrm>
+                <a:off x="5303089" y="895939"/>
+                <a:ext cx="49680" cy="253440"/>
+              </p14:xfrm>
+            </p:contentPart>
+          </mc:Choice>
+          <mc:Fallback>
+            <p:pic>
+              <p:nvPicPr>
+                <p:cNvPr id="38" name="Ink 37">
+                  <a:extLst>
+                    <a:ext uri="{FF2B5EF4-FFF2-40B4-BE49-F238E27FC236}">
+                      <a16:creationId xmlns:a16="http://schemas.microsoft.com/office/drawing/2014/main" id="{7F4F25A5-5BF2-4753-AD4C-D040A15D7B50}"/>
+                    </a:ext>
+                  </a:extLst>
+                </p:cNvPr>
+                <p:cNvPicPr/>
+                <p:nvPr/>
+              </p:nvPicPr>
+              <p:blipFill>
+                <a:blip r:embed="rId63"/>
+                <a:stretch>
+                  <a:fillRect/>
+                </a:stretch>
+              </p:blipFill>
+              <p:spPr>
+                <a:xfrm>
+                  <a:off x="5294449" y="886939"/>
+                  <a:ext cx="67320" cy="271080"/>
+                </a:xfrm>
+                <a:prstGeom prst="rect">
+                  <a:avLst/>
+                </a:prstGeom>
+              </p:spPr>
+            </p:pic>
+          </mc:Fallback>
+        </mc:AlternateContent>
+        <mc:AlternateContent xmlns:mc="http://schemas.openxmlformats.org/markup-compatibility/2006">
+          <mc:Choice xmlns:p14="http://schemas.microsoft.com/office/powerpoint/2010/main" Requires="p14">
+            <p:contentPart p14:bwMode="auto" r:id="rId64">
+              <p14:nvContentPartPr>
+                <p14:cNvPr id="39" name="Ink 38">
+                  <a:extLst>
+                    <a:ext uri="{FF2B5EF4-FFF2-40B4-BE49-F238E27FC236}">
+                      <a16:creationId xmlns:a16="http://schemas.microsoft.com/office/drawing/2014/main" id="{361440F5-0D21-49E1-9F06-838BA70BA488}"/>
+                    </a:ext>
+                  </a:extLst>
+                </p14:cNvPr>
+                <p14:cNvContentPartPr/>
+                <p14:nvPr/>
+              </p14:nvContentPartPr>
+              <p14:xfrm>
+                <a:off x="5162689" y="540979"/>
+                <a:ext cx="15840" cy="6840"/>
+              </p14:xfrm>
+            </p:contentPart>
+          </mc:Choice>
+          <mc:Fallback>
+            <p:pic>
+              <p:nvPicPr>
+                <p:cNvPr id="39" name="Ink 38">
+                  <a:extLst>
+                    <a:ext uri="{FF2B5EF4-FFF2-40B4-BE49-F238E27FC236}">
+                      <a16:creationId xmlns:a16="http://schemas.microsoft.com/office/drawing/2014/main" id="{361440F5-0D21-49E1-9F06-838BA70BA488}"/>
+                    </a:ext>
+                  </a:extLst>
+                </p:cNvPr>
+                <p:cNvPicPr/>
+                <p:nvPr/>
+              </p:nvPicPr>
+              <p:blipFill>
+                <a:blip r:embed="rId65"/>
+                <a:stretch>
+                  <a:fillRect/>
+                </a:stretch>
+              </p:blipFill>
+              <p:spPr>
+                <a:xfrm>
+                  <a:off x="5154049" y="531979"/>
+                  <a:ext cx="33480" cy="24480"/>
+                </a:xfrm>
+                <a:prstGeom prst="rect">
+                  <a:avLst/>
+                </a:prstGeom>
+              </p:spPr>
+            </p:pic>
+          </mc:Fallback>
+        </mc:AlternateContent>
+        <mc:AlternateContent xmlns:mc="http://schemas.openxmlformats.org/markup-compatibility/2006">
+          <mc:Choice xmlns:p14="http://schemas.microsoft.com/office/powerpoint/2010/main" Requires="p14">
+            <p:contentPart p14:bwMode="auto" r:id="rId66">
+              <p14:nvContentPartPr>
+                <p14:cNvPr id="40" name="Ink 39">
+                  <a:extLst>
+                    <a:ext uri="{FF2B5EF4-FFF2-40B4-BE49-F238E27FC236}">
+                      <a16:creationId xmlns:a16="http://schemas.microsoft.com/office/drawing/2014/main" id="{42B4AC5B-CD73-40E4-902E-CABE624A4F01}"/>
+                    </a:ext>
+                  </a:extLst>
+                </p14:cNvPr>
+                <p14:cNvContentPartPr/>
+                <p14:nvPr/>
+              </p14:nvContentPartPr>
+              <p14:xfrm>
+                <a:off x="5190049" y="513979"/>
+                <a:ext cx="248760" cy="44640"/>
+              </p14:xfrm>
+            </p:contentPart>
+          </mc:Choice>
+          <mc:Fallback>
+            <p:pic>
+              <p:nvPicPr>
+                <p:cNvPr id="40" name="Ink 39">
+                  <a:extLst>
+                    <a:ext uri="{FF2B5EF4-FFF2-40B4-BE49-F238E27FC236}">
+                      <a16:creationId xmlns:a16="http://schemas.microsoft.com/office/drawing/2014/main" id="{42B4AC5B-CD73-40E4-902E-CABE624A4F01}"/>
+                    </a:ext>
+                  </a:extLst>
+                </p:cNvPr>
+                <p:cNvPicPr/>
+                <p:nvPr/>
+              </p:nvPicPr>
+              <p:blipFill>
+                <a:blip r:embed="rId67"/>
+                <a:stretch>
+                  <a:fillRect/>
+                </a:stretch>
+              </p:blipFill>
+              <p:spPr>
+                <a:xfrm>
+                  <a:off x="5181409" y="504979"/>
+                  <a:ext cx="266400" cy="62280"/>
+                </a:xfrm>
+                <a:prstGeom prst="rect">
+                  <a:avLst/>
+                </a:prstGeom>
+              </p:spPr>
+            </p:pic>
+          </mc:Fallback>
+        </mc:AlternateContent>
+        <mc:AlternateContent xmlns:mc="http://schemas.openxmlformats.org/markup-compatibility/2006">
+          <mc:Choice xmlns:p14="http://schemas.microsoft.com/office/powerpoint/2010/main" Requires="p14">
+            <p:contentPart p14:bwMode="auto" r:id="rId68">
+              <p14:nvContentPartPr>
+                <p14:cNvPr id="41" name="Ink 40">
+                  <a:extLst>
+                    <a:ext uri="{FF2B5EF4-FFF2-40B4-BE49-F238E27FC236}">
+                      <a16:creationId xmlns:a16="http://schemas.microsoft.com/office/drawing/2014/main" id="{5AD0F1F5-E864-4076-A68E-5810F9A40404}"/>
+                    </a:ext>
+                  </a:extLst>
+                </p14:cNvPr>
+                <p14:cNvContentPartPr/>
+                <p14:nvPr/>
+              </p14:nvContentPartPr>
+              <p14:xfrm>
+                <a:off x="5190049" y="510019"/>
+                <a:ext cx="315720" cy="383400"/>
+              </p14:xfrm>
+            </p:contentPart>
+          </mc:Choice>
+          <mc:Fallback>
+            <p:pic>
+              <p:nvPicPr>
+                <p:cNvPr id="41" name="Ink 40">
+                  <a:extLst>
+                    <a:ext uri="{FF2B5EF4-FFF2-40B4-BE49-F238E27FC236}">
+                      <a16:creationId xmlns:a16="http://schemas.microsoft.com/office/drawing/2014/main" id="{5AD0F1F5-E864-4076-A68E-5810F9A40404}"/>
+                    </a:ext>
+                  </a:extLst>
+                </p:cNvPr>
+                <p:cNvPicPr/>
+                <p:nvPr/>
+              </p:nvPicPr>
+              <p:blipFill>
+                <a:blip r:embed="rId69"/>
+                <a:stretch>
+                  <a:fillRect/>
+                </a:stretch>
+              </p:blipFill>
+              <p:spPr>
+                <a:xfrm>
+                  <a:off x="5181409" y="501379"/>
+                  <a:ext cx="333360" cy="401040"/>
+                </a:xfrm>
+                <a:prstGeom prst="rect">
+                  <a:avLst/>
+                </a:prstGeom>
+              </p:spPr>
+            </p:pic>
+          </mc:Fallback>
+        </mc:AlternateContent>
+        <mc:AlternateContent xmlns:mc="http://schemas.openxmlformats.org/markup-compatibility/2006">
+          <mc:Choice xmlns:p14="http://schemas.microsoft.com/office/powerpoint/2010/main" Requires="p14">
+            <p:contentPart p14:bwMode="auto" r:id="rId70">
+              <p14:nvContentPartPr>
+                <p14:cNvPr id="42" name="Ink 41">
+                  <a:extLst>
+                    <a:ext uri="{FF2B5EF4-FFF2-40B4-BE49-F238E27FC236}">
+                      <a16:creationId xmlns:a16="http://schemas.microsoft.com/office/drawing/2014/main" id="{64B7DDAD-B68C-467D-9191-6B3E68B09900}"/>
+                    </a:ext>
+                  </a:extLst>
+                </p14:cNvPr>
+                <p14:cNvContentPartPr/>
+                <p14:nvPr/>
+              </p14:nvContentPartPr>
+              <p14:xfrm>
+                <a:off x="5212729" y="856339"/>
+                <a:ext cx="237600" cy="37080"/>
+              </p14:xfrm>
+            </p:contentPart>
+          </mc:Choice>
+          <mc:Fallback>
+            <p:pic>
+              <p:nvPicPr>
+                <p:cNvPr id="42" name="Ink 41">
+                  <a:extLst>
+                    <a:ext uri="{FF2B5EF4-FFF2-40B4-BE49-F238E27FC236}">
+                      <a16:creationId xmlns:a16="http://schemas.microsoft.com/office/drawing/2014/main" id="{64B7DDAD-B68C-467D-9191-6B3E68B09900}"/>
+                    </a:ext>
+                  </a:extLst>
+                </p:cNvPr>
+                <p:cNvPicPr/>
+                <p:nvPr/>
+              </p:nvPicPr>
+              <p:blipFill>
+                <a:blip r:embed="rId71"/>
+                <a:stretch>
+                  <a:fillRect/>
+                </a:stretch>
+              </p:blipFill>
+              <p:spPr>
+                <a:xfrm>
+                  <a:off x="5203729" y="847699"/>
+                  <a:ext cx="255240" cy="54720"/>
+                </a:xfrm>
+                <a:prstGeom prst="rect">
+                  <a:avLst/>
+                </a:prstGeom>
+              </p:spPr>
+            </p:pic>
+          </mc:Fallback>
+        </mc:AlternateContent>
+      </p:grpSp>
+      <p:grpSp>
+        <p:nvGrpSpPr>
+          <p:cNvPr id="47" name="Group 46">
+            <a:extLst>
+              <a:ext uri="{FF2B5EF4-FFF2-40B4-BE49-F238E27FC236}">
+                <a16:creationId xmlns:a16="http://schemas.microsoft.com/office/drawing/2014/main" id="{D7C25166-534B-4AAC-99AD-0CC8D7FFF6B5}"/>
+              </a:ext>
+            </a:extLst>
+          </p:cNvPr>
+          <p:cNvGrpSpPr/>
+          <p:nvPr/>
+        </p:nvGrpSpPr>
+        <p:grpSpPr>
+          <a:xfrm>
+            <a:off x="5198329" y="1277179"/>
+            <a:ext cx="340920" cy="159840"/>
+            <a:chOff x="5198329" y="1277179"/>
+            <a:chExt cx="340920" cy="159840"/>
+          </a:xfrm>
+        </p:grpSpPr>
+        <mc:AlternateContent xmlns:mc="http://schemas.openxmlformats.org/markup-compatibility/2006">
+          <mc:Choice xmlns:p14="http://schemas.microsoft.com/office/powerpoint/2010/main" Requires="p14">
+            <p:contentPart p14:bwMode="auto" r:id="rId72">
+              <p14:nvContentPartPr>
+                <p14:cNvPr id="43" name="Ink 42">
+                  <a:extLst>
+                    <a:ext uri="{FF2B5EF4-FFF2-40B4-BE49-F238E27FC236}">
+                      <a16:creationId xmlns:a16="http://schemas.microsoft.com/office/drawing/2014/main" id="{29CBE1D3-7DA5-4527-9E70-2D7BC2F6D93D}"/>
+                    </a:ext>
+                  </a:extLst>
+                </p14:cNvPr>
+                <p14:cNvContentPartPr/>
+                <p14:nvPr/>
+              </p14:nvContentPartPr>
+              <p14:xfrm>
+                <a:off x="5198329" y="1286899"/>
+                <a:ext cx="6480" cy="59760"/>
+              </p14:xfrm>
+            </p:contentPart>
+          </mc:Choice>
+          <mc:Fallback>
+            <p:pic>
+              <p:nvPicPr>
+                <p:cNvPr id="43" name="Ink 42">
+                  <a:extLst>
+                    <a:ext uri="{FF2B5EF4-FFF2-40B4-BE49-F238E27FC236}">
+                      <a16:creationId xmlns:a16="http://schemas.microsoft.com/office/drawing/2014/main" id="{29CBE1D3-7DA5-4527-9E70-2D7BC2F6D93D}"/>
+                    </a:ext>
+                  </a:extLst>
+                </p:cNvPr>
+                <p:cNvPicPr/>
+                <p:nvPr/>
+              </p:nvPicPr>
+              <p:blipFill>
+                <a:blip r:embed="rId73"/>
+                <a:stretch>
+                  <a:fillRect/>
+                </a:stretch>
+              </p:blipFill>
+              <p:spPr>
+                <a:xfrm>
+                  <a:off x="5189329" y="1278259"/>
+                  <a:ext cx="24120" cy="77400"/>
+                </a:xfrm>
+                <a:prstGeom prst="rect">
+                  <a:avLst/>
+                </a:prstGeom>
+              </p:spPr>
+            </p:pic>
+          </mc:Fallback>
+        </mc:AlternateContent>
+        <mc:AlternateContent xmlns:mc="http://schemas.openxmlformats.org/markup-compatibility/2006">
+          <mc:Choice xmlns:p14="http://schemas.microsoft.com/office/powerpoint/2010/main" Requires="p14">
+            <p:contentPart p14:bwMode="auto" r:id="rId74">
+              <p14:nvContentPartPr>
+                <p14:cNvPr id="44" name="Ink 43">
+                  <a:extLst>
+                    <a:ext uri="{FF2B5EF4-FFF2-40B4-BE49-F238E27FC236}">
+                      <a16:creationId xmlns:a16="http://schemas.microsoft.com/office/drawing/2014/main" id="{1EBAE522-1A55-41C8-99F8-9CF434A07219}"/>
+                    </a:ext>
+                  </a:extLst>
+                </p14:cNvPr>
+                <p14:cNvContentPartPr/>
+                <p14:nvPr/>
+              </p14:nvContentPartPr>
+              <p14:xfrm>
+                <a:off x="5273209" y="1284379"/>
+                <a:ext cx="19440" cy="42120"/>
+              </p14:xfrm>
+            </p:contentPart>
+          </mc:Choice>
+          <mc:Fallback>
+            <p:pic>
+              <p:nvPicPr>
+                <p:cNvPr id="44" name="Ink 43">
+                  <a:extLst>
+                    <a:ext uri="{FF2B5EF4-FFF2-40B4-BE49-F238E27FC236}">
+                      <a16:creationId xmlns:a16="http://schemas.microsoft.com/office/drawing/2014/main" id="{1EBAE522-1A55-41C8-99F8-9CF434A07219}"/>
+                    </a:ext>
+                  </a:extLst>
+                </p:cNvPr>
+                <p:cNvPicPr/>
+                <p:nvPr/>
+              </p:nvPicPr>
+              <p:blipFill>
+                <a:blip r:embed="rId75"/>
+                <a:stretch>
+                  <a:fillRect/>
+                </a:stretch>
+              </p:blipFill>
+              <p:spPr>
+                <a:xfrm>
+                  <a:off x="5264569" y="1275379"/>
+                  <a:ext cx="37080" cy="59760"/>
+                </a:xfrm>
+                <a:prstGeom prst="rect">
+                  <a:avLst/>
+                </a:prstGeom>
+              </p:spPr>
+            </p:pic>
+          </mc:Fallback>
+        </mc:AlternateContent>
+        <mc:AlternateContent xmlns:mc="http://schemas.openxmlformats.org/markup-compatibility/2006">
+          <mc:Choice xmlns:p14="http://schemas.microsoft.com/office/powerpoint/2010/main" Requires="p14">
+            <p:contentPart p14:bwMode="auto" r:id="rId76">
+              <p14:nvContentPartPr>
+                <p14:cNvPr id="45" name="Ink 44">
+                  <a:extLst>
+                    <a:ext uri="{FF2B5EF4-FFF2-40B4-BE49-F238E27FC236}">
+                      <a16:creationId xmlns:a16="http://schemas.microsoft.com/office/drawing/2014/main" id="{4B59EF37-06E6-495E-B8AF-BB803686EF64}"/>
+                    </a:ext>
+                  </a:extLst>
+                </p14:cNvPr>
+                <p14:cNvContentPartPr/>
+                <p14:nvPr/>
+              </p14:nvContentPartPr>
+              <p14:xfrm>
+                <a:off x="5388049" y="1393459"/>
+                <a:ext cx="8280" cy="43560"/>
+              </p14:xfrm>
+            </p:contentPart>
+          </mc:Choice>
+          <mc:Fallback>
+            <p:pic>
+              <p:nvPicPr>
+                <p:cNvPr id="45" name="Ink 44">
+                  <a:extLst>
+                    <a:ext uri="{FF2B5EF4-FFF2-40B4-BE49-F238E27FC236}">
+                      <a16:creationId xmlns:a16="http://schemas.microsoft.com/office/drawing/2014/main" id="{4B59EF37-06E6-495E-B8AF-BB803686EF64}"/>
+                    </a:ext>
+                  </a:extLst>
+                </p:cNvPr>
+                <p:cNvPicPr/>
+                <p:nvPr/>
+              </p:nvPicPr>
+              <p:blipFill>
+                <a:blip r:embed="rId77"/>
+                <a:stretch>
+                  <a:fillRect/>
+                </a:stretch>
+              </p:blipFill>
+              <p:spPr>
+                <a:xfrm>
+                  <a:off x="5379049" y="1384819"/>
+                  <a:ext cx="25920" cy="61200"/>
+                </a:xfrm>
+                <a:prstGeom prst="rect">
+                  <a:avLst/>
+                </a:prstGeom>
+              </p:spPr>
+            </p:pic>
+          </mc:Fallback>
+        </mc:AlternateContent>
+        <mc:AlternateContent xmlns:mc="http://schemas.openxmlformats.org/markup-compatibility/2006">
+          <mc:Choice xmlns:p14="http://schemas.microsoft.com/office/powerpoint/2010/main" Requires="p14">
+            <p:contentPart p14:bwMode="auto" r:id="rId78">
+              <p14:nvContentPartPr>
+                <p14:cNvPr id="46" name="Ink 45">
+                  <a:extLst>
+                    <a:ext uri="{FF2B5EF4-FFF2-40B4-BE49-F238E27FC236}">
+                      <a16:creationId xmlns:a16="http://schemas.microsoft.com/office/drawing/2014/main" id="{1210877D-053C-407B-8320-C2B7DB3D8502}"/>
+                    </a:ext>
+                  </a:extLst>
+                </p14:cNvPr>
+                <p14:cNvContentPartPr/>
+                <p14:nvPr/>
+              </p14:nvContentPartPr>
+              <p14:xfrm>
+                <a:off x="5510449" y="1277179"/>
+                <a:ext cx="28800" cy="71640"/>
+              </p14:xfrm>
+            </p:contentPart>
+          </mc:Choice>
+          <mc:Fallback>
+            <p:pic>
+              <p:nvPicPr>
+                <p:cNvPr id="46" name="Ink 45">
+                  <a:extLst>
+                    <a:ext uri="{FF2B5EF4-FFF2-40B4-BE49-F238E27FC236}">
+                      <a16:creationId xmlns:a16="http://schemas.microsoft.com/office/drawing/2014/main" id="{1210877D-053C-407B-8320-C2B7DB3D8502}"/>
+                    </a:ext>
+                  </a:extLst>
+                </p:cNvPr>
+                <p:cNvPicPr/>
+                <p:nvPr/>
+              </p:nvPicPr>
+              <p:blipFill>
+                <a:blip r:embed="rId79"/>
+                <a:stretch>
+                  <a:fillRect/>
+                </a:stretch>
+              </p:blipFill>
+              <p:spPr>
+                <a:xfrm>
+                  <a:off x="5501449" y="1268179"/>
+                  <a:ext cx="46440" cy="89280"/>
+                </a:xfrm>
+                <a:prstGeom prst="rect">
+                  <a:avLst/>
+                </a:prstGeom>
+              </p:spPr>
+            </p:pic>
+          </mc:Fallback>
+        </mc:AlternateContent>
+      </p:grpSp>
+      <mc:AlternateContent xmlns:mc="http://schemas.openxmlformats.org/markup-compatibility/2006">
+        <mc:Choice xmlns:p14="http://schemas.microsoft.com/office/powerpoint/2010/main" Requires="p14">
+          <p:contentPart p14:bwMode="auto" r:id="rId80">
+            <p14:nvContentPartPr>
+              <p14:cNvPr id="49" name="Ink 48">
+                <a:extLst>
+                  <a:ext uri="{FF2B5EF4-FFF2-40B4-BE49-F238E27FC236}">
+                    <a16:creationId xmlns:a16="http://schemas.microsoft.com/office/drawing/2014/main" id="{D71CDFD7-F402-4357-AC45-866848C8D27E}"/>
+                  </a:ext>
+                </a:extLst>
+              </p14:cNvPr>
+              <p14:cNvContentPartPr/>
+              <p14:nvPr/>
+            </p14:nvContentPartPr>
+            <p14:xfrm>
+              <a:off x="4082329" y="496339"/>
+              <a:ext cx="777600" cy="37800"/>
+            </p14:xfrm>
+          </p:contentPart>
+        </mc:Choice>
+        <mc:Fallback>
+          <p:pic>
+            <p:nvPicPr>
+              <p:cNvPr id="49" name="Ink 48">
+                <a:extLst>
+                  <a:ext uri="{FF2B5EF4-FFF2-40B4-BE49-F238E27FC236}">
+                    <a16:creationId xmlns:a16="http://schemas.microsoft.com/office/drawing/2014/main" id="{D71CDFD7-F402-4357-AC45-866848C8D27E}"/>
+                  </a:ext>
+                </a:extLst>
+              </p:cNvPr>
+              <p:cNvPicPr/>
+              <p:nvPr/>
+            </p:nvPicPr>
+            <p:blipFill>
+              <a:blip r:embed="rId81"/>
+              <a:stretch>
+                <a:fillRect/>
+              </a:stretch>
+            </p:blipFill>
+            <p:spPr>
+              <a:xfrm>
+                <a:off x="4073689" y="487699"/>
+                <a:ext cx="795240" cy="55440"/>
+              </a:xfrm>
+              <a:prstGeom prst="rect">
+                <a:avLst/>
+              </a:prstGeom>
+            </p:spPr>
+          </p:pic>
+        </mc:Fallback>
+      </mc:AlternateContent>
+      <p:grpSp>
+        <p:nvGrpSpPr>
+          <p:cNvPr id="52" name="Group 51">
+            <a:extLst>
+              <a:ext uri="{FF2B5EF4-FFF2-40B4-BE49-F238E27FC236}">
+                <a16:creationId xmlns:a16="http://schemas.microsoft.com/office/drawing/2014/main" id="{5364BCD8-7631-47AD-8C7A-3531CEEB9AFD}"/>
+              </a:ext>
+            </a:extLst>
+          </p:cNvPr>
+          <p:cNvGrpSpPr/>
+          <p:nvPr/>
+        </p:nvGrpSpPr>
+        <p:grpSpPr>
+          <a:xfrm>
+            <a:off x="2294209" y="2463739"/>
+            <a:ext cx="166680" cy="342000"/>
+            <a:chOff x="2294209" y="2463739"/>
+            <a:chExt cx="166680" cy="342000"/>
+          </a:xfrm>
+        </p:grpSpPr>
+        <mc:AlternateContent xmlns:mc="http://schemas.openxmlformats.org/markup-compatibility/2006">
+          <mc:Choice xmlns:p14="http://schemas.microsoft.com/office/powerpoint/2010/main" Requires="p14">
+            <p:contentPart p14:bwMode="auto" r:id="rId82">
+              <p14:nvContentPartPr>
+                <p14:cNvPr id="50" name="Ink 49">
+                  <a:extLst>
+                    <a:ext uri="{FF2B5EF4-FFF2-40B4-BE49-F238E27FC236}">
+                      <a16:creationId xmlns:a16="http://schemas.microsoft.com/office/drawing/2014/main" id="{34F88E69-09B7-4A60-BF7A-51378C95BE57}"/>
+                    </a:ext>
+                  </a:extLst>
+                </p14:cNvPr>
+                <p14:cNvContentPartPr/>
+                <p14:nvPr/>
+              </p14:nvContentPartPr>
+              <p14:xfrm>
+                <a:off x="2294209" y="2463739"/>
+                <a:ext cx="149760" cy="161640"/>
+              </p14:xfrm>
+            </p:contentPart>
+          </mc:Choice>
+          <mc:Fallback>
+            <p:pic>
+              <p:nvPicPr>
+                <p:cNvPr id="50" name="Ink 49">
+                  <a:extLst>
+                    <a:ext uri="{FF2B5EF4-FFF2-40B4-BE49-F238E27FC236}">
+                      <a16:creationId xmlns:a16="http://schemas.microsoft.com/office/drawing/2014/main" id="{34F88E69-09B7-4A60-BF7A-51378C95BE57}"/>
+                    </a:ext>
+                  </a:extLst>
+                </p:cNvPr>
+                <p:cNvPicPr/>
+                <p:nvPr/>
+              </p:nvPicPr>
+              <p:blipFill>
+                <a:blip r:embed="rId83"/>
+                <a:stretch>
+                  <a:fillRect/>
+                </a:stretch>
+              </p:blipFill>
+              <p:spPr>
+                <a:xfrm>
+                  <a:off x="2285209" y="2455099"/>
+                  <a:ext cx="167400" cy="179280"/>
+                </a:xfrm>
+                <a:prstGeom prst="rect">
+                  <a:avLst/>
+                </a:prstGeom>
+              </p:spPr>
+            </p:pic>
+          </mc:Fallback>
+        </mc:AlternateContent>
+        <mc:AlternateContent xmlns:mc="http://schemas.openxmlformats.org/markup-compatibility/2006">
+          <mc:Choice xmlns:p14="http://schemas.microsoft.com/office/powerpoint/2010/main" Requires="p14">
+            <p:contentPart p14:bwMode="auto" r:id="rId84">
+              <p14:nvContentPartPr>
+                <p14:cNvPr id="51" name="Ink 50">
+                  <a:extLst>
+                    <a:ext uri="{FF2B5EF4-FFF2-40B4-BE49-F238E27FC236}">
+                      <a16:creationId xmlns:a16="http://schemas.microsoft.com/office/drawing/2014/main" id="{879CA5F5-FCA2-4373-ABB9-535D4400CD18}"/>
+                    </a:ext>
+                  </a:extLst>
+                </p14:cNvPr>
+                <p14:cNvContentPartPr/>
+                <p14:nvPr/>
+              </p14:nvContentPartPr>
+              <p14:xfrm>
+                <a:off x="2328049" y="2684059"/>
+                <a:ext cx="132840" cy="121680"/>
+              </p14:xfrm>
+            </p:contentPart>
+          </mc:Choice>
+          <mc:Fallback>
+            <p:pic>
+              <p:nvPicPr>
+                <p:cNvPr id="51" name="Ink 50">
+                  <a:extLst>
+                    <a:ext uri="{FF2B5EF4-FFF2-40B4-BE49-F238E27FC236}">
+                      <a16:creationId xmlns:a16="http://schemas.microsoft.com/office/drawing/2014/main" id="{879CA5F5-FCA2-4373-ABB9-535D4400CD18}"/>
+                    </a:ext>
+                  </a:extLst>
+                </p:cNvPr>
+                <p:cNvPicPr/>
+                <p:nvPr/>
+              </p:nvPicPr>
+              <p:blipFill>
+                <a:blip r:embed="rId85"/>
+                <a:stretch>
+                  <a:fillRect/>
+                </a:stretch>
+              </p:blipFill>
+              <p:spPr>
+                <a:xfrm>
+                  <a:off x="2319409" y="2675419"/>
+                  <a:ext cx="150480" cy="139320"/>
+                </a:xfrm>
+                <a:prstGeom prst="rect">
+                  <a:avLst/>
+                </a:prstGeom>
+              </p:spPr>
+            </p:pic>
+          </mc:Fallback>
+        </mc:AlternateContent>
+      </p:grpSp>
+      <mc:AlternateContent xmlns:mc="http://schemas.openxmlformats.org/markup-compatibility/2006">
+        <mc:Choice xmlns:p14="http://schemas.microsoft.com/office/powerpoint/2010/main" Requires="p14">
+          <p:contentPart p14:bwMode="auto" r:id="rId86">
+            <p14:nvContentPartPr>
+              <p14:cNvPr id="53" name="Ink 52">
+                <a:extLst>
+                  <a:ext uri="{FF2B5EF4-FFF2-40B4-BE49-F238E27FC236}">
+                    <a16:creationId xmlns:a16="http://schemas.microsoft.com/office/drawing/2014/main" id="{7D1282D6-D805-4779-828F-D67ECABEF66C}"/>
+                  </a:ext>
+                </a:extLst>
+              </p14:cNvPr>
+              <p14:cNvContentPartPr/>
+              <p14:nvPr/>
+            </p14:nvContentPartPr>
+            <p14:xfrm>
+              <a:off x="3402649" y="3055219"/>
+              <a:ext cx="686880" cy="44640"/>
+            </p14:xfrm>
+          </p:contentPart>
+        </mc:Choice>
+        <mc:Fallback>
+          <p:pic>
+            <p:nvPicPr>
+              <p:cNvPr id="53" name="Ink 52">
+                <a:extLst>
+                  <a:ext uri="{FF2B5EF4-FFF2-40B4-BE49-F238E27FC236}">
+                    <a16:creationId xmlns:a16="http://schemas.microsoft.com/office/drawing/2014/main" id="{7D1282D6-D805-4779-828F-D67ECABEF66C}"/>
+                  </a:ext>
+                </a:extLst>
+              </p:cNvPr>
+              <p:cNvPicPr/>
+              <p:nvPr/>
+            </p:nvPicPr>
+            <p:blipFill>
+              <a:blip r:embed="rId87"/>
+              <a:stretch>
+                <a:fillRect/>
+              </a:stretch>
+            </p:blipFill>
+            <p:spPr>
+              <a:xfrm>
+                <a:off x="3393649" y="3046579"/>
+                <a:ext cx="704520" cy="62280"/>
+              </a:xfrm>
+              <a:prstGeom prst="rect">
+                <a:avLst/>
+              </a:prstGeom>
+            </p:spPr>
+          </p:pic>
+        </mc:Fallback>
+      </mc:AlternateContent>
+      <p:grpSp>
+        <p:nvGrpSpPr>
+          <p:cNvPr id="56" name="Group 55">
+            <a:extLst>
+              <a:ext uri="{FF2B5EF4-FFF2-40B4-BE49-F238E27FC236}">
+                <a16:creationId xmlns:a16="http://schemas.microsoft.com/office/drawing/2014/main" id="{3959DFFA-B460-45AF-B5ED-EB7B37410007}"/>
+              </a:ext>
+            </a:extLst>
+          </p:cNvPr>
+          <p:cNvGrpSpPr/>
+          <p:nvPr/>
+        </p:nvGrpSpPr>
+        <p:grpSpPr>
+          <a:xfrm>
+            <a:off x="615889" y="3987979"/>
+            <a:ext cx="309240" cy="753120"/>
+            <a:chOff x="615889" y="3987979"/>
+            <a:chExt cx="309240" cy="753120"/>
+          </a:xfrm>
+        </p:grpSpPr>
+        <mc:AlternateContent xmlns:mc="http://schemas.openxmlformats.org/markup-compatibility/2006">
+          <mc:Choice xmlns:p14="http://schemas.microsoft.com/office/powerpoint/2010/main" Requires="p14">
+            <p:contentPart p14:bwMode="auto" r:id="rId88">
+              <p14:nvContentPartPr>
+                <p14:cNvPr id="54" name="Ink 53">
+                  <a:extLst>
+                    <a:ext uri="{FF2B5EF4-FFF2-40B4-BE49-F238E27FC236}">
+                      <a16:creationId xmlns:a16="http://schemas.microsoft.com/office/drawing/2014/main" id="{E6526640-4735-4327-8DE6-D43A65FD610E}"/>
+                    </a:ext>
+                  </a:extLst>
+                </p14:cNvPr>
+                <p14:cNvContentPartPr/>
+                <p14:nvPr/>
+              </p14:nvContentPartPr>
+              <p14:xfrm>
+                <a:off x="701929" y="3987979"/>
+                <a:ext cx="223200" cy="31680"/>
+              </p14:xfrm>
+            </p:contentPart>
+          </mc:Choice>
+          <mc:Fallback>
+            <p:pic>
+              <p:nvPicPr>
+                <p:cNvPr id="54" name="Ink 53">
+                  <a:extLst>
+                    <a:ext uri="{FF2B5EF4-FFF2-40B4-BE49-F238E27FC236}">
+                      <a16:creationId xmlns:a16="http://schemas.microsoft.com/office/drawing/2014/main" id="{E6526640-4735-4327-8DE6-D43A65FD610E}"/>
+                    </a:ext>
+                  </a:extLst>
+                </p:cNvPr>
+                <p:cNvPicPr/>
+                <p:nvPr/>
+              </p:nvPicPr>
+              <p:blipFill>
+                <a:blip r:embed="rId89"/>
+                <a:stretch>
+                  <a:fillRect/>
+                </a:stretch>
+              </p:blipFill>
+              <p:spPr>
+                <a:xfrm>
+                  <a:off x="693289" y="3979339"/>
+                  <a:ext cx="240840" cy="49320"/>
+                </a:xfrm>
+                <a:prstGeom prst="rect">
+                  <a:avLst/>
+                </a:prstGeom>
+              </p:spPr>
+            </p:pic>
+          </mc:Fallback>
+        </mc:AlternateContent>
+        <mc:AlternateContent xmlns:mc="http://schemas.openxmlformats.org/markup-compatibility/2006">
+          <mc:Choice xmlns:p14="http://schemas.microsoft.com/office/powerpoint/2010/main" Requires="p14">
+            <p:contentPart p14:bwMode="auto" r:id="rId90">
+              <p14:nvContentPartPr>
+                <p14:cNvPr id="55" name="Ink 54">
+                  <a:extLst>
+                    <a:ext uri="{FF2B5EF4-FFF2-40B4-BE49-F238E27FC236}">
+                      <a16:creationId xmlns:a16="http://schemas.microsoft.com/office/drawing/2014/main" id="{7FF75CA2-2EEF-4F30-B4D7-43C002B8DA2C}"/>
+                    </a:ext>
+                  </a:extLst>
+                </p14:cNvPr>
+                <p14:cNvContentPartPr/>
+                <p14:nvPr/>
+              </p14:nvContentPartPr>
+              <p14:xfrm>
+                <a:off x="615889" y="4025779"/>
+                <a:ext cx="183240" cy="715320"/>
+              </p14:xfrm>
+            </p:contentPart>
+          </mc:Choice>
+          <mc:Fallback>
+            <p:pic>
+              <p:nvPicPr>
+                <p:cNvPr id="55" name="Ink 54">
+                  <a:extLst>
+                    <a:ext uri="{FF2B5EF4-FFF2-40B4-BE49-F238E27FC236}">
+                      <a16:creationId xmlns:a16="http://schemas.microsoft.com/office/drawing/2014/main" id="{7FF75CA2-2EEF-4F30-B4D7-43C002B8DA2C}"/>
+                    </a:ext>
+                  </a:extLst>
+                </p:cNvPr>
+                <p:cNvPicPr/>
+                <p:nvPr/>
+              </p:nvPicPr>
+              <p:blipFill>
+                <a:blip r:embed="rId91"/>
+                <a:stretch>
+                  <a:fillRect/>
+                </a:stretch>
+              </p:blipFill>
+              <p:spPr>
+                <a:xfrm>
+                  <a:off x="607249" y="4016779"/>
+                  <a:ext cx="200880" cy="732960"/>
+                </a:xfrm>
+                <a:prstGeom prst="rect">
+                  <a:avLst/>
+                </a:prstGeom>
+              </p:spPr>
+            </p:pic>
+          </mc:Fallback>
+        </mc:AlternateContent>
+      </p:grpSp>
+      <mc:AlternateContent xmlns:mc="http://schemas.openxmlformats.org/markup-compatibility/2006">
+        <mc:Choice xmlns:p14="http://schemas.microsoft.com/office/powerpoint/2010/main" Requires="p14">
+          <p:contentPart p14:bwMode="auto" r:id="rId92">
+            <p14:nvContentPartPr>
+              <p14:cNvPr id="57" name="Ink 56">
+                <a:extLst>
+                  <a:ext uri="{FF2B5EF4-FFF2-40B4-BE49-F238E27FC236}">
+                    <a16:creationId xmlns:a16="http://schemas.microsoft.com/office/drawing/2014/main" id="{07215613-3838-4D33-8208-8EBB1AA98F90}"/>
+                  </a:ext>
+                </a:extLst>
+              </p14:cNvPr>
+              <p14:cNvContentPartPr/>
+              <p14:nvPr/>
+            </p14:nvContentPartPr>
+            <p14:xfrm>
+              <a:off x="838369" y="3772339"/>
+              <a:ext cx="501120" cy="61560"/>
+            </p14:xfrm>
+          </p:contentPart>
+        </mc:Choice>
+        <mc:Fallback>
+          <p:pic>
+            <p:nvPicPr>
+              <p:cNvPr id="57" name="Ink 56">
+                <a:extLst>
+                  <a:ext uri="{FF2B5EF4-FFF2-40B4-BE49-F238E27FC236}">
+                    <a16:creationId xmlns:a16="http://schemas.microsoft.com/office/drawing/2014/main" id="{07215613-3838-4D33-8208-8EBB1AA98F90}"/>
+                  </a:ext>
+                </a:extLst>
+              </p:cNvPr>
+              <p:cNvPicPr/>
+              <p:nvPr/>
+            </p:nvPicPr>
+            <p:blipFill>
+              <a:blip r:embed="rId93"/>
+              <a:stretch>
+                <a:fillRect/>
+              </a:stretch>
+            </p:blipFill>
+            <p:spPr>
+              <a:xfrm>
+                <a:off x="829729" y="3763699"/>
+                <a:ext cx="518760" cy="79200"/>
+              </a:xfrm>
+              <a:prstGeom prst="rect">
+                <a:avLst/>
+              </a:prstGeom>
+            </p:spPr>
+          </p:pic>
+        </mc:Fallback>
+      </mc:AlternateContent>
+      <mc:AlternateContent xmlns:mc="http://schemas.openxmlformats.org/markup-compatibility/2006">
+        <mc:Choice xmlns:p14="http://schemas.microsoft.com/office/powerpoint/2010/main" Requires="p14">
+          <p:contentPart p14:bwMode="auto" r:id="rId94">
+            <p14:nvContentPartPr>
+              <p14:cNvPr id="58" name="Ink 57">
+                <a:extLst>
+                  <a:ext uri="{FF2B5EF4-FFF2-40B4-BE49-F238E27FC236}">
+                    <a16:creationId xmlns:a16="http://schemas.microsoft.com/office/drawing/2014/main" id="{8A1BF1A6-A11C-4838-A2A5-E9716D05DD7F}"/>
+                  </a:ext>
+                </a:extLst>
+              </p14:cNvPr>
+              <p14:cNvContentPartPr/>
+              <p14:nvPr/>
+            </p14:nvContentPartPr>
+            <p14:xfrm>
+              <a:off x="3870649" y="3761899"/>
+              <a:ext cx="1156680" cy="63360"/>
+            </p14:xfrm>
+          </p:contentPart>
+        </mc:Choice>
+        <mc:Fallback>
+          <p:pic>
+            <p:nvPicPr>
+              <p:cNvPr id="58" name="Ink 57">
+                <a:extLst>
+                  <a:ext uri="{FF2B5EF4-FFF2-40B4-BE49-F238E27FC236}">
+                    <a16:creationId xmlns:a16="http://schemas.microsoft.com/office/drawing/2014/main" id="{8A1BF1A6-A11C-4838-A2A5-E9716D05DD7F}"/>
+                  </a:ext>
+                </a:extLst>
+              </p:cNvPr>
+              <p:cNvPicPr/>
+              <p:nvPr/>
+            </p:nvPicPr>
+            <p:blipFill>
+              <a:blip r:embed="rId95"/>
+              <a:stretch>
+                <a:fillRect/>
+              </a:stretch>
+            </p:blipFill>
+            <p:spPr>
+              <a:xfrm>
+                <a:off x="3861649" y="3753259"/>
+                <a:ext cx="1174320" cy="81000"/>
+              </a:xfrm>
+              <a:prstGeom prst="rect">
+                <a:avLst/>
+              </a:prstGeom>
+            </p:spPr>
+          </p:pic>
+        </mc:Fallback>
+      </mc:AlternateContent>
+      <mc:AlternateContent xmlns:mc="http://schemas.openxmlformats.org/markup-compatibility/2006">
+        <mc:Choice xmlns:p14="http://schemas.microsoft.com/office/powerpoint/2010/main" Requires="p14">
+          <p:contentPart p14:bwMode="auto" r:id="rId96">
+            <p14:nvContentPartPr>
+              <p14:cNvPr id="59" name="Ink 58">
+                <a:extLst>
+                  <a:ext uri="{FF2B5EF4-FFF2-40B4-BE49-F238E27FC236}">
+                    <a16:creationId xmlns:a16="http://schemas.microsoft.com/office/drawing/2014/main" id="{4270E398-5DBB-4347-8411-073FD6FD7F37}"/>
+                  </a:ext>
+                </a:extLst>
+              </p14:cNvPr>
+              <p14:cNvContentPartPr/>
+              <p14:nvPr/>
+            </p14:nvContentPartPr>
+            <p14:xfrm>
+              <a:off x="498169" y="3572539"/>
+              <a:ext cx="250200" cy="92520"/>
+            </p14:xfrm>
+          </p:contentPart>
+        </mc:Choice>
+        <mc:Fallback>
+          <p:pic>
+            <p:nvPicPr>
+              <p:cNvPr id="59" name="Ink 58">
+                <a:extLst>
+                  <a:ext uri="{FF2B5EF4-FFF2-40B4-BE49-F238E27FC236}">
+                    <a16:creationId xmlns:a16="http://schemas.microsoft.com/office/drawing/2014/main" id="{4270E398-5DBB-4347-8411-073FD6FD7F37}"/>
+                  </a:ext>
+                </a:extLst>
+              </p:cNvPr>
+              <p:cNvPicPr/>
+              <p:nvPr/>
+            </p:nvPicPr>
+            <p:blipFill>
+              <a:blip r:embed="rId97"/>
+              <a:stretch>
+                <a:fillRect/>
+              </a:stretch>
+            </p:blipFill>
+            <p:spPr>
+              <a:xfrm>
+                <a:off x="489529" y="3563539"/>
+                <a:ext cx="267840" cy="110160"/>
+              </a:xfrm>
+              <a:prstGeom prst="rect">
+                <a:avLst/>
+              </a:prstGeom>
+            </p:spPr>
+          </p:pic>
+        </mc:Fallback>
+      </mc:AlternateContent>
+      <mc:AlternateContent xmlns:mc="http://schemas.openxmlformats.org/markup-compatibility/2006">
+        <mc:Choice xmlns:p14="http://schemas.microsoft.com/office/powerpoint/2010/main" Requires="p14">
+          <p:contentPart p14:bwMode="auto" r:id="rId98">
+            <p14:nvContentPartPr>
+              <p14:cNvPr id="60" name="Ink 59">
+                <a:extLst>
+                  <a:ext uri="{FF2B5EF4-FFF2-40B4-BE49-F238E27FC236}">
+                    <a16:creationId xmlns:a16="http://schemas.microsoft.com/office/drawing/2014/main" id="{10B9884A-1BB9-48F5-911F-A43EAAA21203}"/>
+                  </a:ext>
+                </a:extLst>
+              </p14:cNvPr>
+              <p14:cNvContentPartPr/>
+              <p14:nvPr/>
+            </p14:nvContentPartPr>
+            <p14:xfrm>
+              <a:off x="492769" y="2871979"/>
+              <a:ext cx="280080" cy="141840"/>
+            </p14:xfrm>
+          </p:contentPart>
+        </mc:Choice>
+        <mc:Fallback>
+          <p:pic>
+            <p:nvPicPr>
+              <p:cNvPr id="60" name="Ink 59">
+                <a:extLst>
+                  <a:ext uri="{FF2B5EF4-FFF2-40B4-BE49-F238E27FC236}">
+                    <a16:creationId xmlns:a16="http://schemas.microsoft.com/office/drawing/2014/main" id="{10B9884A-1BB9-48F5-911F-A43EAAA21203}"/>
+                  </a:ext>
+                </a:extLst>
+              </p:cNvPr>
+              <p:cNvPicPr/>
+              <p:nvPr/>
+            </p:nvPicPr>
+            <p:blipFill>
+              <a:blip r:embed="rId99"/>
+              <a:stretch>
+                <a:fillRect/>
+              </a:stretch>
+            </p:blipFill>
+            <p:spPr>
+              <a:xfrm>
+                <a:off x="484129" y="2863339"/>
+                <a:ext cx="297720" cy="159480"/>
+              </a:xfrm>
+              <a:prstGeom prst="rect">
+                <a:avLst/>
+              </a:prstGeom>
+            </p:spPr>
+          </p:pic>
+        </mc:Fallback>
+      </mc:AlternateContent>
+      <p:grpSp>
+        <p:nvGrpSpPr>
+          <p:cNvPr id="70" name="Group 69">
+            <a:extLst>
+              <a:ext uri="{FF2B5EF4-FFF2-40B4-BE49-F238E27FC236}">
+                <a16:creationId xmlns:a16="http://schemas.microsoft.com/office/drawing/2014/main" id="{597B51B3-F1AD-49DF-9F0D-BADB46F9BCAE}"/>
+              </a:ext>
+            </a:extLst>
+          </p:cNvPr>
+          <p:cNvGrpSpPr/>
+          <p:nvPr/>
+        </p:nvGrpSpPr>
+        <p:grpSpPr>
+          <a:xfrm>
+            <a:off x="6166729" y="2753179"/>
+            <a:ext cx="2035080" cy="1023120"/>
+            <a:chOff x="6166729" y="2753179"/>
+            <a:chExt cx="2035080" cy="1023120"/>
+          </a:xfrm>
+        </p:grpSpPr>
+        <mc:AlternateContent xmlns:mc="http://schemas.openxmlformats.org/markup-compatibility/2006">
+          <mc:Choice xmlns:p14="http://schemas.microsoft.com/office/powerpoint/2010/main" Requires="p14">
+            <p:contentPart p14:bwMode="auto" r:id="rId100">
+              <p14:nvContentPartPr>
+                <p14:cNvPr id="61" name="Ink 60">
+                  <a:extLst>
+                    <a:ext uri="{FF2B5EF4-FFF2-40B4-BE49-F238E27FC236}">
+                      <a16:creationId xmlns:a16="http://schemas.microsoft.com/office/drawing/2014/main" id="{3243A976-F71C-4EF6-9476-4C3DF605E686}"/>
+                    </a:ext>
+                  </a:extLst>
+                </p14:cNvPr>
+                <p14:cNvContentPartPr/>
+                <p14:nvPr/>
+              </p14:nvContentPartPr>
+              <p14:xfrm>
+                <a:off x="6166729" y="2753179"/>
+                <a:ext cx="552600" cy="1023120"/>
+              </p14:xfrm>
+            </p:contentPart>
+          </mc:Choice>
+          <mc:Fallback>
+            <p:pic>
+              <p:nvPicPr>
+                <p:cNvPr id="61" name="Ink 60">
+                  <a:extLst>
+                    <a:ext uri="{FF2B5EF4-FFF2-40B4-BE49-F238E27FC236}">
+                      <a16:creationId xmlns:a16="http://schemas.microsoft.com/office/drawing/2014/main" id="{3243A976-F71C-4EF6-9476-4C3DF605E686}"/>
+                    </a:ext>
+                  </a:extLst>
+                </p:cNvPr>
+                <p:cNvPicPr/>
+                <p:nvPr/>
+              </p:nvPicPr>
+              <p:blipFill>
+                <a:blip r:embed="rId101"/>
+                <a:stretch>
+                  <a:fillRect/>
+                </a:stretch>
+              </p:blipFill>
+              <p:spPr>
+                <a:xfrm>
+                  <a:off x="6157729" y="2744539"/>
+                  <a:ext cx="570240" cy="1040760"/>
+                </a:xfrm>
+                <a:prstGeom prst="rect">
+                  <a:avLst/>
+                </a:prstGeom>
+              </p:spPr>
+            </p:pic>
+          </mc:Fallback>
+        </mc:AlternateContent>
+        <mc:AlternateContent xmlns:mc="http://schemas.openxmlformats.org/markup-compatibility/2006">
+          <mc:Choice xmlns:p14="http://schemas.microsoft.com/office/powerpoint/2010/main" Requires="p14">
+            <p:contentPart p14:bwMode="auto" r:id="rId102">
+              <p14:nvContentPartPr>
+                <p14:cNvPr id="62" name="Ink 61">
+                  <a:extLst>
+                    <a:ext uri="{FF2B5EF4-FFF2-40B4-BE49-F238E27FC236}">
+                      <a16:creationId xmlns:a16="http://schemas.microsoft.com/office/drawing/2014/main" id="{428F202E-CB0F-4F31-8CD9-FDEC9D183CAF}"/>
+                    </a:ext>
+                  </a:extLst>
+                </p14:cNvPr>
+                <p14:cNvContentPartPr/>
+                <p14:nvPr/>
+              </p14:nvContentPartPr>
+              <p14:xfrm>
+                <a:off x="6845689" y="3009139"/>
+                <a:ext cx="249840" cy="348840"/>
+              </p14:xfrm>
+            </p:contentPart>
+          </mc:Choice>
+          <mc:Fallback>
+            <p:pic>
+              <p:nvPicPr>
+                <p:cNvPr id="62" name="Ink 61">
+                  <a:extLst>
+                    <a:ext uri="{FF2B5EF4-FFF2-40B4-BE49-F238E27FC236}">
+                      <a16:creationId xmlns:a16="http://schemas.microsoft.com/office/drawing/2014/main" id="{428F202E-CB0F-4F31-8CD9-FDEC9D183CAF}"/>
+                    </a:ext>
+                  </a:extLst>
+                </p:cNvPr>
+                <p:cNvPicPr/>
+                <p:nvPr/>
+              </p:nvPicPr>
+              <p:blipFill>
+                <a:blip r:embed="rId103"/>
+                <a:stretch>
+                  <a:fillRect/>
+                </a:stretch>
+              </p:blipFill>
+              <p:spPr>
+                <a:xfrm>
+                  <a:off x="6837049" y="3000499"/>
+                  <a:ext cx="267480" cy="366480"/>
+                </a:xfrm>
+                <a:prstGeom prst="rect">
+                  <a:avLst/>
+                </a:prstGeom>
+              </p:spPr>
+            </p:pic>
+          </mc:Fallback>
+        </mc:AlternateContent>
+        <mc:AlternateContent xmlns:mc="http://schemas.openxmlformats.org/markup-compatibility/2006">
+          <mc:Choice xmlns:p14="http://schemas.microsoft.com/office/powerpoint/2010/main" Requires="p14">
+            <p:contentPart p14:bwMode="auto" r:id="rId104">
+              <p14:nvContentPartPr>
+                <p14:cNvPr id="63" name="Ink 62">
+                  <a:extLst>
+                    <a:ext uri="{FF2B5EF4-FFF2-40B4-BE49-F238E27FC236}">
+                      <a16:creationId xmlns:a16="http://schemas.microsoft.com/office/drawing/2014/main" id="{7A69677D-8268-476F-8220-0C6A572D1DB2}"/>
+                    </a:ext>
+                  </a:extLst>
+                </p14:cNvPr>
+                <p14:cNvContentPartPr/>
+                <p14:nvPr/>
+              </p14:nvContentPartPr>
+              <p14:xfrm>
+                <a:off x="7200649" y="2985019"/>
+                <a:ext cx="161640" cy="77040"/>
+              </p14:xfrm>
+            </p:contentPart>
+          </mc:Choice>
+          <mc:Fallback>
+            <p:pic>
+              <p:nvPicPr>
+                <p:cNvPr id="63" name="Ink 62">
+                  <a:extLst>
+                    <a:ext uri="{FF2B5EF4-FFF2-40B4-BE49-F238E27FC236}">
+                      <a16:creationId xmlns:a16="http://schemas.microsoft.com/office/drawing/2014/main" id="{7A69677D-8268-476F-8220-0C6A572D1DB2}"/>
+                    </a:ext>
+                  </a:extLst>
+                </p:cNvPr>
+                <p:cNvPicPr/>
+                <p:nvPr/>
+              </p:nvPicPr>
+              <p:blipFill>
+                <a:blip r:embed="rId105"/>
+                <a:stretch>
+                  <a:fillRect/>
+                </a:stretch>
+              </p:blipFill>
+              <p:spPr>
+                <a:xfrm>
+                  <a:off x="7191649" y="2976019"/>
+                  <a:ext cx="179280" cy="94680"/>
+                </a:xfrm>
+                <a:prstGeom prst="rect">
+                  <a:avLst/>
+                </a:prstGeom>
+              </p:spPr>
+            </p:pic>
+          </mc:Fallback>
+        </mc:AlternateContent>
+        <mc:AlternateContent xmlns:mc="http://schemas.openxmlformats.org/markup-compatibility/2006">
+          <mc:Choice xmlns:p14="http://schemas.microsoft.com/office/powerpoint/2010/main" Requires="p14">
+            <p:contentPart p14:bwMode="auto" r:id="rId106">
+              <p14:nvContentPartPr>
+                <p14:cNvPr id="64" name="Ink 63">
+                  <a:extLst>
+                    <a:ext uri="{FF2B5EF4-FFF2-40B4-BE49-F238E27FC236}">
+                      <a16:creationId xmlns:a16="http://schemas.microsoft.com/office/drawing/2014/main" id="{D1E7E7E1-90E1-4882-B441-C2B5AA58B6C4}"/>
+                    </a:ext>
+                  </a:extLst>
+                </p14:cNvPr>
+                <p14:cNvContentPartPr/>
+                <p14:nvPr/>
+              </p14:nvContentPartPr>
+              <p14:xfrm>
+                <a:off x="7073569" y="3006619"/>
+                <a:ext cx="188280" cy="264600"/>
+              </p14:xfrm>
+            </p:contentPart>
+          </mc:Choice>
+          <mc:Fallback>
+            <p:pic>
+              <p:nvPicPr>
+                <p:cNvPr id="64" name="Ink 63">
+                  <a:extLst>
+                    <a:ext uri="{FF2B5EF4-FFF2-40B4-BE49-F238E27FC236}">
+                      <a16:creationId xmlns:a16="http://schemas.microsoft.com/office/drawing/2014/main" id="{D1E7E7E1-90E1-4882-B441-C2B5AA58B6C4}"/>
+                    </a:ext>
+                  </a:extLst>
+                </p:cNvPr>
+                <p:cNvPicPr/>
+                <p:nvPr/>
+              </p:nvPicPr>
+              <p:blipFill>
+                <a:blip r:embed="rId107"/>
+                <a:stretch>
+                  <a:fillRect/>
+                </a:stretch>
+              </p:blipFill>
+              <p:spPr>
+                <a:xfrm>
+                  <a:off x="7064929" y="2997979"/>
+                  <a:ext cx="205920" cy="282240"/>
+                </a:xfrm>
+                <a:prstGeom prst="rect">
+                  <a:avLst/>
+                </a:prstGeom>
+              </p:spPr>
+            </p:pic>
+          </mc:Fallback>
+        </mc:AlternateContent>
+        <mc:AlternateContent xmlns:mc="http://schemas.openxmlformats.org/markup-compatibility/2006">
+          <mc:Choice xmlns:p14="http://schemas.microsoft.com/office/powerpoint/2010/main" Requires="p14">
+            <p:contentPart p14:bwMode="auto" r:id="rId108">
+              <p14:nvContentPartPr>
+                <p14:cNvPr id="65" name="Ink 64">
+                  <a:extLst>
+                    <a:ext uri="{FF2B5EF4-FFF2-40B4-BE49-F238E27FC236}">
+                      <a16:creationId xmlns:a16="http://schemas.microsoft.com/office/drawing/2014/main" id="{F7D1E006-49C1-49AE-8DE7-A048E7632790}"/>
+                    </a:ext>
+                  </a:extLst>
+                </p14:cNvPr>
+                <p14:cNvContentPartPr/>
+                <p14:nvPr/>
+              </p14:nvContentPartPr>
+              <p14:xfrm>
+                <a:off x="7315489" y="2926339"/>
+                <a:ext cx="240480" cy="373320"/>
+              </p14:xfrm>
+            </p:contentPart>
+          </mc:Choice>
+          <mc:Fallback>
+            <p:pic>
+              <p:nvPicPr>
+                <p:cNvPr id="65" name="Ink 64">
+                  <a:extLst>
+                    <a:ext uri="{FF2B5EF4-FFF2-40B4-BE49-F238E27FC236}">
+                      <a16:creationId xmlns:a16="http://schemas.microsoft.com/office/drawing/2014/main" id="{F7D1E006-49C1-49AE-8DE7-A048E7632790}"/>
+                    </a:ext>
+                  </a:extLst>
+                </p:cNvPr>
+                <p:cNvPicPr/>
+                <p:nvPr/>
+              </p:nvPicPr>
+              <p:blipFill>
+                <a:blip r:embed="rId109"/>
+                <a:stretch>
+                  <a:fillRect/>
+                </a:stretch>
+              </p:blipFill>
+              <p:spPr>
+                <a:xfrm>
+                  <a:off x="7306489" y="2917699"/>
+                  <a:ext cx="258120" cy="390960"/>
+                </a:xfrm>
+                <a:prstGeom prst="rect">
+                  <a:avLst/>
+                </a:prstGeom>
+              </p:spPr>
+            </p:pic>
+          </mc:Fallback>
+        </mc:AlternateContent>
+        <mc:AlternateContent xmlns:mc="http://schemas.openxmlformats.org/markup-compatibility/2006">
+          <mc:Choice xmlns:p14="http://schemas.microsoft.com/office/powerpoint/2010/main" Requires="p14">
+            <p:contentPart p14:bwMode="auto" r:id="rId110">
+              <p14:nvContentPartPr>
+                <p14:cNvPr id="66" name="Ink 65">
+                  <a:extLst>
+                    <a:ext uri="{FF2B5EF4-FFF2-40B4-BE49-F238E27FC236}">
+                      <a16:creationId xmlns:a16="http://schemas.microsoft.com/office/drawing/2014/main" id="{7F17E32F-1B13-4047-8495-FA5DD91FE4C1}"/>
+                    </a:ext>
+                  </a:extLst>
+                </p14:cNvPr>
+                <p14:cNvContentPartPr/>
+                <p14:nvPr/>
+              </p14:nvContentPartPr>
+              <p14:xfrm>
+                <a:off x="7420609" y="3160699"/>
+                <a:ext cx="92880" cy="104040"/>
+              </p14:xfrm>
+            </p:contentPart>
+          </mc:Choice>
+          <mc:Fallback>
+            <p:pic>
+              <p:nvPicPr>
+                <p:cNvPr id="66" name="Ink 65">
+                  <a:extLst>
+                    <a:ext uri="{FF2B5EF4-FFF2-40B4-BE49-F238E27FC236}">
+                      <a16:creationId xmlns:a16="http://schemas.microsoft.com/office/drawing/2014/main" id="{7F17E32F-1B13-4047-8495-FA5DD91FE4C1}"/>
+                    </a:ext>
+                  </a:extLst>
+                </p:cNvPr>
+                <p:cNvPicPr/>
+                <p:nvPr/>
+              </p:nvPicPr>
+              <p:blipFill>
+                <a:blip r:embed="rId111"/>
+                <a:stretch>
+                  <a:fillRect/>
+                </a:stretch>
+              </p:blipFill>
+              <p:spPr>
+                <a:xfrm>
+                  <a:off x="7411609" y="3151699"/>
+                  <a:ext cx="110520" cy="121680"/>
+                </a:xfrm>
+                <a:prstGeom prst="rect">
+                  <a:avLst/>
+                </a:prstGeom>
+              </p:spPr>
+            </p:pic>
+          </mc:Fallback>
+        </mc:AlternateContent>
+        <mc:AlternateContent xmlns:mc="http://schemas.openxmlformats.org/markup-compatibility/2006">
+          <mc:Choice xmlns:p14="http://schemas.microsoft.com/office/powerpoint/2010/main" Requires="p14">
+            <p:contentPart p14:bwMode="auto" r:id="rId112">
+              <p14:nvContentPartPr>
+                <p14:cNvPr id="67" name="Ink 66">
+                  <a:extLst>
+                    <a:ext uri="{FF2B5EF4-FFF2-40B4-BE49-F238E27FC236}">
+                      <a16:creationId xmlns:a16="http://schemas.microsoft.com/office/drawing/2014/main" id="{229B85DC-56D2-404F-978E-0561F39F11C2}"/>
+                    </a:ext>
+                  </a:extLst>
+                </p14:cNvPr>
+                <p14:cNvContentPartPr/>
+                <p14:nvPr/>
+              </p14:nvContentPartPr>
+              <p14:xfrm>
+                <a:off x="7638769" y="3085099"/>
+                <a:ext cx="230400" cy="132840"/>
+              </p14:xfrm>
+            </p:contentPart>
+          </mc:Choice>
+          <mc:Fallback>
+            <p:pic>
+              <p:nvPicPr>
+                <p:cNvPr id="67" name="Ink 66">
+                  <a:extLst>
+                    <a:ext uri="{FF2B5EF4-FFF2-40B4-BE49-F238E27FC236}">
+                      <a16:creationId xmlns:a16="http://schemas.microsoft.com/office/drawing/2014/main" id="{229B85DC-56D2-404F-978E-0561F39F11C2}"/>
+                    </a:ext>
+                  </a:extLst>
+                </p:cNvPr>
+                <p:cNvPicPr/>
+                <p:nvPr/>
+              </p:nvPicPr>
+              <p:blipFill>
+                <a:blip r:embed="rId113"/>
+                <a:stretch>
+                  <a:fillRect/>
+                </a:stretch>
+              </p:blipFill>
+              <p:spPr>
+                <a:xfrm>
+                  <a:off x="7629769" y="3076099"/>
+                  <a:ext cx="248040" cy="150480"/>
+                </a:xfrm>
+                <a:prstGeom prst="rect">
+                  <a:avLst/>
+                </a:prstGeom>
+              </p:spPr>
+            </p:pic>
+          </mc:Fallback>
+        </mc:AlternateContent>
+        <mc:AlternateContent xmlns:mc="http://schemas.openxmlformats.org/markup-compatibility/2006">
+          <mc:Choice xmlns:p14="http://schemas.microsoft.com/office/powerpoint/2010/main" Requires="p14">
+            <p:contentPart p14:bwMode="auto" r:id="rId114">
+              <p14:nvContentPartPr>
+                <p14:cNvPr id="68" name="Ink 67">
+                  <a:extLst>
+                    <a:ext uri="{FF2B5EF4-FFF2-40B4-BE49-F238E27FC236}">
+                      <a16:creationId xmlns:a16="http://schemas.microsoft.com/office/drawing/2014/main" id="{2F7FA501-50C9-46B9-BCE6-D0C23BC01E31}"/>
+                    </a:ext>
+                  </a:extLst>
+                </p14:cNvPr>
+                <p14:cNvContentPartPr/>
+                <p14:nvPr/>
+              </p14:nvContentPartPr>
+              <p14:xfrm>
+                <a:off x="7922809" y="3114979"/>
+                <a:ext cx="142920" cy="83880"/>
+              </p14:xfrm>
+            </p:contentPart>
+          </mc:Choice>
+          <mc:Fallback>
+            <p:pic>
+              <p:nvPicPr>
+                <p:cNvPr id="68" name="Ink 67">
+                  <a:extLst>
+                    <a:ext uri="{FF2B5EF4-FFF2-40B4-BE49-F238E27FC236}">
+                      <a16:creationId xmlns:a16="http://schemas.microsoft.com/office/drawing/2014/main" id="{2F7FA501-50C9-46B9-BCE6-D0C23BC01E31}"/>
+                    </a:ext>
+                  </a:extLst>
+                </p:cNvPr>
+                <p:cNvPicPr/>
+                <p:nvPr/>
+              </p:nvPicPr>
+              <p:blipFill>
+                <a:blip r:embed="rId115"/>
+                <a:stretch>
+                  <a:fillRect/>
+                </a:stretch>
+              </p:blipFill>
+              <p:spPr>
+                <a:xfrm>
+                  <a:off x="7914169" y="3105979"/>
+                  <a:ext cx="160560" cy="101520"/>
+                </a:xfrm>
+                <a:prstGeom prst="rect">
+                  <a:avLst/>
+                </a:prstGeom>
+              </p:spPr>
+            </p:pic>
+          </mc:Fallback>
+        </mc:AlternateContent>
+        <mc:AlternateContent xmlns:mc="http://schemas.openxmlformats.org/markup-compatibility/2006">
+          <mc:Choice xmlns:p14="http://schemas.microsoft.com/office/powerpoint/2010/main" Requires="p14">
+            <p:contentPart p14:bwMode="auto" r:id="rId116">
+              <p14:nvContentPartPr>
+                <p14:cNvPr id="69" name="Ink 68">
+                  <a:extLst>
+                    <a:ext uri="{FF2B5EF4-FFF2-40B4-BE49-F238E27FC236}">
+                      <a16:creationId xmlns:a16="http://schemas.microsoft.com/office/drawing/2014/main" id="{73C92145-92DD-40D6-8966-519913CE2041}"/>
+                    </a:ext>
+                  </a:extLst>
+                </p14:cNvPr>
+                <p14:cNvContentPartPr/>
+                <p14:nvPr/>
+              </p14:nvContentPartPr>
+              <p14:xfrm>
+                <a:off x="8065369" y="3098419"/>
+                <a:ext cx="136440" cy="132840"/>
+              </p14:xfrm>
+            </p:contentPart>
+          </mc:Choice>
+          <mc:Fallback>
+            <p:pic>
+              <p:nvPicPr>
+                <p:cNvPr id="69" name="Ink 68">
+                  <a:extLst>
+                    <a:ext uri="{FF2B5EF4-FFF2-40B4-BE49-F238E27FC236}">
+                      <a16:creationId xmlns:a16="http://schemas.microsoft.com/office/drawing/2014/main" id="{73C92145-92DD-40D6-8966-519913CE2041}"/>
+                    </a:ext>
+                  </a:extLst>
+                </p:cNvPr>
+                <p:cNvPicPr/>
+                <p:nvPr/>
+              </p:nvPicPr>
+              <p:blipFill>
+                <a:blip r:embed="rId117"/>
+                <a:stretch>
+                  <a:fillRect/>
+                </a:stretch>
+              </p:blipFill>
+              <p:spPr>
+                <a:xfrm>
+                  <a:off x="8056729" y="3089779"/>
+                  <a:ext cx="154080" cy="150480"/>
+                </a:xfrm>
+                <a:prstGeom prst="rect">
+                  <a:avLst/>
+                </a:prstGeom>
+              </p:spPr>
+            </p:pic>
+          </mc:Fallback>
+        </mc:AlternateContent>
+      </p:grpSp>
+      <mc:AlternateContent xmlns:mc="http://schemas.openxmlformats.org/markup-compatibility/2006">
+        <mc:Choice xmlns:p14="http://schemas.microsoft.com/office/powerpoint/2010/main" Requires="p14">
+          <p:contentPart p14:bwMode="auto" r:id="rId118">
+            <p14:nvContentPartPr>
+              <p14:cNvPr id="71" name="Ink 70">
+                <a:extLst>
+                  <a:ext uri="{FF2B5EF4-FFF2-40B4-BE49-F238E27FC236}">
+                    <a16:creationId xmlns:a16="http://schemas.microsoft.com/office/drawing/2014/main" id="{130574B5-6667-4D01-9549-4E1969FF4FD1}"/>
+                  </a:ext>
+                </a:extLst>
+              </p14:cNvPr>
+              <p14:cNvContentPartPr/>
+              <p14:nvPr/>
+            </p14:nvContentPartPr>
+            <p14:xfrm>
+              <a:off x="3120769" y="4431859"/>
+              <a:ext cx="518400" cy="22680"/>
+            </p14:xfrm>
+          </p:contentPart>
+        </mc:Choice>
+        <mc:Fallback>
+          <p:pic>
+            <p:nvPicPr>
+              <p:cNvPr id="71" name="Ink 70">
+                <a:extLst>
+                  <a:ext uri="{FF2B5EF4-FFF2-40B4-BE49-F238E27FC236}">
+                    <a16:creationId xmlns:a16="http://schemas.microsoft.com/office/drawing/2014/main" id="{130574B5-6667-4D01-9549-4E1969FF4FD1}"/>
+                  </a:ext>
+                </a:extLst>
+              </p:cNvPr>
+              <p:cNvPicPr/>
+              <p:nvPr/>
+            </p:nvPicPr>
+            <p:blipFill>
+              <a:blip r:embed="rId119"/>
+              <a:stretch>
+                <a:fillRect/>
+              </a:stretch>
+            </p:blipFill>
+            <p:spPr>
+              <a:xfrm>
+                <a:off x="3112129" y="4422859"/>
+                <a:ext cx="536040" cy="40320"/>
+              </a:xfrm>
+              <a:prstGeom prst="rect">
+                <a:avLst/>
+              </a:prstGeom>
+            </p:spPr>
+          </p:pic>
+        </mc:Fallback>
+      </mc:AlternateContent>
+      <mc:AlternateContent xmlns:mc="http://schemas.openxmlformats.org/markup-compatibility/2006">
+        <mc:Choice xmlns:p14="http://schemas.microsoft.com/office/powerpoint/2010/main" Requires="p14">
+          <p:contentPart p14:bwMode="auto" r:id="rId120">
+            <p14:nvContentPartPr>
+              <p14:cNvPr id="72" name="Ink 71">
+                <a:extLst>
+                  <a:ext uri="{FF2B5EF4-FFF2-40B4-BE49-F238E27FC236}">
+                    <a16:creationId xmlns:a16="http://schemas.microsoft.com/office/drawing/2014/main" id="{CFA3B379-11D6-46D7-8DD3-FB8CA3E818ED}"/>
+                  </a:ext>
+                </a:extLst>
+              </p14:cNvPr>
+              <p14:cNvContentPartPr/>
+              <p14:nvPr/>
+            </p14:nvContentPartPr>
+            <p14:xfrm>
+              <a:off x="2679769" y="4694659"/>
+              <a:ext cx="562320" cy="48240"/>
+            </p14:xfrm>
+          </p:contentPart>
+        </mc:Choice>
+        <mc:Fallback>
+          <p:pic>
+            <p:nvPicPr>
+              <p:cNvPr id="72" name="Ink 71">
+                <a:extLst>
+                  <a:ext uri="{FF2B5EF4-FFF2-40B4-BE49-F238E27FC236}">
+                    <a16:creationId xmlns:a16="http://schemas.microsoft.com/office/drawing/2014/main" id="{CFA3B379-11D6-46D7-8DD3-FB8CA3E818ED}"/>
+                  </a:ext>
+                </a:extLst>
+              </p:cNvPr>
+              <p:cNvPicPr/>
+              <p:nvPr/>
+            </p:nvPicPr>
+            <p:blipFill>
+              <a:blip r:embed="rId121"/>
+              <a:stretch>
+                <a:fillRect/>
+              </a:stretch>
+            </p:blipFill>
+            <p:spPr>
+              <a:xfrm>
+                <a:off x="2671129" y="4685659"/>
+                <a:ext cx="579960" cy="65880"/>
+              </a:xfrm>
+              <a:prstGeom prst="rect">
+                <a:avLst/>
+              </a:prstGeom>
+            </p:spPr>
+          </p:pic>
+        </mc:Fallback>
+      </mc:AlternateContent>
     </p:spTree>
     <p:extLst>
       <p:ext uri="{BB962C8B-B14F-4D97-AF65-F5344CB8AC3E}">
